--- a/02_Projects/Enabling Verifiable Search and Integrity Auditing  in Encrypted Decentralized Storage Using  One Proof/PPT/汇报ppt.pptx
+++ b/02_Projects/Enabling Verifiable Search and Integrity Auditing  in Encrypted Decentralized Storage Using  One Proof/PPT/汇报ppt.pptx
@@ -5,7 +5,7 @@
     <p:sldMasterId id="2147483661" r:id="rId1"/>
   </p:sldMasterIdLst>
   <p:notesMasterIdLst>
-    <p:notesMasterId r:id="rId17"/>
+    <p:notesMasterId r:id="rId23"/>
   </p:notesMasterIdLst>
   <p:sldIdLst>
     <p:sldId id="256" r:id="rId2"/>
@@ -13,16 +13,22 @@
     <p:sldId id="257" r:id="rId4"/>
     <p:sldId id="276" r:id="rId5"/>
     <p:sldId id="277" r:id="rId6"/>
-    <p:sldId id="278" r:id="rId7"/>
-    <p:sldId id="281" r:id="rId8"/>
-    <p:sldId id="279" r:id="rId9"/>
-    <p:sldId id="280" r:id="rId10"/>
-    <p:sldId id="285" r:id="rId11"/>
-    <p:sldId id="282" r:id="rId12"/>
-    <p:sldId id="283" r:id="rId13"/>
-    <p:sldId id="284" r:id="rId14"/>
-    <p:sldId id="275" r:id="rId15"/>
-    <p:sldId id="273" r:id="rId16"/>
+    <p:sldId id="290" r:id="rId7"/>
+    <p:sldId id="278" r:id="rId8"/>
+    <p:sldId id="281" r:id="rId9"/>
+    <p:sldId id="279" r:id="rId10"/>
+    <p:sldId id="291" r:id="rId11"/>
+    <p:sldId id="280" r:id="rId12"/>
+    <p:sldId id="285" r:id="rId13"/>
+    <p:sldId id="282" r:id="rId14"/>
+    <p:sldId id="283" r:id="rId15"/>
+    <p:sldId id="286" r:id="rId16"/>
+    <p:sldId id="288" r:id="rId17"/>
+    <p:sldId id="284" r:id="rId18"/>
+    <p:sldId id="289" r:id="rId19"/>
+    <p:sldId id="287" r:id="rId20"/>
+    <p:sldId id="275" r:id="rId21"/>
+    <p:sldId id="273" r:id="rId22"/>
   </p:sldIdLst>
   <p:sldSz cx="9144000" cy="6858000" type="screen4x3"/>
   <p:notesSz cx="6858000" cy="9144000"/>
@@ -211,7 +217,7 @@
           <a:p>
             <a:fld id="{86D9CFD8-CAB8-48EB-8F6E-38F2E3A6F7FF}" type="datetimeFigureOut">
               <a:rPr lang="zh-CN" altLang="en-US" smtClean="0"/>
-              <a:t>2025/11/28</a:t>
+              <a:t>2025/11/29</a:t>
             </a:fld>
             <a:endParaRPr lang="zh-CN" altLang="en-US"/>
           </a:p>
@@ -609,7 +615,7 @@
           <a:p>
             <a:fld id="{F5C4B063-6D8F-4781-B5C5-AE4C2C0FD4A4}" type="datetimeFigureOut">
               <a:rPr lang="zh-CN" altLang="en-US" smtClean="0"/>
-              <a:t>2025/11/28</a:t>
+              <a:t>2025/11/29</a:t>
             </a:fld>
             <a:endParaRPr lang="zh-CN" altLang="en-US"/>
           </a:p>
@@ -871,7 +877,7 @@
           <a:p>
             <a:fld id="{F5C4B063-6D8F-4781-B5C5-AE4C2C0FD4A4}" type="datetimeFigureOut">
               <a:rPr lang="zh-CN" altLang="en-US" smtClean="0"/>
-              <a:t>2025/11/28</a:t>
+              <a:t>2025/11/29</a:t>
             </a:fld>
             <a:endParaRPr lang="zh-CN" altLang="en-US"/>
           </a:p>
@@ -1041,7 +1047,7 @@
           <a:p>
             <a:fld id="{F5C4B063-6D8F-4781-B5C5-AE4C2C0FD4A4}" type="datetimeFigureOut">
               <a:rPr lang="zh-CN" altLang="en-US" smtClean="0"/>
-              <a:t>2025/11/28</a:t>
+              <a:t>2025/11/29</a:t>
             </a:fld>
             <a:endParaRPr lang="zh-CN" altLang="en-US"/>
           </a:p>
@@ -1221,7 +1227,7 @@
           <a:p>
             <a:fld id="{F5C4B063-6D8F-4781-B5C5-AE4C2C0FD4A4}" type="datetimeFigureOut">
               <a:rPr lang="zh-CN" altLang="en-US" smtClean="0"/>
-              <a:t>2025/11/28</a:t>
+              <a:t>2025/11/29</a:t>
             </a:fld>
             <a:endParaRPr lang="zh-CN" altLang="en-US"/>
           </a:p>
@@ -1322,7 +1328,7 @@
           <a:p>
             <a:fld id="{F5C4B063-6D8F-4781-B5C5-AE4C2C0FD4A4}" type="datetimeFigureOut">
               <a:rPr lang="zh-CN" altLang="en-US" smtClean="0"/>
-              <a:t>2025/11/28</a:t>
+              <a:t>2025/11/29</a:t>
             </a:fld>
             <a:endParaRPr lang="zh-CN" altLang="en-US"/>
           </a:p>
@@ -2384,7 +2390,7 @@
           <a:p>
             <a:fld id="{413C4906-7EA5-408D-A778-BE10735DF782}" type="datetime1">
               <a:rPr lang="zh-CN" altLang="en-US" smtClean="0"/>
-              <a:t>2025/11/28</a:t>
+              <a:t>2025/11/29</a:t>
             </a:fld>
             <a:endParaRPr lang="zh-CN" altLang="en-US"/>
           </a:p>
@@ -2835,7 +2841,7 @@
           <a:p>
             <a:fld id="{413C4906-7EA5-408D-A778-BE10735DF782}" type="datetime1">
               <a:rPr lang="zh-CN" altLang="en-US" smtClean="0"/>
-              <a:t>2025/11/28</a:t>
+              <a:t>2025/11/29</a:t>
             </a:fld>
             <a:endParaRPr lang="zh-CN" altLang="en-US"/>
           </a:p>
@@ -3026,7 +3032,7 @@
           <a:p>
             <a:fld id="{F5C4B063-6D8F-4781-B5C5-AE4C2C0FD4A4}" type="datetimeFigureOut">
               <a:rPr lang="zh-CN" altLang="en-US" smtClean="0"/>
-              <a:t>2025/11/28</a:t>
+              <a:t>2025/11/29</a:t>
             </a:fld>
             <a:endParaRPr lang="zh-CN" altLang="en-US"/>
           </a:p>
@@ -3316,7 +3322,7 @@
           <a:p>
             <a:fld id="{F5C4B063-6D8F-4781-B5C5-AE4C2C0FD4A4}" type="datetimeFigureOut">
               <a:rPr lang="zh-CN" altLang="en-US" smtClean="0"/>
-              <a:t>2025/11/28</a:t>
+              <a:t>2025/11/29</a:t>
             </a:fld>
             <a:endParaRPr lang="zh-CN" altLang="en-US"/>
           </a:p>
@@ -3548,7 +3554,7 @@
           <a:p>
             <a:fld id="{F5C4B063-6D8F-4781-B5C5-AE4C2C0FD4A4}" type="datetimeFigureOut">
               <a:rPr lang="zh-CN" altLang="en-US" smtClean="0"/>
-              <a:t>2025/11/28</a:t>
+              <a:t>2025/11/29</a:t>
             </a:fld>
             <a:endParaRPr lang="zh-CN" altLang="en-US"/>
           </a:p>
@@ -3961,7 +3967,7 @@
           <a:p>
             <a:fld id="{F5C4B063-6D8F-4781-B5C5-AE4C2C0FD4A4}" type="datetimeFigureOut">
               <a:rPr lang="zh-CN" altLang="en-US" smtClean="0"/>
-              <a:t>2025/11/28</a:t>
+              <a:t>2025/11/29</a:t>
             </a:fld>
             <a:endParaRPr lang="zh-CN" altLang="en-US"/>
           </a:p>
@@ -4125,7 +4131,7 @@
           <a:p>
             <a:fld id="{F5C4B063-6D8F-4781-B5C5-AE4C2C0FD4A4}" type="datetimeFigureOut">
               <a:rPr lang="zh-CN" altLang="en-US" smtClean="0"/>
-              <a:t>2025/11/28</a:t>
+              <a:t>2025/11/29</a:t>
             </a:fld>
             <a:endParaRPr lang="zh-CN" altLang="en-US"/>
           </a:p>
@@ -4266,7 +4272,7 @@
           <a:p>
             <a:fld id="{F5C4B063-6D8F-4781-B5C5-AE4C2C0FD4A4}" type="datetimeFigureOut">
               <a:rPr lang="zh-CN" altLang="en-US" smtClean="0"/>
-              <a:t>2025/11/28</a:t>
+              <a:t>2025/11/29</a:t>
             </a:fld>
             <a:endParaRPr lang="zh-CN" altLang="en-US"/>
           </a:p>
@@ -4407,7 +4413,7 @@
           <a:p>
             <a:fld id="{F5C4B063-6D8F-4781-B5C5-AE4C2C0FD4A4}" type="datetimeFigureOut">
               <a:rPr lang="zh-CN" altLang="en-US" smtClean="0"/>
-              <a:t>2025/11/28</a:t>
+              <a:t>2025/11/29</a:t>
             </a:fld>
             <a:endParaRPr lang="zh-CN" altLang="en-US"/>
           </a:p>
@@ -4684,7 +4690,7 @@
           <a:p>
             <a:fld id="{F5C4B063-6D8F-4781-B5C5-AE4C2C0FD4A4}" type="datetimeFigureOut">
               <a:rPr lang="zh-CN" altLang="en-US" smtClean="0"/>
-              <a:t>2025/11/28</a:t>
+              <a:t>2025/11/29</a:t>
             </a:fld>
             <a:endParaRPr lang="zh-CN" altLang="en-US"/>
           </a:p>
@@ -4897,7 +4903,7 @@
           <a:p>
             <a:fld id="{F5C4B063-6D8F-4781-B5C5-AE4C2C0FD4A4}" type="datetimeFigureOut">
               <a:rPr lang="zh-CN" altLang="en-US" smtClean="0"/>
-              <a:t>2025/11/28</a:t>
+              <a:t>2025/11/29</a:t>
             </a:fld>
             <a:endParaRPr lang="zh-CN" altLang="en-US"/>
           </a:p>
@@ -5690,56 +5696,21 @@
         </p:nvSpPr>
         <p:spPr/>
         <p:txBody>
-          <a:bodyPr>
-            <a:normAutofit/>
-          </a:bodyPr>
+          <a:bodyPr/>
           <a:lstStyle/>
           <a:p>
+            <a:r>
+              <a:rPr lang="zh-CN" altLang="en-US" dirty="0"/>
+              <a:t>参数选择</a:t>
+            </a:r>
             <a:endParaRPr lang="en-US" altLang="zh-CN" dirty="0"/>
           </a:p>
           <a:p>
-            <a:endParaRPr lang="en-US" altLang="zh-CN" dirty="0"/>
-          </a:p>
-          <a:p>
-            <a:endParaRPr lang="en-US" altLang="zh-CN" dirty="0"/>
-          </a:p>
-          <a:p>
-            <a:endParaRPr lang="en-US" altLang="zh-CN" dirty="0"/>
-          </a:p>
-          <a:p>
-            <a:endParaRPr lang="en-US" altLang="zh-CN" dirty="0"/>
-          </a:p>
-          <a:p>
-            <a:pPr marL="0" indent="0">
-              <a:buNone/>
-            </a:pPr>
-            <a:endParaRPr lang="en-US" altLang="zh-CN" dirty="0"/>
-          </a:p>
-          <a:p>
-            <a:pPr marL="0" indent="0">
-              <a:buNone/>
-            </a:pPr>
-            <a:endParaRPr lang="en-US" altLang="zh-CN" dirty="0"/>
-          </a:p>
-          <a:p>
-            <a:r>
-              <a:rPr lang="zh-CN" altLang="en-US" dirty="0"/>
-              <a:t>将客户端发送的数据存储在索引数据库与密文数据库。</a:t>
-            </a:r>
-            <a:endParaRPr lang="en-US" altLang="zh-CN" dirty="0"/>
-          </a:p>
-          <a:p>
-            <a:r>
-              <a:rPr lang="zh-CN" altLang="en-US" dirty="0"/>
-              <a:t>插入操作完成。</a:t>
-            </a:r>
-            <a:endParaRPr lang="en-US" altLang="zh-CN" dirty="0"/>
-          </a:p>
-          <a:p>
-            <a:endParaRPr lang="en-US" altLang="zh-CN" dirty="0"/>
-          </a:p>
-          <a:p>
-            <a:endParaRPr lang="en-US" altLang="zh-CN" dirty="0"/>
+            <a:r>
+              <a:rPr lang="zh-CN" altLang="en-US" b="1" dirty="0"/>
+              <a:t>函数</a:t>
+            </a:r>
+            <a:endParaRPr lang="en-US" altLang="zh-CN" b="1" dirty="0"/>
           </a:p>
           <a:p>
             <a:pPr lvl="1"/>
@@ -5761,7 +5732,7 @@
         </p:nvSpPr>
         <p:spPr>
           <a:xfrm>
-            <a:off x="628650" y="1321308"/>
+            <a:off x="628650" y="1291771"/>
             <a:ext cx="7886700" cy="461665"/>
           </a:xfrm>
           <a:prstGeom prst="rect">
@@ -5784,23 +5755,7 @@
                   <a:schemeClr val="bg1"/>
                 </a:solidFill>
               </a:rPr>
-              <a:t>插入操作实现</a:t>
-            </a:r>
-            <a:r>
-              <a:rPr lang="en-US" altLang="zh-CN" sz="2400" dirty="0">
-                <a:solidFill>
-                  <a:schemeClr val="bg1"/>
-                </a:solidFill>
-              </a:rPr>
-              <a:t>/</a:t>
-            </a:r>
-            <a:r>
-              <a:rPr lang="zh-CN" altLang="en-US" sz="2400" dirty="0">
-                <a:solidFill>
-                  <a:schemeClr val="bg1"/>
-                </a:solidFill>
-              </a:rPr>
-              <a:t>服务端</a:t>
+              <a:t>系统初始化</a:t>
             </a:r>
             <a:endParaRPr lang="zh-CN" altLang="en-US" sz="2400" dirty="0"/>
           </a:p>
@@ -5836,46 +5791,16 @@
           <a:p>
             <a:r>
               <a:rPr lang="en-US" altLang="zh-CN" dirty="0"/>
-              <a:t>1</a:t>
+              <a:t>5</a:t>
             </a:r>
             <a:endParaRPr lang="zh-CN" altLang="en-US" dirty="0"/>
           </a:p>
         </p:txBody>
       </p:sp>
-      <p:pic>
-        <p:nvPicPr>
-          <p:cNvPr id="5" name="图片 4">
-            <a:extLst>
-              <a:ext uri="{FF2B5EF4-FFF2-40B4-BE49-F238E27FC236}">
-                <a16:creationId xmlns:a16="http://schemas.microsoft.com/office/drawing/2014/main" id="{9C2C8605-9140-7635-BE32-3820CE140DF1}"/>
-              </a:ext>
-            </a:extLst>
-          </p:cNvPr>
-          <p:cNvPicPr>
-            <a:picLocks noChangeAspect="1"/>
-          </p:cNvPicPr>
-          <p:nvPr/>
-        </p:nvPicPr>
-        <p:blipFill>
-          <a:blip r:embed="rId2"/>
-          <a:stretch>
-            <a:fillRect/>
-          </a:stretch>
-        </p:blipFill>
-        <p:spPr>
-          <a:xfrm>
-            <a:off x="1449091" y="1824494"/>
-            <a:ext cx="5680129" cy="2939808"/>
-          </a:xfrm>
-          <a:prstGeom prst="rect">
-            <a:avLst/>
-          </a:prstGeom>
-        </p:spPr>
-      </p:pic>
     </p:spTree>
     <p:extLst>
       <p:ext uri="{BB962C8B-B14F-4D97-AF65-F5344CB8AC3E}">
-        <p14:creationId xmlns:p14="http://schemas.microsoft.com/office/powerpoint/2010/main" val="2690258638"/>
+        <p14:creationId xmlns:p14="http://schemas.microsoft.com/office/powerpoint/2010/main" val="3446414729"/>
       </p:ext>
     </p:extLst>
   </p:cSld>
@@ -5931,46 +5856,1808 @@
           </a:p>
         </p:txBody>
       </p:sp>
-      <p:sp>
-        <p:nvSpPr>
-          <p:cNvPr id="11" name="内容占位符 10">
-            <a:extLst>
-              <a:ext uri="{FF2B5EF4-FFF2-40B4-BE49-F238E27FC236}">
-                <a16:creationId xmlns:a16="http://schemas.microsoft.com/office/drawing/2014/main" id="{A13EE26B-CB8B-B743-C433-841589786484}"/>
-              </a:ext>
-            </a:extLst>
-          </p:cNvPr>
-          <p:cNvSpPr>
-            <a:spLocks noGrp="1"/>
-          </p:cNvSpPr>
-          <p:nvPr>
-            <p:ph idx="1"/>
-          </p:nvPr>
-        </p:nvSpPr>
-        <p:spPr/>
-        <p:txBody>
-          <a:bodyPr/>
-          <a:lstStyle/>
-          <a:p>
-            <a:r>
-              <a:rPr lang="zh-CN" altLang="en-US" dirty="0"/>
-              <a:t>密码学知识</a:t>
-            </a:r>
-            <a:endParaRPr lang="en-US" altLang="zh-CN" dirty="0"/>
-          </a:p>
-          <a:p>
-            <a:r>
-              <a:rPr lang="zh-CN" altLang="en-US" dirty="0"/>
-              <a:t>双线性配对</a:t>
-            </a:r>
-            <a:endParaRPr lang="en-US" altLang="zh-CN" dirty="0"/>
-          </a:p>
-          <a:p>
-            <a:pPr lvl="1"/>
-            <a:endParaRPr lang="en-US" altLang="zh-CN" dirty="0"/>
-          </a:p>
-        </p:txBody>
-      </p:sp>
+      <mc:AlternateContent xmlns:mc="http://schemas.openxmlformats.org/markup-compatibility/2006">
+        <mc:Choice xmlns:a14="http://schemas.microsoft.com/office/drawing/2010/main" Requires="a14">
+          <p:sp>
+            <p:nvSpPr>
+              <p:cNvPr id="11" name="内容占位符 10">
+                <a:extLst>
+                  <a:ext uri="{FF2B5EF4-FFF2-40B4-BE49-F238E27FC236}">
+                    <a16:creationId xmlns:a16="http://schemas.microsoft.com/office/drawing/2014/main" id="{A13EE26B-CB8B-B743-C433-841589786484}"/>
+                  </a:ext>
+                </a:extLst>
+              </p:cNvPr>
+              <p:cNvSpPr>
+                <a:spLocks noGrp="1"/>
+              </p:cNvSpPr>
+              <p:nvPr>
+                <p:ph idx="1"/>
+              </p:nvPr>
+            </p:nvSpPr>
+            <p:spPr>
+              <a:xfrm>
+                <a:off x="628650" y="1825623"/>
+                <a:ext cx="7886700" cy="5032377"/>
+              </a:xfrm>
+            </p:spPr>
+            <p:txBody>
+              <a:bodyPr>
+                <a:normAutofit lnSpcReduction="10000"/>
+              </a:bodyPr>
+              <a:lstStyle/>
+              <a:p>
+                <a:endParaRPr lang="en-US" altLang="zh-CN" dirty="0"/>
+              </a:p>
+              <a:p>
+                <a:pPr lvl="1"/>
+                <a:endParaRPr lang="en-US" altLang="zh-CN" dirty="0"/>
+              </a:p>
+              <a:p>
+                <a:pPr lvl="1"/>
+                <a:endParaRPr lang="en-US" altLang="zh-CN" dirty="0"/>
+              </a:p>
+              <a:p>
+                <a:pPr marL="457200" lvl="1" indent="0">
+                  <a:buNone/>
+                </a:pPr>
+                <a:endParaRPr lang="en-US" altLang="zh-CN" dirty="0"/>
+              </a:p>
+              <a:p>
+                <a:pPr lvl="1"/>
+                <a:r>
+                  <a:rPr lang="en-US" altLang="zh-CN" dirty="0"/>
+                  <a:t>1.</a:t>
+                </a:r>
+                <a:r>
+                  <a:rPr lang="zh-CN" altLang="en-US" dirty="0"/>
+                  <a:t>输入文件</a:t>
+                </a:r>
+                <a:r>
+                  <a:rPr lang="en-US" altLang="zh-CN" dirty="0"/>
+                  <a:t>(</a:t>
+                </a:r>
+                <a14:m>
+                  <m:oMath xmlns:m="http://schemas.openxmlformats.org/officeDocument/2006/math">
+                    <m:r>
+                      <a:rPr lang="en-US" altLang="zh-CN" b="0" i="1" smtClean="0">
+                        <a:latin typeface="Cambria Math" panose="02040503050406030204" pitchFamily="18" charset="0"/>
+                      </a:rPr>
+                      <m:t>𝐹</m:t>
+                    </m:r>
+                    <m:r>
+                      <a:rPr lang="en-US" altLang="zh-CN" b="0" i="1" smtClean="0">
+                        <a:latin typeface="Cambria Math" panose="02040503050406030204" pitchFamily="18" charset="0"/>
+                      </a:rPr>
+                      <m:t>=</m:t>
+                    </m:r>
+                    <m:sSubSup>
+                      <m:sSubSupPr>
+                        <m:ctrlPr>
+                          <a:rPr lang="en-US" altLang="zh-CN" b="0" i="1" smtClean="0">
+                            <a:latin typeface="Cambria Math" panose="02040503050406030204" pitchFamily="18" charset="0"/>
+                          </a:rPr>
+                        </m:ctrlPr>
+                      </m:sSubSupPr>
+                      <m:e>
+                        <m:d>
+                          <m:dPr>
+                            <m:begChr m:val="{"/>
+                            <m:endChr m:val="}"/>
+                            <m:ctrlPr>
+                              <a:rPr lang="en-US" altLang="zh-CN" b="0" i="1" smtClean="0">
+                                <a:latin typeface="Cambria Math" panose="02040503050406030204" pitchFamily="18" charset="0"/>
+                              </a:rPr>
+                            </m:ctrlPr>
+                          </m:dPr>
+                          <m:e>
+                            <m:sSub>
+                              <m:sSubPr>
+                                <m:ctrlPr>
+                                  <a:rPr lang="en-US" altLang="zh-CN" b="0" i="1" smtClean="0">
+                                    <a:latin typeface="Cambria Math" panose="02040503050406030204" pitchFamily="18" charset="0"/>
+                                  </a:rPr>
+                                </m:ctrlPr>
+                              </m:sSubPr>
+                              <m:e>
+                                <m:r>
+                                  <a:rPr lang="en-US" altLang="zh-CN" b="0" i="1" smtClean="0">
+                                    <a:latin typeface="Cambria Math" panose="02040503050406030204" pitchFamily="18" charset="0"/>
+                                  </a:rPr>
+                                  <m:t>𝑚</m:t>
+                                </m:r>
+                              </m:e>
+                              <m:sub>
+                                <m:r>
+                                  <a:rPr lang="en-US" altLang="zh-CN" b="0" i="1" smtClean="0">
+                                    <a:latin typeface="Cambria Math" panose="02040503050406030204" pitchFamily="18" charset="0"/>
+                                  </a:rPr>
+                                  <m:t>𝑖</m:t>
+                                </m:r>
+                              </m:sub>
+                            </m:sSub>
+                            <m:r>
+                              <a:rPr lang="en-US" altLang="zh-CN" b="0" i="1" smtClean="0">
+                                <a:latin typeface="Cambria Math" panose="02040503050406030204" pitchFamily="18" charset="0"/>
+                              </a:rPr>
+                              <m:t> </m:t>
+                            </m:r>
+                          </m:e>
+                        </m:d>
+                      </m:e>
+                      <m:sub>
+                        <m:r>
+                          <a:rPr lang="en-US" altLang="zh-CN" b="0" i="1" smtClean="0">
+                            <a:latin typeface="Cambria Math" panose="02040503050406030204" pitchFamily="18" charset="0"/>
+                          </a:rPr>
+                          <m:t>𝑖</m:t>
+                        </m:r>
+                        <m:r>
+                          <a:rPr lang="en-US" altLang="zh-CN" b="0" i="1" smtClean="0">
+                            <a:latin typeface="Cambria Math" panose="02040503050406030204" pitchFamily="18" charset="0"/>
+                          </a:rPr>
+                          <m:t>=1</m:t>
+                        </m:r>
+                      </m:sub>
+                      <m:sup>
+                        <m:r>
+                          <a:rPr lang="en-US" altLang="zh-CN" b="0" i="1" smtClean="0">
+                            <a:latin typeface="Cambria Math" panose="02040503050406030204" pitchFamily="18" charset="0"/>
+                          </a:rPr>
+                          <m:t>𝑛</m:t>
+                        </m:r>
+                      </m:sup>
+                    </m:sSubSup>
+                  </m:oMath>
+                </a14:m>
+                <a:r>
+                  <a:rPr lang="en-US" altLang="zh-CN" dirty="0"/>
+                  <a:t>)</a:t>
+                </a:r>
+                <a:r>
+                  <a:rPr lang="zh-CN" altLang="en-US" dirty="0"/>
+                  <a:t>、关键词</a:t>
+                </a:r>
+                <a:r>
+                  <a:rPr lang="en-US" altLang="zh-CN" dirty="0"/>
+                  <a:t>(</a:t>
+                </a:r>
+                <a14:m>
+                  <m:oMath xmlns:m="http://schemas.openxmlformats.org/officeDocument/2006/math">
+                    <m:sSub>
+                      <m:sSubPr>
+                        <m:ctrlPr>
+                          <a:rPr lang="en-US" altLang="zh-CN" b="0" i="1" dirty="0" smtClean="0">
+                            <a:latin typeface="Cambria Math" panose="02040503050406030204" pitchFamily="18" charset="0"/>
+                          </a:rPr>
+                        </m:ctrlPr>
+                      </m:sSubPr>
+                      <m:e>
+                        <m:r>
+                          <m:rPr>
+                            <m:sty m:val="p"/>
+                          </m:rPr>
+                          <a:rPr lang="en-US" altLang="zh-CN" i="1" dirty="0">
+                            <a:latin typeface="Cambria Math" panose="02040503050406030204" pitchFamily="18" charset="0"/>
+                          </a:rPr>
+                          <m:t>w</m:t>
+                        </m:r>
+                      </m:e>
+                      <m:sub>
+                        <m:r>
+                          <a:rPr lang="en-US" altLang="zh-CN" b="0" i="1" dirty="0" smtClean="0">
+                            <a:latin typeface="Cambria Math" panose="02040503050406030204" pitchFamily="18" charset="0"/>
+                          </a:rPr>
+                          <m:t>𝑖</m:t>
+                        </m:r>
+                      </m:sub>
+                    </m:sSub>
+                  </m:oMath>
+                </a14:m>
+                <a:r>
+                  <a:rPr lang="en-US" altLang="zh-CN" dirty="0"/>
+                  <a:t>)</a:t>
+                </a:r>
+                <a:r>
+                  <a:rPr lang="zh-CN" altLang="en-US" dirty="0"/>
+                  <a:t>、客户端私钥</a:t>
+                </a:r>
+                <a14:m>
+                  <m:oMath xmlns:m="http://schemas.openxmlformats.org/officeDocument/2006/math">
+                    <m:r>
+                      <a:rPr lang="en-US" altLang="zh-CN" b="0" i="1" smtClean="0">
+                        <a:latin typeface="Cambria Math" panose="02040503050406030204" pitchFamily="18" charset="0"/>
+                      </a:rPr>
+                      <m:t>𝑆𝐾</m:t>
+                    </m:r>
+                    <m:r>
+                      <a:rPr lang="en-US" altLang="zh-CN" b="0" i="1" smtClean="0">
+                        <a:latin typeface="Cambria Math" panose="02040503050406030204" pitchFamily="18" charset="0"/>
+                      </a:rPr>
+                      <m:t>=</m:t>
+                    </m:r>
+                    <m:d>
+                      <m:dPr>
+                        <m:begChr m:val="{"/>
+                        <m:endChr m:val="}"/>
+                        <m:ctrlPr>
+                          <a:rPr lang="en-US" altLang="zh-CN" b="0" i="1" smtClean="0">
+                            <a:latin typeface="Cambria Math" panose="02040503050406030204" pitchFamily="18" charset="0"/>
+                          </a:rPr>
+                        </m:ctrlPr>
+                      </m:dPr>
+                      <m:e>
+                        <m:r>
+                          <m:rPr>
+                            <m:sty m:val="p"/>
+                          </m:rPr>
+                          <a:rPr lang="en-US" altLang="zh-CN" i="1" smtClean="0">
+                            <a:solidFill>
+                              <a:srgbClr val="FF0000"/>
+                            </a:solidFill>
+                            <a:latin typeface="Cambria Math" panose="02040503050406030204" pitchFamily="18" charset="0"/>
+                          </a:rPr>
+                          <m:t>e</m:t>
+                        </m:r>
+                        <m:r>
+                          <a:rPr lang="en-US" altLang="zh-CN" b="0" i="1" smtClean="0">
+                            <a:solidFill>
+                              <a:srgbClr val="FF0000"/>
+                            </a:solidFill>
+                            <a:latin typeface="Cambria Math" panose="02040503050406030204" pitchFamily="18" charset="0"/>
+                          </a:rPr>
+                          <m:t>𝑘</m:t>
+                        </m:r>
+                        <m:r>
+                          <a:rPr lang="en-US" altLang="zh-CN" b="0" i="1" smtClean="0">
+                            <a:solidFill>
+                              <a:srgbClr val="FF0000"/>
+                            </a:solidFill>
+                            <a:latin typeface="Cambria Math" panose="02040503050406030204" pitchFamily="18" charset="0"/>
+                          </a:rPr>
+                          <m:t>,</m:t>
+                        </m:r>
+                        <m:r>
+                          <a:rPr lang="en-US" altLang="zh-CN" b="0" i="1" smtClean="0">
+                            <a:solidFill>
+                              <a:srgbClr val="FF0000"/>
+                            </a:solidFill>
+                            <a:latin typeface="Cambria Math" panose="02040503050406030204" pitchFamily="18" charset="0"/>
+                          </a:rPr>
+                          <m:t>𝑠𝑘</m:t>
+                        </m:r>
+                        <m:r>
+                          <a:rPr lang="en-US" altLang="zh-CN" b="0" i="1" smtClean="0">
+                            <a:solidFill>
+                              <a:srgbClr val="FF0000"/>
+                            </a:solidFill>
+                            <a:latin typeface="Cambria Math" panose="02040503050406030204" pitchFamily="18" charset="0"/>
+                          </a:rPr>
+                          <m:t>,</m:t>
+                        </m:r>
+                        <m:r>
+                          <a:rPr lang="en-US" altLang="zh-CN" b="0" i="1" smtClean="0">
+                            <a:solidFill>
+                              <a:srgbClr val="FF0000"/>
+                            </a:solidFill>
+                            <a:latin typeface="Cambria Math" panose="02040503050406030204" pitchFamily="18" charset="0"/>
+                          </a:rPr>
+                          <m:t>𝑚𝑘</m:t>
+                        </m:r>
+                      </m:e>
+                    </m:d>
+                    <m:r>
+                      <a:rPr lang="en-US" altLang="zh-CN" b="0" i="1" smtClean="0">
+                        <a:latin typeface="Cambria Math" panose="02040503050406030204" pitchFamily="18" charset="0"/>
+                      </a:rPr>
+                      <m:t>.</m:t>
+                    </m:r>
+                  </m:oMath>
+                </a14:m>
+                <a:endParaRPr lang="en-US" altLang="zh-CN" b="0" dirty="0"/>
+              </a:p>
+              <a:p>
+                <a:pPr lvl="1"/>
+                <a:r>
+                  <a:rPr lang="en-US" altLang="zh-CN" dirty="0"/>
+                  <a:t> 2.</a:t>
+                </a:r>
+                <a:r>
+                  <a:rPr lang="zh-CN" altLang="en-US" dirty="0"/>
+                  <a:t>加密：密文</a:t>
+                </a:r>
+                <a14:m>
+                  <m:oMath xmlns:m="http://schemas.openxmlformats.org/officeDocument/2006/math">
+                    <m:r>
+                      <a:rPr lang="zh-CN" altLang="en-US" b="0" i="1">
+                        <a:latin typeface="Cambria Math" panose="02040503050406030204" pitchFamily="18" charset="0"/>
+                      </a:rPr>
+                      <m:t>：</m:t>
+                    </m:r>
+                    <m:sSub>
+                      <m:sSubPr>
+                        <m:ctrlPr>
+                          <a:rPr lang="en-US" altLang="zh-CN" b="0" i="1" smtClean="0">
+                            <a:latin typeface="Cambria Math" panose="02040503050406030204" pitchFamily="18" charset="0"/>
+                          </a:rPr>
+                        </m:ctrlPr>
+                      </m:sSubPr>
+                      <m:e>
+                        <m:r>
+                          <a:rPr lang="en-US" altLang="zh-CN" b="0" i="1" smtClean="0">
+                            <a:latin typeface="Cambria Math" panose="02040503050406030204" pitchFamily="18" charset="0"/>
+                          </a:rPr>
+                          <m:t>𝐶</m:t>
+                        </m:r>
+                      </m:e>
+                      <m:sub>
+                        <m:r>
+                          <a:rPr lang="en-US" altLang="zh-CN" b="0" i="1" smtClean="0">
+                            <a:latin typeface="Cambria Math" panose="02040503050406030204" pitchFamily="18" charset="0"/>
+                          </a:rPr>
+                          <m:t>𝐹</m:t>
+                        </m:r>
+                      </m:sub>
+                    </m:sSub>
+                    <m:r>
+                      <a:rPr lang="en-US" altLang="zh-CN" b="0" i="1" smtClean="0">
+                        <a:latin typeface="Cambria Math" panose="02040503050406030204" pitchFamily="18" charset="0"/>
+                      </a:rPr>
+                      <m:t>=</m:t>
+                    </m:r>
+                    <m:r>
+                      <a:rPr lang="en-US" altLang="zh-CN" b="0" i="1" smtClean="0">
+                        <a:latin typeface="Cambria Math" panose="02040503050406030204" pitchFamily="18" charset="0"/>
+                      </a:rPr>
+                      <m:t>𝑆𝐸</m:t>
+                    </m:r>
+                    <m:r>
+                      <a:rPr lang="en-US" altLang="zh-CN" b="0" i="1" smtClean="0">
+                        <a:latin typeface="Cambria Math" panose="02040503050406030204" pitchFamily="18" charset="0"/>
+                      </a:rPr>
+                      <m:t>.</m:t>
+                    </m:r>
+                    <m:r>
+                      <a:rPr lang="en-US" altLang="zh-CN" b="0" i="1" smtClean="0">
+                        <a:latin typeface="Cambria Math" panose="02040503050406030204" pitchFamily="18" charset="0"/>
+                      </a:rPr>
+                      <m:t>𝐸𝑛𝑐</m:t>
+                    </m:r>
+                    <m:r>
+                      <a:rPr lang="en-US" altLang="zh-CN" b="0" i="1" smtClean="0">
+                        <a:latin typeface="Cambria Math" panose="02040503050406030204" pitchFamily="18" charset="0"/>
+                      </a:rPr>
+                      <m:t>(</m:t>
+                    </m:r>
+                    <m:sSub>
+                      <m:sSubPr>
+                        <m:ctrlPr>
+                          <a:rPr lang="en-US" altLang="zh-CN" b="0" i="1" smtClean="0">
+                            <a:latin typeface="Cambria Math" panose="02040503050406030204" pitchFamily="18" charset="0"/>
+                          </a:rPr>
+                        </m:ctrlPr>
+                      </m:sSubPr>
+                      <m:e>
+                        <m:r>
+                          <a:rPr lang="en-US" altLang="zh-CN" b="0" i="1" smtClean="0">
+                            <a:latin typeface="Cambria Math" panose="02040503050406030204" pitchFamily="18" charset="0"/>
+                          </a:rPr>
+                          <m:t>𝑒</m:t>
+                        </m:r>
+                      </m:e>
+                      <m:sub>
+                        <m:r>
+                          <a:rPr lang="en-US" altLang="zh-CN" b="0" i="1" smtClean="0">
+                            <a:latin typeface="Cambria Math" panose="02040503050406030204" pitchFamily="18" charset="0"/>
+                          </a:rPr>
+                          <m:t>𝑘</m:t>
+                        </m:r>
+                      </m:sub>
+                    </m:sSub>
+                    <m:r>
+                      <a:rPr lang="en-US" altLang="zh-CN" b="0" i="1" smtClean="0">
+                        <a:latin typeface="Cambria Math" panose="02040503050406030204" pitchFamily="18" charset="0"/>
+                      </a:rPr>
+                      <m:t>,</m:t>
+                    </m:r>
+                    <m:sSub>
+                      <m:sSubPr>
+                        <m:ctrlPr>
+                          <a:rPr lang="en-US" altLang="zh-CN" b="0" i="1" smtClean="0">
+                            <a:latin typeface="Cambria Math" panose="02040503050406030204" pitchFamily="18" charset="0"/>
+                          </a:rPr>
+                        </m:ctrlPr>
+                      </m:sSubPr>
+                      <m:e>
+                        <m:r>
+                          <a:rPr lang="en-US" altLang="zh-CN" b="0" i="1" smtClean="0">
+                            <a:latin typeface="Cambria Math" panose="02040503050406030204" pitchFamily="18" charset="0"/>
+                          </a:rPr>
+                          <m:t>𝑚</m:t>
+                        </m:r>
+                      </m:e>
+                      <m:sub>
+                        <m:r>
+                          <a:rPr lang="en-US" altLang="zh-CN" b="0" i="1" smtClean="0">
+                            <a:latin typeface="Cambria Math" panose="02040503050406030204" pitchFamily="18" charset="0"/>
+                          </a:rPr>
+                          <m:t>𝑖</m:t>
+                        </m:r>
+                      </m:sub>
+                    </m:sSub>
+                    <m:r>
+                      <a:rPr lang="en-US" altLang="zh-CN" b="0" i="1" smtClean="0">
+                        <a:latin typeface="Cambria Math" panose="02040503050406030204" pitchFamily="18" charset="0"/>
+                      </a:rPr>
+                      <m:t>)</m:t>
+                    </m:r>
+                  </m:oMath>
+                </a14:m>
+                <a:endParaRPr lang="en-US" altLang="zh-CN" dirty="0"/>
+              </a:p>
+              <a:p>
+                <a:pPr lvl="2"/>
+                <a:r>
+                  <a:rPr lang="en-US" altLang="zh-CN" dirty="0">
+                    <a:solidFill>
+                      <a:schemeClr val="accent1"/>
+                    </a:solidFill>
+                  </a:rPr>
+                  <a:t>Search Token</a:t>
+                </a:r>
+                <a:r>
+                  <a:rPr lang="zh-CN" altLang="en-US" dirty="0"/>
+                  <a:t>：</a:t>
+                </a:r>
+                <a14:m>
+                  <m:oMath xmlns:m="http://schemas.openxmlformats.org/officeDocument/2006/math">
+                    <m:sSub>
+                      <m:sSubPr>
+                        <m:ctrlPr>
+                          <a:rPr lang="en-US" altLang="zh-CN" b="0" i="1" dirty="0" smtClean="0">
+                            <a:latin typeface="Cambria Math" panose="02040503050406030204" pitchFamily="18" charset="0"/>
+                          </a:rPr>
+                        </m:ctrlPr>
+                      </m:sSubPr>
+                      <m:e>
+                        <m:r>
+                          <m:rPr>
+                            <m:sty m:val="p"/>
+                          </m:rPr>
+                          <a:rPr lang="en-US" altLang="zh-CN" i="1" dirty="0">
+                            <a:latin typeface="Cambria Math" panose="02040503050406030204" pitchFamily="18" charset="0"/>
+                          </a:rPr>
+                          <m:t>T</m:t>
+                        </m:r>
+                      </m:e>
+                      <m:sub>
+                        <m:r>
+                          <a:rPr lang="en-US" altLang="zh-CN" b="0" i="1" dirty="0" smtClean="0">
+                            <a:latin typeface="Cambria Math" panose="02040503050406030204" pitchFamily="18" charset="0"/>
+                          </a:rPr>
+                          <m:t>𝑖</m:t>
+                        </m:r>
+                      </m:sub>
+                    </m:sSub>
+                    <m:r>
+                      <a:rPr lang="en-US" altLang="zh-CN" b="0" i="1" dirty="0" smtClean="0">
+                        <a:latin typeface="Cambria Math" panose="02040503050406030204" pitchFamily="18" charset="0"/>
+                      </a:rPr>
+                      <m:t>=</m:t>
+                    </m:r>
+                    <m:r>
+                      <m:rPr>
+                        <m:sty m:val="p"/>
+                      </m:rPr>
+                      <a:rPr lang="en-US" altLang="zh-CN" i="1" dirty="0">
+                        <a:latin typeface="Cambria Math" panose="02040503050406030204" pitchFamily="18" charset="0"/>
+                      </a:rPr>
+                      <m:t>SE</m:t>
+                    </m:r>
+                    <m:r>
+                      <a:rPr lang="en-US" altLang="zh-CN" b="0" i="0" dirty="0" smtClean="0">
+                        <a:latin typeface="Cambria Math" panose="02040503050406030204" pitchFamily="18" charset="0"/>
+                      </a:rPr>
+                      <m:t>.</m:t>
+                    </m:r>
+                    <m:r>
+                      <m:rPr>
+                        <m:sty m:val="p"/>
+                      </m:rPr>
+                      <a:rPr lang="en-US" altLang="zh-CN" b="0" i="0" dirty="0" smtClean="0">
+                        <a:latin typeface="Cambria Math" panose="02040503050406030204" pitchFamily="18" charset="0"/>
+                      </a:rPr>
+                      <m:t>Enc</m:t>
+                    </m:r>
+                    <m:d>
+                      <m:dPr>
+                        <m:ctrlPr>
+                          <a:rPr lang="en-US" altLang="zh-CN" b="0" i="1" dirty="0" smtClean="0">
+                            <a:latin typeface="Cambria Math" panose="02040503050406030204" pitchFamily="18" charset="0"/>
+                          </a:rPr>
+                        </m:ctrlPr>
+                      </m:dPr>
+                      <m:e>
+                        <m:r>
+                          <m:rPr>
+                            <m:sty m:val="p"/>
+                          </m:rPr>
+                          <a:rPr lang="en-US" altLang="zh-CN" b="0" i="0" dirty="0" smtClean="0">
+                            <a:latin typeface="Cambria Math" panose="02040503050406030204" pitchFamily="18" charset="0"/>
+                          </a:rPr>
+                          <m:t>mk</m:t>
+                        </m:r>
+                        <m:r>
+                          <a:rPr lang="en-US" altLang="zh-CN" b="0" i="0" dirty="0" smtClean="0">
+                            <a:latin typeface="Cambria Math" panose="02040503050406030204" pitchFamily="18" charset="0"/>
+                          </a:rPr>
+                          <m:t>,</m:t>
+                        </m:r>
+                        <m:sSub>
+                          <m:sSubPr>
+                            <m:ctrlPr>
+                              <a:rPr lang="en-US" altLang="zh-CN" b="0" i="1" dirty="0" smtClean="0">
+                                <a:latin typeface="Cambria Math" panose="02040503050406030204" pitchFamily="18" charset="0"/>
+                              </a:rPr>
+                            </m:ctrlPr>
+                          </m:sSubPr>
+                          <m:e>
+                            <m:r>
+                              <m:rPr>
+                                <m:sty m:val="p"/>
+                              </m:rPr>
+                              <a:rPr lang="en-US" altLang="zh-CN" b="0" i="0" dirty="0" smtClean="0">
+                                <a:latin typeface="Cambria Math" panose="02040503050406030204" pitchFamily="18" charset="0"/>
+                              </a:rPr>
+                              <m:t>w</m:t>
+                            </m:r>
+                          </m:e>
+                          <m:sub>
+                            <m:r>
+                              <m:rPr>
+                                <m:sty m:val="p"/>
+                              </m:rPr>
+                              <a:rPr lang="en-US" altLang="zh-CN" b="0" i="0" dirty="0" smtClean="0">
+                                <a:latin typeface="Cambria Math" panose="02040503050406030204" pitchFamily="18" charset="0"/>
+                              </a:rPr>
+                              <m:t>i</m:t>
+                            </m:r>
+                          </m:sub>
+                        </m:sSub>
+                      </m:e>
+                    </m:d>
+                  </m:oMath>
+                </a14:m>
+                <a:endParaRPr lang="en-US" altLang="zh-CN" b="0" dirty="0"/>
+              </a:p>
+              <a:p>
+                <a:pPr lvl="2"/>
+                <a:r>
+                  <a:rPr lang="en-US" altLang="zh-CN" dirty="0">
+                    <a:solidFill>
+                      <a:schemeClr val="accent1"/>
+                    </a:solidFill>
+                  </a:rPr>
+                  <a:t>State Associated Token</a:t>
+                </a:r>
+                <a:r>
+                  <a:rPr lang="en-US" altLang="zh-CN" dirty="0"/>
+                  <a:t>:</a:t>
+                </a:r>
+                <a:r>
+                  <a:rPr lang="zh-CN" altLang="en-US" dirty="0"/>
+                  <a:t> </a:t>
+                </a:r>
+                <a14:m>
+                  <m:oMath xmlns:m="http://schemas.openxmlformats.org/officeDocument/2006/math">
+                    <m:acc>
+                      <m:accPr>
+                        <m:chr m:val="̅"/>
+                        <m:ctrlPr>
+                          <a:rPr lang="en-US" altLang="zh-CN" b="0" i="1" smtClean="0">
+                            <a:latin typeface="Cambria Math" panose="02040503050406030204" pitchFamily="18" charset="0"/>
+                          </a:rPr>
+                        </m:ctrlPr>
+                      </m:accPr>
+                      <m:e>
+                        <m:sSub>
+                          <m:sSubPr>
+                            <m:ctrlPr>
+                              <a:rPr lang="en-US" altLang="zh-CN" b="0" i="1" smtClean="0">
+                                <a:latin typeface="Cambria Math" panose="02040503050406030204" pitchFamily="18" charset="0"/>
+                              </a:rPr>
+                            </m:ctrlPr>
+                          </m:sSubPr>
+                          <m:e>
+                            <m:r>
+                              <a:rPr lang="en-US" altLang="zh-CN" b="0" i="1" smtClean="0">
+                                <a:latin typeface="Cambria Math" panose="02040503050406030204" pitchFamily="18" charset="0"/>
+                              </a:rPr>
+                              <m:t>𝑇</m:t>
+                            </m:r>
+                          </m:e>
+                          <m:sub>
+                            <m:r>
+                              <a:rPr lang="en-US" altLang="zh-CN" b="0" i="1" smtClean="0">
+                                <a:latin typeface="Cambria Math" panose="02040503050406030204" pitchFamily="18" charset="0"/>
+                              </a:rPr>
+                              <m:t>𝑖</m:t>
+                            </m:r>
+                          </m:sub>
+                        </m:sSub>
+                      </m:e>
+                    </m:acc>
+                    <m:r>
+                      <a:rPr lang="en-US" altLang="zh-CN" b="0" i="1" smtClean="0">
+                        <a:latin typeface="Cambria Math" panose="02040503050406030204" pitchFamily="18" charset="0"/>
+                      </a:rPr>
+                      <m:t>=</m:t>
+                    </m:r>
+                    <m:sSub>
+                      <m:sSubPr>
+                        <m:ctrlPr>
+                          <a:rPr lang="en-US" altLang="zh-CN" b="0" i="1" smtClean="0">
+                            <a:latin typeface="Cambria Math" panose="02040503050406030204" pitchFamily="18" charset="0"/>
+                          </a:rPr>
+                        </m:ctrlPr>
+                      </m:sSubPr>
+                      <m:e>
+                        <m:r>
+                          <a:rPr lang="en-US" altLang="zh-CN" b="0" i="1" smtClean="0">
+                            <a:latin typeface="Cambria Math" panose="02040503050406030204" pitchFamily="18" charset="0"/>
+                          </a:rPr>
+                          <m:t>𝐻</m:t>
+                        </m:r>
+                      </m:e>
+                      <m:sub>
+                        <m:r>
+                          <a:rPr lang="en-US" altLang="zh-CN" b="0" i="1" smtClean="0">
+                            <a:latin typeface="Cambria Math" panose="02040503050406030204" pitchFamily="18" charset="0"/>
+                          </a:rPr>
+                          <m:t>2</m:t>
+                        </m:r>
+                      </m:sub>
+                    </m:sSub>
+                    <m:d>
+                      <m:dPr>
+                        <m:ctrlPr>
+                          <a:rPr lang="en-US" altLang="zh-CN" b="0" i="1" smtClean="0">
+                            <a:latin typeface="Cambria Math" panose="02040503050406030204" pitchFamily="18" charset="0"/>
+                          </a:rPr>
+                        </m:ctrlPr>
+                      </m:dPr>
+                      <m:e>
+                        <m:sSub>
+                          <m:sSubPr>
+                            <m:ctrlPr>
+                              <a:rPr lang="en-US" altLang="zh-CN" b="0" i="1" smtClean="0">
+                                <a:latin typeface="Cambria Math" panose="02040503050406030204" pitchFamily="18" charset="0"/>
+                              </a:rPr>
+                            </m:ctrlPr>
+                          </m:sSubPr>
+                          <m:e>
+                            <m:r>
+                              <a:rPr lang="en-US" altLang="zh-CN" b="0" i="1" smtClean="0">
+                                <a:latin typeface="Cambria Math" panose="02040503050406030204" pitchFamily="18" charset="0"/>
+                              </a:rPr>
+                              <m:t>𝑇</m:t>
+                            </m:r>
+                          </m:e>
+                          <m:sub>
+                            <m:r>
+                              <a:rPr lang="en-US" altLang="zh-CN" b="0" i="1" smtClean="0">
+                                <a:latin typeface="Cambria Math" panose="02040503050406030204" pitchFamily="18" charset="0"/>
+                              </a:rPr>
+                              <m:t>𝑖</m:t>
+                            </m:r>
+                          </m:sub>
+                        </m:sSub>
+                        <m:r>
+                          <a:rPr lang="en-US" altLang="zh-CN" b="0" i="1" smtClean="0">
+                            <a:latin typeface="Cambria Math" panose="02040503050406030204" pitchFamily="18" charset="0"/>
+                          </a:rPr>
+                          <m:t>+</m:t>
+                        </m:r>
+                        <m:r>
+                          <a:rPr lang="en-US" altLang="zh-CN" b="0" i="1" smtClean="0">
+                            <a:latin typeface="Cambria Math" panose="02040503050406030204" pitchFamily="18" charset="0"/>
+                          </a:rPr>
+                          <m:t>𝑠</m:t>
+                        </m:r>
+                        <m:sSub>
+                          <m:sSubPr>
+                            <m:ctrlPr>
+                              <a:rPr lang="en-US" altLang="zh-CN" b="0" i="1" smtClean="0">
+                                <a:latin typeface="Cambria Math" panose="02040503050406030204" pitchFamily="18" charset="0"/>
+                              </a:rPr>
+                            </m:ctrlPr>
+                          </m:sSubPr>
+                          <m:e>
+                            <m:r>
+                              <a:rPr lang="en-US" altLang="zh-CN" b="0" i="1" smtClean="0">
+                                <a:latin typeface="Cambria Math" panose="02040503050406030204" pitchFamily="18" charset="0"/>
+                              </a:rPr>
+                              <m:t>𝑡</m:t>
+                            </m:r>
+                          </m:e>
+                          <m:sub>
+                            <m:r>
+                              <a:rPr lang="en-US" altLang="zh-CN" b="0" i="1" smtClean="0">
+                                <a:latin typeface="Cambria Math" panose="02040503050406030204" pitchFamily="18" charset="0"/>
+                              </a:rPr>
+                              <m:t>𝑖</m:t>
+                            </m:r>
+                          </m:sub>
+                        </m:sSub>
+                      </m:e>
+                    </m:d>
+                  </m:oMath>
+                </a14:m>
+                <a:endParaRPr lang="en-US" altLang="zh-CN" b="0" dirty="0"/>
+              </a:p>
+              <a:p>
+                <a:pPr lvl="2"/>
+                <a:r>
+                  <a:rPr lang="zh-CN" altLang="en-US" dirty="0">
+                    <a:solidFill>
+                      <a:schemeClr val="accent1"/>
+                    </a:solidFill>
+                  </a:rPr>
+                  <a:t>认证标签集合</a:t>
+                </a:r>
+                <a:r>
+                  <a:rPr lang="en-US" altLang="zh-CN" dirty="0"/>
+                  <a:t>: </a:t>
+                </a:r>
+                <a14:m>
+                  <m:oMath xmlns:m="http://schemas.openxmlformats.org/officeDocument/2006/math">
+                    <m:r>
+                      <m:rPr>
+                        <m:sty m:val="p"/>
+                      </m:rPr>
+                      <a:rPr lang="en-US" altLang="zh-CN" i="1" dirty="0">
+                        <a:latin typeface="Cambria Math" panose="02040503050406030204" pitchFamily="18" charset="0"/>
+                      </a:rPr>
+                      <m:t>T</m:t>
+                    </m:r>
+                    <m:sSub>
+                      <m:sSubPr>
+                        <m:ctrlPr>
+                          <a:rPr lang="en-US" altLang="zh-CN" b="0" i="1" dirty="0" smtClean="0">
+                            <a:latin typeface="Cambria Math" panose="02040503050406030204" pitchFamily="18" charset="0"/>
+                          </a:rPr>
+                        </m:ctrlPr>
+                      </m:sSubPr>
+                      <m:e>
+                        <m:r>
+                          <a:rPr lang="en-US" altLang="zh-CN" b="0" i="1" dirty="0" smtClean="0">
+                            <a:latin typeface="Cambria Math" panose="02040503050406030204" pitchFamily="18" charset="0"/>
+                          </a:rPr>
+                          <m:t>𝑆</m:t>
+                        </m:r>
+                      </m:e>
+                      <m:sub>
+                        <m:r>
+                          <a:rPr lang="en-US" altLang="zh-CN" b="0" i="1" dirty="0" smtClean="0">
+                            <a:latin typeface="Cambria Math" panose="02040503050406030204" pitchFamily="18" charset="0"/>
+                          </a:rPr>
+                          <m:t>𝐹</m:t>
+                        </m:r>
+                      </m:sub>
+                    </m:sSub>
+                    <m:r>
+                      <a:rPr lang="en-US" altLang="zh-CN" b="0" i="1" dirty="0" smtClean="0">
+                        <a:latin typeface="Cambria Math" panose="02040503050406030204" pitchFamily="18" charset="0"/>
+                      </a:rPr>
+                      <m:t>=</m:t>
+                    </m:r>
+                    <m:sSubSup>
+                      <m:sSubSupPr>
+                        <m:ctrlPr>
+                          <a:rPr lang="en-US" altLang="zh-CN" b="0" i="1" dirty="0" smtClean="0">
+                            <a:latin typeface="Cambria Math" panose="02040503050406030204" pitchFamily="18" charset="0"/>
+                          </a:rPr>
+                        </m:ctrlPr>
+                      </m:sSubSupPr>
+                      <m:e>
+                        <m:d>
+                          <m:dPr>
+                            <m:begChr m:val="{"/>
+                            <m:endChr m:val="}"/>
+                            <m:ctrlPr>
+                              <a:rPr lang="en-US" altLang="zh-CN" b="0" i="1" dirty="0" smtClean="0">
+                                <a:latin typeface="Cambria Math" panose="02040503050406030204" pitchFamily="18" charset="0"/>
+                              </a:rPr>
+                            </m:ctrlPr>
+                          </m:dPr>
+                          <m:e>
+                            <m:sSup>
+                              <m:sSupPr>
+                                <m:ctrlPr>
+                                  <a:rPr lang="en-US" altLang="zh-CN" b="0" i="1" dirty="0" smtClean="0">
+                                    <a:latin typeface="Cambria Math" panose="02040503050406030204" pitchFamily="18" charset="0"/>
+                                  </a:rPr>
+                                </m:ctrlPr>
+                              </m:sSupPr>
+                              <m:e>
+                                <m:r>
+                                  <a:rPr lang="en-US" altLang="zh-CN" b="0" i="1" dirty="0" smtClean="0">
+                                    <a:latin typeface="Cambria Math" panose="02040503050406030204" pitchFamily="18" charset="0"/>
+                                  </a:rPr>
+                                  <m:t>{</m:t>
+                                </m:r>
+                                <m:sSub>
+                                  <m:sSubPr>
+                                    <m:ctrlPr>
+                                      <a:rPr lang="en-US" altLang="zh-CN" b="0" i="1" dirty="0" smtClean="0">
+                                        <a:latin typeface="Cambria Math" panose="02040503050406030204" pitchFamily="18" charset="0"/>
+                                      </a:rPr>
+                                    </m:ctrlPr>
+                                  </m:sSubPr>
+                                  <m:e>
+                                    <m:r>
+                                      <a:rPr lang="en-US" altLang="zh-CN" b="0" i="1" dirty="0" smtClean="0">
+                                        <a:latin typeface="Cambria Math" panose="02040503050406030204" pitchFamily="18" charset="0"/>
+                                      </a:rPr>
+                                      <m:t>𝐻</m:t>
+                                    </m:r>
+                                  </m:e>
+                                  <m:sub>
+                                    <m:r>
+                                      <a:rPr lang="en-US" altLang="zh-CN" b="0" i="1" dirty="0" smtClean="0">
+                                        <a:latin typeface="Cambria Math" panose="02040503050406030204" pitchFamily="18" charset="0"/>
+                                      </a:rPr>
+                                      <m:t>2</m:t>
+                                    </m:r>
+                                  </m:sub>
+                                </m:sSub>
+                                <m:d>
+                                  <m:dPr>
+                                    <m:ctrlPr>
+                                      <a:rPr lang="en-US" altLang="zh-CN" b="0" i="1" dirty="0" smtClean="0">
+                                        <a:latin typeface="Cambria Math" panose="02040503050406030204" pitchFamily="18" charset="0"/>
+                                      </a:rPr>
+                                    </m:ctrlPr>
+                                  </m:dPr>
+                                  <m:e>
+                                    <m:r>
+                                      <a:rPr lang="en-US" altLang="zh-CN" b="0" i="1" dirty="0" smtClean="0">
+                                        <a:latin typeface="Cambria Math" panose="02040503050406030204" pitchFamily="18" charset="0"/>
+                                      </a:rPr>
+                                      <m:t>𝐼</m:t>
+                                    </m:r>
+                                    <m:sSub>
+                                      <m:sSubPr>
+                                        <m:ctrlPr>
+                                          <a:rPr lang="en-US" altLang="zh-CN" b="0" i="1" dirty="0" smtClean="0">
+                                            <a:latin typeface="Cambria Math" panose="02040503050406030204" pitchFamily="18" charset="0"/>
+                                          </a:rPr>
+                                        </m:ctrlPr>
+                                      </m:sSubPr>
+                                      <m:e>
+                                        <m:r>
+                                          <a:rPr lang="en-US" altLang="zh-CN" b="0" i="1" dirty="0" smtClean="0">
+                                            <a:latin typeface="Cambria Math" panose="02040503050406030204" pitchFamily="18" charset="0"/>
+                                          </a:rPr>
+                                          <m:t>𝐷</m:t>
+                                        </m:r>
+                                      </m:e>
+                                      <m:sub>
+                                        <m:r>
+                                          <a:rPr lang="en-US" altLang="zh-CN" b="0" i="1" dirty="0" smtClean="0">
+                                            <a:latin typeface="Cambria Math" panose="02040503050406030204" pitchFamily="18" charset="0"/>
+                                          </a:rPr>
+                                          <m:t>𝐹</m:t>
+                                        </m:r>
+                                      </m:sub>
+                                    </m:sSub>
+                                    <m:r>
+                                      <a:rPr lang="en-US" altLang="zh-CN" b="0" i="1" dirty="0" smtClean="0">
+                                        <a:latin typeface="Cambria Math" panose="02040503050406030204" pitchFamily="18" charset="0"/>
+                                      </a:rPr>
+                                      <m:t>+</m:t>
+                                    </m:r>
+                                    <m:r>
+                                      <a:rPr lang="en-US" altLang="zh-CN" b="0" i="1" dirty="0" smtClean="0">
+                                        <a:latin typeface="Cambria Math" panose="02040503050406030204" pitchFamily="18" charset="0"/>
+                                      </a:rPr>
+                                      <m:t>𝑖</m:t>
+                                    </m:r>
+                                  </m:e>
+                                </m:d>
+                                <m:r>
+                                  <a:rPr lang="en-US" altLang="zh-CN" b="0" i="1" dirty="0" smtClean="0">
+                                    <a:latin typeface="Cambria Math" panose="02040503050406030204" pitchFamily="18" charset="0"/>
+                                  </a:rPr>
+                                  <m:t>∗</m:t>
+                                </m:r>
+                                <m:nary>
+                                  <m:naryPr>
+                                    <m:chr m:val="∏"/>
+                                    <m:ctrlPr>
+                                      <a:rPr lang="en-US" altLang="zh-CN" b="0" i="1" dirty="0" smtClean="0">
+                                        <a:latin typeface="Cambria Math" panose="02040503050406030204" pitchFamily="18" charset="0"/>
+                                      </a:rPr>
+                                    </m:ctrlPr>
+                                  </m:naryPr>
+                                  <m:sub>
+                                    <m:r>
+                                      <a:rPr lang="en-US" altLang="zh-CN" b="0" i="1" dirty="0" smtClean="0">
+                                        <a:latin typeface="Cambria Math" panose="02040503050406030204" pitchFamily="18" charset="0"/>
+                                      </a:rPr>
+                                      <m:t>𝑗</m:t>
+                                    </m:r>
+                                    <m:r>
+                                      <a:rPr lang="en-US" altLang="zh-CN" b="0" i="1" dirty="0" smtClean="0">
+                                        <a:latin typeface="Cambria Math" panose="02040503050406030204" pitchFamily="18" charset="0"/>
+                                      </a:rPr>
+                                      <m:t>=1</m:t>
+                                    </m:r>
+                                  </m:sub>
+                                  <m:sup>
+                                    <m:r>
+                                      <a:rPr lang="en-US" altLang="zh-CN" b="0" i="1" dirty="0" smtClean="0">
+                                        <a:latin typeface="Cambria Math" panose="02040503050406030204" pitchFamily="18" charset="0"/>
+                                      </a:rPr>
+                                      <m:t>𝑠</m:t>
+                                    </m:r>
+                                  </m:sup>
+                                  <m:e>
+                                    <m:sSup>
+                                      <m:sSupPr>
+                                        <m:ctrlPr>
+                                          <a:rPr lang="en-US" altLang="zh-CN" b="0" i="1" dirty="0" smtClean="0">
+                                            <a:latin typeface="Cambria Math" panose="02040503050406030204" pitchFamily="18" charset="0"/>
+                                          </a:rPr>
+                                        </m:ctrlPr>
+                                      </m:sSupPr>
+                                      <m:e>
+                                        <m:r>
+                                          <a:rPr lang="en-US" altLang="zh-CN" b="0" i="1" dirty="0" smtClean="0">
+                                            <a:latin typeface="Cambria Math" panose="02040503050406030204" pitchFamily="18" charset="0"/>
+                                          </a:rPr>
+                                          <m:t>𝜇</m:t>
+                                        </m:r>
+                                      </m:e>
+                                      <m:sup>
+                                        <m:sSub>
+                                          <m:sSubPr>
+                                            <m:ctrlPr>
+                                              <a:rPr lang="en-US" altLang="zh-CN" b="0" i="1" dirty="0" smtClean="0">
+                                                <a:latin typeface="Cambria Math" panose="02040503050406030204" pitchFamily="18" charset="0"/>
+                                              </a:rPr>
+                                            </m:ctrlPr>
+                                          </m:sSubPr>
+                                          <m:e>
+                                            <m:r>
+                                              <a:rPr lang="en-US" altLang="zh-CN" b="0" i="1" dirty="0" smtClean="0">
+                                                <a:latin typeface="Cambria Math" panose="02040503050406030204" pitchFamily="18" charset="0"/>
+                                              </a:rPr>
+                                              <m:t>𝑐</m:t>
+                                            </m:r>
+                                          </m:e>
+                                          <m:sub>
+                                            <m:r>
+                                              <a:rPr lang="en-US" altLang="zh-CN" b="0" i="1" dirty="0" smtClean="0">
+                                                <a:latin typeface="Cambria Math" panose="02040503050406030204" pitchFamily="18" charset="0"/>
+                                              </a:rPr>
+                                              <m:t>𝑖</m:t>
+                                            </m:r>
+                                            <m:r>
+                                              <a:rPr lang="en-US" altLang="zh-CN" b="0" i="1" dirty="0" smtClean="0">
+                                                <a:latin typeface="Cambria Math" panose="02040503050406030204" pitchFamily="18" charset="0"/>
+                                              </a:rPr>
+                                              <m:t>,</m:t>
+                                            </m:r>
+                                            <m:r>
+                                              <a:rPr lang="en-US" altLang="zh-CN" b="0" i="1" dirty="0" smtClean="0">
+                                                <a:latin typeface="Cambria Math" panose="02040503050406030204" pitchFamily="18" charset="0"/>
+                                              </a:rPr>
+                                              <m:t>𝑗</m:t>
+                                            </m:r>
+                                          </m:sub>
+                                        </m:sSub>
+                                      </m:sup>
+                                    </m:sSup>
+                                  </m:e>
+                                </m:nary>
+                                <m:r>
+                                  <a:rPr lang="en-US" altLang="zh-CN" b="0" i="1" dirty="0" smtClean="0">
+                                    <a:latin typeface="Cambria Math" panose="02040503050406030204" pitchFamily="18" charset="0"/>
+                                  </a:rPr>
+                                  <m:t>}</m:t>
+                                </m:r>
+                              </m:e>
+                              <m:sup>
+                                <m:r>
+                                  <a:rPr lang="en-US" altLang="zh-CN" b="0" i="1" dirty="0" smtClean="0">
+                                    <a:latin typeface="Cambria Math" panose="02040503050406030204" pitchFamily="18" charset="0"/>
+                                  </a:rPr>
+                                  <m:t>𝑠𝑘</m:t>
+                                </m:r>
+                              </m:sup>
+                            </m:sSup>
+                          </m:e>
+                        </m:d>
+                      </m:e>
+                      <m:sub>
+                        <m:r>
+                          <a:rPr lang="en-US" altLang="zh-CN" b="0" i="1" dirty="0" smtClean="0">
+                            <a:latin typeface="Cambria Math" panose="02040503050406030204" pitchFamily="18" charset="0"/>
+                          </a:rPr>
+                          <m:t>𝑖</m:t>
+                        </m:r>
+                        <m:r>
+                          <a:rPr lang="en-US" altLang="zh-CN" b="0" i="1" dirty="0" smtClean="0">
+                            <a:latin typeface="Cambria Math" panose="02040503050406030204" pitchFamily="18" charset="0"/>
+                          </a:rPr>
+                          <m:t>=1</m:t>
+                        </m:r>
+                      </m:sub>
+                      <m:sup>
+                        <m:r>
+                          <a:rPr lang="en-US" altLang="zh-CN" b="0" i="1" dirty="0" smtClean="0">
+                            <a:latin typeface="Cambria Math" panose="02040503050406030204" pitchFamily="18" charset="0"/>
+                          </a:rPr>
+                          <m:t>𝑛</m:t>
+                        </m:r>
+                      </m:sup>
+                    </m:sSubSup>
+                    <m:r>
+                      <a:rPr lang="en-US" altLang="zh-CN" b="0" i="1" dirty="0" smtClean="0">
+                        <a:latin typeface="Cambria Math" panose="02040503050406030204" pitchFamily="18" charset="0"/>
+                      </a:rPr>
+                      <m:t> </m:t>
+                    </m:r>
+                  </m:oMath>
+                </a14:m>
+                <a:endParaRPr lang="en-US" altLang="zh-CN" dirty="0"/>
+              </a:p>
+              <a:p>
+                <a:pPr lvl="2"/>
+                <a:r>
+                  <a:rPr lang="en-US" altLang="zh-CN" dirty="0">
+                    <a:solidFill>
+                      <a:schemeClr val="accent1"/>
+                    </a:solidFill>
+                  </a:rPr>
+                  <a:t>Keyword associated tag</a:t>
+                </a:r>
+                <a:r>
+                  <a:rPr lang="en-US" altLang="zh-CN" dirty="0"/>
+                  <a:t>:</a:t>
+                </a:r>
+              </a:p>
+              <a:p>
+                <a:pPr lvl="3"/>
+                <a:r>
+                  <a:rPr lang="zh-CN" altLang="en-US" dirty="0"/>
+                  <a:t>关键词无前一个状态：</a:t>
+                </a:r>
+                <a14:m>
+                  <m:oMath xmlns:m="http://schemas.openxmlformats.org/officeDocument/2006/math">
+                    <m:r>
+                      <a:rPr lang="en-US" altLang="zh-CN" b="0" i="1" smtClean="0">
+                        <a:latin typeface="Cambria Math" panose="02040503050406030204" pitchFamily="18" charset="0"/>
+                      </a:rPr>
+                      <m:t>𝑘</m:t>
+                    </m:r>
+                    <m:sSup>
+                      <m:sSupPr>
+                        <m:ctrlPr>
+                          <a:rPr lang="en-US" altLang="zh-CN" b="0" i="1" smtClean="0">
+                            <a:latin typeface="Cambria Math" panose="02040503050406030204" pitchFamily="18" charset="0"/>
+                          </a:rPr>
+                        </m:ctrlPr>
+                      </m:sSupPr>
+                      <m:e>
+                        <m:r>
+                          <a:rPr lang="en-US" altLang="zh-CN" b="0" i="1" smtClean="0">
+                            <a:latin typeface="Cambria Math" panose="02040503050406030204" pitchFamily="18" charset="0"/>
+                          </a:rPr>
+                          <m:t>𝑡</m:t>
+                        </m:r>
+                      </m:e>
+                      <m:sup>
+                        <m:d>
+                          <m:dPr>
+                            <m:ctrlPr>
+                              <a:rPr lang="en-US" altLang="zh-CN" b="0" i="1" smtClean="0">
+                                <a:latin typeface="Cambria Math" panose="02040503050406030204" pitchFamily="18" charset="0"/>
+                              </a:rPr>
+                            </m:ctrlPr>
+                          </m:dPr>
+                          <m:e>
+                            <m:r>
+                              <a:rPr lang="en-US" altLang="zh-CN" b="0" i="1" smtClean="0">
+                                <a:latin typeface="Cambria Math" panose="02040503050406030204" pitchFamily="18" charset="0"/>
+                              </a:rPr>
+                              <m:t>𝑤𝑖</m:t>
+                            </m:r>
+                          </m:e>
+                        </m:d>
+                      </m:sup>
+                    </m:sSup>
+                    <m:r>
+                      <a:rPr lang="en-US" altLang="zh-CN" b="0" i="1" smtClean="0">
+                        <a:latin typeface="Cambria Math" panose="02040503050406030204" pitchFamily="18" charset="0"/>
+                      </a:rPr>
+                      <m:t>=</m:t>
+                    </m:r>
+                    <m:sSup>
+                      <m:sSupPr>
+                        <m:ctrlPr>
+                          <a:rPr lang="en-US" altLang="zh-CN" b="0" i="1" smtClean="0">
+                            <a:latin typeface="Cambria Math" panose="02040503050406030204" pitchFamily="18" charset="0"/>
+                          </a:rPr>
+                        </m:ctrlPr>
+                      </m:sSupPr>
+                      <m:e>
+                        <m:d>
+                          <m:dPr>
+                            <m:begChr m:val="["/>
+                            <m:endChr m:val="]"/>
+                            <m:ctrlPr>
+                              <a:rPr lang="en-US" altLang="zh-CN" b="0" i="1" smtClean="0">
+                                <a:latin typeface="Cambria Math" panose="02040503050406030204" pitchFamily="18" charset="0"/>
+                              </a:rPr>
+                            </m:ctrlPr>
+                          </m:dPr>
+                          <m:e>
+                            <m:sSub>
+                              <m:sSubPr>
+                                <m:ctrlPr>
+                                  <a:rPr lang="en-US" altLang="zh-CN" b="0" i="1" smtClean="0">
+                                    <a:latin typeface="Cambria Math" panose="02040503050406030204" pitchFamily="18" charset="0"/>
+                                  </a:rPr>
+                                </m:ctrlPr>
+                              </m:sSubPr>
+                              <m:e>
+                                <m:r>
+                                  <a:rPr lang="en-US" altLang="zh-CN" b="0" i="1" smtClean="0">
+                                    <a:latin typeface="Cambria Math" panose="02040503050406030204" pitchFamily="18" charset="0"/>
+                                  </a:rPr>
+                                  <m:t>𝐻</m:t>
+                                </m:r>
+                              </m:e>
+                              <m:sub>
+                                <m:r>
+                                  <a:rPr lang="en-US" altLang="zh-CN" b="0" i="1" smtClean="0">
+                                    <a:latin typeface="Cambria Math" panose="02040503050406030204" pitchFamily="18" charset="0"/>
+                                  </a:rPr>
+                                  <m:t>2</m:t>
+                                </m:r>
+                              </m:sub>
+                            </m:sSub>
+                            <m:d>
+                              <m:dPr>
+                                <m:ctrlPr>
+                                  <a:rPr lang="en-US" altLang="zh-CN" b="0" i="1" smtClean="0">
+                                    <a:latin typeface="Cambria Math" panose="02040503050406030204" pitchFamily="18" charset="0"/>
+                                  </a:rPr>
+                                </m:ctrlPr>
+                              </m:dPr>
+                              <m:e>
+                                <m:r>
+                                  <a:rPr lang="en-US" altLang="zh-CN" b="0" i="1" smtClean="0">
+                                    <a:latin typeface="Cambria Math" panose="02040503050406030204" pitchFamily="18" charset="0"/>
+                                  </a:rPr>
+                                  <m:t>𝐼</m:t>
+                                </m:r>
+                                <m:sSub>
+                                  <m:sSubPr>
+                                    <m:ctrlPr>
+                                      <a:rPr lang="en-US" altLang="zh-CN" b="0" i="1" smtClean="0">
+                                        <a:latin typeface="Cambria Math" panose="02040503050406030204" pitchFamily="18" charset="0"/>
+                                      </a:rPr>
+                                    </m:ctrlPr>
+                                  </m:sSubPr>
+                                  <m:e>
+                                    <m:r>
+                                      <a:rPr lang="en-US" altLang="zh-CN" b="0" i="1" smtClean="0">
+                                        <a:latin typeface="Cambria Math" panose="02040503050406030204" pitchFamily="18" charset="0"/>
+                                      </a:rPr>
+                                      <m:t>𝐷</m:t>
+                                    </m:r>
+                                  </m:e>
+                                  <m:sub>
+                                    <m:r>
+                                      <a:rPr lang="en-US" altLang="zh-CN" b="0" i="1" smtClean="0">
+                                        <a:latin typeface="Cambria Math" panose="02040503050406030204" pitchFamily="18" charset="0"/>
+                                      </a:rPr>
+                                      <m:t>𝐹</m:t>
+                                    </m:r>
+                                  </m:sub>
+                                </m:sSub>
+                              </m:e>
+                            </m:d>
+                            <m:r>
+                              <a:rPr lang="en-US" altLang="zh-CN" b="0" i="1" smtClean="0">
+                                <a:latin typeface="Cambria Math" panose="02040503050406030204" pitchFamily="18" charset="0"/>
+                              </a:rPr>
+                              <m:t>∗</m:t>
+                            </m:r>
+                            <m:sSub>
+                              <m:sSubPr>
+                                <m:ctrlPr>
+                                  <a:rPr lang="en-US" altLang="zh-CN" b="0" i="1" smtClean="0">
+                                    <a:latin typeface="Cambria Math" panose="02040503050406030204" pitchFamily="18" charset="0"/>
+                                  </a:rPr>
+                                </m:ctrlPr>
+                              </m:sSubPr>
+                              <m:e>
+                                <m:r>
+                                  <a:rPr lang="en-US" altLang="zh-CN" b="0" i="1" smtClean="0">
+                                    <a:latin typeface="Cambria Math" panose="02040503050406030204" pitchFamily="18" charset="0"/>
+                                  </a:rPr>
+                                  <m:t>𝐻</m:t>
+                                </m:r>
+                              </m:e>
+                              <m:sub>
+                                <m:r>
+                                  <a:rPr lang="en-US" altLang="zh-CN" b="0" i="1" smtClean="0">
+                                    <a:latin typeface="Cambria Math" panose="02040503050406030204" pitchFamily="18" charset="0"/>
+                                  </a:rPr>
+                                  <m:t>2</m:t>
+                                </m:r>
+                              </m:sub>
+                            </m:sSub>
+                            <m:d>
+                              <m:dPr>
+                                <m:ctrlPr>
+                                  <a:rPr lang="en-US" altLang="zh-CN" b="0" i="1" smtClean="0">
+                                    <a:latin typeface="Cambria Math" panose="02040503050406030204" pitchFamily="18" charset="0"/>
+                                  </a:rPr>
+                                </m:ctrlPr>
+                              </m:dPr>
+                              <m:e>
+                                <m:sSub>
+                                  <m:sSubPr>
+                                    <m:ctrlPr>
+                                      <a:rPr lang="en-US" altLang="zh-CN" b="0" i="1" smtClean="0">
+                                        <a:latin typeface="Cambria Math" panose="02040503050406030204" pitchFamily="18" charset="0"/>
+                                      </a:rPr>
+                                    </m:ctrlPr>
+                                  </m:sSubPr>
+                                  <m:e>
+                                    <m:r>
+                                      <m:rPr>
+                                        <m:sty m:val="p"/>
+                                      </m:rPr>
+                                      <a:rPr lang="en-US" altLang="zh-CN" i="0">
+                                        <a:latin typeface="Cambria Math" panose="02040503050406030204" pitchFamily="18" charset="0"/>
+                                      </a:rPr>
+                                      <m:t>st</m:t>
+                                    </m:r>
+                                  </m:e>
+                                  <m:sub>
+                                    <m:r>
+                                      <a:rPr lang="en-US" altLang="zh-CN" b="0" i="1" smtClean="0">
+                                        <a:latin typeface="Cambria Math" panose="02040503050406030204" pitchFamily="18" charset="0"/>
+                                      </a:rPr>
+                                      <m:t>𝑑</m:t>
+                                    </m:r>
+                                  </m:sub>
+                                </m:sSub>
+                                <m:r>
+                                  <a:rPr lang="en-US" altLang="zh-CN" b="0" i="1" smtClean="0">
+                                    <a:latin typeface="Cambria Math" panose="02040503050406030204" pitchFamily="18" charset="0"/>
+                                  </a:rPr>
+                                  <m:t>+</m:t>
+                                </m:r>
+                                <m:sSub>
+                                  <m:sSubPr>
+                                    <m:ctrlPr>
+                                      <a:rPr lang="en-US" altLang="zh-CN" b="0" i="1" smtClean="0">
+                                        <a:latin typeface="Cambria Math" panose="02040503050406030204" pitchFamily="18" charset="0"/>
+                                      </a:rPr>
+                                    </m:ctrlPr>
+                                  </m:sSubPr>
+                                  <m:e>
+                                    <m:r>
+                                      <a:rPr lang="en-US" altLang="zh-CN" b="0" i="1" smtClean="0">
+                                        <a:latin typeface="Cambria Math" panose="02040503050406030204" pitchFamily="18" charset="0"/>
+                                      </a:rPr>
+                                      <m:t>𝑇</m:t>
+                                    </m:r>
+                                  </m:e>
+                                  <m:sub>
+                                    <m:r>
+                                      <a:rPr lang="en-US" altLang="zh-CN" b="0" i="1" smtClean="0">
+                                        <a:latin typeface="Cambria Math" panose="02040503050406030204" pitchFamily="18" charset="0"/>
+                                      </a:rPr>
+                                      <m:t>𝑖</m:t>
+                                    </m:r>
+                                  </m:sub>
+                                </m:sSub>
+                              </m:e>
+                            </m:d>
+                          </m:e>
+                        </m:d>
+                      </m:e>
+                      <m:sup>
+                        <m:r>
+                          <a:rPr lang="en-US" altLang="zh-CN" b="0" i="1" smtClean="0">
+                            <a:latin typeface="Cambria Math" panose="02040503050406030204" pitchFamily="18" charset="0"/>
+                          </a:rPr>
+                          <m:t>𝑠𝑘</m:t>
+                        </m:r>
+                      </m:sup>
+                    </m:sSup>
+                  </m:oMath>
+                </a14:m>
+                <a:endParaRPr lang="en-US" altLang="zh-CN" b="0" dirty="0"/>
+              </a:p>
+              <a:p>
+                <a:pPr lvl="3"/>
+                <a:r>
+                  <a:rPr lang="zh-CN" altLang="en-US" dirty="0"/>
+                  <a:t>关键词有前一个状态：</a:t>
+                </a:r>
+                <a14:m>
+                  <m:oMath xmlns:m="http://schemas.openxmlformats.org/officeDocument/2006/math">
+                    <m:r>
+                      <m:rPr>
+                        <m:sty m:val="p"/>
+                      </m:rPr>
+                      <a:rPr lang="en-US" altLang="zh-CN" i="1" dirty="0">
+                        <a:latin typeface="Cambria Math" panose="02040503050406030204" pitchFamily="18" charset="0"/>
+                      </a:rPr>
+                      <m:t>k</m:t>
+                    </m:r>
+                    <m:sSup>
+                      <m:sSupPr>
+                        <m:ctrlPr>
+                          <a:rPr lang="en-US" altLang="zh-CN" b="0" i="1" dirty="0" smtClean="0">
+                            <a:latin typeface="Cambria Math" panose="02040503050406030204" pitchFamily="18" charset="0"/>
+                          </a:rPr>
+                        </m:ctrlPr>
+                      </m:sSupPr>
+                      <m:e>
+                        <m:r>
+                          <a:rPr lang="en-US" altLang="zh-CN" b="0" i="1" dirty="0" smtClean="0">
+                            <a:latin typeface="Cambria Math" panose="02040503050406030204" pitchFamily="18" charset="0"/>
+                          </a:rPr>
+                          <m:t>𝑡</m:t>
+                        </m:r>
+                      </m:e>
+                      <m:sup>
+                        <m:d>
+                          <m:dPr>
+                            <m:ctrlPr>
+                              <a:rPr lang="en-US" altLang="zh-CN" b="0" i="1" dirty="0" smtClean="0">
+                                <a:latin typeface="Cambria Math" panose="02040503050406030204" pitchFamily="18" charset="0"/>
+                              </a:rPr>
+                            </m:ctrlPr>
+                          </m:dPr>
+                          <m:e>
+                            <m:sSub>
+                              <m:sSubPr>
+                                <m:ctrlPr>
+                                  <a:rPr lang="en-US" altLang="zh-CN" b="0" i="1" dirty="0" smtClean="0">
+                                    <a:latin typeface="Cambria Math" panose="02040503050406030204" pitchFamily="18" charset="0"/>
+                                  </a:rPr>
+                                </m:ctrlPr>
+                              </m:sSubPr>
+                              <m:e>
+                                <m:r>
+                                  <a:rPr lang="en-US" altLang="zh-CN" b="0" i="1" dirty="0" smtClean="0">
+                                    <a:latin typeface="Cambria Math" panose="02040503050406030204" pitchFamily="18" charset="0"/>
+                                  </a:rPr>
+                                  <m:t>𝑤</m:t>
+                                </m:r>
+                              </m:e>
+                              <m:sub>
+                                <m:r>
+                                  <a:rPr lang="en-US" altLang="zh-CN" b="0" i="1" dirty="0" smtClean="0">
+                                    <a:latin typeface="Cambria Math" panose="02040503050406030204" pitchFamily="18" charset="0"/>
+                                  </a:rPr>
+                                  <m:t>𝑖</m:t>
+                                </m:r>
+                              </m:sub>
+                            </m:sSub>
+                          </m:e>
+                        </m:d>
+                      </m:sup>
+                    </m:sSup>
+                    <m:r>
+                      <a:rPr lang="en-US" altLang="zh-CN" b="0" i="1" dirty="0" smtClean="0">
+                        <a:latin typeface="Cambria Math" panose="02040503050406030204" pitchFamily="18" charset="0"/>
+                      </a:rPr>
+                      <m:t>=</m:t>
+                    </m:r>
+                    <m:sSup>
+                      <m:sSupPr>
+                        <m:ctrlPr>
+                          <a:rPr lang="en-US" altLang="zh-CN" b="0" i="1" dirty="0" smtClean="0">
+                            <a:latin typeface="Cambria Math" panose="02040503050406030204" pitchFamily="18" charset="0"/>
+                          </a:rPr>
+                        </m:ctrlPr>
+                      </m:sSupPr>
+                      <m:e>
+                        <m:d>
+                          <m:dPr>
+                            <m:begChr m:val="["/>
+                            <m:endChr m:val="]"/>
+                            <m:ctrlPr>
+                              <a:rPr lang="en-US" altLang="zh-CN" b="0" i="1" dirty="0" smtClean="0">
+                                <a:latin typeface="Cambria Math" panose="02040503050406030204" pitchFamily="18" charset="0"/>
+                              </a:rPr>
+                            </m:ctrlPr>
+                          </m:dPr>
+                          <m:e>
+                            <m:sSub>
+                              <m:sSubPr>
+                                <m:ctrlPr>
+                                  <a:rPr lang="en-US" altLang="zh-CN" b="0" i="1" dirty="0" smtClean="0">
+                                    <a:latin typeface="Cambria Math" panose="02040503050406030204" pitchFamily="18" charset="0"/>
+                                  </a:rPr>
+                                </m:ctrlPr>
+                              </m:sSubPr>
+                              <m:e>
+                                <m:r>
+                                  <a:rPr lang="en-US" altLang="zh-CN" b="0" i="1" dirty="0" smtClean="0">
+                                    <a:latin typeface="Cambria Math" panose="02040503050406030204" pitchFamily="18" charset="0"/>
+                                  </a:rPr>
+                                  <m:t>𝐻</m:t>
+                                </m:r>
+                              </m:e>
+                              <m:sub>
+                                <m:r>
+                                  <a:rPr lang="en-US" altLang="zh-CN" b="0" i="1" dirty="0" smtClean="0">
+                                    <a:latin typeface="Cambria Math" panose="02040503050406030204" pitchFamily="18" charset="0"/>
+                                  </a:rPr>
+                                  <m:t>2</m:t>
+                                </m:r>
+                              </m:sub>
+                            </m:sSub>
+                            <m:d>
+                              <m:dPr>
+                                <m:ctrlPr>
+                                  <a:rPr lang="en-US" altLang="zh-CN" b="0" i="1" dirty="0" smtClean="0">
+                                    <a:latin typeface="Cambria Math" panose="02040503050406030204" pitchFamily="18" charset="0"/>
+                                  </a:rPr>
+                                </m:ctrlPr>
+                              </m:dPr>
+                              <m:e>
+                                <m:r>
+                                  <a:rPr lang="en-US" altLang="zh-CN" b="0" i="1" dirty="0" smtClean="0">
+                                    <a:latin typeface="Cambria Math" panose="02040503050406030204" pitchFamily="18" charset="0"/>
+                                  </a:rPr>
+                                  <m:t>𝐼</m:t>
+                                </m:r>
+                                <m:sSub>
+                                  <m:sSubPr>
+                                    <m:ctrlPr>
+                                      <a:rPr lang="en-US" altLang="zh-CN" b="0" i="1" dirty="0" smtClean="0">
+                                        <a:latin typeface="Cambria Math" panose="02040503050406030204" pitchFamily="18" charset="0"/>
+                                      </a:rPr>
+                                    </m:ctrlPr>
+                                  </m:sSubPr>
+                                  <m:e>
+                                    <m:r>
+                                      <a:rPr lang="en-US" altLang="zh-CN" b="0" i="1" dirty="0" smtClean="0">
+                                        <a:latin typeface="Cambria Math" panose="02040503050406030204" pitchFamily="18" charset="0"/>
+                                      </a:rPr>
+                                      <m:t>𝐷</m:t>
+                                    </m:r>
+                                  </m:e>
+                                  <m:sub>
+                                    <m:r>
+                                      <a:rPr lang="en-US" altLang="zh-CN" b="0" i="1" dirty="0" smtClean="0">
+                                        <a:latin typeface="Cambria Math" panose="02040503050406030204" pitchFamily="18" charset="0"/>
+                                      </a:rPr>
+                                      <m:t>𝐹</m:t>
+                                    </m:r>
+                                  </m:sub>
+                                </m:sSub>
+                              </m:e>
+                            </m:d>
+                            <m:r>
+                              <a:rPr lang="en-US" altLang="zh-CN" b="0" i="1" dirty="0" smtClean="0">
+                                <a:latin typeface="Cambria Math" panose="02040503050406030204" pitchFamily="18" charset="0"/>
+                              </a:rPr>
+                              <m:t>∗</m:t>
+                            </m:r>
+                            <m:f>
+                              <m:fPr>
+                                <m:ctrlPr>
+                                  <a:rPr lang="en-US" altLang="zh-CN" b="0" i="1" dirty="0" smtClean="0">
+                                    <a:latin typeface="Cambria Math" panose="02040503050406030204" pitchFamily="18" charset="0"/>
+                                  </a:rPr>
+                                </m:ctrlPr>
+                              </m:fPr>
+                              <m:num>
+                                <m:sSub>
+                                  <m:sSubPr>
+                                    <m:ctrlPr>
+                                      <a:rPr lang="en-US" altLang="zh-CN" b="0" i="1" dirty="0" smtClean="0">
+                                        <a:latin typeface="Cambria Math" panose="02040503050406030204" pitchFamily="18" charset="0"/>
+                                      </a:rPr>
+                                    </m:ctrlPr>
+                                  </m:sSubPr>
+                                  <m:e>
+                                    <m:r>
+                                      <a:rPr lang="en-US" altLang="zh-CN" b="0" i="1" dirty="0" smtClean="0">
+                                        <a:latin typeface="Cambria Math" panose="02040503050406030204" pitchFamily="18" charset="0"/>
+                                      </a:rPr>
+                                      <m:t>𝐻</m:t>
+                                    </m:r>
+                                  </m:e>
+                                  <m:sub>
+                                    <m:r>
+                                      <a:rPr lang="en-US" altLang="zh-CN" b="0" i="1" dirty="0" smtClean="0">
+                                        <a:latin typeface="Cambria Math" panose="02040503050406030204" pitchFamily="18" charset="0"/>
+                                      </a:rPr>
+                                      <m:t>2</m:t>
+                                    </m:r>
+                                  </m:sub>
+                                </m:sSub>
+                                <m:d>
+                                  <m:dPr>
+                                    <m:ctrlPr>
+                                      <a:rPr lang="en-US" altLang="zh-CN" b="0" i="1" dirty="0" smtClean="0">
+                                        <a:latin typeface="Cambria Math" panose="02040503050406030204" pitchFamily="18" charset="0"/>
+                                      </a:rPr>
+                                    </m:ctrlPr>
+                                  </m:dPr>
+                                  <m:e>
+                                    <m:r>
+                                      <a:rPr lang="en-US" altLang="zh-CN" b="0" i="1" dirty="0" smtClean="0">
+                                        <a:latin typeface="Cambria Math" panose="02040503050406030204" pitchFamily="18" charset="0"/>
+                                      </a:rPr>
+                                      <m:t>𝑠</m:t>
+                                    </m:r>
+                                    <m:sSub>
+                                      <m:sSubPr>
+                                        <m:ctrlPr>
+                                          <a:rPr lang="en-US" altLang="zh-CN" b="0" i="1" dirty="0" smtClean="0">
+                                            <a:latin typeface="Cambria Math" panose="02040503050406030204" pitchFamily="18" charset="0"/>
+                                          </a:rPr>
+                                        </m:ctrlPr>
+                                      </m:sSubPr>
+                                      <m:e>
+                                        <m:r>
+                                          <a:rPr lang="en-US" altLang="zh-CN" b="0" i="1" dirty="0" smtClean="0">
+                                            <a:latin typeface="Cambria Math" panose="02040503050406030204" pitchFamily="18" charset="0"/>
+                                          </a:rPr>
+                                          <m:t>𝑡</m:t>
+                                        </m:r>
+                                      </m:e>
+                                      <m:sub>
+                                        <m:r>
+                                          <a:rPr lang="en-US" altLang="zh-CN" b="0" i="1" dirty="0" smtClean="0">
+                                            <a:latin typeface="Cambria Math" panose="02040503050406030204" pitchFamily="18" charset="0"/>
+                                          </a:rPr>
+                                          <m:t>𝑑</m:t>
+                                        </m:r>
+                                      </m:sub>
+                                    </m:sSub>
+                                    <m:r>
+                                      <a:rPr lang="en-US" altLang="zh-CN" b="0" i="1" dirty="0" smtClean="0">
+                                        <a:latin typeface="Cambria Math" panose="02040503050406030204" pitchFamily="18" charset="0"/>
+                                      </a:rPr>
+                                      <m:t>+</m:t>
+                                    </m:r>
+                                    <m:sSub>
+                                      <m:sSubPr>
+                                        <m:ctrlPr>
+                                          <a:rPr lang="en-US" altLang="zh-CN" b="0" i="1" dirty="0" smtClean="0">
+                                            <a:latin typeface="Cambria Math" panose="02040503050406030204" pitchFamily="18" charset="0"/>
+                                          </a:rPr>
+                                        </m:ctrlPr>
+                                      </m:sSubPr>
+                                      <m:e>
+                                        <m:r>
+                                          <a:rPr lang="en-US" altLang="zh-CN" b="0" i="1" dirty="0" smtClean="0">
+                                            <a:latin typeface="Cambria Math" panose="02040503050406030204" pitchFamily="18" charset="0"/>
+                                          </a:rPr>
+                                          <m:t>𝑇</m:t>
+                                        </m:r>
+                                      </m:e>
+                                      <m:sub>
+                                        <m:r>
+                                          <a:rPr lang="en-US" altLang="zh-CN" b="0" i="1" dirty="0" smtClean="0">
+                                            <a:latin typeface="Cambria Math" panose="02040503050406030204" pitchFamily="18" charset="0"/>
+                                          </a:rPr>
+                                          <m:t>𝐼</m:t>
+                                        </m:r>
+                                      </m:sub>
+                                    </m:sSub>
+                                  </m:e>
+                                </m:d>
+                              </m:num>
+                              <m:den>
+                                <m:sSub>
+                                  <m:sSubPr>
+                                    <m:ctrlPr>
+                                      <a:rPr lang="en-US" altLang="zh-CN" b="0" i="1" dirty="0" smtClean="0">
+                                        <a:latin typeface="Cambria Math" panose="02040503050406030204" pitchFamily="18" charset="0"/>
+                                      </a:rPr>
+                                    </m:ctrlPr>
+                                  </m:sSubPr>
+                                  <m:e>
+                                    <m:r>
+                                      <a:rPr lang="en-US" altLang="zh-CN" b="0" i="1" dirty="0" smtClean="0">
+                                        <a:latin typeface="Cambria Math" panose="02040503050406030204" pitchFamily="18" charset="0"/>
+                                      </a:rPr>
+                                      <m:t>𝐻</m:t>
+                                    </m:r>
+                                  </m:e>
+                                  <m:sub>
+                                    <m:r>
+                                      <a:rPr lang="en-US" altLang="zh-CN" b="0" i="1" dirty="0" smtClean="0">
+                                        <a:latin typeface="Cambria Math" panose="02040503050406030204" pitchFamily="18" charset="0"/>
+                                      </a:rPr>
+                                      <m:t>2</m:t>
+                                    </m:r>
+                                  </m:sub>
+                                </m:sSub>
+                                <m:d>
+                                  <m:dPr>
+                                    <m:ctrlPr>
+                                      <a:rPr lang="en-US" altLang="zh-CN" b="0" i="1" dirty="0" smtClean="0">
+                                        <a:latin typeface="Cambria Math" panose="02040503050406030204" pitchFamily="18" charset="0"/>
+                                      </a:rPr>
+                                    </m:ctrlPr>
+                                  </m:dPr>
+                                  <m:e>
+                                    <m:r>
+                                      <a:rPr lang="en-US" altLang="zh-CN" b="0" i="1" dirty="0" smtClean="0">
+                                        <a:latin typeface="Cambria Math" panose="02040503050406030204" pitchFamily="18" charset="0"/>
+                                      </a:rPr>
+                                      <m:t>𝑠</m:t>
+                                    </m:r>
+                                    <m:sSub>
+                                      <m:sSubPr>
+                                        <m:ctrlPr>
+                                          <a:rPr lang="en-US" altLang="zh-CN" b="0" i="1" dirty="0" smtClean="0">
+                                            <a:latin typeface="Cambria Math" panose="02040503050406030204" pitchFamily="18" charset="0"/>
+                                          </a:rPr>
+                                        </m:ctrlPr>
+                                      </m:sSubPr>
+                                      <m:e>
+                                        <m:r>
+                                          <a:rPr lang="en-US" altLang="zh-CN" b="0" i="1" dirty="0" smtClean="0">
+                                            <a:latin typeface="Cambria Math" panose="02040503050406030204" pitchFamily="18" charset="0"/>
+                                          </a:rPr>
+                                          <m:t>𝑡</m:t>
+                                        </m:r>
+                                      </m:e>
+                                      <m:sub>
+                                        <m:r>
+                                          <a:rPr lang="en-US" altLang="zh-CN" b="0" i="1" dirty="0" smtClean="0">
+                                            <a:latin typeface="Cambria Math" panose="02040503050406030204" pitchFamily="18" charset="0"/>
+                                          </a:rPr>
+                                          <m:t>𝑑</m:t>
+                                        </m:r>
+                                        <m:r>
+                                          <a:rPr lang="en-US" altLang="zh-CN" b="0" i="1" dirty="0" smtClean="0">
+                                            <a:latin typeface="Cambria Math" panose="02040503050406030204" pitchFamily="18" charset="0"/>
+                                          </a:rPr>
+                                          <m:t>−1</m:t>
+                                        </m:r>
+                                      </m:sub>
+                                    </m:sSub>
+                                    <m:r>
+                                      <a:rPr lang="en-US" altLang="zh-CN" b="0" i="1" dirty="0" smtClean="0">
+                                        <a:latin typeface="Cambria Math" panose="02040503050406030204" pitchFamily="18" charset="0"/>
+                                      </a:rPr>
+                                      <m:t>+</m:t>
+                                    </m:r>
+                                    <m:sSub>
+                                      <m:sSubPr>
+                                        <m:ctrlPr>
+                                          <a:rPr lang="en-US" altLang="zh-CN" b="0" i="1" dirty="0" smtClean="0">
+                                            <a:latin typeface="Cambria Math" panose="02040503050406030204" pitchFamily="18" charset="0"/>
+                                          </a:rPr>
+                                        </m:ctrlPr>
+                                      </m:sSubPr>
+                                      <m:e>
+                                        <m:r>
+                                          <a:rPr lang="en-US" altLang="zh-CN" b="0" i="1" dirty="0" smtClean="0">
+                                            <a:latin typeface="Cambria Math" panose="02040503050406030204" pitchFamily="18" charset="0"/>
+                                          </a:rPr>
+                                          <m:t>𝑇</m:t>
+                                        </m:r>
+                                      </m:e>
+                                      <m:sub>
+                                        <m:r>
+                                          <a:rPr lang="en-US" altLang="zh-CN" b="0" i="1" dirty="0" smtClean="0">
+                                            <a:latin typeface="Cambria Math" panose="02040503050406030204" pitchFamily="18" charset="0"/>
+                                          </a:rPr>
+                                          <m:t>𝑖</m:t>
+                                        </m:r>
+                                      </m:sub>
+                                    </m:sSub>
+                                  </m:e>
+                                </m:d>
+                              </m:den>
+                            </m:f>
+                          </m:e>
+                        </m:d>
+                      </m:e>
+                      <m:sup>
+                        <m:r>
+                          <a:rPr lang="en-US" altLang="zh-CN" b="0" i="1" dirty="0" smtClean="0">
+                            <a:latin typeface="Cambria Math" panose="02040503050406030204" pitchFamily="18" charset="0"/>
+                          </a:rPr>
+                          <m:t>𝑠𝑘</m:t>
+                        </m:r>
+                      </m:sup>
+                    </m:sSup>
+                  </m:oMath>
+                </a14:m>
+                <a:endParaRPr lang="en-US" altLang="zh-CN" dirty="0"/>
+              </a:p>
+              <a:p>
+                <a:pPr lvl="1"/>
+                <a:r>
+                  <a:rPr lang="en-US" altLang="zh-CN" dirty="0"/>
+                  <a:t>3.</a:t>
+                </a:r>
+                <a:r>
+                  <a:rPr lang="zh-CN" altLang="en-US" dirty="0"/>
+                  <a:t>发送这些数据到服务端。</a:t>
+                </a:r>
+                <a:endParaRPr lang="en-US" altLang="zh-CN" dirty="0"/>
+              </a:p>
+              <a:p>
+                <a:pPr marL="457200" lvl="1" indent="0">
+                  <a:buNone/>
+                </a:pPr>
+                <a:endParaRPr lang="en-US" altLang="zh-CN" dirty="0"/>
+              </a:p>
+              <a:p>
+                <a:pPr lvl="1"/>
+                <a:endParaRPr lang="en-US" altLang="zh-CN" dirty="0"/>
+              </a:p>
+            </p:txBody>
+          </p:sp>
+        </mc:Choice>
+        <mc:Fallback>
+          <p:sp>
+            <p:nvSpPr>
+              <p:cNvPr id="11" name="内容占位符 10">
+                <a:extLst>
+                  <a:ext uri="{FF2B5EF4-FFF2-40B4-BE49-F238E27FC236}">
+                    <a16:creationId xmlns:a16="http://schemas.microsoft.com/office/drawing/2014/main" id="{A13EE26B-CB8B-B743-C433-841589786484}"/>
+                  </a:ext>
+                </a:extLst>
+              </p:cNvPr>
+              <p:cNvSpPr>
+                <a:spLocks noGrp="1" noRot="1" noChangeAspect="1" noMove="1" noResize="1" noEditPoints="1" noAdjustHandles="1" noChangeArrowheads="1" noChangeShapeType="1" noTextEdit="1"/>
+              </p:cNvSpPr>
+              <p:nvPr>
+                <p:ph idx="1"/>
+              </p:nvPr>
+            </p:nvSpPr>
+            <p:spPr>
+              <a:xfrm>
+                <a:off x="628650" y="1825623"/>
+                <a:ext cx="7886700" cy="5032377"/>
+              </a:xfrm>
+              <a:blipFill>
+                <a:blip r:embed="rId2"/>
+                <a:stretch>
+                  <a:fillRect/>
+                </a:stretch>
+              </a:blipFill>
+            </p:spPr>
+            <p:txBody>
+              <a:bodyPr/>
+              <a:lstStyle/>
+              <a:p>
+                <a:r>
+                  <a:rPr lang="zh-CN" altLang="en-US">
+                    <a:noFill/>
+                  </a:rPr>
+                  <a:t> </a:t>
+                </a:r>
+              </a:p>
+            </p:txBody>
+          </p:sp>
+        </mc:Fallback>
+      </mc:AlternateContent>
       <p:sp>
         <p:nvSpPr>
           <p:cNvPr id="8" name="矩形 7">
@@ -6008,7 +7695,23 @@
                   <a:schemeClr val="bg1"/>
                 </a:solidFill>
               </a:rPr>
-              <a:t>删除操作实现</a:t>
+              <a:t>插入操作实现</a:t>
+            </a:r>
+            <a:r>
+              <a:rPr lang="en-US" altLang="zh-CN" sz="2400" dirty="0">
+                <a:solidFill>
+                  <a:schemeClr val="bg1"/>
+                </a:solidFill>
+              </a:rPr>
+              <a:t>/</a:t>
+            </a:r>
+            <a:r>
+              <a:rPr lang="zh-CN" altLang="en-US" sz="2400" dirty="0">
+                <a:solidFill>
+                  <a:schemeClr val="bg1"/>
+                </a:solidFill>
+              </a:rPr>
+              <a:t>客户端</a:t>
             </a:r>
             <a:endParaRPr lang="zh-CN" altLang="en-US" sz="2400" dirty="0"/>
           </a:p>
@@ -6050,10 +7753,40 @@
           </a:p>
         </p:txBody>
       </p:sp>
+      <p:pic>
+        <p:nvPicPr>
+          <p:cNvPr id="5" name="图片 4">
+            <a:extLst>
+              <a:ext uri="{FF2B5EF4-FFF2-40B4-BE49-F238E27FC236}">
+                <a16:creationId xmlns:a16="http://schemas.microsoft.com/office/drawing/2014/main" id="{BF7008FC-FF6A-9DD8-DE06-8C0377023766}"/>
+              </a:ext>
+            </a:extLst>
+          </p:cNvPr>
+          <p:cNvPicPr>
+            <a:picLocks noChangeAspect="1"/>
+          </p:cNvPicPr>
+          <p:nvPr/>
+        </p:nvPicPr>
+        <p:blipFill>
+          <a:blip r:embed="rId3"/>
+          <a:stretch>
+            <a:fillRect/>
+          </a:stretch>
+        </p:blipFill>
+        <p:spPr>
+          <a:xfrm>
+            <a:off x="1472339" y="1825623"/>
+            <a:ext cx="6044357" cy="1378913"/>
+          </a:xfrm>
+          <a:prstGeom prst="rect">
+            <a:avLst/>
+          </a:prstGeom>
+        </p:spPr>
+      </p:pic>
     </p:spTree>
     <p:extLst>
       <p:ext uri="{BB962C8B-B14F-4D97-AF65-F5344CB8AC3E}">
-        <p14:creationId xmlns:p14="http://schemas.microsoft.com/office/powerpoint/2010/main" val="359398973"/>
+        <p14:creationId xmlns:p14="http://schemas.microsoft.com/office/powerpoint/2010/main" val="3310981527"/>
       </p:ext>
     </p:extLst>
   </p:cSld>
@@ -6125,22 +7858,77 @@
             <p:ph idx="1"/>
           </p:nvPr>
         </p:nvSpPr>
-        <p:spPr/>
-        <p:txBody>
-          <a:bodyPr/>
+        <p:spPr>
+          <a:xfrm>
+            <a:off x="628650" y="1896582"/>
+            <a:ext cx="7886700" cy="4759939"/>
+          </a:xfrm>
+        </p:spPr>
+        <p:txBody>
+          <a:bodyPr>
+            <a:normAutofit/>
+          </a:bodyPr>
           <a:lstStyle/>
           <a:p>
+            <a:endParaRPr lang="en-US" altLang="zh-CN" dirty="0"/>
+          </a:p>
+          <a:p>
+            <a:endParaRPr lang="en-US" altLang="zh-CN" dirty="0"/>
+          </a:p>
+          <a:p>
+            <a:endParaRPr lang="en-US" altLang="zh-CN" dirty="0"/>
+          </a:p>
+          <a:p>
+            <a:endParaRPr lang="en-US" altLang="zh-CN" dirty="0"/>
+          </a:p>
+          <a:p>
+            <a:endParaRPr lang="en-US" altLang="zh-CN" dirty="0"/>
+          </a:p>
+          <a:p>
+            <a:pPr marL="0" indent="0">
+              <a:buNone/>
+            </a:pPr>
+            <a:endParaRPr lang="en-US" altLang="zh-CN" dirty="0"/>
+          </a:p>
+          <a:p>
+            <a:pPr marL="0" indent="0">
+              <a:buNone/>
+            </a:pPr>
+            <a:endParaRPr lang="en-US" altLang="zh-CN" dirty="0"/>
+          </a:p>
+          <a:p>
             <a:r>
               <a:rPr lang="zh-CN" altLang="en-US" dirty="0"/>
-              <a:t>密码学知识</a:t>
+              <a:t>将客户端发送的数据存储在索引数据库与密文数据库。</a:t>
             </a:r>
             <a:endParaRPr lang="en-US" altLang="zh-CN" dirty="0"/>
           </a:p>
           <a:p>
             <a:r>
               <a:rPr lang="zh-CN" altLang="en-US" dirty="0"/>
-              <a:t>双线性配对</a:t>
-            </a:r>
+              <a:t>设置文件状态为</a:t>
+            </a:r>
+            <a:r>
+              <a:rPr lang="en-US" altLang="zh-CN" dirty="0"/>
+              <a:t>valid</a:t>
+            </a:r>
+            <a:r>
+              <a:rPr lang="zh-CN" altLang="en-US" dirty="0"/>
+              <a:t>。</a:t>
+            </a:r>
+            <a:endParaRPr lang="en-US" altLang="zh-CN" dirty="0"/>
+          </a:p>
+          <a:p>
+            <a:r>
+              <a:rPr lang="zh-CN" altLang="en-US" dirty="0"/>
+              <a:t>插入操作完成。</a:t>
+            </a:r>
+            <a:endParaRPr lang="en-US" altLang="zh-CN" dirty="0"/>
+          </a:p>
+          <a:p>
+            <a:endParaRPr lang="en-US" altLang="zh-CN" dirty="0"/>
+          </a:p>
+          <a:p>
             <a:endParaRPr lang="en-US" altLang="zh-CN" dirty="0"/>
           </a:p>
           <a:p>
@@ -6163,7 +7951,7 @@
         </p:nvSpPr>
         <p:spPr>
           <a:xfrm>
-            <a:off x="628650" y="1321308"/>
+            <a:off x="628650" y="1285828"/>
             <a:ext cx="7886700" cy="461665"/>
           </a:xfrm>
           <a:prstGeom prst="rect">
@@ -6186,7 +7974,23 @@
                   <a:schemeClr val="bg1"/>
                 </a:solidFill>
               </a:rPr>
-              <a:t>加密搜索证明生成</a:t>
+              <a:t>插入操作实现</a:t>
+            </a:r>
+            <a:r>
+              <a:rPr lang="en-US" altLang="zh-CN" sz="2400" dirty="0">
+                <a:solidFill>
+                  <a:schemeClr val="bg1"/>
+                </a:solidFill>
+              </a:rPr>
+              <a:t>/</a:t>
+            </a:r>
+            <a:r>
+              <a:rPr lang="zh-CN" altLang="en-US" sz="2400" dirty="0">
+                <a:solidFill>
+                  <a:schemeClr val="bg1"/>
+                </a:solidFill>
+              </a:rPr>
+              <a:t>服务端</a:t>
             </a:r>
             <a:endParaRPr lang="zh-CN" altLang="en-US" sz="2400" dirty="0"/>
           </a:p>
@@ -6228,10 +8032,40 @@
           </a:p>
         </p:txBody>
       </p:sp>
+      <p:pic>
+        <p:nvPicPr>
+          <p:cNvPr id="5" name="图片 4">
+            <a:extLst>
+              <a:ext uri="{FF2B5EF4-FFF2-40B4-BE49-F238E27FC236}">
+                <a16:creationId xmlns:a16="http://schemas.microsoft.com/office/drawing/2014/main" id="{9C2C8605-9140-7635-BE32-3820CE140DF1}"/>
+              </a:ext>
+            </a:extLst>
+          </p:cNvPr>
+          <p:cNvPicPr>
+            <a:picLocks noChangeAspect="1"/>
+          </p:cNvPicPr>
+          <p:nvPr/>
+        </p:nvPicPr>
+        <p:blipFill>
+          <a:blip r:embed="rId2"/>
+          <a:stretch>
+            <a:fillRect/>
+          </a:stretch>
+        </p:blipFill>
+        <p:spPr>
+          <a:xfrm>
+            <a:off x="1263110" y="1804299"/>
+            <a:ext cx="6028843" cy="3120289"/>
+          </a:xfrm>
+          <a:prstGeom prst="rect">
+            <a:avLst/>
+          </a:prstGeom>
+        </p:spPr>
+      </p:pic>
     </p:spTree>
     <p:extLst>
       <p:ext uri="{BB962C8B-B14F-4D97-AF65-F5344CB8AC3E}">
-        <p14:creationId xmlns:p14="http://schemas.microsoft.com/office/powerpoint/2010/main" val="499408681"/>
+        <p14:creationId xmlns:p14="http://schemas.microsoft.com/office/powerpoint/2010/main" val="2690258638"/>
       </p:ext>
     </p:extLst>
   </p:cSld>
@@ -6287,46 +8121,575 @@
           </a:p>
         </p:txBody>
       </p:sp>
-      <p:sp>
-        <p:nvSpPr>
-          <p:cNvPr id="11" name="内容占位符 10">
-            <a:extLst>
-              <a:ext uri="{FF2B5EF4-FFF2-40B4-BE49-F238E27FC236}">
-                <a16:creationId xmlns:a16="http://schemas.microsoft.com/office/drawing/2014/main" id="{A13EE26B-CB8B-B743-C433-841589786484}"/>
-              </a:ext>
-            </a:extLst>
-          </p:cNvPr>
-          <p:cNvSpPr>
-            <a:spLocks noGrp="1"/>
-          </p:cNvSpPr>
-          <p:nvPr>
-            <p:ph idx="1"/>
-          </p:nvPr>
-        </p:nvSpPr>
-        <p:spPr/>
-        <p:txBody>
-          <a:bodyPr/>
-          <a:lstStyle/>
-          <a:p>
-            <a:r>
-              <a:rPr lang="zh-CN" altLang="en-US" dirty="0"/>
-              <a:t>密码学知识</a:t>
-            </a:r>
-            <a:endParaRPr lang="en-US" altLang="zh-CN" dirty="0"/>
-          </a:p>
-          <a:p>
-            <a:r>
-              <a:rPr lang="zh-CN" altLang="en-US" dirty="0"/>
-              <a:t>双线性配对</a:t>
-            </a:r>
-            <a:endParaRPr lang="en-US" altLang="zh-CN" dirty="0"/>
-          </a:p>
-          <a:p>
-            <a:pPr lvl="1"/>
-            <a:endParaRPr lang="en-US" altLang="zh-CN" dirty="0"/>
-          </a:p>
-        </p:txBody>
-      </p:sp>
+      <mc:AlternateContent xmlns:mc="http://schemas.openxmlformats.org/markup-compatibility/2006">
+        <mc:Choice xmlns:a14="http://schemas.microsoft.com/office/drawing/2010/main" Requires="a14">
+          <p:sp>
+            <p:nvSpPr>
+              <p:cNvPr id="11" name="内容占位符 10">
+                <a:extLst>
+                  <a:ext uri="{FF2B5EF4-FFF2-40B4-BE49-F238E27FC236}">
+                    <a16:creationId xmlns:a16="http://schemas.microsoft.com/office/drawing/2014/main" id="{A13EE26B-CB8B-B743-C433-841589786484}"/>
+                  </a:ext>
+                </a:extLst>
+              </p:cNvPr>
+              <p:cNvSpPr>
+                <a:spLocks noGrp="1"/>
+              </p:cNvSpPr>
+              <p:nvPr>
+                <p:ph idx="1"/>
+              </p:nvPr>
+            </p:nvSpPr>
+            <p:spPr/>
+            <p:txBody>
+              <a:bodyPr/>
+              <a:lstStyle/>
+              <a:p>
+                <a:r>
+                  <a:rPr lang="zh-CN" altLang="en-US" dirty="0"/>
+                  <a:t>客户端</a:t>
+                </a:r>
+                <a:endParaRPr lang="en-US" altLang="zh-CN" dirty="0"/>
+              </a:p>
+              <a:p>
+                <a:pPr lvl="1"/>
+                <a:r>
+                  <a:rPr lang="zh-CN" altLang="en-US" dirty="0"/>
+                  <a:t>计算：</a:t>
+                </a:r>
+                <a14:m>
+                  <m:oMath xmlns:m="http://schemas.openxmlformats.org/officeDocument/2006/math">
+                    <m:r>
+                      <m:rPr>
+                        <m:sty m:val="p"/>
+                      </m:rPr>
+                      <a:rPr lang="en-US" altLang="zh-CN" i="1" dirty="0" smtClean="0">
+                        <a:solidFill>
+                          <a:srgbClr val="FF0000"/>
+                        </a:solidFill>
+                        <a:latin typeface="Cambria Math" panose="02040503050406030204" pitchFamily="18" charset="0"/>
+                      </a:rPr>
+                      <m:t>del</m:t>
+                    </m:r>
+                    <m:r>
+                      <a:rPr lang="en-US" altLang="zh-CN" b="0" i="1" dirty="0" smtClean="0">
+                        <a:solidFill>
+                          <a:srgbClr val="FF0000"/>
+                        </a:solidFill>
+                        <a:latin typeface="Cambria Math" panose="02040503050406030204" pitchFamily="18" charset="0"/>
+                      </a:rPr>
+                      <m:t>=</m:t>
+                    </m:r>
+                    <m:sSub>
+                      <m:sSubPr>
+                        <m:ctrlPr>
+                          <a:rPr lang="en-US" altLang="zh-CN" b="0" i="1" dirty="0" smtClean="0">
+                            <a:solidFill>
+                              <a:srgbClr val="FF0000"/>
+                            </a:solidFill>
+                            <a:latin typeface="Cambria Math" panose="02040503050406030204" pitchFamily="18" charset="0"/>
+                          </a:rPr>
+                        </m:ctrlPr>
+                      </m:sSubPr>
+                      <m:e>
+                        <m:r>
+                          <a:rPr lang="en-US" altLang="zh-CN" b="0" i="1" dirty="0" smtClean="0">
+                            <a:solidFill>
+                              <a:srgbClr val="FF0000"/>
+                            </a:solidFill>
+                            <a:latin typeface="Cambria Math" panose="02040503050406030204" pitchFamily="18" charset="0"/>
+                          </a:rPr>
+                          <m:t>𝐻</m:t>
+                        </m:r>
+                      </m:e>
+                      <m:sub>
+                        <m:r>
+                          <a:rPr lang="en-US" altLang="zh-CN" b="0" i="1" dirty="0" smtClean="0">
+                            <a:solidFill>
+                              <a:srgbClr val="FF0000"/>
+                            </a:solidFill>
+                            <a:latin typeface="Cambria Math" panose="02040503050406030204" pitchFamily="18" charset="0"/>
+                          </a:rPr>
+                          <m:t>2</m:t>
+                        </m:r>
+                      </m:sub>
+                    </m:sSub>
+                    <m:sSup>
+                      <m:sSupPr>
+                        <m:ctrlPr>
+                          <a:rPr lang="en-US" altLang="zh-CN" b="0" i="1" dirty="0" smtClean="0">
+                            <a:solidFill>
+                              <a:srgbClr val="FF0000"/>
+                            </a:solidFill>
+                            <a:latin typeface="Cambria Math" panose="02040503050406030204" pitchFamily="18" charset="0"/>
+                          </a:rPr>
+                        </m:ctrlPr>
+                      </m:sSupPr>
+                      <m:e>
+                        <m:d>
+                          <m:dPr>
+                            <m:ctrlPr>
+                              <a:rPr lang="en-US" altLang="zh-CN" b="0" i="1" dirty="0" smtClean="0">
+                                <a:solidFill>
+                                  <a:srgbClr val="FF0000"/>
+                                </a:solidFill>
+                                <a:latin typeface="Cambria Math" panose="02040503050406030204" pitchFamily="18" charset="0"/>
+                              </a:rPr>
+                            </m:ctrlPr>
+                          </m:dPr>
+                          <m:e>
+                            <m:r>
+                              <a:rPr lang="en-US" altLang="zh-CN" b="0" i="1" dirty="0" smtClean="0">
+                                <a:solidFill>
+                                  <a:srgbClr val="FF0000"/>
+                                </a:solidFill>
+                                <a:latin typeface="Cambria Math" panose="02040503050406030204" pitchFamily="18" charset="0"/>
+                              </a:rPr>
+                              <m:t>𝐼</m:t>
+                            </m:r>
+                            <m:sSub>
+                              <m:sSubPr>
+                                <m:ctrlPr>
+                                  <a:rPr lang="en-US" altLang="zh-CN" b="0" i="1" dirty="0" smtClean="0">
+                                    <a:solidFill>
+                                      <a:srgbClr val="FF0000"/>
+                                    </a:solidFill>
+                                    <a:latin typeface="Cambria Math" panose="02040503050406030204" pitchFamily="18" charset="0"/>
+                                  </a:rPr>
+                                </m:ctrlPr>
+                              </m:sSubPr>
+                              <m:e>
+                                <m:r>
+                                  <a:rPr lang="en-US" altLang="zh-CN" b="0" i="1" dirty="0" smtClean="0">
+                                    <a:solidFill>
+                                      <a:srgbClr val="FF0000"/>
+                                    </a:solidFill>
+                                    <a:latin typeface="Cambria Math" panose="02040503050406030204" pitchFamily="18" charset="0"/>
+                                  </a:rPr>
+                                  <m:t>𝐷</m:t>
+                                </m:r>
+                              </m:e>
+                              <m:sub>
+                                <m:r>
+                                  <a:rPr lang="en-US" altLang="zh-CN" b="0" i="1" dirty="0" smtClean="0">
+                                    <a:solidFill>
+                                      <a:srgbClr val="FF0000"/>
+                                    </a:solidFill>
+                                    <a:latin typeface="Cambria Math" panose="02040503050406030204" pitchFamily="18" charset="0"/>
+                                  </a:rPr>
+                                  <m:t>𝐹</m:t>
+                                </m:r>
+                              </m:sub>
+                            </m:sSub>
+                          </m:e>
+                        </m:d>
+                      </m:e>
+                      <m:sup>
+                        <m:r>
+                          <a:rPr lang="en-US" altLang="zh-CN" b="0" i="1" dirty="0" smtClean="0">
+                            <a:solidFill>
+                              <a:srgbClr val="FF0000"/>
+                            </a:solidFill>
+                            <a:latin typeface="Cambria Math" panose="02040503050406030204" pitchFamily="18" charset="0"/>
+                          </a:rPr>
+                          <m:t>𝑠𝑘</m:t>
+                        </m:r>
+                      </m:sup>
+                    </m:sSup>
+                  </m:oMath>
+                </a14:m>
+                <a:endParaRPr lang="en-US" altLang="zh-CN" b="0" dirty="0"/>
+              </a:p>
+              <a:p>
+                <a:pPr lvl="1"/>
+                <a:r>
+                  <a:rPr lang="zh-CN" altLang="en-US" dirty="0"/>
+                  <a:t>发送</a:t>
+                </a:r>
+                <a14:m>
+                  <m:oMath xmlns:m="http://schemas.openxmlformats.org/officeDocument/2006/math">
+                    <m:d>
+                      <m:dPr>
+                        <m:ctrlPr>
+                          <a:rPr lang="en-US" altLang="zh-CN" b="0" i="1" smtClean="0">
+                            <a:latin typeface="Cambria Math" panose="02040503050406030204" pitchFamily="18" charset="0"/>
+                          </a:rPr>
+                        </m:ctrlPr>
+                      </m:dPr>
+                      <m:e>
+                        <m:r>
+                          <a:rPr lang="en-US" altLang="zh-CN" b="0" i="1" smtClean="0">
+                            <a:latin typeface="Cambria Math" panose="02040503050406030204" pitchFamily="18" charset="0"/>
+                          </a:rPr>
+                          <m:t>𝑑𝑒𝑙</m:t>
+                        </m:r>
+                        <m:r>
+                          <a:rPr lang="en-US" altLang="zh-CN" b="0" i="1" smtClean="0">
+                            <a:latin typeface="Cambria Math" panose="02040503050406030204" pitchFamily="18" charset="0"/>
+                          </a:rPr>
+                          <m:t>,</m:t>
+                        </m:r>
+                        <m:r>
+                          <a:rPr lang="en-US" altLang="zh-CN" b="0" i="1" smtClean="0">
+                            <a:latin typeface="Cambria Math" panose="02040503050406030204" pitchFamily="18" charset="0"/>
+                          </a:rPr>
+                          <m:t>𝐼</m:t>
+                        </m:r>
+                        <m:sSub>
+                          <m:sSubPr>
+                            <m:ctrlPr>
+                              <a:rPr lang="en-US" altLang="zh-CN" b="0" i="1" smtClean="0">
+                                <a:latin typeface="Cambria Math" panose="02040503050406030204" pitchFamily="18" charset="0"/>
+                              </a:rPr>
+                            </m:ctrlPr>
+                          </m:sSubPr>
+                          <m:e>
+                            <m:r>
+                              <a:rPr lang="en-US" altLang="zh-CN" b="0" i="1" smtClean="0">
+                                <a:latin typeface="Cambria Math" panose="02040503050406030204" pitchFamily="18" charset="0"/>
+                              </a:rPr>
+                              <m:t>𝐷</m:t>
+                            </m:r>
+                          </m:e>
+                          <m:sub>
+                            <m:r>
+                              <a:rPr lang="en-US" altLang="zh-CN" b="0" i="1" smtClean="0">
+                                <a:latin typeface="Cambria Math" panose="02040503050406030204" pitchFamily="18" charset="0"/>
+                              </a:rPr>
+                              <m:t>𝐹</m:t>
+                            </m:r>
+                          </m:sub>
+                        </m:sSub>
+                      </m:e>
+                    </m:d>
+                  </m:oMath>
+                </a14:m>
+                <a:r>
+                  <a:rPr lang="zh-CN" altLang="en-US" dirty="0"/>
+                  <a:t>到服务端。</a:t>
+                </a:r>
+                <a:endParaRPr lang="en-US" altLang="zh-CN" dirty="0"/>
+              </a:p>
+              <a:p>
+                <a:r>
+                  <a:rPr lang="zh-CN" altLang="en-US" dirty="0"/>
+                  <a:t>服务端</a:t>
+                </a:r>
+                <a:endParaRPr lang="en-US" altLang="zh-CN" dirty="0"/>
+              </a:p>
+              <a:p>
+                <a:pPr lvl="1"/>
+                <a:r>
+                  <a:rPr lang="zh-CN" altLang="en-US" dirty="0"/>
+                  <a:t>根据索引数据库，删除</a:t>
+                </a:r>
+                <a14:m>
+                  <m:oMath xmlns:m="http://schemas.openxmlformats.org/officeDocument/2006/math">
+                    <m:r>
+                      <a:rPr lang="en-US" altLang="zh-CN" b="0" i="1" smtClean="0">
+                        <a:latin typeface="Cambria Math" panose="02040503050406030204" pitchFamily="18" charset="0"/>
+                      </a:rPr>
+                      <m:t>𝑇</m:t>
+                    </m:r>
+                    <m:sSub>
+                      <m:sSubPr>
+                        <m:ctrlPr>
+                          <a:rPr lang="en-US" altLang="zh-CN" b="0" i="1" smtClean="0">
+                            <a:latin typeface="Cambria Math" panose="02040503050406030204" pitchFamily="18" charset="0"/>
+                          </a:rPr>
+                        </m:ctrlPr>
+                      </m:sSubPr>
+                      <m:e>
+                        <m:r>
+                          <a:rPr lang="en-US" altLang="zh-CN" b="0" i="1" smtClean="0">
+                            <a:latin typeface="Cambria Math" panose="02040503050406030204" pitchFamily="18" charset="0"/>
+                          </a:rPr>
+                          <m:t>𝑆</m:t>
+                        </m:r>
+                      </m:e>
+                      <m:sub>
+                        <m:r>
+                          <a:rPr lang="en-US" altLang="zh-CN" b="0" i="1" smtClean="0">
+                            <a:latin typeface="Cambria Math" panose="02040503050406030204" pitchFamily="18" charset="0"/>
+                          </a:rPr>
+                          <m:t>𝐹</m:t>
+                        </m:r>
+                      </m:sub>
+                    </m:sSub>
+                  </m:oMath>
+                </a14:m>
+                <a:endParaRPr lang="en-US" altLang="zh-CN" b="0" dirty="0"/>
+              </a:p>
+              <a:p>
+                <a:pPr lvl="1"/>
+                <a:r>
+                  <a:rPr lang="zh-CN" altLang="en-US" dirty="0"/>
+                  <a:t>更新计算</a:t>
+                </a:r>
+                <a14:m>
+                  <m:oMath xmlns:m="http://schemas.openxmlformats.org/officeDocument/2006/math">
+                    <m:r>
+                      <m:rPr>
+                        <m:sty m:val="p"/>
+                      </m:rPr>
+                      <a:rPr lang="en-US" altLang="zh-CN" b="0" i="1" dirty="0" smtClean="0">
+                        <a:solidFill>
+                          <a:srgbClr val="FF0000"/>
+                        </a:solidFill>
+                        <a:latin typeface="Cambria Math" panose="02040503050406030204" pitchFamily="18" charset="0"/>
+                      </a:rPr>
+                      <m:t>k</m:t>
+                    </m:r>
+                    <m:sSup>
+                      <m:sSupPr>
+                        <m:ctrlPr>
+                          <a:rPr lang="en-US" altLang="zh-CN" b="0" i="1" dirty="0" smtClean="0">
+                            <a:solidFill>
+                              <a:srgbClr val="FF0000"/>
+                            </a:solidFill>
+                            <a:latin typeface="Cambria Math" panose="02040503050406030204" pitchFamily="18" charset="0"/>
+                          </a:rPr>
+                        </m:ctrlPr>
+                      </m:sSupPr>
+                      <m:e>
+                        <m:r>
+                          <a:rPr lang="en-US" altLang="zh-CN" b="0" i="1" dirty="0" smtClean="0">
+                            <a:solidFill>
+                              <a:srgbClr val="FF0000"/>
+                            </a:solidFill>
+                            <a:latin typeface="Cambria Math" panose="02040503050406030204" pitchFamily="18" charset="0"/>
+                          </a:rPr>
+                          <m:t>𝑡</m:t>
+                        </m:r>
+                      </m:e>
+                      <m:sup>
+                        <m:sSub>
+                          <m:sSubPr>
+                            <m:ctrlPr>
+                              <a:rPr lang="en-US" altLang="zh-CN" b="0" i="1" dirty="0" smtClean="0">
+                                <a:solidFill>
+                                  <a:srgbClr val="FF0000"/>
+                                </a:solidFill>
+                                <a:latin typeface="Cambria Math" panose="02040503050406030204" pitchFamily="18" charset="0"/>
+                              </a:rPr>
+                            </m:ctrlPr>
+                          </m:sSubPr>
+                          <m:e>
+                            <m:r>
+                              <a:rPr lang="en-US" altLang="zh-CN" b="0" i="1" dirty="0" smtClean="0">
+                                <a:solidFill>
+                                  <a:srgbClr val="FF0000"/>
+                                </a:solidFill>
+                                <a:latin typeface="Cambria Math" panose="02040503050406030204" pitchFamily="18" charset="0"/>
+                              </a:rPr>
+                              <m:t>𝑤</m:t>
+                            </m:r>
+                          </m:e>
+                          <m:sub>
+                            <m:r>
+                              <a:rPr lang="en-US" altLang="zh-CN" b="0" i="1" dirty="0" smtClean="0">
+                                <a:solidFill>
+                                  <a:srgbClr val="FF0000"/>
+                                </a:solidFill>
+                                <a:latin typeface="Cambria Math" panose="02040503050406030204" pitchFamily="18" charset="0"/>
+                              </a:rPr>
+                              <m:t>𝑖</m:t>
+                            </m:r>
+                          </m:sub>
+                        </m:sSub>
+                      </m:sup>
+                    </m:sSup>
+                    <m:r>
+                      <a:rPr lang="en-US" altLang="zh-CN" b="0" i="1" dirty="0" smtClean="0">
+                        <a:solidFill>
+                          <a:srgbClr val="FF0000"/>
+                        </a:solidFill>
+                        <a:latin typeface="Cambria Math" panose="02040503050406030204" pitchFamily="18" charset="0"/>
+                      </a:rPr>
+                      <m:t>=</m:t>
+                    </m:r>
+                    <m:f>
+                      <m:fPr>
+                        <m:ctrlPr>
+                          <a:rPr lang="en-US" altLang="zh-CN" b="0" i="1" smtClean="0">
+                            <a:solidFill>
+                              <a:srgbClr val="FF0000"/>
+                            </a:solidFill>
+                            <a:latin typeface="Cambria Math" panose="02040503050406030204" pitchFamily="18" charset="0"/>
+                          </a:rPr>
+                        </m:ctrlPr>
+                      </m:fPr>
+                      <m:num>
+                        <m:r>
+                          <a:rPr lang="en-US" altLang="zh-CN" b="0" i="1" smtClean="0">
+                            <a:solidFill>
+                              <a:srgbClr val="FF0000"/>
+                            </a:solidFill>
+                            <a:latin typeface="Cambria Math" panose="02040503050406030204" pitchFamily="18" charset="0"/>
+                          </a:rPr>
+                          <m:t>𝑘</m:t>
+                        </m:r>
+                        <m:sSup>
+                          <m:sSupPr>
+                            <m:ctrlPr>
+                              <a:rPr lang="en-US" altLang="zh-CN" b="0" i="1" smtClean="0">
+                                <a:solidFill>
+                                  <a:srgbClr val="FF0000"/>
+                                </a:solidFill>
+                                <a:latin typeface="Cambria Math" panose="02040503050406030204" pitchFamily="18" charset="0"/>
+                              </a:rPr>
+                            </m:ctrlPr>
+                          </m:sSupPr>
+                          <m:e>
+                            <m:r>
+                              <a:rPr lang="en-US" altLang="zh-CN" b="0" i="1" smtClean="0">
+                                <a:solidFill>
+                                  <a:srgbClr val="FF0000"/>
+                                </a:solidFill>
+                                <a:latin typeface="Cambria Math" panose="02040503050406030204" pitchFamily="18" charset="0"/>
+                              </a:rPr>
+                              <m:t>𝑡</m:t>
+                            </m:r>
+                          </m:e>
+                          <m:sup>
+                            <m:sSub>
+                              <m:sSubPr>
+                                <m:ctrlPr>
+                                  <a:rPr lang="en-US" altLang="zh-CN" b="0" i="1" smtClean="0">
+                                    <a:solidFill>
+                                      <a:srgbClr val="FF0000"/>
+                                    </a:solidFill>
+                                    <a:latin typeface="Cambria Math" panose="02040503050406030204" pitchFamily="18" charset="0"/>
+                                  </a:rPr>
+                                </m:ctrlPr>
+                              </m:sSubPr>
+                              <m:e>
+                                <m:r>
+                                  <a:rPr lang="en-US" altLang="zh-CN" b="0" i="1" smtClean="0">
+                                    <a:solidFill>
+                                      <a:srgbClr val="FF0000"/>
+                                    </a:solidFill>
+                                    <a:latin typeface="Cambria Math" panose="02040503050406030204" pitchFamily="18" charset="0"/>
+                                  </a:rPr>
+                                  <m:t>𝑤</m:t>
+                                </m:r>
+                              </m:e>
+                              <m:sub>
+                                <m:r>
+                                  <a:rPr lang="en-US" altLang="zh-CN" b="0" i="1" smtClean="0">
+                                    <a:solidFill>
+                                      <a:srgbClr val="FF0000"/>
+                                    </a:solidFill>
+                                    <a:latin typeface="Cambria Math" panose="02040503050406030204" pitchFamily="18" charset="0"/>
+                                  </a:rPr>
+                                  <m:t>𝑖</m:t>
+                                </m:r>
+                              </m:sub>
+                            </m:sSub>
+                          </m:sup>
+                        </m:sSup>
+                      </m:num>
+                      <m:den>
+                        <m:r>
+                          <a:rPr lang="en-US" altLang="zh-CN" b="0" i="1" smtClean="0">
+                            <a:solidFill>
+                              <a:srgbClr val="FF0000"/>
+                            </a:solidFill>
+                            <a:latin typeface="Cambria Math" panose="02040503050406030204" pitchFamily="18" charset="0"/>
+                          </a:rPr>
+                          <m:t>𝑑𝑒𝑙</m:t>
+                        </m:r>
+                      </m:den>
+                    </m:f>
+                  </m:oMath>
+                </a14:m>
+                <a:r>
+                  <a:rPr lang="en-US" altLang="zh-CN" dirty="0"/>
+                  <a:t>,</a:t>
+                </a:r>
+                <a:r>
+                  <a:rPr lang="zh-CN" altLang="en-US" dirty="0"/>
+                  <a:t>删除文件</a:t>
+                </a:r>
+                <a:r>
+                  <a:rPr lang="en-US" altLang="zh-CN" dirty="0"/>
+                  <a:t>ID</a:t>
+                </a:r>
+                <a:r>
+                  <a:rPr lang="zh-CN" altLang="en-US" dirty="0"/>
+                  <a:t>认证。</a:t>
+                </a:r>
+                <a:endParaRPr lang="en-US" altLang="zh-CN" dirty="0"/>
+              </a:p>
+              <a:p>
+                <a:pPr lvl="1"/>
+                <a:r>
+                  <a:rPr lang="zh-CN" altLang="en-US" dirty="0"/>
+                  <a:t>删除加密文件</a:t>
+                </a:r>
+                <a:r>
+                  <a:rPr lang="en-US" altLang="zh-CN" dirty="0"/>
+                  <a:t>C</a:t>
+                </a:r>
+                <a:r>
+                  <a:rPr lang="zh-CN" altLang="en-US" dirty="0"/>
+                  <a:t>与设置文件状态为</a:t>
+                </a:r>
+                <a:r>
+                  <a:rPr lang="en-US" altLang="zh-CN" dirty="0"/>
+                  <a:t>invalid.</a:t>
+                </a:r>
+              </a:p>
+              <a:p>
+                <a:pPr lvl="1"/>
+                <a:r>
+                  <a:rPr lang="zh-CN" altLang="en-US" dirty="0"/>
+                  <a:t>删除操作结束。</a:t>
+                </a:r>
+                <a:endParaRPr lang="en-US" altLang="zh-CN" dirty="0"/>
+              </a:p>
+            </p:txBody>
+          </p:sp>
+        </mc:Choice>
+        <mc:Fallback>
+          <p:sp>
+            <p:nvSpPr>
+              <p:cNvPr id="11" name="内容占位符 10">
+                <a:extLst>
+                  <a:ext uri="{FF2B5EF4-FFF2-40B4-BE49-F238E27FC236}">
+                    <a16:creationId xmlns:a16="http://schemas.microsoft.com/office/drawing/2014/main" id="{A13EE26B-CB8B-B743-C433-841589786484}"/>
+                  </a:ext>
+                </a:extLst>
+              </p:cNvPr>
+              <p:cNvSpPr>
+                <a:spLocks noGrp="1" noRot="1" noChangeAspect="1" noMove="1" noResize="1" noEditPoints="1" noAdjustHandles="1" noChangeArrowheads="1" noChangeShapeType="1" noTextEdit="1"/>
+              </p:cNvSpPr>
+              <p:nvPr>
+                <p:ph idx="1"/>
+              </p:nvPr>
+            </p:nvSpPr>
+            <p:spPr>
+              <a:blipFill>
+                <a:blip r:embed="rId2"/>
+                <a:stretch>
+                  <a:fillRect l="-1005" t="-1821"/>
+                </a:stretch>
+              </a:blipFill>
+            </p:spPr>
+            <p:txBody>
+              <a:bodyPr/>
+              <a:lstStyle/>
+              <a:p>
+                <a:r>
+                  <a:rPr lang="zh-CN" altLang="en-US">
+                    <a:noFill/>
+                  </a:rPr>
+                  <a:t> </a:t>
+                </a:r>
+              </a:p>
+            </p:txBody>
+          </p:sp>
+        </mc:Fallback>
+      </mc:AlternateContent>
       <p:sp>
         <p:nvSpPr>
           <p:cNvPr id="8" name="矩形 7">
@@ -6364,7 +8727,7 @@
                   <a:schemeClr val="bg1"/>
                 </a:solidFill>
               </a:rPr>
-              <a:t>单个文件证明生成</a:t>
+              <a:t>删除操作实现</a:t>
             </a:r>
             <a:endParaRPr lang="zh-CN" altLang="en-US" sz="2400" dirty="0"/>
           </a:p>
@@ -6406,10 +8769,40 @@
           </a:p>
         </p:txBody>
       </p:sp>
+      <p:pic>
+        <p:nvPicPr>
+          <p:cNvPr id="3" name="图片 2">
+            <a:extLst>
+              <a:ext uri="{FF2B5EF4-FFF2-40B4-BE49-F238E27FC236}">
+                <a16:creationId xmlns:a16="http://schemas.microsoft.com/office/drawing/2014/main" id="{5C04BC8B-B335-2187-9433-29CC56E2783C}"/>
+              </a:ext>
+            </a:extLst>
+          </p:cNvPr>
+          <p:cNvPicPr>
+            <a:picLocks noChangeAspect="1"/>
+          </p:cNvPicPr>
+          <p:nvPr/>
+        </p:nvPicPr>
+        <p:blipFill>
+          <a:blip r:embed="rId3"/>
+          <a:stretch>
+            <a:fillRect/>
+          </a:stretch>
+        </p:blipFill>
+        <p:spPr>
+          <a:xfrm>
+            <a:off x="4782460" y="1875258"/>
+            <a:ext cx="3677142" cy="1903142"/>
+          </a:xfrm>
+          <a:prstGeom prst="rect">
+            <a:avLst/>
+          </a:prstGeom>
+        </p:spPr>
+      </p:pic>
     </p:spTree>
     <p:extLst>
       <p:ext uri="{BB962C8B-B14F-4D97-AF65-F5344CB8AC3E}">
-        <p14:creationId xmlns:p14="http://schemas.microsoft.com/office/powerpoint/2010/main" val="3291572205"/>
+        <p14:creationId xmlns:p14="http://schemas.microsoft.com/office/powerpoint/2010/main" val="359398973"/>
       </p:ext>
     </p:extLst>
   </p:cSld>
@@ -6424,13 +8817,7 @@
   <p:cSld>
     <p:spTree>
       <p:nvGrpSpPr>
-        <p:cNvPr id="1" name="">
-          <a:extLst>
-            <a:ext uri="{FF2B5EF4-FFF2-40B4-BE49-F238E27FC236}">
-              <a16:creationId xmlns:a16="http://schemas.microsoft.com/office/drawing/2014/main" id="{2D681ABA-FB76-315A-E5A9-263578AEB251}"/>
-            </a:ext>
-          </a:extLst>
-        </p:cNvPr>
+        <p:cNvPr id="1" name=""/>
         <p:cNvGrpSpPr/>
         <p:nvPr/>
       </p:nvGrpSpPr>
@@ -6447,7 +8834,7 @@
           <p:cNvPr id="6" name="标题 5">
             <a:extLst>
               <a:ext uri="{FF2B5EF4-FFF2-40B4-BE49-F238E27FC236}">
-                <a16:creationId xmlns:a16="http://schemas.microsoft.com/office/drawing/2014/main" id="{A461A439-6360-A722-11C6-0AE0FA81C304}"/>
+                <a16:creationId xmlns:a16="http://schemas.microsoft.com/office/drawing/2014/main" id="{437C2CDC-A940-7CC2-F410-CECD2F662AE5}"/>
               </a:ext>
             </a:extLst>
           </p:cNvPr>
@@ -6458,62 +8845,733 @@
             <p:ph type="title"/>
           </p:nvPr>
         </p:nvSpPr>
-        <p:spPr>
-          <a:xfrm>
-            <a:off x="628650" y="566057"/>
-            <a:ext cx="7886700" cy="725714"/>
-          </a:xfrm>
-        </p:spPr>
+        <p:spPr/>
         <p:txBody>
           <a:bodyPr/>
           <a:lstStyle/>
           <a:p>
+            <a:pPr algn="ctr"/>
             <a:r>
               <a:rPr lang="zh-CN" altLang="en-US" dirty="0"/>
-              <a:t>研究背景</a:t>
-            </a:r>
-          </a:p>
-        </p:txBody>
-      </p:sp>
-      <p:sp>
-        <p:nvSpPr>
-          <p:cNvPr id="7" name="内容占位符 6">
-            <a:extLst>
-              <a:ext uri="{FF2B5EF4-FFF2-40B4-BE49-F238E27FC236}">
-                <a16:creationId xmlns:a16="http://schemas.microsoft.com/office/drawing/2014/main" id="{3C227B6D-D82B-0616-E78D-2CDB8B74DFBA}"/>
-              </a:ext>
-            </a:extLst>
-          </p:cNvPr>
-          <p:cNvSpPr>
-            <a:spLocks noGrp="1"/>
-          </p:cNvSpPr>
-          <p:nvPr>
-            <p:ph idx="1"/>
-          </p:nvPr>
-        </p:nvSpPr>
-        <p:spPr>
-          <a:xfrm>
-            <a:off x="628650" y="1902279"/>
-            <a:ext cx="7886700" cy="1377950"/>
-          </a:xfrm>
-        </p:spPr>
-        <p:txBody>
-          <a:bodyPr/>
-          <a:lstStyle/>
-          <a:p>
-            <a:r>
-              <a:rPr lang="zh-CN" altLang="en-US" dirty="0"/>
-              <a:t>内容</a:t>
-            </a:r>
-          </a:p>
-        </p:txBody>
-      </p:sp>
+              <a:t>方案实现</a:t>
+            </a:r>
+          </a:p>
+        </p:txBody>
+      </p:sp>
+      <mc:AlternateContent xmlns:mc="http://schemas.openxmlformats.org/markup-compatibility/2006">
+        <mc:Choice xmlns:a14="http://schemas.microsoft.com/office/drawing/2010/main" Requires="a14">
+          <p:sp>
+            <p:nvSpPr>
+              <p:cNvPr id="11" name="内容占位符 10">
+                <a:extLst>
+                  <a:ext uri="{FF2B5EF4-FFF2-40B4-BE49-F238E27FC236}">
+                    <a16:creationId xmlns:a16="http://schemas.microsoft.com/office/drawing/2014/main" id="{A13EE26B-CB8B-B743-C433-841589786484}"/>
+                  </a:ext>
+                </a:extLst>
+              </p:cNvPr>
+              <p:cNvSpPr>
+                <a:spLocks noGrp="1"/>
+              </p:cNvSpPr>
+              <p:nvPr>
+                <p:ph idx="1"/>
+              </p:nvPr>
+            </p:nvSpPr>
+            <p:spPr/>
+            <p:txBody>
+              <a:bodyPr>
+                <a:normAutofit fontScale="92500" lnSpcReduction="20000"/>
+              </a:bodyPr>
+              <a:lstStyle/>
+              <a:p>
+                <a:r>
+                  <a:rPr lang="zh-CN" altLang="en-US" dirty="0"/>
+                  <a:t>客户端</a:t>
+                </a:r>
+                <a:endParaRPr lang="en-US" altLang="zh-CN" dirty="0"/>
+              </a:p>
+              <a:p>
+                <a:pPr lvl="1"/>
+                <a:r>
+                  <a:rPr lang="zh-CN" altLang="en-US" dirty="0"/>
+                  <a:t>获取关键词</a:t>
+                </a:r>
+                <a:r>
+                  <a:rPr lang="en-US" altLang="zh-CN" dirty="0"/>
+                  <a:t>w,</a:t>
+                </a:r>
+                <a:r>
+                  <a:rPr lang="zh-CN" altLang="en-US" dirty="0"/>
+                  <a:t>与关键词最近状态</a:t>
+                </a:r>
+                <a14:m>
+                  <m:oMath xmlns:m="http://schemas.openxmlformats.org/officeDocument/2006/math">
+                    <m:r>
+                      <a:rPr lang="en-US" altLang="zh-CN" b="0" i="1" smtClean="0">
+                        <a:latin typeface="Cambria Math" panose="02040503050406030204" pitchFamily="18" charset="0"/>
+                      </a:rPr>
+                      <m:t>𝑠</m:t>
+                    </m:r>
+                    <m:sSub>
+                      <m:sSubPr>
+                        <m:ctrlPr>
+                          <a:rPr lang="en-US" altLang="zh-CN" b="0" i="1" smtClean="0">
+                            <a:latin typeface="Cambria Math" panose="02040503050406030204" pitchFamily="18" charset="0"/>
+                          </a:rPr>
+                        </m:ctrlPr>
+                      </m:sSubPr>
+                      <m:e>
+                        <m:r>
+                          <a:rPr lang="en-US" altLang="zh-CN" b="0" i="1" smtClean="0">
+                            <a:latin typeface="Cambria Math" panose="02040503050406030204" pitchFamily="18" charset="0"/>
+                          </a:rPr>
+                          <m:t>𝑡</m:t>
+                        </m:r>
+                      </m:e>
+                      <m:sub>
+                        <m:r>
+                          <a:rPr lang="en-US" altLang="zh-CN" b="0" i="1" smtClean="0">
+                            <a:latin typeface="Cambria Math" panose="02040503050406030204" pitchFamily="18" charset="0"/>
+                          </a:rPr>
+                          <m:t>𝑑</m:t>
+                        </m:r>
+                      </m:sub>
+                    </m:sSub>
+                  </m:oMath>
+                </a14:m>
+                <a:endParaRPr lang="en-US" altLang="zh-CN" dirty="0"/>
+              </a:p>
+              <a:p>
+                <a:pPr lvl="1"/>
+                <a:r>
+                  <a:rPr lang="zh-CN" altLang="en-US" dirty="0"/>
+                  <a:t>加密：</a:t>
+                </a:r>
+                <a14:m>
+                  <m:oMath xmlns:m="http://schemas.openxmlformats.org/officeDocument/2006/math">
+                    <m:r>
+                      <a:rPr lang="en-US" altLang="zh-CN" b="0" i="1" smtClean="0">
+                        <a:latin typeface="Cambria Math" panose="02040503050406030204" pitchFamily="18" charset="0"/>
+                      </a:rPr>
+                      <m:t> </m:t>
+                    </m:r>
+                    <m:r>
+                      <m:rPr>
+                        <m:sty m:val="p"/>
+                      </m:rPr>
+                      <a:rPr lang="en-US" altLang="zh-CN" i="1">
+                        <a:latin typeface="Cambria Math" panose="02040503050406030204" pitchFamily="18" charset="0"/>
+                      </a:rPr>
+                      <m:t>T</m:t>
+                    </m:r>
+                    <m:r>
+                      <a:rPr lang="en-US" altLang="zh-CN" b="0" i="1" smtClean="0">
+                        <a:latin typeface="Cambria Math" panose="02040503050406030204" pitchFamily="18" charset="0"/>
+                      </a:rPr>
+                      <m:t>=</m:t>
+                    </m:r>
+                    <m:r>
+                      <a:rPr lang="en-US" altLang="zh-CN" b="0" i="1" smtClean="0">
+                        <a:latin typeface="Cambria Math" panose="02040503050406030204" pitchFamily="18" charset="0"/>
+                      </a:rPr>
+                      <m:t>𝑆𝐸</m:t>
+                    </m:r>
+                    <m:r>
+                      <a:rPr lang="en-US" altLang="zh-CN" b="0" i="1" smtClean="0">
+                        <a:latin typeface="Cambria Math" panose="02040503050406030204" pitchFamily="18" charset="0"/>
+                      </a:rPr>
+                      <m:t>.</m:t>
+                    </m:r>
+                    <m:r>
+                      <a:rPr lang="en-US" altLang="zh-CN" b="0" i="1" smtClean="0">
+                        <a:latin typeface="Cambria Math" panose="02040503050406030204" pitchFamily="18" charset="0"/>
+                      </a:rPr>
+                      <m:t>𝐸𝑛𝑐</m:t>
+                    </m:r>
+                    <m:r>
+                      <a:rPr lang="en-US" altLang="zh-CN" b="0" i="1" smtClean="0">
+                        <a:latin typeface="Cambria Math" panose="02040503050406030204" pitchFamily="18" charset="0"/>
+                      </a:rPr>
+                      <m:t>(</m:t>
+                    </m:r>
+                    <m:r>
+                      <a:rPr lang="en-US" altLang="zh-CN" b="0" i="1" smtClean="0">
+                        <a:latin typeface="Cambria Math" panose="02040503050406030204" pitchFamily="18" charset="0"/>
+                      </a:rPr>
+                      <m:t>𝑚𝑘</m:t>
+                    </m:r>
+                    <m:r>
+                      <a:rPr lang="en-US" altLang="zh-CN" b="0" i="1" smtClean="0">
+                        <a:latin typeface="Cambria Math" panose="02040503050406030204" pitchFamily="18" charset="0"/>
+                      </a:rPr>
+                      <m:t>,</m:t>
+                    </m:r>
+                    <m:r>
+                      <a:rPr lang="en-US" altLang="zh-CN" b="0" i="1" smtClean="0">
+                        <a:latin typeface="Cambria Math" panose="02040503050406030204" pitchFamily="18" charset="0"/>
+                      </a:rPr>
+                      <m:t>𝑤</m:t>
+                    </m:r>
+                    <m:r>
+                      <a:rPr lang="en-US" altLang="zh-CN" b="0" i="1" smtClean="0">
+                        <a:latin typeface="Cambria Math" panose="02040503050406030204" pitchFamily="18" charset="0"/>
+                      </a:rPr>
+                      <m:t>)</m:t>
+                    </m:r>
+                  </m:oMath>
+                </a14:m>
+                <a:endParaRPr lang="en-US" altLang="zh-CN" dirty="0"/>
+              </a:p>
+              <a:p>
+                <a:pPr lvl="1"/>
+                <a:r>
+                  <a:rPr lang="zh-CN" altLang="en-US" dirty="0">
+                    <a:solidFill>
+                      <a:srgbClr val="FF0000"/>
+                    </a:solidFill>
+                  </a:rPr>
+                  <a:t>发送</a:t>
+                </a:r>
+                <a14:m>
+                  <m:oMath xmlns:m="http://schemas.openxmlformats.org/officeDocument/2006/math">
+                    <m:r>
+                      <a:rPr lang="en-US" altLang="zh-CN" b="0" i="1" smtClean="0">
+                        <a:solidFill>
+                          <a:srgbClr val="FF0000"/>
+                        </a:solidFill>
+                        <a:latin typeface="Cambria Math" panose="02040503050406030204" pitchFamily="18" charset="0"/>
+                      </a:rPr>
+                      <m:t>(</m:t>
+                    </m:r>
+                    <m:r>
+                      <a:rPr lang="en-US" altLang="zh-CN" b="0" i="1" smtClean="0">
+                        <a:solidFill>
+                          <a:srgbClr val="FF0000"/>
+                        </a:solidFill>
+                        <a:latin typeface="Cambria Math" panose="02040503050406030204" pitchFamily="18" charset="0"/>
+                      </a:rPr>
+                      <m:t>𝑇</m:t>
+                    </m:r>
+                    <m:r>
+                      <a:rPr lang="en-US" altLang="zh-CN" b="0" i="1" smtClean="0">
+                        <a:solidFill>
+                          <a:srgbClr val="FF0000"/>
+                        </a:solidFill>
+                        <a:latin typeface="Cambria Math" panose="02040503050406030204" pitchFamily="18" charset="0"/>
+                      </a:rPr>
+                      <m:t>,</m:t>
+                    </m:r>
+                    <m:r>
+                      <a:rPr lang="en-US" altLang="zh-CN" b="0" i="1" smtClean="0">
+                        <a:solidFill>
+                          <a:srgbClr val="FF0000"/>
+                        </a:solidFill>
+                        <a:latin typeface="Cambria Math" panose="02040503050406030204" pitchFamily="18" charset="0"/>
+                      </a:rPr>
+                      <m:t>𝑠</m:t>
+                    </m:r>
+                    <m:sSub>
+                      <m:sSubPr>
+                        <m:ctrlPr>
+                          <a:rPr lang="en-US" altLang="zh-CN" b="0" i="1" smtClean="0">
+                            <a:solidFill>
+                              <a:srgbClr val="FF0000"/>
+                            </a:solidFill>
+                            <a:latin typeface="Cambria Math" panose="02040503050406030204" pitchFamily="18" charset="0"/>
+                          </a:rPr>
+                        </m:ctrlPr>
+                      </m:sSubPr>
+                      <m:e>
+                        <m:r>
+                          <a:rPr lang="en-US" altLang="zh-CN" b="0" i="1" smtClean="0">
+                            <a:solidFill>
+                              <a:srgbClr val="FF0000"/>
+                            </a:solidFill>
+                            <a:latin typeface="Cambria Math" panose="02040503050406030204" pitchFamily="18" charset="0"/>
+                          </a:rPr>
+                          <m:t>𝑡</m:t>
+                        </m:r>
+                      </m:e>
+                      <m:sub>
+                        <m:r>
+                          <a:rPr lang="en-US" altLang="zh-CN" b="0" i="1" smtClean="0">
+                            <a:solidFill>
+                              <a:srgbClr val="FF0000"/>
+                            </a:solidFill>
+                            <a:latin typeface="Cambria Math" panose="02040503050406030204" pitchFamily="18" charset="0"/>
+                          </a:rPr>
+                          <m:t>𝑑</m:t>
+                        </m:r>
+                      </m:sub>
+                    </m:sSub>
+                    <m:r>
+                      <a:rPr lang="en-US" altLang="zh-CN" b="0" i="1" smtClean="0">
+                        <a:solidFill>
+                          <a:srgbClr val="FF0000"/>
+                        </a:solidFill>
+                        <a:latin typeface="Cambria Math" panose="02040503050406030204" pitchFamily="18" charset="0"/>
+                      </a:rPr>
+                      <m:t>)</m:t>
+                    </m:r>
+                    <m:r>
+                      <a:rPr lang="zh-CN" altLang="en-US" i="1">
+                        <a:solidFill>
+                          <a:srgbClr val="FF0000"/>
+                        </a:solidFill>
+                        <a:latin typeface="Cambria Math" panose="02040503050406030204" pitchFamily="18" charset="0"/>
+                      </a:rPr>
+                      <m:t>到</m:t>
+                    </m:r>
+                  </m:oMath>
+                </a14:m>
+                <a:r>
+                  <a:rPr lang="zh-CN" altLang="en-US" dirty="0">
+                    <a:solidFill>
+                      <a:srgbClr val="FF0000"/>
+                    </a:solidFill>
+                  </a:rPr>
+                  <a:t>区块链的存储合约</a:t>
+                </a:r>
+                <a:endParaRPr lang="en-US" altLang="zh-CN" dirty="0">
+                  <a:solidFill>
+                    <a:srgbClr val="FF0000"/>
+                  </a:solidFill>
+                </a:endParaRPr>
+              </a:p>
+              <a:p>
+                <a:pPr lvl="1"/>
+                <a:r>
+                  <a:rPr lang="zh-CN" altLang="en-US" dirty="0">
+                    <a:solidFill>
+                      <a:schemeClr val="accent1"/>
+                    </a:solidFill>
+                  </a:rPr>
+                  <a:t>获取验证结果。</a:t>
+                </a:r>
+                <a:endParaRPr lang="en-US" altLang="zh-CN" dirty="0">
+                  <a:solidFill>
+                    <a:schemeClr val="accent1"/>
+                  </a:solidFill>
+                </a:endParaRPr>
+              </a:p>
+              <a:p>
+                <a:r>
+                  <a:rPr lang="zh-CN" altLang="en-US" dirty="0"/>
+                  <a:t>区块链</a:t>
+                </a:r>
+                <a:endParaRPr lang="en-US" altLang="zh-CN" dirty="0"/>
+              </a:p>
+              <a:p>
+                <a:pPr lvl="1"/>
+                <a:r>
+                  <a:rPr lang="zh-CN" altLang="en-US" dirty="0"/>
+                  <a:t>接收并存储</a:t>
+                </a:r>
+                <a14:m>
+                  <m:oMath xmlns:m="http://schemas.openxmlformats.org/officeDocument/2006/math">
+                    <m:r>
+                      <a:rPr lang="en-US" altLang="zh-CN" b="0" i="1" smtClean="0">
+                        <a:latin typeface="Cambria Math" panose="02040503050406030204" pitchFamily="18" charset="0"/>
+                      </a:rPr>
+                      <m:t>(</m:t>
+                    </m:r>
+                    <m:r>
+                      <a:rPr lang="en-US" altLang="zh-CN" b="0" i="1" smtClean="0">
+                        <a:latin typeface="Cambria Math" panose="02040503050406030204" pitchFamily="18" charset="0"/>
+                      </a:rPr>
+                      <m:t>𝑇</m:t>
+                    </m:r>
+                    <m:r>
+                      <a:rPr lang="en-US" altLang="zh-CN" b="0" i="1" smtClean="0">
+                        <a:latin typeface="Cambria Math" panose="02040503050406030204" pitchFamily="18" charset="0"/>
+                      </a:rPr>
+                      <m:t>,</m:t>
+                    </m:r>
+                    <m:r>
+                      <a:rPr lang="en-US" altLang="zh-CN" b="0" i="1" smtClean="0">
+                        <a:latin typeface="Cambria Math" panose="02040503050406030204" pitchFamily="18" charset="0"/>
+                      </a:rPr>
+                      <m:t>𝑠</m:t>
+                    </m:r>
+                    <m:sSub>
+                      <m:sSubPr>
+                        <m:ctrlPr>
+                          <a:rPr lang="en-US" altLang="zh-CN" b="0" i="1" smtClean="0">
+                            <a:latin typeface="Cambria Math" panose="02040503050406030204" pitchFamily="18" charset="0"/>
+                          </a:rPr>
+                        </m:ctrlPr>
+                      </m:sSubPr>
+                      <m:e>
+                        <m:r>
+                          <a:rPr lang="en-US" altLang="zh-CN" b="0" i="1" smtClean="0">
+                            <a:latin typeface="Cambria Math" panose="02040503050406030204" pitchFamily="18" charset="0"/>
+                          </a:rPr>
+                          <m:t>𝑡</m:t>
+                        </m:r>
+                      </m:e>
+                      <m:sub>
+                        <m:r>
+                          <a:rPr lang="en-US" altLang="zh-CN" b="0" i="1" smtClean="0">
+                            <a:latin typeface="Cambria Math" panose="02040503050406030204" pitchFamily="18" charset="0"/>
+                          </a:rPr>
+                          <m:t>𝑑</m:t>
+                        </m:r>
+                      </m:sub>
+                    </m:sSub>
+                    <m:r>
+                      <a:rPr lang="en-US" altLang="zh-CN" b="0" i="1" smtClean="0">
+                        <a:latin typeface="Cambria Math" panose="02040503050406030204" pitchFamily="18" charset="0"/>
+                      </a:rPr>
+                      <m:t>)</m:t>
+                    </m:r>
+                    <m:r>
+                      <a:rPr lang="zh-CN" altLang="en-US" i="1">
+                        <a:latin typeface="Cambria Math" panose="02040503050406030204" pitchFamily="18" charset="0"/>
+                      </a:rPr>
+                      <m:t>。</m:t>
+                    </m:r>
+                  </m:oMath>
+                </a14:m>
+                <a:endParaRPr lang="en-US" altLang="zh-CN" dirty="0"/>
+              </a:p>
+              <a:p>
+                <a:pPr lvl="1"/>
+                <a:r>
+                  <a:rPr lang="zh-CN" altLang="en-US" dirty="0"/>
+                  <a:t>接受存储搜索证明。</a:t>
+                </a:r>
+                <a:endParaRPr lang="en-US" altLang="zh-CN" dirty="0"/>
+              </a:p>
+              <a:p>
+                <a:pPr lvl="1"/>
+                <a:r>
+                  <a:rPr lang="zh-CN" altLang="en-US" dirty="0"/>
+                  <a:t>接受存储搜索证明验证。</a:t>
+                </a:r>
+                <a:endParaRPr lang="en-US" altLang="zh-CN" dirty="0"/>
+              </a:p>
+              <a:p>
+                <a:r>
+                  <a:rPr lang="zh-CN" altLang="en-US" dirty="0"/>
+                  <a:t>存储端</a:t>
+                </a:r>
+                <a:r>
+                  <a:rPr lang="en-US" altLang="zh-CN" dirty="0"/>
+                  <a:t>1</a:t>
+                </a:r>
+              </a:p>
+              <a:p>
+                <a:pPr lvl="1"/>
+                <a:r>
+                  <a:rPr lang="zh-CN" altLang="en-US" b="0" dirty="0">
+                    <a:solidFill>
+                      <a:srgbClr val="FF0000"/>
+                    </a:solidFill>
+                  </a:rPr>
+                  <a:t>请求合约获得</a:t>
+                </a:r>
+                <a14:m>
+                  <m:oMath xmlns:m="http://schemas.openxmlformats.org/officeDocument/2006/math">
+                    <m:r>
+                      <a:rPr lang="en-US" altLang="zh-CN" b="0" i="1" smtClean="0">
+                        <a:solidFill>
+                          <a:srgbClr val="FF0000"/>
+                        </a:solidFill>
+                        <a:latin typeface="Cambria Math" panose="02040503050406030204" pitchFamily="18" charset="0"/>
+                      </a:rPr>
+                      <m:t>(</m:t>
+                    </m:r>
+                    <m:r>
+                      <a:rPr lang="en-US" altLang="zh-CN" b="0" i="1" smtClean="0">
+                        <a:solidFill>
+                          <a:srgbClr val="FF0000"/>
+                        </a:solidFill>
+                        <a:latin typeface="Cambria Math" panose="02040503050406030204" pitchFamily="18" charset="0"/>
+                      </a:rPr>
+                      <m:t>𝑇</m:t>
+                    </m:r>
+                    <m:r>
+                      <a:rPr lang="en-US" altLang="zh-CN" b="0" i="1" smtClean="0">
+                        <a:solidFill>
+                          <a:srgbClr val="FF0000"/>
+                        </a:solidFill>
+                        <a:latin typeface="Cambria Math" panose="02040503050406030204" pitchFamily="18" charset="0"/>
+                      </a:rPr>
+                      <m:t>,</m:t>
+                    </m:r>
+                    <m:r>
+                      <a:rPr lang="en-US" altLang="zh-CN" b="0" i="1" smtClean="0">
+                        <a:solidFill>
+                          <a:srgbClr val="FF0000"/>
+                        </a:solidFill>
+                        <a:latin typeface="Cambria Math" panose="02040503050406030204" pitchFamily="18" charset="0"/>
+                      </a:rPr>
+                      <m:t>𝑠</m:t>
+                    </m:r>
+                    <m:sSub>
+                      <m:sSubPr>
+                        <m:ctrlPr>
+                          <a:rPr lang="en-US" altLang="zh-CN" b="0" i="1" smtClean="0">
+                            <a:solidFill>
+                              <a:srgbClr val="FF0000"/>
+                            </a:solidFill>
+                            <a:latin typeface="Cambria Math" panose="02040503050406030204" pitchFamily="18" charset="0"/>
+                          </a:rPr>
+                        </m:ctrlPr>
+                      </m:sSubPr>
+                      <m:e>
+                        <m:r>
+                          <a:rPr lang="en-US" altLang="zh-CN" b="0" i="1" smtClean="0">
+                            <a:solidFill>
+                              <a:srgbClr val="FF0000"/>
+                            </a:solidFill>
+                            <a:latin typeface="Cambria Math" panose="02040503050406030204" pitchFamily="18" charset="0"/>
+                          </a:rPr>
+                          <m:t>𝑡</m:t>
+                        </m:r>
+                      </m:e>
+                      <m:sub>
+                        <m:r>
+                          <a:rPr lang="en-US" altLang="zh-CN" b="0" i="1" smtClean="0">
+                            <a:solidFill>
+                              <a:srgbClr val="FF0000"/>
+                            </a:solidFill>
+                            <a:latin typeface="Cambria Math" panose="02040503050406030204" pitchFamily="18" charset="0"/>
+                          </a:rPr>
+                          <m:t>𝑑</m:t>
+                        </m:r>
+                      </m:sub>
+                    </m:sSub>
+                    <m:r>
+                      <a:rPr lang="en-US" altLang="zh-CN" b="0" i="1" smtClean="0">
+                        <a:solidFill>
+                          <a:srgbClr val="FF0000"/>
+                        </a:solidFill>
+                        <a:latin typeface="Cambria Math" panose="02040503050406030204" pitchFamily="18" charset="0"/>
+                      </a:rPr>
+                      <m:t>)</m:t>
+                    </m:r>
+                  </m:oMath>
+                </a14:m>
+                <a:endParaRPr lang="en-US" altLang="zh-CN" dirty="0">
+                  <a:solidFill>
+                    <a:srgbClr val="FF0000"/>
+                  </a:solidFill>
+                </a:endParaRPr>
+              </a:p>
+              <a:p>
+                <a:pPr lvl="1"/>
+                <a:r>
+                  <a:rPr lang="zh-CN" altLang="en-US" dirty="0">
+                    <a:solidFill>
+                      <a:srgbClr val="FF0000"/>
+                    </a:solidFill>
+                  </a:rPr>
+                  <a:t>生成搜索证明</a:t>
+                </a:r>
+                <a14:m>
+                  <m:oMath xmlns:m="http://schemas.openxmlformats.org/officeDocument/2006/math">
+                    <m:r>
+                      <a:rPr lang="en-US" altLang="zh-CN" b="0" i="1" smtClean="0">
+                        <a:latin typeface="Cambria Math" panose="02040503050406030204" pitchFamily="18" charset="0"/>
+                      </a:rPr>
+                      <m:t>(</m:t>
+                    </m:r>
+                    <m:r>
+                      <a:rPr lang="en-US" altLang="zh-CN" b="0" i="1" smtClean="0">
+                        <a:latin typeface="Cambria Math" panose="02040503050406030204" pitchFamily="18" charset="0"/>
+                      </a:rPr>
+                      <m:t>𝑇</m:t>
+                    </m:r>
+                    <m:r>
+                      <a:rPr lang="en-US" altLang="zh-CN" b="0" i="1" smtClean="0">
+                        <a:latin typeface="Cambria Math" panose="02040503050406030204" pitchFamily="18" charset="0"/>
+                      </a:rPr>
+                      <m:t>,</m:t>
+                    </m:r>
+                    <m:r>
+                      <a:rPr lang="en-US" altLang="zh-CN" b="0" i="1" smtClean="0">
+                        <a:latin typeface="Cambria Math" panose="02040503050406030204" pitchFamily="18" charset="0"/>
+                      </a:rPr>
+                      <m:t>𝑠</m:t>
+                    </m:r>
+                    <m:sSub>
+                      <m:sSubPr>
+                        <m:ctrlPr>
+                          <a:rPr lang="en-US" altLang="zh-CN" b="0" i="1" smtClean="0">
+                            <a:latin typeface="Cambria Math" panose="02040503050406030204" pitchFamily="18" charset="0"/>
+                          </a:rPr>
+                        </m:ctrlPr>
+                      </m:sSubPr>
+                      <m:e>
+                        <m:r>
+                          <a:rPr lang="en-US" altLang="zh-CN" b="0" i="1" smtClean="0">
+                            <a:latin typeface="Cambria Math" panose="02040503050406030204" pitchFamily="18" charset="0"/>
+                          </a:rPr>
+                          <m:t>𝑡</m:t>
+                        </m:r>
+                      </m:e>
+                      <m:sub>
+                        <m:r>
+                          <a:rPr lang="en-US" altLang="zh-CN" b="0" i="1" smtClean="0">
+                            <a:latin typeface="Cambria Math" panose="02040503050406030204" pitchFamily="18" charset="0"/>
+                          </a:rPr>
+                          <m:t>𝑑</m:t>
+                        </m:r>
+                      </m:sub>
+                    </m:sSub>
+                    <m:r>
+                      <a:rPr lang="en-US" altLang="zh-CN" b="0" i="1" smtClean="0">
+                        <a:latin typeface="Cambria Math" panose="02040503050406030204" pitchFamily="18" charset="0"/>
+                      </a:rPr>
+                      <m:t>,</m:t>
+                    </m:r>
+                    <m:r>
+                      <a:rPr lang="en-US" altLang="zh-CN" b="0" i="1" smtClean="0">
+                        <a:latin typeface="Cambria Math" panose="02040503050406030204" pitchFamily="18" charset="0"/>
+                      </a:rPr>
+                      <m:t>𝑅𝑒𝑠</m:t>
+                    </m:r>
+                    <m:r>
+                      <a:rPr lang="en-US" altLang="zh-CN" b="0" i="1" smtClean="0">
+                        <a:latin typeface="Cambria Math" panose="02040503050406030204" pitchFamily="18" charset="0"/>
+                      </a:rPr>
+                      <m:t>,</m:t>
+                    </m:r>
+                    <m:r>
+                      <a:rPr lang="en-US" altLang="zh-CN" b="0" i="1" smtClean="0">
+                        <a:latin typeface="Cambria Math" panose="02040503050406030204" pitchFamily="18" charset="0"/>
+                      </a:rPr>
+                      <m:t>𝑃𝑆</m:t>
+                    </m:r>
+                    <m:r>
+                      <a:rPr lang="en-US" altLang="zh-CN" b="0" i="1" smtClean="0">
+                        <a:latin typeface="Cambria Math" panose="02040503050406030204" pitchFamily="18" charset="0"/>
+                      </a:rPr>
+                      <m:t>)</m:t>
+                    </m:r>
+                  </m:oMath>
+                </a14:m>
+                <a:r>
+                  <a:rPr lang="zh-CN" altLang="en-US" dirty="0"/>
+                  <a:t>，并上链。</a:t>
+                </a:r>
+                <a:endParaRPr lang="en-US" altLang="zh-CN" dirty="0"/>
+              </a:p>
+              <a:p>
+                <a:r>
+                  <a:rPr lang="zh-CN" altLang="en-US" dirty="0"/>
+                  <a:t>存储端</a:t>
+                </a:r>
+                <a:r>
+                  <a:rPr lang="en-US" altLang="zh-CN" dirty="0"/>
+                  <a:t>2</a:t>
+                </a:r>
+              </a:p>
+              <a:p>
+                <a:pPr lvl="1"/>
+                <a:r>
+                  <a:rPr lang="zh-CN" altLang="en-US" dirty="0">
+                    <a:solidFill>
+                      <a:srgbClr val="FF0000"/>
+                    </a:solidFill>
+                  </a:rPr>
+                  <a:t>获得搜索证明</a:t>
+                </a:r>
+                <a:r>
+                  <a:rPr lang="zh-CN" altLang="en-US" dirty="0"/>
+                  <a:t>，并</a:t>
+                </a:r>
+                <a:r>
+                  <a:rPr lang="zh-CN" altLang="en-US" dirty="0">
+                    <a:solidFill>
+                      <a:srgbClr val="FF0000"/>
+                    </a:solidFill>
+                  </a:rPr>
+                  <a:t>验证是否正确</a:t>
+                </a:r>
+                <a:r>
+                  <a:rPr lang="zh-CN" altLang="en-US" dirty="0"/>
+                  <a:t>，</a:t>
+                </a:r>
+                <a:r>
+                  <a:rPr lang="zh-CN" altLang="en-US" dirty="0">
+                    <a:solidFill>
+                      <a:srgbClr val="FF0000"/>
+                    </a:solidFill>
+                  </a:rPr>
+                  <a:t>返回</a:t>
+                </a:r>
+                <a:r>
+                  <a:rPr lang="en-US" altLang="zh-CN" dirty="0">
+                    <a:solidFill>
+                      <a:srgbClr val="FF0000"/>
+                    </a:solidFill>
+                  </a:rPr>
+                  <a:t>0/1</a:t>
+                </a:r>
+                <a:r>
+                  <a:rPr lang="zh-CN" altLang="en-US" dirty="0">
+                    <a:solidFill>
+                      <a:srgbClr val="FF0000"/>
+                    </a:solidFill>
+                  </a:rPr>
+                  <a:t>，并上链</a:t>
+                </a:r>
+                <a:r>
+                  <a:rPr lang="zh-CN" altLang="en-US" dirty="0"/>
+                  <a:t>。</a:t>
+                </a:r>
+                <a:endParaRPr lang="en-US" altLang="zh-CN" dirty="0"/>
+              </a:p>
+            </p:txBody>
+          </p:sp>
+        </mc:Choice>
+        <mc:Fallback>
+          <p:sp>
+            <p:nvSpPr>
+              <p:cNvPr id="11" name="内容占位符 10">
+                <a:extLst>
+                  <a:ext uri="{FF2B5EF4-FFF2-40B4-BE49-F238E27FC236}">
+                    <a16:creationId xmlns:a16="http://schemas.microsoft.com/office/drawing/2014/main" id="{A13EE26B-CB8B-B743-C433-841589786484}"/>
+                  </a:ext>
+                </a:extLst>
+              </p:cNvPr>
+              <p:cNvSpPr>
+                <a:spLocks noGrp="1" noRot="1" noChangeAspect="1" noMove="1" noResize="1" noEditPoints="1" noAdjustHandles="1" noChangeArrowheads="1" noChangeShapeType="1" noTextEdit="1"/>
+              </p:cNvSpPr>
+              <p:nvPr>
+                <p:ph idx="1"/>
+              </p:nvPr>
+            </p:nvSpPr>
+            <p:spPr>
+              <a:blipFill>
+                <a:blip r:embed="rId2"/>
+                <a:stretch>
+                  <a:fillRect l="-850" t="-2661"/>
+                </a:stretch>
+              </a:blipFill>
+            </p:spPr>
+            <p:txBody>
+              <a:bodyPr/>
+              <a:lstStyle/>
+              <a:p>
+                <a:r>
+                  <a:rPr lang="zh-CN" altLang="en-US">
+                    <a:noFill/>
+                  </a:rPr>
+                  <a:t> </a:t>
+                </a:r>
+              </a:p>
+            </p:txBody>
+          </p:sp>
+        </mc:Fallback>
+      </mc:AlternateContent>
       <p:sp>
         <p:nvSpPr>
           <p:cNvPr id="8" name="矩形 7">
             <a:extLst>
               <a:ext uri="{FF2B5EF4-FFF2-40B4-BE49-F238E27FC236}">
-                <a16:creationId xmlns:a16="http://schemas.microsoft.com/office/drawing/2014/main" id="{4B373E26-97B3-D6FE-3033-28F1707775C8}"/>
+                <a16:creationId xmlns:a16="http://schemas.microsoft.com/office/drawing/2014/main" id="{C4DD56A8-3B03-21D9-ABFC-E81760ADEDC1}"/>
               </a:ext>
             </a:extLst>
           </p:cNvPr>
@@ -6522,8 +9580,8 @@
         </p:nvSpPr>
         <p:spPr>
           <a:xfrm>
-            <a:off x="628650" y="1291771"/>
-            <a:ext cx="3943350" cy="461665"/>
+            <a:off x="628650" y="1321308"/>
+            <a:ext cx="7886700" cy="461665"/>
           </a:xfrm>
           <a:prstGeom prst="rect">
             <a:avLst/>
@@ -6538,29 +9596,14 @@
           </a:bodyPr>
           <a:lstStyle/>
           <a:p>
+            <a:pPr algn="ctr"/>
             <a:r>
               <a:rPr lang="zh-CN" altLang="en-US" sz="2400" dirty="0">
                 <a:solidFill>
                   <a:schemeClr val="bg1"/>
                 </a:solidFill>
               </a:rPr>
-              <a:t>本单小节</a:t>
-            </a:r>
-            <a:r>
-              <a:rPr lang="en-US" altLang="zh-CN" sz="2400" dirty="0">
-                <a:solidFill>
-                  <a:schemeClr val="bg1"/>
-                </a:solidFill>
-              </a:rPr>
-              <a:t>/</a:t>
-            </a:r>
-            <a:r>
-              <a:rPr lang="zh-CN" altLang="en-US" sz="2400" dirty="0">
-                <a:solidFill>
-                  <a:schemeClr val="bg1"/>
-                </a:solidFill>
-              </a:rPr>
-              <a:t>本页题目</a:t>
+              <a:t>加密搜索流程</a:t>
             </a:r>
             <a:endParaRPr lang="zh-CN" altLang="en-US" sz="2400" dirty="0"/>
           </a:p>
@@ -6568,119 +9611,10 @@
       </p:sp>
       <p:sp>
         <p:nvSpPr>
-          <p:cNvPr id="2" name="矩形 1">
+          <p:cNvPr id="2" name="文本框 1">
             <a:extLst>
               <a:ext uri="{FF2B5EF4-FFF2-40B4-BE49-F238E27FC236}">
-                <a16:creationId xmlns:a16="http://schemas.microsoft.com/office/drawing/2014/main" id="{CA40F8DE-C116-8900-E6C5-C56176905BCE}"/>
-              </a:ext>
-            </a:extLst>
-          </p:cNvPr>
-          <p:cNvSpPr/>
-          <p:nvPr/>
-        </p:nvSpPr>
-        <p:spPr>
-          <a:xfrm>
-            <a:off x="628650" y="3512457"/>
-            <a:ext cx="3943350" cy="461665"/>
-          </a:xfrm>
-          <a:prstGeom prst="rect">
-            <a:avLst/>
-          </a:prstGeom>
-          <a:solidFill>
-            <a:schemeClr val="accent1"/>
-          </a:solidFill>
-        </p:spPr>
-        <p:txBody>
-          <a:bodyPr wrap="square">
-            <a:spAutoFit/>
-          </a:bodyPr>
-          <a:lstStyle/>
-          <a:p>
-            <a:r>
-              <a:rPr lang="zh-CN" altLang="en-US" sz="2400" dirty="0">
-                <a:solidFill>
-                  <a:schemeClr val="bg1"/>
-                </a:solidFill>
-              </a:rPr>
-              <a:t>本单小节</a:t>
-            </a:r>
-            <a:r>
-              <a:rPr lang="en-US" altLang="zh-CN" sz="2400" dirty="0">
-                <a:solidFill>
-                  <a:schemeClr val="bg1"/>
-                </a:solidFill>
-              </a:rPr>
-              <a:t>/</a:t>
-            </a:r>
-            <a:r>
-              <a:rPr lang="zh-CN" altLang="en-US" sz="2400" dirty="0">
-                <a:solidFill>
-                  <a:schemeClr val="bg1"/>
-                </a:solidFill>
-              </a:rPr>
-              <a:t>本页题目</a:t>
-            </a:r>
-            <a:endParaRPr lang="zh-CN" altLang="en-US" sz="2400" dirty="0"/>
-          </a:p>
-        </p:txBody>
-      </p:sp>
-      <p:sp>
-        <p:nvSpPr>
-          <p:cNvPr id="4" name="矩形 3">
-            <a:extLst>
-              <a:ext uri="{FF2B5EF4-FFF2-40B4-BE49-F238E27FC236}">
-                <a16:creationId xmlns:a16="http://schemas.microsoft.com/office/drawing/2014/main" id="{65964D27-E81B-7E19-D0EE-852788655C2F}"/>
-              </a:ext>
-            </a:extLst>
-          </p:cNvPr>
-          <p:cNvSpPr/>
-          <p:nvPr/>
-        </p:nvSpPr>
-        <p:spPr>
-          <a:xfrm>
-            <a:off x="628650" y="4039436"/>
-            <a:ext cx="8113593" cy="524311"/>
-          </a:xfrm>
-          <a:prstGeom prst="rect">
-            <a:avLst/>
-          </a:prstGeom>
-        </p:spPr>
-        <p:txBody>
-          <a:bodyPr wrap="square">
-            <a:spAutoFit/>
-          </a:bodyPr>
-          <a:lstStyle/>
-          <a:p>
-            <a:pPr marL="342900" indent="-342900">
-              <a:lnSpc>
-                <a:spcPct val="125000"/>
-              </a:lnSpc>
-              <a:buFont typeface="Arial" panose="020B0604020202020204" pitchFamily="34" charset="0"/>
-              <a:buChar char="•"/>
-            </a:pPr>
-            <a:r>
-              <a:rPr lang="zh-CN" altLang="en-US" sz="2400" dirty="0">
-                <a:latin typeface="华文宋体" panose="02010600040101010101" pitchFamily="2" charset="-122"/>
-                <a:ea typeface="华文宋体" panose="02010600040101010101" pitchFamily="2" charset="-122"/>
-              </a:rPr>
-              <a:t>内容</a:t>
-            </a:r>
-            <a:r>
-              <a:rPr lang="en-US" altLang="zh-CN" sz="2200" dirty="0">
-                <a:latin typeface="华文宋体" panose="02010600040101010101" pitchFamily="2" charset="-122"/>
-                <a:ea typeface="华文宋体" panose="02010600040101010101" pitchFamily="2" charset="-122"/>
-              </a:rPr>
-              <a:t> </a:t>
-            </a:r>
-          </a:p>
-        </p:txBody>
-      </p:sp>
-      <p:sp>
-        <p:nvSpPr>
-          <p:cNvPr id="3" name="文本框 2">
-            <a:extLst>
-              <a:ext uri="{FF2B5EF4-FFF2-40B4-BE49-F238E27FC236}">
-                <a16:creationId xmlns:a16="http://schemas.microsoft.com/office/drawing/2014/main" id="{B54D28C0-13FF-26C2-9DAB-6CF3B3BC29BC}"/>
+                <a16:creationId xmlns:a16="http://schemas.microsoft.com/office/drawing/2014/main" id="{0E4CDA36-FADF-2B1D-E75E-6B10290F473A}"/>
               </a:ext>
             </a:extLst>
           </p:cNvPr>
@@ -6689,8 +9623,8 @@
         </p:nvSpPr>
         <p:spPr>
           <a:xfrm>
-            <a:off x="8173503" y="6367141"/>
-            <a:ext cx="397946" cy="369332"/>
+            <a:off x="8145453" y="6361532"/>
+            <a:ext cx="314149" cy="369332"/>
           </a:xfrm>
           <a:prstGeom prst="rect">
             <a:avLst/>
@@ -6705,16 +9639,46 @@
           <a:p>
             <a:r>
               <a:rPr lang="en-US" altLang="zh-CN" dirty="0"/>
-              <a:t>2</a:t>
+              <a:t>1</a:t>
             </a:r>
             <a:endParaRPr lang="zh-CN" altLang="en-US" dirty="0"/>
           </a:p>
         </p:txBody>
       </p:sp>
+      <p:pic>
+        <p:nvPicPr>
+          <p:cNvPr id="3" name="图片 2">
+            <a:extLst>
+              <a:ext uri="{FF2B5EF4-FFF2-40B4-BE49-F238E27FC236}">
+                <a16:creationId xmlns:a16="http://schemas.microsoft.com/office/drawing/2014/main" id="{6F4486AF-3D06-7CFF-3A5C-F1A56769D431}"/>
+              </a:ext>
+            </a:extLst>
+          </p:cNvPr>
+          <p:cNvPicPr>
+            <a:picLocks noChangeAspect="1"/>
+          </p:cNvPicPr>
+          <p:nvPr/>
+        </p:nvPicPr>
+        <p:blipFill>
+          <a:blip r:embed="rId3"/>
+          <a:stretch>
+            <a:fillRect/>
+          </a:stretch>
+        </p:blipFill>
+        <p:spPr>
+          <a:xfrm>
+            <a:off x="5055887" y="2646871"/>
+            <a:ext cx="3814419" cy="2337869"/>
+          </a:xfrm>
+          <a:prstGeom prst="rect">
+            <a:avLst/>
+          </a:prstGeom>
+        </p:spPr>
+      </p:pic>
     </p:spTree>
     <p:extLst>
       <p:ext uri="{BB962C8B-B14F-4D97-AF65-F5344CB8AC3E}">
-        <p14:creationId xmlns:p14="http://schemas.microsoft.com/office/powerpoint/2010/main" val="1466982382"/>
+        <p14:creationId xmlns:p14="http://schemas.microsoft.com/office/powerpoint/2010/main" val="499408681"/>
       </p:ext>
     </p:extLst>
   </p:cSld>
@@ -6743,57 +9707,302 @@
       </p:grpSpPr>
       <p:sp>
         <p:nvSpPr>
-          <p:cNvPr id="2" name="矩形 1"/>
+          <p:cNvPr id="6" name="标题 5">
+            <a:extLst>
+              <a:ext uri="{FF2B5EF4-FFF2-40B4-BE49-F238E27FC236}">
+                <a16:creationId xmlns:a16="http://schemas.microsoft.com/office/drawing/2014/main" id="{437C2CDC-A940-7CC2-F410-CECD2F662AE5}"/>
+              </a:ext>
+            </a:extLst>
+          </p:cNvPr>
+          <p:cNvSpPr>
+            <a:spLocks noGrp="1"/>
+          </p:cNvSpPr>
+          <p:nvPr>
+            <p:ph type="title"/>
+          </p:nvPr>
+        </p:nvSpPr>
+        <p:spPr/>
+        <p:txBody>
+          <a:bodyPr/>
+          <a:lstStyle/>
+          <a:p>
+            <a:pPr algn="ctr"/>
+            <a:r>
+              <a:rPr lang="zh-CN" altLang="en-US" dirty="0"/>
+              <a:t>方案实现</a:t>
+            </a:r>
+          </a:p>
+        </p:txBody>
+      </p:sp>
+      <p:sp>
+        <p:nvSpPr>
+          <p:cNvPr id="11" name="内容占位符 10">
+            <a:extLst>
+              <a:ext uri="{FF2B5EF4-FFF2-40B4-BE49-F238E27FC236}">
+                <a16:creationId xmlns:a16="http://schemas.microsoft.com/office/drawing/2014/main" id="{A13EE26B-CB8B-B743-C433-841589786484}"/>
+              </a:ext>
+            </a:extLst>
+          </p:cNvPr>
+          <p:cNvSpPr>
+            <a:spLocks noGrp="1"/>
+          </p:cNvSpPr>
+          <p:nvPr>
+            <p:ph idx="1"/>
+          </p:nvPr>
+        </p:nvSpPr>
+        <p:spPr>
+          <a:xfrm>
+            <a:off x="628650" y="1825624"/>
+            <a:ext cx="7886700" cy="4992909"/>
+          </a:xfrm>
+        </p:spPr>
+        <p:txBody>
+          <a:bodyPr>
+            <a:normAutofit lnSpcReduction="10000"/>
+          </a:bodyPr>
+          <a:lstStyle/>
+          <a:p>
+            <a:endParaRPr lang="en-US" altLang="zh-CN" dirty="0"/>
+          </a:p>
+          <a:p>
+            <a:endParaRPr lang="en-US" altLang="zh-CN" dirty="0"/>
+          </a:p>
+          <a:p>
+            <a:pPr marL="0" indent="0">
+              <a:buNone/>
+            </a:pPr>
+            <a:endParaRPr lang="en-US" altLang="zh-CN" dirty="0"/>
+          </a:p>
+          <a:p>
+            <a:pPr marL="0" indent="0">
+              <a:buNone/>
+            </a:pPr>
+            <a:endParaRPr lang="en-US" altLang="zh-CN" dirty="0"/>
+          </a:p>
+          <a:p>
+            <a:r>
+              <a:rPr lang="en-US" altLang="zh-CN" dirty="0">
+                <a:solidFill>
+                  <a:srgbClr val="FF0000"/>
+                </a:solidFill>
+              </a:rPr>
+              <a:t>Step1</a:t>
+            </a:r>
+            <a:r>
+              <a:rPr lang="zh-CN" altLang="en-US" dirty="0"/>
+              <a:t>：通过请求搜索的</a:t>
+            </a:r>
+            <a:r>
+              <a:rPr lang="zh-CN" altLang="en-US" dirty="0">
+                <a:solidFill>
+                  <a:schemeClr val="accent1"/>
+                </a:solidFill>
+              </a:rPr>
+              <a:t>状态</a:t>
+            </a:r>
+            <a:br>
+              <a:rPr lang="en-US" altLang="zh-CN" dirty="0"/>
+            </a:br>
+            <a:r>
+              <a:rPr lang="zh-CN" altLang="en-US" dirty="0"/>
+              <a:t>与</a:t>
+            </a:r>
+            <a:r>
+              <a:rPr lang="zh-CN" altLang="en-US" dirty="0">
+                <a:solidFill>
+                  <a:schemeClr val="accent1"/>
+                </a:solidFill>
+              </a:rPr>
+              <a:t>搜索</a:t>
+            </a:r>
+            <a:r>
+              <a:rPr lang="en-US" altLang="zh-CN" dirty="0">
+                <a:solidFill>
+                  <a:schemeClr val="accent1"/>
+                </a:solidFill>
+              </a:rPr>
+              <a:t>token</a:t>
+            </a:r>
+            <a:r>
+              <a:rPr lang="en-US" altLang="zh-CN" dirty="0"/>
+              <a:t>,</a:t>
+            </a:r>
+            <a:r>
+              <a:rPr lang="zh-CN" altLang="en-US" dirty="0"/>
+              <a:t>得到</a:t>
+            </a:r>
+            <a:r>
+              <a:rPr lang="zh-CN" altLang="en-US" dirty="0">
+                <a:solidFill>
+                  <a:schemeClr val="accent1"/>
+                </a:solidFill>
+              </a:rPr>
+              <a:t>关键词前一</a:t>
+            </a:r>
+            <a:br>
+              <a:rPr lang="en-US" altLang="zh-CN" dirty="0">
+                <a:solidFill>
+                  <a:schemeClr val="accent1"/>
+                </a:solidFill>
+              </a:rPr>
+            </a:br>
+            <a:r>
+              <a:rPr lang="zh-CN" altLang="en-US" dirty="0">
+                <a:solidFill>
+                  <a:schemeClr val="accent1"/>
+                </a:solidFill>
+              </a:rPr>
+              <a:t>个状态</a:t>
+            </a:r>
+            <a:r>
+              <a:rPr lang="zh-CN" altLang="en-US" dirty="0"/>
+              <a:t>与对应的</a:t>
+            </a:r>
+            <a:r>
+              <a:rPr lang="zh-CN" altLang="en-US" dirty="0">
+                <a:solidFill>
+                  <a:schemeClr val="accent1"/>
+                </a:solidFill>
+              </a:rPr>
+              <a:t>文件</a:t>
+            </a:r>
+            <a:r>
+              <a:rPr lang="en-US" altLang="zh-CN" dirty="0">
+                <a:solidFill>
+                  <a:schemeClr val="accent1"/>
+                </a:solidFill>
+              </a:rPr>
+              <a:t>ID</a:t>
+            </a:r>
+            <a:r>
+              <a:rPr lang="zh-CN" altLang="en-US" dirty="0">
+                <a:solidFill>
+                  <a:schemeClr val="accent1"/>
+                </a:solidFill>
+              </a:rPr>
+              <a:t>集合</a:t>
+            </a:r>
+            <a:r>
+              <a:rPr lang="zh-CN" altLang="en-US" dirty="0"/>
+              <a:t>。</a:t>
+            </a:r>
+            <a:endParaRPr lang="en-US" altLang="zh-CN" dirty="0"/>
+          </a:p>
+          <a:p>
+            <a:r>
+              <a:rPr lang="en-US" altLang="zh-CN" dirty="0"/>
+              <a:t>Step2</a:t>
+            </a:r>
+            <a:r>
+              <a:rPr lang="zh-CN" altLang="en-US" dirty="0"/>
+              <a:t>：计算中间的证明参数，</a:t>
+            </a:r>
+            <a:br>
+              <a:rPr lang="en-US" altLang="zh-CN" dirty="0"/>
+            </a:br>
+            <a:r>
+              <a:rPr lang="zh-CN" altLang="en-US" dirty="0"/>
+              <a:t>用于后面搜索证明的验证步</a:t>
+            </a:r>
+            <a:br>
+              <a:rPr lang="en-US" altLang="zh-CN" dirty="0"/>
+            </a:br>
+            <a:r>
+              <a:rPr lang="zh-CN" altLang="en-US" dirty="0"/>
+              <a:t>骤。</a:t>
+            </a:r>
+            <a:endParaRPr lang="en-US" altLang="zh-CN" dirty="0"/>
+          </a:p>
+          <a:p>
+            <a:r>
+              <a:rPr lang="en-US" altLang="zh-CN" dirty="0"/>
+              <a:t>Step3</a:t>
+            </a:r>
+            <a:r>
+              <a:rPr lang="zh-CN" altLang="en-US" dirty="0"/>
+              <a:t>：控制关键词索引状态</a:t>
+            </a:r>
+            <a:br>
+              <a:rPr lang="en-US" altLang="zh-CN" dirty="0"/>
+            </a:br>
+            <a:r>
+              <a:rPr lang="zh-CN" altLang="en-US" dirty="0"/>
+              <a:t>链的搜索结果，关键词的一</a:t>
+            </a:r>
+            <a:br>
+              <a:rPr lang="en-US" altLang="zh-CN" dirty="0"/>
+            </a:br>
+            <a:r>
+              <a:rPr lang="zh-CN" altLang="en-US" dirty="0"/>
+              <a:t>个状态对应一个文件。</a:t>
+            </a:r>
+            <a:endParaRPr lang="en-US" altLang="zh-CN" dirty="0"/>
+          </a:p>
+          <a:p>
+            <a:pPr lvl="1"/>
+            <a:endParaRPr lang="en-US" altLang="zh-CN" dirty="0"/>
+          </a:p>
+        </p:txBody>
+      </p:sp>
+      <p:sp>
+        <p:nvSpPr>
+          <p:cNvPr id="8" name="矩形 7">
+            <a:extLst>
+              <a:ext uri="{FF2B5EF4-FFF2-40B4-BE49-F238E27FC236}">
+                <a16:creationId xmlns:a16="http://schemas.microsoft.com/office/drawing/2014/main" id="{C4DD56A8-3B03-21D9-ABFC-E81760ADEDC1}"/>
+              </a:ext>
+            </a:extLst>
+          </p:cNvPr>
           <p:cNvSpPr/>
           <p:nvPr/>
         </p:nvSpPr>
         <p:spPr>
           <a:xfrm>
-            <a:off x="695325" y="549275"/>
-            <a:ext cx="7693300" cy="5759450"/>
+            <a:off x="628650" y="1321308"/>
+            <a:ext cx="7886700" cy="461665"/>
           </a:xfrm>
           <a:prstGeom prst="rect">
             <a:avLst/>
           </a:prstGeom>
-          <a:ln>
-            <a:noFill/>
-          </a:ln>
+          <a:solidFill>
+            <a:schemeClr val="accent1"/>
+          </a:solidFill>
         </p:spPr>
-        <p:style>
-          <a:lnRef idx="2">
-            <a:schemeClr val="accent1">
-              <a:shade val="50000"/>
-            </a:schemeClr>
-          </a:lnRef>
-          <a:fillRef idx="1">
-            <a:schemeClr val="accent1"/>
-          </a:fillRef>
-          <a:effectRef idx="0">
-            <a:schemeClr val="accent1"/>
-          </a:effectRef>
-          <a:fontRef idx="minor">
-            <a:schemeClr val="lt1"/>
-          </a:fontRef>
-        </p:style>
-        <p:txBody>
-          <a:bodyPr rtlCol="0" anchor="ctr"/>
+        <p:txBody>
+          <a:bodyPr wrap="square">
+            <a:spAutoFit/>
+          </a:bodyPr>
           <a:lstStyle/>
           <a:p>
             <a:pPr algn="ctr"/>
-            <a:endParaRPr lang="zh-CN" altLang="en-US"/>
-          </a:p>
-        </p:txBody>
-      </p:sp>
-      <p:sp>
-        <p:nvSpPr>
-          <p:cNvPr id="3" name="文本框 2"/>
+            <a:r>
+              <a:rPr lang="zh-CN" altLang="en-US" sz="2400" dirty="0">
+                <a:solidFill>
+                  <a:schemeClr val="bg1"/>
+                </a:solidFill>
+              </a:rPr>
+              <a:t>搜索证明生成</a:t>
+            </a:r>
+            <a:endParaRPr lang="zh-CN" altLang="en-US" sz="2400" dirty="0"/>
+          </a:p>
+        </p:txBody>
+      </p:sp>
+      <p:sp>
+        <p:nvSpPr>
+          <p:cNvPr id="2" name="文本框 1">
+            <a:extLst>
+              <a:ext uri="{FF2B5EF4-FFF2-40B4-BE49-F238E27FC236}">
+                <a16:creationId xmlns:a16="http://schemas.microsoft.com/office/drawing/2014/main" id="{0E4CDA36-FADF-2B1D-E75E-6B10290F473A}"/>
+              </a:ext>
+            </a:extLst>
+          </p:cNvPr>
           <p:cNvSpPr txBox="1"/>
           <p:nvPr/>
         </p:nvSpPr>
         <p:spPr>
           <a:xfrm>
-            <a:off x="695325" y="2290226"/>
-            <a:ext cx="7693300" cy="2277547"/>
+            <a:off x="8145453" y="6361532"/>
+            <a:ext cx="314149" cy="369332"/>
           </a:xfrm>
           <a:prstGeom prst="rect">
             <a:avLst/>
@@ -6806,270 +10015,1192 @@
           </a:bodyPr>
           <a:lstStyle/>
           <a:p>
+            <a:r>
+              <a:rPr lang="en-US" altLang="zh-CN" dirty="0"/>
+              <a:t>1</a:t>
+            </a:r>
+            <a:endParaRPr lang="zh-CN" altLang="en-US" dirty="0"/>
+          </a:p>
+        </p:txBody>
+      </p:sp>
+      <p:pic>
+        <p:nvPicPr>
+          <p:cNvPr id="4" name="图片 3">
+            <a:extLst>
+              <a:ext uri="{FF2B5EF4-FFF2-40B4-BE49-F238E27FC236}">
+                <a16:creationId xmlns:a16="http://schemas.microsoft.com/office/drawing/2014/main" id="{B3F40F81-9536-6499-CC36-4FF187D8B80F}"/>
+              </a:ext>
+            </a:extLst>
+          </p:cNvPr>
+          <p:cNvPicPr>
+            <a:picLocks noChangeAspect="1"/>
+          </p:cNvPicPr>
+          <p:nvPr/>
+        </p:nvPicPr>
+        <p:blipFill>
+          <a:blip r:embed="rId2"/>
+          <a:stretch>
+            <a:fillRect/>
+          </a:stretch>
+        </p:blipFill>
+        <p:spPr>
+          <a:xfrm>
+            <a:off x="4798229" y="1825625"/>
+            <a:ext cx="3794612" cy="4992910"/>
+          </a:xfrm>
+          <a:prstGeom prst="rect">
+            <a:avLst/>
+          </a:prstGeom>
+        </p:spPr>
+      </p:pic>
+      <p:pic>
+        <p:nvPicPr>
+          <p:cNvPr id="5" name="图片 4">
+            <a:extLst>
+              <a:ext uri="{FF2B5EF4-FFF2-40B4-BE49-F238E27FC236}">
+                <a16:creationId xmlns:a16="http://schemas.microsoft.com/office/drawing/2014/main" id="{6CF24406-C27E-A7C8-4A30-7C2AA3D4E330}"/>
+              </a:ext>
+            </a:extLst>
+          </p:cNvPr>
+          <p:cNvPicPr>
+            <a:picLocks noChangeAspect="1"/>
+          </p:cNvPicPr>
+          <p:nvPr/>
+        </p:nvPicPr>
+        <p:blipFill>
+          <a:blip r:embed="rId3"/>
+          <a:stretch>
+            <a:fillRect/>
+          </a:stretch>
+        </p:blipFill>
+        <p:spPr>
+          <a:xfrm>
+            <a:off x="397785" y="1782973"/>
+            <a:ext cx="4400444" cy="1534775"/>
+          </a:xfrm>
+          <a:prstGeom prst="rect">
+            <a:avLst/>
+          </a:prstGeom>
+        </p:spPr>
+      </p:pic>
+    </p:spTree>
+    <p:extLst>
+      <p:ext uri="{BB962C8B-B14F-4D97-AF65-F5344CB8AC3E}">
+        <p14:creationId xmlns:p14="http://schemas.microsoft.com/office/powerpoint/2010/main" val="2603359647"/>
+      </p:ext>
+    </p:extLst>
+  </p:cSld>
+  <p:clrMapOvr>
+    <a:masterClrMapping/>
+  </p:clrMapOvr>
+</p:sld>
+</file>
+
+<file path=ppt/slides/slide16.xml><?xml version="1.0" encoding="utf-8"?>
+<p:sld xmlns:a="http://schemas.openxmlformats.org/drawingml/2006/main" xmlns:r="http://schemas.openxmlformats.org/officeDocument/2006/relationships" xmlns:p="http://schemas.openxmlformats.org/presentationml/2006/main">
+  <p:cSld>
+    <p:spTree>
+      <p:nvGrpSpPr>
+        <p:cNvPr id="1" name=""/>
+        <p:cNvGrpSpPr/>
+        <p:nvPr/>
+      </p:nvGrpSpPr>
+      <p:grpSpPr>
+        <a:xfrm>
+          <a:off x="0" y="0"/>
+          <a:ext cx="0" cy="0"/>
+          <a:chOff x="0" y="0"/>
+          <a:chExt cx="0" cy="0"/>
+        </a:xfrm>
+      </p:grpSpPr>
+      <p:sp>
+        <p:nvSpPr>
+          <p:cNvPr id="6" name="标题 5">
+            <a:extLst>
+              <a:ext uri="{FF2B5EF4-FFF2-40B4-BE49-F238E27FC236}">
+                <a16:creationId xmlns:a16="http://schemas.microsoft.com/office/drawing/2014/main" id="{437C2CDC-A940-7CC2-F410-CECD2F662AE5}"/>
+              </a:ext>
+            </a:extLst>
+          </p:cNvPr>
+          <p:cNvSpPr>
+            <a:spLocks noGrp="1"/>
+          </p:cNvSpPr>
+          <p:nvPr>
+            <p:ph type="title"/>
+          </p:nvPr>
+        </p:nvSpPr>
+        <p:spPr/>
+        <p:txBody>
+          <a:bodyPr/>
+          <a:lstStyle/>
+          <a:p>
             <a:pPr algn="ctr"/>
             <a:r>
-              <a:rPr lang="en-US" altLang="zh-CN" sz="8800" b="1" dirty="0">
+              <a:rPr lang="zh-CN" altLang="en-US" dirty="0"/>
+              <a:t>方案实现</a:t>
+            </a:r>
+          </a:p>
+        </p:txBody>
+      </p:sp>
+      <mc:AlternateContent xmlns:mc="http://schemas.openxmlformats.org/markup-compatibility/2006">
+        <mc:Choice xmlns:a14="http://schemas.microsoft.com/office/drawing/2010/main" Requires="a14">
+          <p:sp>
+            <p:nvSpPr>
+              <p:cNvPr id="11" name="内容占位符 10">
+                <a:extLst>
+                  <a:ext uri="{FF2B5EF4-FFF2-40B4-BE49-F238E27FC236}">
+                    <a16:creationId xmlns:a16="http://schemas.microsoft.com/office/drawing/2014/main" id="{A13EE26B-CB8B-B743-C433-841589786484}"/>
+                  </a:ext>
+                </a:extLst>
+              </p:cNvPr>
+              <p:cNvSpPr>
+                <a:spLocks noGrp="1"/>
+              </p:cNvSpPr>
+              <p:nvPr>
+                <p:ph idx="1"/>
+              </p:nvPr>
+            </p:nvSpPr>
+            <p:spPr/>
+            <p:txBody>
+              <a:bodyPr/>
+              <a:lstStyle/>
+              <a:p>
+                <a:r>
+                  <a:rPr lang="zh-CN" altLang="en-US" dirty="0"/>
+                  <a:t>计算中间参数</a:t>
+                </a:r>
+                <a:endParaRPr lang="en-US" altLang="zh-CN" dirty="0"/>
+              </a:p>
+              <a:p>
+                <a:pPr lvl="1"/>
+                <a14:m>
+                  <m:oMath xmlns:m="http://schemas.openxmlformats.org/officeDocument/2006/math">
+                    <m:sSub>
+                      <m:sSubPr>
+                        <m:ctrlPr>
+                          <a:rPr lang="en-US" altLang="zh-CN" b="0" i="1" smtClean="0">
+                            <a:latin typeface="Cambria Math" panose="02040503050406030204" pitchFamily="18" charset="0"/>
+                          </a:rPr>
+                        </m:ctrlPr>
+                      </m:sSubPr>
+                      <m:e>
+                        <m:r>
+                          <a:rPr lang="en-US" altLang="zh-CN" b="0" i="1" smtClean="0">
+                            <a:latin typeface="Cambria Math" panose="02040503050406030204" pitchFamily="18" charset="0"/>
+                          </a:rPr>
+                          <m:t>𝜁</m:t>
+                        </m:r>
+                      </m:e>
+                      <m:sub>
+                        <m:r>
+                          <a:rPr lang="en-US" altLang="zh-CN" b="0" i="1" smtClean="0">
+                            <a:latin typeface="Cambria Math" panose="02040503050406030204" pitchFamily="18" charset="0"/>
+                          </a:rPr>
+                          <m:t>1</m:t>
+                        </m:r>
+                      </m:sub>
+                    </m:sSub>
+                    <m:r>
+                      <a:rPr lang="en-US" altLang="zh-CN" b="0" i="1" smtClean="0">
+                        <a:latin typeface="Cambria Math" panose="02040503050406030204" pitchFamily="18" charset="0"/>
+                      </a:rPr>
+                      <m:t>,</m:t>
+                    </m:r>
+                    <m:sSub>
+                      <m:sSubPr>
+                        <m:ctrlPr>
+                          <a:rPr lang="en-US" altLang="zh-CN" b="0" i="1" smtClean="0">
+                            <a:latin typeface="Cambria Math" panose="02040503050406030204" pitchFamily="18" charset="0"/>
+                          </a:rPr>
+                        </m:ctrlPr>
+                      </m:sSubPr>
+                      <m:e>
+                        <m:r>
+                          <a:rPr lang="en-US" altLang="zh-CN" b="0" i="1" smtClean="0">
+                            <a:latin typeface="Cambria Math" panose="02040503050406030204" pitchFamily="18" charset="0"/>
+                          </a:rPr>
+                          <m:t>𝜁</m:t>
+                        </m:r>
+                      </m:e>
+                      <m:sub>
+                        <m:r>
+                          <a:rPr lang="en-US" altLang="zh-CN" b="0" i="1" smtClean="0">
+                            <a:latin typeface="Cambria Math" panose="02040503050406030204" pitchFamily="18" charset="0"/>
+                          </a:rPr>
+                          <m:t>2</m:t>
+                        </m:r>
+                      </m:sub>
+                    </m:sSub>
+                    <m:r>
+                      <a:rPr lang="en-US" altLang="zh-CN" b="0" i="1" smtClean="0">
+                        <a:latin typeface="Cambria Math" panose="02040503050406030204" pitchFamily="18" charset="0"/>
+                      </a:rPr>
+                      <m:t>,</m:t>
+                    </m:r>
+                    <m:sSub>
+                      <m:sSubPr>
+                        <m:ctrlPr>
+                          <a:rPr lang="en-US" altLang="zh-CN" b="0" i="1" smtClean="0">
+                            <a:latin typeface="Cambria Math" panose="02040503050406030204" pitchFamily="18" charset="0"/>
+                          </a:rPr>
+                        </m:ctrlPr>
+                      </m:sSubPr>
+                      <m:e>
+                        <m:r>
+                          <a:rPr lang="en-US" altLang="zh-CN" b="0" i="1" smtClean="0">
+                            <a:latin typeface="Cambria Math" panose="02040503050406030204" pitchFamily="18" charset="0"/>
+                          </a:rPr>
+                          <m:t>𝜁</m:t>
+                        </m:r>
+                      </m:e>
+                      <m:sub>
+                        <m:r>
+                          <a:rPr lang="en-US" altLang="zh-CN" b="0" i="1" smtClean="0">
+                            <a:latin typeface="Cambria Math" panose="02040503050406030204" pitchFamily="18" charset="0"/>
+                          </a:rPr>
+                          <m:t>3</m:t>
+                        </m:r>
+                      </m:sub>
+                    </m:sSub>
+                    <m:r>
+                      <a:rPr lang="en-US" altLang="zh-CN" b="0" i="1" smtClean="0">
+                        <a:latin typeface="Cambria Math" panose="02040503050406030204" pitchFamily="18" charset="0"/>
+                      </a:rPr>
+                      <m:t>,</m:t>
+                    </m:r>
+                    <m:r>
+                      <a:rPr lang="en-US" altLang="zh-CN" b="0" i="1" smtClean="0">
+                        <a:latin typeface="Cambria Math" panose="02040503050406030204" pitchFamily="18" charset="0"/>
+                      </a:rPr>
+                      <m:t>𝜌</m:t>
+                    </m:r>
+                  </m:oMath>
+                </a14:m>
+                <a:endParaRPr lang="en-US" altLang="zh-CN" dirty="0"/>
+              </a:p>
+              <a:p>
+                <a:r>
+                  <a:rPr lang="zh-CN" altLang="en-US" dirty="0"/>
+                  <a:t>计算双线性配对的结果</a:t>
+                </a:r>
+                <a:endParaRPr lang="en-US" altLang="zh-CN" dirty="0"/>
+              </a:p>
+              <a:p>
+                <a:pPr lvl="1"/>
+                <a:r>
+                  <a:rPr lang="zh-CN" altLang="en-US" dirty="0"/>
+                  <a:t>相等则说明验证结果正</a:t>
+                </a:r>
+                <a:br>
+                  <a:rPr lang="en-US" altLang="zh-CN" dirty="0"/>
+                </a:br>
+                <a:r>
+                  <a:rPr lang="zh-CN" altLang="en-US" dirty="0"/>
+                  <a:t>确。</a:t>
+                </a:r>
+                <a:endParaRPr lang="en-US" altLang="zh-CN" dirty="0"/>
+              </a:p>
+              <a:p>
+                <a:pPr lvl="1"/>
+                <a:r>
+                  <a:rPr lang="zh-CN" altLang="en-US" dirty="0"/>
+                  <a:t>不相等说明计算结果错</a:t>
+                </a:r>
+                <a:br>
+                  <a:rPr lang="en-US" altLang="zh-CN" dirty="0"/>
+                </a:br>
+                <a:r>
+                  <a:rPr lang="zh-CN" altLang="en-US" dirty="0"/>
+                  <a:t>误。</a:t>
+                </a:r>
+                <a:endParaRPr lang="en-US" altLang="zh-CN" dirty="0"/>
+              </a:p>
+              <a:p>
+                <a:endParaRPr lang="en-US" altLang="zh-CN" dirty="0"/>
+              </a:p>
+            </p:txBody>
+          </p:sp>
+        </mc:Choice>
+        <mc:Fallback>
+          <p:sp>
+            <p:nvSpPr>
+              <p:cNvPr id="11" name="内容占位符 10">
+                <a:extLst>
+                  <a:ext uri="{FF2B5EF4-FFF2-40B4-BE49-F238E27FC236}">
+                    <a16:creationId xmlns:a16="http://schemas.microsoft.com/office/drawing/2014/main" id="{A13EE26B-CB8B-B743-C433-841589786484}"/>
+                  </a:ext>
+                </a:extLst>
+              </p:cNvPr>
+              <p:cNvSpPr>
+                <a:spLocks noGrp="1" noRot="1" noChangeAspect="1" noMove="1" noResize="1" noEditPoints="1" noAdjustHandles="1" noChangeArrowheads="1" noChangeShapeType="1" noTextEdit="1"/>
+              </p:cNvSpPr>
+              <p:nvPr>
+                <p:ph idx="1"/>
+              </p:nvPr>
+            </p:nvSpPr>
+            <p:spPr>
+              <a:blipFill>
+                <a:blip r:embed="rId2"/>
+                <a:stretch>
+                  <a:fillRect l="-1005" t="-1821"/>
+                </a:stretch>
+              </a:blipFill>
+            </p:spPr>
+            <p:txBody>
+              <a:bodyPr/>
+              <a:lstStyle/>
+              <a:p>
+                <a:r>
+                  <a:rPr lang="zh-CN" altLang="en-US">
+                    <a:noFill/>
+                  </a:rPr>
+                  <a:t> </a:t>
+                </a:r>
+              </a:p>
+            </p:txBody>
+          </p:sp>
+        </mc:Fallback>
+      </mc:AlternateContent>
+      <p:sp>
+        <p:nvSpPr>
+          <p:cNvPr id="8" name="矩形 7">
+            <a:extLst>
+              <a:ext uri="{FF2B5EF4-FFF2-40B4-BE49-F238E27FC236}">
+                <a16:creationId xmlns:a16="http://schemas.microsoft.com/office/drawing/2014/main" id="{C4DD56A8-3B03-21D9-ABFC-E81760ADEDC1}"/>
+              </a:ext>
+            </a:extLst>
+          </p:cNvPr>
+          <p:cNvSpPr/>
+          <p:nvPr/>
+        </p:nvSpPr>
+        <p:spPr>
+          <a:xfrm>
+            <a:off x="628650" y="1321308"/>
+            <a:ext cx="7886700" cy="461665"/>
+          </a:xfrm>
+          <a:prstGeom prst="rect">
+            <a:avLst/>
+          </a:prstGeom>
+          <a:solidFill>
+            <a:schemeClr val="accent1"/>
+          </a:solidFill>
+        </p:spPr>
+        <p:txBody>
+          <a:bodyPr wrap="square">
+            <a:spAutoFit/>
+          </a:bodyPr>
+          <a:lstStyle/>
+          <a:p>
+            <a:pPr algn="ctr"/>
+            <a:r>
+              <a:rPr lang="zh-CN" altLang="en-US" sz="2400" dirty="0">
                 <a:solidFill>
                   <a:schemeClr val="bg1"/>
                 </a:solidFill>
               </a:rPr>
-              <a:t>THANKS</a:t>
-            </a:r>
-          </a:p>
-          <a:p>
-            <a:pPr algn="ctr"/>
-            <a:r>
-              <a:rPr lang="zh-CN" altLang="en-US" sz="5400" b="1" dirty="0">
+              <a:t>搜索证明验证</a:t>
+            </a:r>
+            <a:r>
+              <a:rPr lang="en-US" altLang="zh-CN" sz="2400" dirty="0">
                 <a:solidFill>
                   <a:schemeClr val="bg1"/>
                 </a:solidFill>
               </a:rPr>
-              <a:t>欢迎批评指正！</a:t>
-            </a:r>
-          </a:p>
-        </p:txBody>
-      </p:sp>
+              <a:t>/</a:t>
+            </a:r>
+            <a:r>
+              <a:rPr lang="zh-CN" altLang="en-US" sz="2400" dirty="0">
+                <a:solidFill>
+                  <a:schemeClr val="bg1"/>
+                </a:solidFill>
+              </a:rPr>
+              <a:t>其他存储节点进行</a:t>
+            </a:r>
+            <a:endParaRPr lang="zh-CN" altLang="en-US" sz="2400" dirty="0"/>
+          </a:p>
+        </p:txBody>
+      </p:sp>
+      <p:sp>
+        <p:nvSpPr>
+          <p:cNvPr id="2" name="文本框 1">
+            <a:extLst>
+              <a:ext uri="{FF2B5EF4-FFF2-40B4-BE49-F238E27FC236}">
+                <a16:creationId xmlns:a16="http://schemas.microsoft.com/office/drawing/2014/main" id="{0E4CDA36-FADF-2B1D-E75E-6B10290F473A}"/>
+              </a:ext>
+            </a:extLst>
+          </p:cNvPr>
+          <p:cNvSpPr txBox="1"/>
+          <p:nvPr/>
+        </p:nvSpPr>
+        <p:spPr>
+          <a:xfrm>
+            <a:off x="8145453" y="6361532"/>
+            <a:ext cx="314149" cy="369332"/>
+          </a:xfrm>
+          <a:prstGeom prst="rect">
+            <a:avLst/>
+          </a:prstGeom>
+          <a:noFill/>
+        </p:spPr>
+        <p:txBody>
+          <a:bodyPr wrap="square" rtlCol="0">
+            <a:spAutoFit/>
+          </a:bodyPr>
+          <a:lstStyle/>
+          <a:p>
+            <a:r>
+              <a:rPr lang="en-US" altLang="zh-CN" dirty="0"/>
+              <a:t>1</a:t>
+            </a:r>
+            <a:endParaRPr lang="zh-CN" altLang="en-US" dirty="0"/>
+          </a:p>
+        </p:txBody>
+      </p:sp>
+      <p:pic>
+        <p:nvPicPr>
+          <p:cNvPr id="3" name="图片 2">
+            <a:extLst>
+              <a:ext uri="{FF2B5EF4-FFF2-40B4-BE49-F238E27FC236}">
+                <a16:creationId xmlns:a16="http://schemas.microsoft.com/office/drawing/2014/main" id="{062BD64A-4815-D8DA-1770-3E7625B46521}"/>
+              </a:ext>
+            </a:extLst>
+          </p:cNvPr>
+          <p:cNvPicPr>
+            <a:picLocks noChangeAspect="1"/>
+          </p:cNvPicPr>
+          <p:nvPr/>
+        </p:nvPicPr>
+        <p:blipFill>
+          <a:blip r:embed="rId3"/>
+          <a:stretch>
+            <a:fillRect/>
+          </a:stretch>
+        </p:blipFill>
+        <p:spPr>
+          <a:xfrm>
+            <a:off x="4287107" y="1875258"/>
+            <a:ext cx="3953427" cy="2753109"/>
+          </a:xfrm>
+          <a:prstGeom prst="rect">
+            <a:avLst/>
+          </a:prstGeom>
+        </p:spPr>
+      </p:pic>
     </p:spTree>
+    <p:extLst>
+      <p:ext uri="{BB962C8B-B14F-4D97-AF65-F5344CB8AC3E}">
+        <p14:creationId xmlns:p14="http://schemas.microsoft.com/office/powerpoint/2010/main" val="3423241031"/>
+      </p:ext>
+    </p:extLst>
   </p:cSld>
   <p:clrMapOvr>
     <a:masterClrMapping/>
   </p:clrMapOvr>
-  <p:timing>
-    <p:tnLst>
-      <p:par>
-        <p:cTn id="1" dur="indefinite" restart="never" nodeType="tmRoot">
-          <p:childTnLst>
-            <p:seq concurrent="1" nextAc="seek">
-              <p:cTn id="2" dur="indefinite" nodeType="mainSeq">
-                <p:childTnLst>
-                  <p:par>
-                    <p:cTn id="3" fill="hold">
-                      <p:stCondLst>
-                        <p:cond delay="indefinite"/>
-                        <p:cond evt="onBegin" delay="0">
-                          <p:tn val="2"/>
-                        </p:cond>
-                      </p:stCondLst>
-                      <p:childTnLst>
-                        <p:par>
-                          <p:cTn id="4" fill="hold">
-                            <p:stCondLst>
-                              <p:cond delay="0"/>
-                            </p:stCondLst>
-                            <p:childTnLst>
-                              <p:par>
-                                <p:cTn id="5" presetID="50" presetClass="entr" presetSubtype="0" decel="100000" fill="hold" grpId="0" nodeType="withEffect">
-                                  <p:stCondLst>
-                                    <p:cond delay="0"/>
-                                  </p:stCondLst>
-                                  <p:childTnLst>
-                                    <p:set>
-                                      <p:cBhvr>
-                                        <p:cTn id="6" dur="1" fill="hold">
-                                          <p:stCondLst>
-                                            <p:cond delay="0"/>
-                                          </p:stCondLst>
-                                        </p:cTn>
-                                        <p:tgtEl>
-                                          <p:spTgt spid="2"/>
-                                        </p:tgtEl>
-                                        <p:attrNameLst>
-                                          <p:attrName>style.visibility</p:attrName>
-                                        </p:attrNameLst>
-                                      </p:cBhvr>
-                                      <p:to>
-                                        <p:strVal val="visible"/>
-                                      </p:to>
-                                    </p:set>
-                                    <p:anim calcmode="lin" valueType="num">
-                                      <p:cBhvr>
-                                        <p:cTn id="7" dur="750" fill="hold"/>
-                                        <p:tgtEl>
-                                          <p:spTgt spid="2"/>
-                                        </p:tgtEl>
-                                        <p:attrNameLst>
-                                          <p:attrName>ppt_w</p:attrName>
-                                        </p:attrNameLst>
-                                      </p:cBhvr>
-                                      <p:tavLst>
-                                        <p:tav tm="0">
-                                          <p:val>
-                                            <p:strVal val="#ppt_w+.3"/>
-                                          </p:val>
-                                        </p:tav>
-                                        <p:tav tm="100000">
-                                          <p:val>
-                                            <p:strVal val="#ppt_w"/>
-                                          </p:val>
-                                        </p:tav>
-                                      </p:tavLst>
-                                    </p:anim>
-                                    <p:anim calcmode="lin" valueType="num">
-                                      <p:cBhvr>
-                                        <p:cTn id="8" dur="750" fill="hold"/>
-                                        <p:tgtEl>
-                                          <p:spTgt spid="2"/>
-                                        </p:tgtEl>
-                                        <p:attrNameLst>
-                                          <p:attrName>ppt_h</p:attrName>
-                                        </p:attrNameLst>
-                                      </p:cBhvr>
-                                      <p:tavLst>
-                                        <p:tav tm="0">
-                                          <p:val>
-                                            <p:strVal val="#ppt_h"/>
-                                          </p:val>
-                                        </p:tav>
-                                        <p:tav tm="100000">
-                                          <p:val>
-                                            <p:strVal val="#ppt_h"/>
-                                          </p:val>
-                                        </p:tav>
-                                      </p:tavLst>
-                                    </p:anim>
-                                    <p:animEffect transition="in" filter="fade">
-                                      <p:cBhvr>
-                                        <p:cTn id="9" dur="750"/>
-                                        <p:tgtEl>
-                                          <p:spTgt spid="2"/>
-                                        </p:tgtEl>
-                                      </p:cBhvr>
-                                    </p:animEffect>
-                                  </p:childTnLst>
-                                </p:cTn>
-                              </p:par>
-                              <p:par>
-                                <p:cTn id="10" presetID="53" presetClass="entr" presetSubtype="16" fill="hold" grpId="0" nodeType="withEffect">
-                                  <p:stCondLst>
-                                    <p:cond delay="400"/>
-                                  </p:stCondLst>
-                                  <p:childTnLst>
-                                    <p:set>
-                                      <p:cBhvr>
-                                        <p:cTn id="11" dur="1" fill="hold">
-                                          <p:stCondLst>
-                                            <p:cond delay="0"/>
-                                          </p:stCondLst>
-                                        </p:cTn>
-                                        <p:tgtEl>
-                                          <p:spTgt spid="3"/>
-                                        </p:tgtEl>
-                                        <p:attrNameLst>
-                                          <p:attrName>style.visibility</p:attrName>
-                                        </p:attrNameLst>
-                                      </p:cBhvr>
-                                      <p:to>
-                                        <p:strVal val="visible"/>
-                                      </p:to>
-                                    </p:set>
-                                    <p:anim calcmode="lin" valueType="num">
-                                      <p:cBhvr>
-                                        <p:cTn id="12" dur="500" fill="hold"/>
-                                        <p:tgtEl>
-                                          <p:spTgt spid="3"/>
-                                        </p:tgtEl>
-                                        <p:attrNameLst>
-                                          <p:attrName>ppt_w</p:attrName>
-                                        </p:attrNameLst>
-                                      </p:cBhvr>
-                                      <p:tavLst>
-                                        <p:tav tm="0">
-                                          <p:val>
-                                            <p:fltVal val="0"/>
-                                          </p:val>
-                                        </p:tav>
-                                        <p:tav tm="100000">
-                                          <p:val>
-                                            <p:strVal val="#ppt_w"/>
-                                          </p:val>
-                                        </p:tav>
-                                      </p:tavLst>
-                                    </p:anim>
-                                    <p:anim calcmode="lin" valueType="num">
-                                      <p:cBhvr>
-                                        <p:cTn id="13" dur="500" fill="hold"/>
-                                        <p:tgtEl>
-                                          <p:spTgt spid="3"/>
-                                        </p:tgtEl>
-                                        <p:attrNameLst>
-                                          <p:attrName>ppt_h</p:attrName>
-                                        </p:attrNameLst>
-                                      </p:cBhvr>
-                                      <p:tavLst>
-                                        <p:tav tm="0">
-                                          <p:val>
-                                            <p:fltVal val="0"/>
-                                          </p:val>
-                                        </p:tav>
-                                        <p:tav tm="100000">
-                                          <p:val>
-                                            <p:strVal val="#ppt_h"/>
-                                          </p:val>
-                                        </p:tav>
-                                      </p:tavLst>
-                                    </p:anim>
-                                    <p:animEffect transition="in" filter="fade">
-                                      <p:cBhvr>
-                                        <p:cTn id="14" dur="500"/>
-                                        <p:tgtEl>
-                                          <p:spTgt spid="3"/>
-                                        </p:tgtEl>
-                                      </p:cBhvr>
-                                    </p:animEffect>
-                                  </p:childTnLst>
-                                </p:cTn>
-                              </p:par>
-                              <p:par>
-                                <p:cTn id="15" presetID="6" presetClass="emph" presetSubtype="0" autoRev="1" fill="hold" grpId="1" nodeType="withEffect">
-                                  <p:stCondLst>
-                                    <p:cond delay="800"/>
-                                  </p:stCondLst>
-                                  <p:childTnLst>
-                                    <p:animScale>
-                                      <p:cBhvr>
-                                        <p:cTn id="16" dur="250" fill="hold"/>
-                                        <p:tgtEl>
-                                          <p:spTgt spid="3"/>
-                                        </p:tgtEl>
-                                      </p:cBhvr>
-                                      <p:by x="115000" y="115000"/>
-                                    </p:animScale>
-                                  </p:childTnLst>
-                                </p:cTn>
-                              </p:par>
-                            </p:childTnLst>
-                          </p:cTn>
-                        </p:par>
-                      </p:childTnLst>
-                    </p:cTn>
-                  </p:par>
-                </p:childTnLst>
-              </p:cTn>
-              <p:prevCondLst>
-                <p:cond evt="onPrev" delay="0">
-                  <p:tgtEl>
-                    <p:sldTgt/>
-                  </p:tgtEl>
-                </p:cond>
-              </p:prevCondLst>
-              <p:nextCondLst>
-                <p:cond evt="onNext" delay="0">
-                  <p:tgtEl>
-                    <p:sldTgt/>
-                  </p:tgtEl>
-                </p:cond>
-              </p:nextCondLst>
-            </p:seq>
-          </p:childTnLst>
-        </p:cTn>
-      </p:par>
-    </p:tnLst>
-    <p:bldLst>
-      <p:bldP spid="2" grpId="0" animBg="1"/>
-      <p:bldP spid="3" grpId="0"/>
-      <p:bldP spid="3" grpId="1"/>
-    </p:bldLst>
-  </p:timing>
+</p:sld>
+</file>
+
+<file path=ppt/slides/slide17.xml><?xml version="1.0" encoding="utf-8"?>
+<p:sld xmlns:a="http://schemas.openxmlformats.org/drawingml/2006/main" xmlns:r="http://schemas.openxmlformats.org/officeDocument/2006/relationships" xmlns:p="http://schemas.openxmlformats.org/presentationml/2006/main">
+  <p:cSld>
+    <p:spTree>
+      <p:nvGrpSpPr>
+        <p:cNvPr id="1" name=""/>
+        <p:cNvGrpSpPr/>
+        <p:nvPr/>
+      </p:nvGrpSpPr>
+      <p:grpSpPr>
+        <a:xfrm>
+          <a:off x="0" y="0"/>
+          <a:ext cx="0" cy="0"/>
+          <a:chOff x="0" y="0"/>
+          <a:chExt cx="0" cy="0"/>
+        </a:xfrm>
+      </p:grpSpPr>
+      <p:sp>
+        <p:nvSpPr>
+          <p:cNvPr id="6" name="标题 5">
+            <a:extLst>
+              <a:ext uri="{FF2B5EF4-FFF2-40B4-BE49-F238E27FC236}">
+                <a16:creationId xmlns:a16="http://schemas.microsoft.com/office/drawing/2014/main" id="{437C2CDC-A940-7CC2-F410-CECD2F662AE5}"/>
+              </a:ext>
+            </a:extLst>
+          </p:cNvPr>
+          <p:cNvSpPr>
+            <a:spLocks noGrp="1"/>
+          </p:cNvSpPr>
+          <p:nvPr>
+            <p:ph type="title"/>
+          </p:nvPr>
+        </p:nvSpPr>
+        <p:spPr/>
+        <p:txBody>
+          <a:bodyPr/>
+          <a:lstStyle/>
+          <a:p>
+            <a:pPr algn="ctr"/>
+            <a:r>
+              <a:rPr lang="zh-CN" altLang="en-US" dirty="0"/>
+              <a:t>方案实现</a:t>
+            </a:r>
+          </a:p>
+        </p:txBody>
+      </p:sp>
+      <p:sp>
+        <p:nvSpPr>
+          <p:cNvPr id="11" name="内容占位符 10">
+            <a:extLst>
+              <a:ext uri="{FF2B5EF4-FFF2-40B4-BE49-F238E27FC236}">
+                <a16:creationId xmlns:a16="http://schemas.microsoft.com/office/drawing/2014/main" id="{A13EE26B-CB8B-B743-C433-841589786484}"/>
+              </a:ext>
+            </a:extLst>
+          </p:cNvPr>
+          <p:cNvSpPr>
+            <a:spLocks noGrp="1"/>
+          </p:cNvSpPr>
+          <p:nvPr>
+            <p:ph idx="1"/>
+          </p:nvPr>
+        </p:nvSpPr>
+        <p:spPr/>
+        <p:txBody>
+          <a:bodyPr/>
+          <a:lstStyle/>
+          <a:p>
+            <a:pPr marL="457200" lvl="1" indent="0">
+              <a:buNone/>
+            </a:pPr>
+            <a:endParaRPr lang="en-US" altLang="zh-CN" dirty="0"/>
+          </a:p>
+        </p:txBody>
+      </p:sp>
+      <p:sp>
+        <p:nvSpPr>
+          <p:cNvPr id="8" name="矩形 7">
+            <a:extLst>
+              <a:ext uri="{FF2B5EF4-FFF2-40B4-BE49-F238E27FC236}">
+                <a16:creationId xmlns:a16="http://schemas.microsoft.com/office/drawing/2014/main" id="{C4DD56A8-3B03-21D9-ABFC-E81760ADEDC1}"/>
+              </a:ext>
+            </a:extLst>
+          </p:cNvPr>
+          <p:cNvSpPr/>
+          <p:nvPr/>
+        </p:nvSpPr>
+        <p:spPr>
+          <a:xfrm>
+            <a:off x="628650" y="1321308"/>
+            <a:ext cx="7886700" cy="461665"/>
+          </a:xfrm>
+          <a:prstGeom prst="rect">
+            <a:avLst/>
+          </a:prstGeom>
+          <a:solidFill>
+            <a:schemeClr val="accent1"/>
+          </a:solidFill>
+        </p:spPr>
+        <p:txBody>
+          <a:bodyPr wrap="square">
+            <a:spAutoFit/>
+          </a:bodyPr>
+          <a:lstStyle/>
+          <a:p>
+            <a:pPr algn="ctr"/>
+            <a:r>
+              <a:rPr lang="zh-CN" altLang="en-US" sz="2400" dirty="0">
+                <a:solidFill>
+                  <a:schemeClr val="bg1"/>
+                </a:solidFill>
+              </a:rPr>
+              <a:t>搜索证明验证</a:t>
+            </a:r>
+            <a:r>
+              <a:rPr lang="en-US" altLang="zh-CN" sz="2400" dirty="0">
+                <a:solidFill>
+                  <a:schemeClr val="bg1"/>
+                </a:solidFill>
+              </a:rPr>
+              <a:t>/</a:t>
+            </a:r>
+            <a:r>
+              <a:rPr lang="zh-CN" altLang="en-US" sz="2400" dirty="0">
+                <a:solidFill>
+                  <a:schemeClr val="bg1"/>
+                </a:solidFill>
+              </a:rPr>
+              <a:t>理论的正确性</a:t>
+            </a:r>
+            <a:endParaRPr lang="zh-CN" altLang="en-US" sz="2400" dirty="0"/>
+          </a:p>
+        </p:txBody>
+      </p:sp>
+      <p:sp>
+        <p:nvSpPr>
+          <p:cNvPr id="2" name="文本框 1">
+            <a:extLst>
+              <a:ext uri="{FF2B5EF4-FFF2-40B4-BE49-F238E27FC236}">
+                <a16:creationId xmlns:a16="http://schemas.microsoft.com/office/drawing/2014/main" id="{0E4CDA36-FADF-2B1D-E75E-6B10290F473A}"/>
+              </a:ext>
+            </a:extLst>
+          </p:cNvPr>
+          <p:cNvSpPr txBox="1"/>
+          <p:nvPr/>
+        </p:nvSpPr>
+        <p:spPr>
+          <a:xfrm>
+            <a:off x="8145453" y="6361532"/>
+            <a:ext cx="314149" cy="369332"/>
+          </a:xfrm>
+          <a:prstGeom prst="rect">
+            <a:avLst/>
+          </a:prstGeom>
+          <a:noFill/>
+        </p:spPr>
+        <p:txBody>
+          <a:bodyPr wrap="square" rtlCol="0">
+            <a:spAutoFit/>
+          </a:bodyPr>
+          <a:lstStyle/>
+          <a:p>
+            <a:r>
+              <a:rPr lang="en-US" altLang="zh-CN" dirty="0"/>
+              <a:t>1</a:t>
+            </a:r>
+            <a:endParaRPr lang="zh-CN" altLang="en-US" dirty="0"/>
+          </a:p>
+        </p:txBody>
+      </p:sp>
+      <p:pic>
+        <p:nvPicPr>
+          <p:cNvPr id="3" name="图片 2">
+            <a:extLst>
+              <a:ext uri="{FF2B5EF4-FFF2-40B4-BE49-F238E27FC236}">
+                <a16:creationId xmlns:a16="http://schemas.microsoft.com/office/drawing/2014/main" id="{C4044F90-BF34-938D-5FCC-C13223E0BDEB}"/>
+              </a:ext>
+            </a:extLst>
+          </p:cNvPr>
+          <p:cNvPicPr>
+            <a:picLocks noChangeAspect="1"/>
+          </p:cNvPicPr>
+          <p:nvPr/>
+        </p:nvPicPr>
+        <p:blipFill>
+          <a:blip r:embed="rId2"/>
+          <a:stretch>
+            <a:fillRect/>
+          </a:stretch>
+        </p:blipFill>
+        <p:spPr>
+          <a:xfrm>
+            <a:off x="878462" y="1825625"/>
+            <a:ext cx="4933402" cy="4381061"/>
+          </a:xfrm>
+          <a:prstGeom prst="rect">
+            <a:avLst/>
+          </a:prstGeom>
+        </p:spPr>
+      </p:pic>
+    </p:spTree>
+    <p:extLst>
+      <p:ext uri="{BB962C8B-B14F-4D97-AF65-F5344CB8AC3E}">
+        <p14:creationId xmlns:p14="http://schemas.microsoft.com/office/powerpoint/2010/main" val="3291572205"/>
+      </p:ext>
+    </p:extLst>
+  </p:cSld>
+  <p:clrMapOvr>
+    <a:masterClrMapping/>
+  </p:clrMapOvr>
+</p:sld>
+</file>
+
+<file path=ppt/slides/slide18.xml><?xml version="1.0" encoding="utf-8"?>
+<p:sld xmlns:a="http://schemas.openxmlformats.org/drawingml/2006/main" xmlns:r="http://schemas.openxmlformats.org/officeDocument/2006/relationships" xmlns:p="http://schemas.openxmlformats.org/presentationml/2006/main">
+  <p:cSld>
+    <p:spTree>
+      <p:nvGrpSpPr>
+        <p:cNvPr id="1" name=""/>
+        <p:cNvGrpSpPr/>
+        <p:nvPr/>
+      </p:nvGrpSpPr>
+      <p:grpSpPr>
+        <a:xfrm>
+          <a:off x="0" y="0"/>
+          <a:ext cx="0" cy="0"/>
+          <a:chOff x="0" y="0"/>
+          <a:chExt cx="0" cy="0"/>
+        </a:xfrm>
+      </p:grpSpPr>
+      <p:sp>
+        <p:nvSpPr>
+          <p:cNvPr id="6" name="标题 5">
+            <a:extLst>
+              <a:ext uri="{FF2B5EF4-FFF2-40B4-BE49-F238E27FC236}">
+                <a16:creationId xmlns:a16="http://schemas.microsoft.com/office/drawing/2014/main" id="{437C2CDC-A940-7CC2-F410-CECD2F662AE5}"/>
+              </a:ext>
+            </a:extLst>
+          </p:cNvPr>
+          <p:cNvSpPr>
+            <a:spLocks noGrp="1"/>
+          </p:cNvSpPr>
+          <p:nvPr>
+            <p:ph type="title"/>
+          </p:nvPr>
+        </p:nvSpPr>
+        <p:spPr/>
+        <p:txBody>
+          <a:bodyPr/>
+          <a:lstStyle/>
+          <a:p>
+            <a:pPr algn="ctr"/>
+            <a:r>
+              <a:rPr lang="zh-CN" altLang="en-US" dirty="0"/>
+              <a:t>方案实现</a:t>
+            </a:r>
+          </a:p>
+        </p:txBody>
+      </p:sp>
+      <p:pic>
+        <p:nvPicPr>
+          <p:cNvPr id="10" name="内容占位符 9">
+            <a:extLst>
+              <a:ext uri="{FF2B5EF4-FFF2-40B4-BE49-F238E27FC236}">
+                <a16:creationId xmlns:a16="http://schemas.microsoft.com/office/drawing/2014/main" id="{9BA4EC3B-2333-597E-F63E-40B60A7D1963}"/>
+              </a:ext>
+            </a:extLst>
+          </p:cNvPr>
+          <p:cNvPicPr>
+            <a:picLocks noGrp="1" noChangeAspect="1"/>
+          </p:cNvPicPr>
+          <p:nvPr>
+            <p:ph idx="1"/>
+          </p:nvPr>
+        </p:nvPicPr>
+        <p:blipFill>
+          <a:blip r:embed="rId2"/>
+          <a:stretch>
+            <a:fillRect/>
+          </a:stretch>
+        </p:blipFill>
+        <p:spPr>
+          <a:xfrm>
+            <a:off x="692180" y="3980113"/>
+            <a:ext cx="3381847" cy="1810003"/>
+          </a:xfrm>
+          <a:prstGeom prst="rect">
+            <a:avLst/>
+          </a:prstGeom>
+        </p:spPr>
+      </p:pic>
+      <p:sp>
+        <p:nvSpPr>
+          <p:cNvPr id="8" name="矩形 7">
+            <a:extLst>
+              <a:ext uri="{FF2B5EF4-FFF2-40B4-BE49-F238E27FC236}">
+                <a16:creationId xmlns:a16="http://schemas.microsoft.com/office/drawing/2014/main" id="{C4DD56A8-3B03-21D9-ABFC-E81760ADEDC1}"/>
+              </a:ext>
+            </a:extLst>
+          </p:cNvPr>
+          <p:cNvSpPr/>
+          <p:nvPr/>
+        </p:nvSpPr>
+        <p:spPr>
+          <a:xfrm>
+            <a:off x="628650" y="1321308"/>
+            <a:ext cx="7886700" cy="461665"/>
+          </a:xfrm>
+          <a:prstGeom prst="rect">
+            <a:avLst/>
+          </a:prstGeom>
+          <a:solidFill>
+            <a:schemeClr val="accent1"/>
+          </a:solidFill>
+        </p:spPr>
+        <p:txBody>
+          <a:bodyPr wrap="square">
+            <a:spAutoFit/>
+          </a:bodyPr>
+          <a:lstStyle/>
+          <a:p>
+            <a:pPr algn="ctr"/>
+            <a:r>
+              <a:rPr lang="zh-CN" altLang="en-US" sz="2400" dirty="0">
+                <a:solidFill>
+                  <a:schemeClr val="bg1"/>
+                </a:solidFill>
+              </a:rPr>
+              <a:t>文件审计证明生成</a:t>
+            </a:r>
+            <a:r>
+              <a:rPr lang="en-US" altLang="zh-CN" sz="2400" dirty="0">
+                <a:solidFill>
+                  <a:schemeClr val="bg1"/>
+                </a:solidFill>
+              </a:rPr>
+              <a:t>+</a:t>
+            </a:r>
+            <a:r>
+              <a:rPr lang="zh-CN" altLang="en-US" sz="2400" dirty="0">
+                <a:solidFill>
+                  <a:schemeClr val="bg1"/>
+                </a:solidFill>
+              </a:rPr>
+              <a:t>验证</a:t>
+            </a:r>
+            <a:endParaRPr lang="zh-CN" altLang="en-US" sz="2400" dirty="0"/>
+          </a:p>
+        </p:txBody>
+      </p:sp>
+      <p:sp>
+        <p:nvSpPr>
+          <p:cNvPr id="2" name="文本框 1">
+            <a:extLst>
+              <a:ext uri="{FF2B5EF4-FFF2-40B4-BE49-F238E27FC236}">
+                <a16:creationId xmlns:a16="http://schemas.microsoft.com/office/drawing/2014/main" id="{0E4CDA36-FADF-2B1D-E75E-6B10290F473A}"/>
+              </a:ext>
+            </a:extLst>
+          </p:cNvPr>
+          <p:cNvSpPr txBox="1"/>
+          <p:nvPr/>
+        </p:nvSpPr>
+        <p:spPr>
+          <a:xfrm>
+            <a:off x="8145453" y="6361532"/>
+            <a:ext cx="314149" cy="369332"/>
+          </a:xfrm>
+          <a:prstGeom prst="rect">
+            <a:avLst/>
+          </a:prstGeom>
+          <a:noFill/>
+        </p:spPr>
+        <p:txBody>
+          <a:bodyPr wrap="square" rtlCol="0">
+            <a:spAutoFit/>
+          </a:bodyPr>
+          <a:lstStyle/>
+          <a:p>
+            <a:r>
+              <a:rPr lang="en-US" altLang="zh-CN" dirty="0"/>
+              <a:t>1</a:t>
+            </a:r>
+            <a:endParaRPr lang="zh-CN" altLang="en-US" dirty="0"/>
+          </a:p>
+        </p:txBody>
+      </p:sp>
+      <p:pic>
+        <p:nvPicPr>
+          <p:cNvPr id="9" name="图片 8">
+            <a:extLst>
+              <a:ext uri="{FF2B5EF4-FFF2-40B4-BE49-F238E27FC236}">
+                <a16:creationId xmlns:a16="http://schemas.microsoft.com/office/drawing/2014/main" id="{CA9167F9-EDCA-2C2E-A8E3-7619FE2FE605}"/>
+              </a:ext>
+            </a:extLst>
+          </p:cNvPr>
+          <p:cNvPicPr>
+            <a:picLocks noChangeAspect="1"/>
+          </p:cNvPicPr>
+          <p:nvPr/>
+        </p:nvPicPr>
+        <p:blipFill>
+          <a:blip r:embed="rId3"/>
+          <a:stretch>
+            <a:fillRect/>
+          </a:stretch>
+        </p:blipFill>
+        <p:spPr>
+          <a:xfrm>
+            <a:off x="628650" y="1794597"/>
+            <a:ext cx="3772426" cy="1829055"/>
+          </a:xfrm>
+          <a:prstGeom prst="rect">
+            <a:avLst/>
+          </a:prstGeom>
+        </p:spPr>
+      </p:pic>
+      <p:sp>
+        <p:nvSpPr>
+          <p:cNvPr id="12" name="文本框 11">
+            <a:extLst>
+              <a:ext uri="{FF2B5EF4-FFF2-40B4-BE49-F238E27FC236}">
+                <a16:creationId xmlns:a16="http://schemas.microsoft.com/office/drawing/2014/main" id="{B193D533-5D83-376E-68E2-D3C0AE314EA0}"/>
+              </a:ext>
+            </a:extLst>
+          </p:cNvPr>
+          <p:cNvSpPr txBox="1"/>
+          <p:nvPr/>
+        </p:nvSpPr>
+        <p:spPr>
+          <a:xfrm>
+            <a:off x="4074027" y="1907634"/>
+            <a:ext cx="4385575" cy="923330"/>
+          </a:xfrm>
+          <a:prstGeom prst="rect">
+            <a:avLst/>
+          </a:prstGeom>
+          <a:noFill/>
+        </p:spPr>
+        <p:txBody>
+          <a:bodyPr wrap="square" rtlCol="0">
+            <a:spAutoFit/>
+          </a:bodyPr>
+          <a:lstStyle/>
+          <a:p>
+            <a:r>
+              <a:rPr lang="zh-CN" altLang="en-US" dirty="0"/>
+              <a:t>输入 ：证明与公钥信息</a:t>
+            </a:r>
+            <a:endParaRPr lang="en-US" altLang="zh-CN" dirty="0"/>
+          </a:p>
+          <a:p>
+            <a:r>
+              <a:rPr lang="zh-CN" altLang="en-US" dirty="0"/>
+              <a:t>输出：</a:t>
+            </a:r>
+            <a:r>
+              <a:rPr lang="en-US" altLang="zh-CN" dirty="0"/>
+              <a:t>Proof</a:t>
+            </a:r>
+            <a:r>
+              <a:rPr lang="zh-CN" altLang="en-US" dirty="0"/>
+              <a:t>，供双线性配对函数计算的中间参数。</a:t>
+            </a:r>
+          </a:p>
+        </p:txBody>
+      </p:sp>
+      <p:sp>
+        <p:nvSpPr>
+          <p:cNvPr id="13" name="文本框 12">
+            <a:extLst>
+              <a:ext uri="{FF2B5EF4-FFF2-40B4-BE49-F238E27FC236}">
+                <a16:creationId xmlns:a16="http://schemas.microsoft.com/office/drawing/2014/main" id="{1FD8C788-BF7E-7A06-C18D-7BBD887195E1}"/>
+              </a:ext>
+            </a:extLst>
+          </p:cNvPr>
+          <p:cNvSpPr txBox="1"/>
+          <p:nvPr/>
+        </p:nvSpPr>
+        <p:spPr>
+          <a:xfrm>
+            <a:off x="4074027" y="4027037"/>
+            <a:ext cx="3884386" cy="923330"/>
+          </a:xfrm>
+          <a:prstGeom prst="rect">
+            <a:avLst/>
+          </a:prstGeom>
+          <a:noFill/>
+        </p:spPr>
+        <p:txBody>
+          <a:bodyPr wrap="square" rtlCol="0">
+            <a:spAutoFit/>
+          </a:bodyPr>
+          <a:lstStyle/>
+          <a:p>
+            <a:r>
+              <a:rPr lang="zh-CN" altLang="en-US" dirty="0"/>
+              <a:t>其他服务端验证并返回</a:t>
+            </a:r>
+            <a:endParaRPr lang="en-US" altLang="zh-CN" dirty="0"/>
+          </a:p>
+          <a:p>
+            <a:r>
+              <a:rPr lang="zh-CN" altLang="en-US" dirty="0"/>
+              <a:t>输入 ：证明与公钥信息</a:t>
+            </a:r>
+            <a:endParaRPr lang="en-US" altLang="zh-CN" dirty="0"/>
+          </a:p>
+          <a:p>
+            <a:r>
+              <a:rPr lang="zh-CN" altLang="en-US" dirty="0"/>
+              <a:t>输出：配对验证结果。</a:t>
+            </a:r>
+          </a:p>
+        </p:txBody>
+      </p:sp>
+    </p:spTree>
+    <p:extLst>
+      <p:ext uri="{BB962C8B-B14F-4D97-AF65-F5344CB8AC3E}">
+        <p14:creationId xmlns:p14="http://schemas.microsoft.com/office/powerpoint/2010/main" val="1275250209"/>
+      </p:ext>
+    </p:extLst>
+  </p:cSld>
+  <p:clrMapOvr>
+    <a:masterClrMapping/>
+  </p:clrMapOvr>
+</p:sld>
+</file>
+
+<file path=ppt/slides/slide19.xml><?xml version="1.0" encoding="utf-8"?>
+<p:sld xmlns:a="http://schemas.openxmlformats.org/drawingml/2006/main" xmlns:r="http://schemas.openxmlformats.org/officeDocument/2006/relationships" xmlns:p="http://schemas.openxmlformats.org/presentationml/2006/main">
+  <p:cSld>
+    <p:spTree>
+      <p:nvGrpSpPr>
+        <p:cNvPr id="1" name=""/>
+        <p:cNvGrpSpPr/>
+        <p:nvPr/>
+      </p:nvGrpSpPr>
+      <p:grpSpPr>
+        <a:xfrm>
+          <a:off x="0" y="0"/>
+          <a:ext cx="0" cy="0"/>
+          <a:chOff x="0" y="0"/>
+          <a:chExt cx="0" cy="0"/>
+        </a:xfrm>
+      </p:grpSpPr>
+      <p:sp>
+        <p:nvSpPr>
+          <p:cNvPr id="6" name="标题 5">
+            <a:extLst>
+              <a:ext uri="{FF2B5EF4-FFF2-40B4-BE49-F238E27FC236}">
+                <a16:creationId xmlns:a16="http://schemas.microsoft.com/office/drawing/2014/main" id="{437C2CDC-A940-7CC2-F410-CECD2F662AE5}"/>
+              </a:ext>
+            </a:extLst>
+          </p:cNvPr>
+          <p:cNvSpPr>
+            <a:spLocks noGrp="1"/>
+          </p:cNvSpPr>
+          <p:nvPr>
+            <p:ph type="title"/>
+          </p:nvPr>
+        </p:nvSpPr>
+        <p:spPr/>
+        <p:txBody>
+          <a:bodyPr/>
+          <a:lstStyle/>
+          <a:p>
+            <a:pPr algn="ctr"/>
+            <a:r>
+              <a:rPr lang="zh-CN" altLang="en-US" dirty="0"/>
+              <a:t>实验</a:t>
+            </a:r>
+          </a:p>
+        </p:txBody>
+      </p:sp>
+      <p:sp>
+        <p:nvSpPr>
+          <p:cNvPr id="11" name="内容占位符 10">
+            <a:extLst>
+              <a:ext uri="{FF2B5EF4-FFF2-40B4-BE49-F238E27FC236}">
+                <a16:creationId xmlns:a16="http://schemas.microsoft.com/office/drawing/2014/main" id="{A13EE26B-CB8B-B743-C433-841589786484}"/>
+              </a:ext>
+            </a:extLst>
+          </p:cNvPr>
+          <p:cNvSpPr>
+            <a:spLocks noGrp="1"/>
+          </p:cNvSpPr>
+          <p:nvPr>
+            <p:ph idx="1"/>
+          </p:nvPr>
+        </p:nvSpPr>
+        <p:spPr/>
+        <p:txBody>
+          <a:bodyPr/>
+          <a:lstStyle/>
+          <a:p>
+            <a:r>
+              <a:rPr lang="zh-CN" altLang="en-US" dirty="0"/>
+              <a:t>密码学知识</a:t>
+            </a:r>
+            <a:endParaRPr lang="en-US" altLang="zh-CN" dirty="0"/>
+          </a:p>
+          <a:p>
+            <a:r>
+              <a:rPr lang="zh-CN" altLang="en-US" dirty="0"/>
+              <a:t>双线性配对</a:t>
+            </a:r>
+            <a:endParaRPr lang="en-US" altLang="zh-CN" dirty="0"/>
+          </a:p>
+          <a:p>
+            <a:pPr lvl="1"/>
+            <a:endParaRPr lang="en-US" altLang="zh-CN" dirty="0"/>
+          </a:p>
+        </p:txBody>
+      </p:sp>
+      <p:sp>
+        <p:nvSpPr>
+          <p:cNvPr id="8" name="矩形 7">
+            <a:extLst>
+              <a:ext uri="{FF2B5EF4-FFF2-40B4-BE49-F238E27FC236}">
+                <a16:creationId xmlns:a16="http://schemas.microsoft.com/office/drawing/2014/main" id="{C4DD56A8-3B03-21D9-ABFC-E81760ADEDC1}"/>
+              </a:ext>
+            </a:extLst>
+          </p:cNvPr>
+          <p:cNvSpPr/>
+          <p:nvPr/>
+        </p:nvSpPr>
+        <p:spPr>
+          <a:xfrm>
+            <a:off x="628650" y="1321308"/>
+            <a:ext cx="7886700" cy="461665"/>
+          </a:xfrm>
+          <a:prstGeom prst="rect">
+            <a:avLst/>
+          </a:prstGeom>
+          <a:solidFill>
+            <a:schemeClr val="accent1"/>
+          </a:solidFill>
+        </p:spPr>
+        <p:txBody>
+          <a:bodyPr wrap="square">
+            <a:spAutoFit/>
+          </a:bodyPr>
+          <a:lstStyle/>
+          <a:p>
+            <a:pPr algn="ctr"/>
+            <a:r>
+              <a:rPr lang="zh-CN" altLang="en-US" sz="2400" dirty="0">
+                <a:solidFill>
+                  <a:schemeClr val="bg1"/>
+                </a:solidFill>
+              </a:rPr>
+              <a:t>文件审计证明验证</a:t>
+            </a:r>
+            <a:endParaRPr lang="zh-CN" altLang="en-US" sz="2400" dirty="0"/>
+          </a:p>
+        </p:txBody>
+      </p:sp>
+      <p:sp>
+        <p:nvSpPr>
+          <p:cNvPr id="2" name="文本框 1">
+            <a:extLst>
+              <a:ext uri="{FF2B5EF4-FFF2-40B4-BE49-F238E27FC236}">
+                <a16:creationId xmlns:a16="http://schemas.microsoft.com/office/drawing/2014/main" id="{0E4CDA36-FADF-2B1D-E75E-6B10290F473A}"/>
+              </a:ext>
+            </a:extLst>
+          </p:cNvPr>
+          <p:cNvSpPr txBox="1"/>
+          <p:nvPr/>
+        </p:nvSpPr>
+        <p:spPr>
+          <a:xfrm>
+            <a:off x="8145453" y="6361532"/>
+            <a:ext cx="314149" cy="369332"/>
+          </a:xfrm>
+          <a:prstGeom prst="rect">
+            <a:avLst/>
+          </a:prstGeom>
+          <a:noFill/>
+        </p:spPr>
+        <p:txBody>
+          <a:bodyPr wrap="square" rtlCol="0">
+            <a:spAutoFit/>
+          </a:bodyPr>
+          <a:lstStyle/>
+          <a:p>
+            <a:r>
+              <a:rPr lang="en-US" altLang="zh-CN" dirty="0"/>
+              <a:t>1</a:t>
+            </a:r>
+            <a:endParaRPr lang="zh-CN" altLang="en-US" dirty="0"/>
+          </a:p>
+        </p:txBody>
+      </p:sp>
+    </p:spTree>
+    <p:extLst>
+      <p:ext uri="{BB962C8B-B14F-4D97-AF65-F5344CB8AC3E}">
+        <p14:creationId xmlns:p14="http://schemas.microsoft.com/office/powerpoint/2010/main" val="1432053529"/>
+      </p:ext>
+    </p:extLst>
+  </p:cSld>
+  <p:clrMapOvr>
+    <a:masterClrMapping/>
+  </p:clrMapOvr>
 </p:sld>
 </file>
 
@@ -9143,6 +13274,660 @@
 </p:sld>
 </file>
 
+<file path=ppt/slides/slide20.xml><?xml version="1.0" encoding="utf-8"?>
+<p:sld xmlns:a="http://schemas.openxmlformats.org/drawingml/2006/main" xmlns:r="http://schemas.openxmlformats.org/officeDocument/2006/relationships" xmlns:p="http://schemas.openxmlformats.org/presentationml/2006/main">
+  <p:cSld>
+    <p:spTree>
+      <p:nvGrpSpPr>
+        <p:cNvPr id="1" name="">
+          <a:extLst>
+            <a:ext uri="{FF2B5EF4-FFF2-40B4-BE49-F238E27FC236}">
+              <a16:creationId xmlns:a16="http://schemas.microsoft.com/office/drawing/2014/main" id="{2D681ABA-FB76-315A-E5A9-263578AEB251}"/>
+            </a:ext>
+          </a:extLst>
+        </p:cNvPr>
+        <p:cNvGrpSpPr/>
+        <p:nvPr/>
+      </p:nvGrpSpPr>
+      <p:grpSpPr>
+        <a:xfrm>
+          <a:off x="0" y="0"/>
+          <a:ext cx="0" cy="0"/>
+          <a:chOff x="0" y="0"/>
+          <a:chExt cx="0" cy="0"/>
+        </a:xfrm>
+      </p:grpSpPr>
+      <p:sp>
+        <p:nvSpPr>
+          <p:cNvPr id="6" name="标题 5">
+            <a:extLst>
+              <a:ext uri="{FF2B5EF4-FFF2-40B4-BE49-F238E27FC236}">
+                <a16:creationId xmlns:a16="http://schemas.microsoft.com/office/drawing/2014/main" id="{A461A439-6360-A722-11C6-0AE0FA81C304}"/>
+              </a:ext>
+            </a:extLst>
+          </p:cNvPr>
+          <p:cNvSpPr>
+            <a:spLocks noGrp="1"/>
+          </p:cNvSpPr>
+          <p:nvPr>
+            <p:ph type="title"/>
+          </p:nvPr>
+        </p:nvSpPr>
+        <p:spPr>
+          <a:xfrm>
+            <a:off x="628650" y="566057"/>
+            <a:ext cx="7886700" cy="725714"/>
+          </a:xfrm>
+        </p:spPr>
+        <p:txBody>
+          <a:bodyPr/>
+          <a:lstStyle/>
+          <a:p>
+            <a:r>
+              <a:rPr lang="zh-CN" altLang="en-US" dirty="0"/>
+              <a:t>研究背景</a:t>
+            </a:r>
+          </a:p>
+        </p:txBody>
+      </p:sp>
+      <p:sp>
+        <p:nvSpPr>
+          <p:cNvPr id="7" name="内容占位符 6">
+            <a:extLst>
+              <a:ext uri="{FF2B5EF4-FFF2-40B4-BE49-F238E27FC236}">
+                <a16:creationId xmlns:a16="http://schemas.microsoft.com/office/drawing/2014/main" id="{3C227B6D-D82B-0616-E78D-2CDB8B74DFBA}"/>
+              </a:ext>
+            </a:extLst>
+          </p:cNvPr>
+          <p:cNvSpPr>
+            <a:spLocks noGrp="1"/>
+          </p:cNvSpPr>
+          <p:nvPr>
+            <p:ph idx="1"/>
+          </p:nvPr>
+        </p:nvSpPr>
+        <p:spPr>
+          <a:xfrm>
+            <a:off x="628650" y="1902279"/>
+            <a:ext cx="7886700" cy="1377950"/>
+          </a:xfrm>
+        </p:spPr>
+        <p:txBody>
+          <a:bodyPr/>
+          <a:lstStyle/>
+          <a:p>
+            <a:r>
+              <a:rPr lang="zh-CN" altLang="en-US" dirty="0"/>
+              <a:t>内容</a:t>
+            </a:r>
+          </a:p>
+        </p:txBody>
+      </p:sp>
+      <p:sp>
+        <p:nvSpPr>
+          <p:cNvPr id="8" name="矩形 7">
+            <a:extLst>
+              <a:ext uri="{FF2B5EF4-FFF2-40B4-BE49-F238E27FC236}">
+                <a16:creationId xmlns:a16="http://schemas.microsoft.com/office/drawing/2014/main" id="{4B373E26-97B3-D6FE-3033-28F1707775C8}"/>
+              </a:ext>
+            </a:extLst>
+          </p:cNvPr>
+          <p:cNvSpPr/>
+          <p:nvPr/>
+        </p:nvSpPr>
+        <p:spPr>
+          <a:xfrm>
+            <a:off x="628650" y="1291771"/>
+            <a:ext cx="3943350" cy="461665"/>
+          </a:xfrm>
+          <a:prstGeom prst="rect">
+            <a:avLst/>
+          </a:prstGeom>
+          <a:solidFill>
+            <a:schemeClr val="accent1"/>
+          </a:solidFill>
+        </p:spPr>
+        <p:txBody>
+          <a:bodyPr wrap="square">
+            <a:spAutoFit/>
+          </a:bodyPr>
+          <a:lstStyle/>
+          <a:p>
+            <a:r>
+              <a:rPr lang="zh-CN" altLang="en-US" sz="2400" dirty="0">
+                <a:solidFill>
+                  <a:schemeClr val="bg1"/>
+                </a:solidFill>
+              </a:rPr>
+              <a:t>本单小节</a:t>
+            </a:r>
+            <a:r>
+              <a:rPr lang="en-US" altLang="zh-CN" sz="2400" dirty="0">
+                <a:solidFill>
+                  <a:schemeClr val="bg1"/>
+                </a:solidFill>
+              </a:rPr>
+              <a:t>/</a:t>
+            </a:r>
+            <a:r>
+              <a:rPr lang="zh-CN" altLang="en-US" sz="2400" dirty="0">
+                <a:solidFill>
+                  <a:schemeClr val="bg1"/>
+                </a:solidFill>
+              </a:rPr>
+              <a:t>本页题目</a:t>
+            </a:r>
+            <a:endParaRPr lang="zh-CN" altLang="en-US" sz="2400" dirty="0"/>
+          </a:p>
+        </p:txBody>
+      </p:sp>
+      <p:sp>
+        <p:nvSpPr>
+          <p:cNvPr id="2" name="矩形 1">
+            <a:extLst>
+              <a:ext uri="{FF2B5EF4-FFF2-40B4-BE49-F238E27FC236}">
+                <a16:creationId xmlns:a16="http://schemas.microsoft.com/office/drawing/2014/main" id="{CA40F8DE-C116-8900-E6C5-C56176905BCE}"/>
+              </a:ext>
+            </a:extLst>
+          </p:cNvPr>
+          <p:cNvSpPr/>
+          <p:nvPr/>
+        </p:nvSpPr>
+        <p:spPr>
+          <a:xfrm>
+            <a:off x="628650" y="3512457"/>
+            <a:ext cx="3943350" cy="461665"/>
+          </a:xfrm>
+          <a:prstGeom prst="rect">
+            <a:avLst/>
+          </a:prstGeom>
+          <a:solidFill>
+            <a:schemeClr val="accent1"/>
+          </a:solidFill>
+        </p:spPr>
+        <p:txBody>
+          <a:bodyPr wrap="square">
+            <a:spAutoFit/>
+          </a:bodyPr>
+          <a:lstStyle/>
+          <a:p>
+            <a:r>
+              <a:rPr lang="zh-CN" altLang="en-US" sz="2400" dirty="0">
+                <a:solidFill>
+                  <a:schemeClr val="bg1"/>
+                </a:solidFill>
+              </a:rPr>
+              <a:t>本单小节</a:t>
+            </a:r>
+            <a:r>
+              <a:rPr lang="en-US" altLang="zh-CN" sz="2400" dirty="0">
+                <a:solidFill>
+                  <a:schemeClr val="bg1"/>
+                </a:solidFill>
+              </a:rPr>
+              <a:t>/</a:t>
+            </a:r>
+            <a:r>
+              <a:rPr lang="zh-CN" altLang="en-US" sz="2400" dirty="0">
+                <a:solidFill>
+                  <a:schemeClr val="bg1"/>
+                </a:solidFill>
+              </a:rPr>
+              <a:t>本页题目</a:t>
+            </a:r>
+            <a:endParaRPr lang="zh-CN" altLang="en-US" sz="2400" dirty="0"/>
+          </a:p>
+        </p:txBody>
+      </p:sp>
+      <p:sp>
+        <p:nvSpPr>
+          <p:cNvPr id="4" name="矩形 3">
+            <a:extLst>
+              <a:ext uri="{FF2B5EF4-FFF2-40B4-BE49-F238E27FC236}">
+                <a16:creationId xmlns:a16="http://schemas.microsoft.com/office/drawing/2014/main" id="{65964D27-E81B-7E19-D0EE-852788655C2F}"/>
+              </a:ext>
+            </a:extLst>
+          </p:cNvPr>
+          <p:cNvSpPr/>
+          <p:nvPr/>
+        </p:nvSpPr>
+        <p:spPr>
+          <a:xfrm>
+            <a:off x="628650" y="4039436"/>
+            <a:ext cx="8113593" cy="524311"/>
+          </a:xfrm>
+          <a:prstGeom prst="rect">
+            <a:avLst/>
+          </a:prstGeom>
+        </p:spPr>
+        <p:txBody>
+          <a:bodyPr wrap="square">
+            <a:spAutoFit/>
+          </a:bodyPr>
+          <a:lstStyle/>
+          <a:p>
+            <a:pPr marL="342900" indent="-342900">
+              <a:lnSpc>
+                <a:spcPct val="125000"/>
+              </a:lnSpc>
+              <a:buFont typeface="Arial" panose="020B0604020202020204" pitchFamily="34" charset="0"/>
+              <a:buChar char="•"/>
+            </a:pPr>
+            <a:r>
+              <a:rPr lang="zh-CN" altLang="en-US" sz="2400" dirty="0">
+                <a:latin typeface="华文宋体" panose="02010600040101010101" pitchFamily="2" charset="-122"/>
+                <a:ea typeface="华文宋体" panose="02010600040101010101" pitchFamily="2" charset="-122"/>
+              </a:rPr>
+              <a:t>内容</a:t>
+            </a:r>
+            <a:r>
+              <a:rPr lang="en-US" altLang="zh-CN" sz="2200" dirty="0">
+                <a:latin typeface="华文宋体" panose="02010600040101010101" pitchFamily="2" charset="-122"/>
+                <a:ea typeface="华文宋体" panose="02010600040101010101" pitchFamily="2" charset="-122"/>
+              </a:rPr>
+              <a:t> </a:t>
+            </a:r>
+          </a:p>
+        </p:txBody>
+      </p:sp>
+      <p:sp>
+        <p:nvSpPr>
+          <p:cNvPr id="3" name="文本框 2">
+            <a:extLst>
+              <a:ext uri="{FF2B5EF4-FFF2-40B4-BE49-F238E27FC236}">
+                <a16:creationId xmlns:a16="http://schemas.microsoft.com/office/drawing/2014/main" id="{B54D28C0-13FF-26C2-9DAB-6CF3B3BC29BC}"/>
+              </a:ext>
+            </a:extLst>
+          </p:cNvPr>
+          <p:cNvSpPr txBox="1"/>
+          <p:nvPr/>
+        </p:nvSpPr>
+        <p:spPr>
+          <a:xfrm>
+            <a:off x="8173503" y="6367141"/>
+            <a:ext cx="397946" cy="369332"/>
+          </a:xfrm>
+          <a:prstGeom prst="rect">
+            <a:avLst/>
+          </a:prstGeom>
+          <a:noFill/>
+        </p:spPr>
+        <p:txBody>
+          <a:bodyPr wrap="square" rtlCol="0">
+            <a:spAutoFit/>
+          </a:bodyPr>
+          <a:lstStyle/>
+          <a:p>
+            <a:r>
+              <a:rPr lang="en-US" altLang="zh-CN" dirty="0"/>
+              <a:t>2</a:t>
+            </a:r>
+            <a:endParaRPr lang="zh-CN" altLang="en-US" dirty="0"/>
+          </a:p>
+        </p:txBody>
+      </p:sp>
+    </p:spTree>
+    <p:extLst>
+      <p:ext uri="{BB962C8B-B14F-4D97-AF65-F5344CB8AC3E}">
+        <p14:creationId xmlns:p14="http://schemas.microsoft.com/office/powerpoint/2010/main" val="1466982382"/>
+      </p:ext>
+    </p:extLst>
+  </p:cSld>
+  <p:clrMapOvr>
+    <a:masterClrMapping/>
+  </p:clrMapOvr>
+</p:sld>
+</file>
+
+<file path=ppt/slides/slide21.xml><?xml version="1.0" encoding="utf-8"?>
+<p:sld xmlns:a="http://schemas.openxmlformats.org/drawingml/2006/main" xmlns:r="http://schemas.openxmlformats.org/officeDocument/2006/relationships" xmlns:p="http://schemas.openxmlformats.org/presentationml/2006/main">
+  <p:cSld>
+    <p:spTree>
+      <p:nvGrpSpPr>
+        <p:cNvPr id="1" name=""/>
+        <p:cNvGrpSpPr/>
+        <p:nvPr/>
+      </p:nvGrpSpPr>
+      <p:grpSpPr>
+        <a:xfrm>
+          <a:off x="0" y="0"/>
+          <a:ext cx="0" cy="0"/>
+          <a:chOff x="0" y="0"/>
+          <a:chExt cx="0" cy="0"/>
+        </a:xfrm>
+      </p:grpSpPr>
+      <p:sp>
+        <p:nvSpPr>
+          <p:cNvPr id="2" name="矩形 1"/>
+          <p:cNvSpPr/>
+          <p:nvPr/>
+        </p:nvSpPr>
+        <p:spPr>
+          <a:xfrm>
+            <a:off x="695325" y="549275"/>
+            <a:ext cx="7693300" cy="5759450"/>
+          </a:xfrm>
+          <a:prstGeom prst="rect">
+            <a:avLst/>
+          </a:prstGeom>
+          <a:ln>
+            <a:noFill/>
+          </a:ln>
+        </p:spPr>
+        <p:style>
+          <a:lnRef idx="2">
+            <a:schemeClr val="accent1">
+              <a:shade val="50000"/>
+            </a:schemeClr>
+          </a:lnRef>
+          <a:fillRef idx="1">
+            <a:schemeClr val="accent1"/>
+          </a:fillRef>
+          <a:effectRef idx="0">
+            <a:schemeClr val="accent1"/>
+          </a:effectRef>
+          <a:fontRef idx="minor">
+            <a:schemeClr val="lt1"/>
+          </a:fontRef>
+        </p:style>
+        <p:txBody>
+          <a:bodyPr rtlCol="0" anchor="ctr"/>
+          <a:lstStyle/>
+          <a:p>
+            <a:pPr algn="ctr"/>
+            <a:endParaRPr lang="zh-CN" altLang="en-US"/>
+          </a:p>
+        </p:txBody>
+      </p:sp>
+      <p:sp>
+        <p:nvSpPr>
+          <p:cNvPr id="3" name="文本框 2"/>
+          <p:cNvSpPr txBox="1"/>
+          <p:nvPr/>
+        </p:nvSpPr>
+        <p:spPr>
+          <a:xfrm>
+            <a:off x="695325" y="2290226"/>
+            <a:ext cx="7693300" cy="2277547"/>
+          </a:xfrm>
+          <a:prstGeom prst="rect">
+            <a:avLst/>
+          </a:prstGeom>
+          <a:noFill/>
+        </p:spPr>
+        <p:txBody>
+          <a:bodyPr wrap="square" rtlCol="0">
+            <a:spAutoFit/>
+          </a:bodyPr>
+          <a:lstStyle/>
+          <a:p>
+            <a:pPr algn="ctr"/>
+            <a:r>
+              <a:rPr lang="en-US" altLang="zh-CN" sz="8800" b="1" dirty="0">
+                <a:solidFill>
+                  <a:schemeClr val="bg1"/>
+                </a:solidFill>
+              </a:rPr>
+              <a:t>THANKS</a:t>
+            </a:r>
+          </a:p>
+          <a:p>
+            <a:pPr algn="ctr"/>
+            <a:r>
+              <a:rPr lang="zh-CN" altLang="en-US" sz="5400" b="1" dirty="0">
+                <a:solidFill>
+                  <a:schemeClr val="bg1"/>
+                </a:solidFill>
+              </a:rPr>
+              <a:t>欢迎批评指正！</a:t>
+            </a:r>
+          </a:p>
+        </p:txBody>
+      </p:sp>
+    </p:spTree>
+  </p:cSld>
+  <p:clrMapOvr>
+    <a:masterClrMapping/>
+  </p:clrMapOvr>
+  <p:timing>
+    <p:tnLst>
+      <p:par>
+        <p:cTn id="1" dur="indefinite" restart="never" nodeType="tmRoot">
+          <p:childTnLst>
+            <p:seq concurrent="1" nextAc="seek">
+              <p:cTn id="2" dur="indefinite" nodeType="mainSeq">
+                <p:childTnLst>
+                  <p:par>
+                    <p:cTn id="3" fill="hold">
+                      <p:stCondLst>
+                        <p:cond delay="indefinite"/>
+                        <p:cond evt="onBegin" delay="0">
+                          <p:tn val="2"/>
+                        </p:cond>
+                      </p:stCondLst>
+                      <p:childTnLst>
+                        <p:par>
+                          <p:cTn id="4" fill="hold">
+                            <p:stCondLst>
+                              <p:cond delay="0"/>
+                            </p:stCondLst>
+                            <p:childTnLst>
+                              <p:par>
+                                <p:cTn id="5" presetID="50" presetClass="entr" presetSubtype="0" decel="100000" fill="hold" grpId="0" nodeType="withEffect">
+                                  <p:stCondLst>
+                                    <p:cond delay="0"/>
+                                  </p:stCondLst>
+                                  <p:childTnLst>
+                                    <p:set>
+                                      <p:cBhvr>
+                                        <p:cTn id="6" dur="1" fill="hold">
+                                          <p:stCondLst>
+                                            <p:cond delay="0"/>
+                                          </p:stCondLst>
+                                        </p:cTn>
+                                        <p:tgtEl>
+                                          <p:spTgt spid="2"/>
+                                        </p:tgtEl>
+                                        <p:attrNameLst>
+                                          <p:attrName>style.visibility</p:attrName>
+                                        </p:attrNameLst>
+                                      </p:cBhvr>
+                                      <p:to>
+                                        <p:strVal val="visible"/>
+                                      </p:to>
+                                    </p:set>
+                                    <p:anim calcmode="lin" valueType="num">
+                                      <p:cBhvr>
+                                        <p:cTn id="7" dur="750" fill="hold"/>
+                                        <p:tgtEl>
+                                          <p:spTgt spid="2"/>
+                                        </p:tgtEl>
+                                        <p:attrNameLst>
+                                          <p:attrName>ppt_w</p:attrName>
+                                        </p:attrNameLst>
+                                      </p:cBhvr>
+                                      <p:tavLst>
+                                        <p:tav tm="0">
+                                          <p:val>
+                                            <p:strVal val="#ppt_w+.3"/>
+                                          </p:val>
+                                        </p:tav>
+                                        <p:tav tm="100000">
+                                          <p:val>
+                                            <p:strVal val="#ppt_w"/>
+                                          </p:val>
+                                        </p:tav>
+                                      </p:tavLst>
+                                    </p:anim>
+                                    <p:anim calcmode="lin" valueType="num">
+                                      <p:cBhvr>
+                                        <p:cTn id="8" dur="750" fill="hold"/>
+                                        <p:tgtEl>
+                                          <p:spTgt spid="2"/>
+                                        </p:tgtEl>
+                                        <p:attrNameLst>
+                                          <p:attrName>ppt_h</p:attrName>
+                                        </p:attrNameLst>
+                                      </p:cBhvr>
+                                      <p:tavLst>
+                                        <p:tav tm="0">
+                                          <p:val>
+                                            <p:strVal val="#ppt_h"/>
+                                          </p:val>
+                                        </p:tav>
+                                        <p:tav tm="100000">
+                                          <p:val>
+                                            <p:strVal val="#ppt_h"/>
+                                          </p:val>
+                                        </p:tav>
+                                      </p:tavLst>
+                                    </p:anim>
+                                    <p:animEffect transition="in" filter="fade">
+                                      <p:cBhvr>
+                                        <p:cTn id="9" dur="750"/>
+                                        <p:tgtEl>
+                                          <p:spTgt spid="2"/>
+                                        </p:tgtEl>
+                                      </p:cBhvr>
+                                    </p:animEffect>
+                                  </p:childTnLst>
+                                </p:cTn>
+                              </p:par>
+                              <p:par>
+                                <p:cTn id="10" presetID="53" presetClass="entr" presetSubtype="16" fill="hold" grpId="0" nodeType="withEffect">
+                                  <p:stCondLst>
+                                    <p:cond delay="400"/>
+                                  </p:stCondLst>
+                                  <p:childTnLst>
+                                    <p:set>
+                                      <p:cBhvr>
+                                        <p:cTn id="11" dur="1" fill="hold">
+                                          <p:stCondLst>
+                                            <p:cond delay="0"/>
+                                          </p:stCondLst>
+                                        </p:cTn>
+                                        <p:tgtEl>
+                                          <p:spTgt spid="3"/>
+                                        </p:tgtEl>
+                                        <p:attrNameLst>
+                                          <p:attrName>style.visibility</p:attrName>
+                                        </p:attrNameLst>
+                                      </p:cBhvr>
+                                      <p:to>
+                                        <p:strVal val="visible"/>
+                                      </p:to>
+                                    </p:set>
+                                    <p:anim calcmode="lin" valueType="num">
+                                      <p:cBhvr>
+                                        <p:cTn id="12" dur="500" fill="hold"/>
+                                        <p:tgtEl>
+                                          <p:spTgt spid="3"/>
+                                        </p:tgtEl>
+                                        <p:attrNameLst>
+                                          <p:attrName>ppt_w</p:attrName>
+                                        </p:attrNameLst>
+                                      </p:cBhvr>
+                                      <p:tavLst>
+                                        <p:tav tm="0">
+                                          <p:val>
+                                            <p:fltVal val="0"/>
+                                          </p:val>
+                                        </p:tav>
+                                        <p:tav tm="100000">
+                                          <p:val>
+                                            <p:strVal val="#ppt_w"/>
+                                          </p:val>
+                                        </p:tav>
+                                      </p:tavLst>
+                                    </p:anim>
+                                    <p:anim calcmode="lin" valueType="num">
+                                      <p:cBhvr>
+                                        <p:cTn id="13" dur="500" fill="hold"/>
+                                        <p:tgtEl>
+                                          <p:spTgt spid="3"/>
+                                        </p:tgtEl>
+                                        <p:attrNameLst>
+                                          <p:attrName>ppt_h</p:attrName>
+                                        </p:attrNameLst>
+                                      </p:cBhvr>
+                                      <p:tavLst>
+                                        <p:tav tm="0">
+                                          <p:val>
+                                            <p:fltVal val="0"/>
+                                          </p:val>
+                                        </p:tav>
+                                        <p:tav tm="100000">
+                                          <p:val>
+                                            <p:strVal val="#ppt_h"/>
+                                          </p:val>
+                                        </p:tav>
+                                      </p:tavLst>
+                                    </p:anim>
+                                    <p:animEffect transition="in" filter="fade">
+                                      <p:cBhvr>
+                                        <p:cTn id="14" dur="500"/>
+                                        <p:tgtEl>
+                                          <p:spTgt spid="3"/>
+                                        </p:tgtEl>
+                                      </p:cBhvr>
+                                    </p:animEffect>
+                                  </p:childTnLst>
+                                </p:cTn>
+                              </p:par>
+                              <p:par>
+                                <p:cTn id="15" presetID="6" presetClass="emph" presetSubtype="0" autoRev="1" fill="hold" grpId="1" nodeType="withEffect">
+                                  <p:stCondLst>
+                                    <p:cond delay="800"/>
+                                  </p:stCondLst>
+                                  <p:childTnLst>
+                                    <p:animScale>
+                                      <p:cBhvr>
+                                        <p:cTn id="16" dur="250" fill="hold"/>
+                                        <p:tgtEl>
+                                          <p:spTgt spid="3"/>
+                                        </p:tgtEl>
+                                      </p:cBhvr>
+                                      <p:by x="115000" y="115000"/>
+                                    </p:animScale>
+                                  </p:childTnLst>
+                                </p:cTn>
+                              </p:par>
+                            </p:childTnLst>
+                          </p:cTn>
+                        </p:par>
+                      </p:childTnLst>
+                    </p:cTn>
+                  </p:par>
+                </p:childTnLst>
+              </p:cTn>
+              <p:prevCondLst>
+                <p:cond evt="onPrev" delay="0">
+                  <p:tgtEl>
+                    <p:sldTgt/>
+                  </p:tgtEl>
+                </p:cond>
+              </p:prevCondLst>
+              <p:nextCondLst>
+                <p:cond evt="onNext" delay="0">
+                  <p:tgtEl>
+                    <p:sldTgt/>
+                  </p:tgtEl>
+                </p:cond>
+              </p:nextCondLst>
+            </p:seq>
+          </p:childTnLst>
+        </p:cTn>
+      </p:par>
+    </p:tnLst>
+    <p:bldLst>
+      <p:bldP spid="2" grpId="0" animBg="1"/>
+      <p:bldP spid="3" grpId="0"/>
+      <p:bldP spid="3" grpId="1"/>
+    </p:bldLst>
+  </p:timing>
+</p:sld>
+</file>
+
 <file path=ppt/slides/slide3.xml><?xml version="1.0" encoding="utf-8"?>
 <p:sld xmlns:a="http://schemas.openxmlformats.org/drawingml/2006/main" xmlns:r="http://schemas.openxmlformats.org/officeDocument/2006/relationships" xmlns:p="http://schemas.openxmlformats.org/presentationml/2006/main">
   <p:cSld>
@@ -9931,6 +14716,22 @@
                 </a:solidFill>
               </a:rPr>
               <a:t>技术知识介绍</a:t>
+            </a:r>
+            <a:r>
+              <a:rPr lang="en-US" altLang="zh-CN" sz="2400" dirty="0">
+                <a:solidFill>
+                  <a:schemeClr val="bg1"/>
+                </a:solidFill>
+              </a:rPr>
+              <a:t>/</a:t>
+            </a:r>
+            <a:r>
+              <a:rPr lang="zh-CN" altLang="en-US" sz="2400" dirty="0">
+                <a:solidFill>
+                  <a:schemeClr val="bg1"/>
+                </a:solidFill>
+              </a:rPr>
+              <a:t>密码学</a:t>
             </a:r>
             <a:endParaRPr lang="zh-CN" altLang="en-US" sz="2400" dirty="0"/>
           </a:p>
@@ -10134,6 +14935,208 @@
             <a:pPr algn="ctr"/>
             <a:r>
               <a:rPr lang="zh-CN" altLang="en-US" dirty="0"/>
+              <a:t>背景知识</a:t>
+            </a:r>
+          </a:p>
+        </p:txBody>
+      </p:sp>
+      <p:sp>
+        <p:nvSpPr>
+          <p:cNvPr id="11" name="内容占位符 10">
+            <a:extLst>
+              <a:ext uri="{FF2B5EF4-FFF2-40B4-BE49-F238E27FC236}">
+                <a16:creationId xmlns:a16="http://schemas.microsoft.com/office/drawing/2014/main" id="{A13EE26B-CB8B-B743-C433-841589786484}"/>
+              </a:ext>
+            </a:extLst>
+          </p:cNvPr>
+          <p:cNvSpPr>
+            <a:spLocks noGrp="1"/>
+          </p:cNvSpPr>
+          <p:nvPr>
+            <p:ph idx="1"/>
+          </p:nvPr>
+        </p:nvSpPr>
+        <p:spPr/>
+        <p:txBody>
+          <a:bodyPr/>
+          <a:lstStyle/>
+          <a:p>
+            <a:r>
+              <a:rPr lang="zh-CN" altLang="en-US" dirty="0"/>
+              <a:t>在 </a:t>
+            </a:r>
+            <a:r>
+              <a:rPr lang="en-US" altLang="zh-CN" dirty="0"/>
+              <a:t>DSN </a:t>
+            </a:r>
+            <a:r>
+              <a:rPr lang="zh-CN" altLang="en-US" dirty="0"/>
+              <a:t>中同时实现“可验证搜索 </a:t>
+            </a:r>
+            <a:r>
+              <a:rPr lang="en-US" altLang="zh-CN" dirty="0"/>
+              <a:t>+ </a:t>
+            </a:r>
+            <a:r>
+              <a:rPr lang="zh-CN" altLang="en-US" dirty="0"/>
+              <a:t>完整性审计”的困难：</a:t>
+            </a:r>
+            <a:endParaRPr lang="en-US" altLang="zh-CN" dirty="0"/>
+          </a:p>
+          <a:p>
+            <a:endParaRPr lang="en-US" altLang="zh-CN" dirty="0"/>
+          </a:p>
+        </p:txBody>
+      </p:sp>
+      <p:sp>
+        <p:nvSpPr>
+          <p:cNvPr id="8" name="矩形 7">
+            <a:extLst>
+              <a:ext uri="{FF2B5EF4-FFF2-40B4-BE49-F238E27FC236}">
+                <a16:creationId xmlns:a16="http://schemas.microsoft.com/office/drawing/2014/main" id="{C4DD56A8-3B03-21D9-ABFC-E81760ADEDC1}"/>
+              </a:ext>
+            </a:extLst>
+          </p:cNvPr>
+          <p:cNvSpPr/>
+          <p:nvPr/>
+        </p:nvSpPr>
+        <p:spPr>
+          <a:xfrm>
+            <a:off x="628650" y="1291771"/>
+            <a:ext cx="7886700" cy="461665"/>
+          </a:xfrm>
+          <a:prstGeom prst="rect">
+            <a:avLst/>
+          </a:prstGeom>
+          <a:solidFill>
+            <a:schemeClr val="accent1"/>
+          </a:solidFill>
+        </p:spPr>
+        <p:txBody>
+          <a:bodyPr wrap="square">
+            <a:spAutoFit/>
+          </a:bodyPr>
+          <a:lstStyle/>
+          <a:p>
+            <a:pPr algn="ctr"/>
+            <a:r>
+              <a:rPr lang="zh-CN" altLang="en-US" sz="2400" dirty="0">
+                <a:solidFill>
+                  <a:schemeClr val="bg1"/>
+                </a:solidFill>
+              </a:rPr>
+              <a:t>技术知识介绍</a:t>
+            </a:r>
+            <a:r>
+              <a:rPr lang="en-US" altLang="zh-CN" sz="2400" dirty="0">
+                <a:solidFill>
+                  <a:schemeClr val="bg1"/>
+                </a:solidFill>
+              </a:rPr>
+              <a:t>/</a:t>
+            </a:r>
+            <a:r>
+              <a:rPr lang="zh-CN" altLang="en-US" sz="2400" dirty="0">
+                <a:solidFill>
+                  <a:schemeClr val="bg1"/>
+                </a:solidFill>
+              </a:rPr>
+              <a:t>双线性配对函数</a:t>
+            </a:r>
+            <a:endParaRPr lang="zh-CN" altLang="en-US" sz="2400" dirty="0"/>
+          </a:p>
+        </p:txBody>
+      </p:sp>
+      <p:sp>
+        <p:nvSpPr>
+          <p:cNvPr id="2" name="文本框 1">
+            <a:extLst>
+              <a:ext uri="{FF2B5EF4-FFF2-40B4-BE49-F238E27FC236}">
+                <a16:creationId xmlns:a16="http://schemas.microsoft.com/office/drawing/2014/main" id="{0E4CDA36-FADF-2B1D-E75E-6B10290F473A}"/>
+              </a:ext>
+            </a:extLst>
+          </p:cNvPr>
+          <p:cNvSpPr txBox="1"/>
+          <p:nvPr/>
+        </p:nvSpPr>
+        <p:spPr>
+          <a:xfrm>
+            <a:off x="8145453" y="6361532"/>
+            <a:ext cx="314149" cy="369332"/>
+          </a:xfrm>
+          <a:prstGeom prst="rect">
+            <a:avLst/>
+          </a:prstGeom>
+          <a:noFill/>
+        </p:spPr>
+        <p:txBody>
+          <a:bodyPr wrap="square" rtlCol="0">
+            <a:spAutoFit/>
+          </a:bodyPr>
+          <a:lstStyle/>
+          <a:p>
+            <a:r>
+              <a:rPr lang="en-US" altLang="zh-CN" dirty="0"/>
+              <a:t>2</a:t>
+            </a:r>
+            <a:endParaRPr lang="zh-CN" altLang="en-US" dirty="0"/>
+          </a:p>
+        </p:txBody>
+      </p:sp>
+    </p:spTree>
+    <p:extLst>
+      <p:ext uri="{BB962C8B-B14F-4D97-AF65-F5344CB8AC3E}">
+        <p14:creationId xmlns:p14="http://schemas.microsoft.com/office/powerpoint/2010/main" val="1415421791"/>
+      </p:ext>
+    </p:extLst>
+  </p:cSld>
+  <p:clrMapOvr>
+    <a:masterClrMapping/>
+  </p:clrMapOvr>
+</p:sld>
+</file>
+
+<file path=ppt/slides/slide7.xml><?xml version="1.0" encoding="utf-8"?>
+<p:sld xmlns:a="http://schemas.openxmlformats.org/drawingml/2006/main" xmlns:r="http://schemas.openxmlformats.org/officeDocument/2006/relationships" xmlns:p="http://schemas.openxmlformats.org/presentationml/2006/main">
+  <p:cSld>
+    <p:spTree>
+      <p:nvGrpSpPr>
+        <p:cNvPr id="1" name=""/>
+        <p:cNvGrpSpPr/>
+        <p:nvPr/>
+      </p:nvGrpSpPr>
+      <p:grpSpPr>
+        <a:xfrm>
+          <a:off x="0" y="0"/>
+          <a:ext cx="0" cy="0"/>
+          <a:chOff x="0" y="0"/>
+          <a:chExt cx="0" cy="0"/>
+        </a:xfrm>
+      </p:grpSpPr>
+      <p:sp>
+        <p:nvSpPr>
+          <p:cNvPr id="6" name="标题 5">
+            <a:extLst>
+              <a:ext uri="{FF2B5EF4-FFF2-40B4-BE49-F238E27FC236}">
+                <a16:creationId xmlns:a16="http://schemas.microsoft.com/office/drawing/2014/main" id="{437C2CDC-A940-7CC2-F410-CECD2F662AE5}"/>
+              </a:ext>
+            </a:extLst>
+          </p:cNvPr>
+          <p:cNvSpPr>
+            <a:spLocks noGrp="1"/>
+          </p:cNvSpPr>
+          <p:nvPr>
+            <p:ph type="title"/>
+          </p:nvPr>
+        </p:nvSpPr>
+        <p:spPr/>
+        <p:txBody>
+          <a:bodyPr/>
+          <a:lstStyle/>
+          <a:p>
+            <a:pPr algn="ctr"/>
+            <a:r>
+              <a:rPr lang="zh-CN" altLang="en-US" dirty="0"/>
               <a:t>方案创新</a:t>
             </a:r>
           </a:p>
@@ -10411,259 +15414,6 @@
 </p:sld>
 </file>
 
-<file path=ppt/slides/slide7.xml><?xml version="1.0" encoding="utf-8"?>
-<p:sld xmlns:a="http://schemas.openxmlformats.org/drawingml/2006/main" xmlns:r="http://schemas.openxmlformats.org/officeDocument/2006/relationships" xmlns:p="http://schemas.openxmlformats.org/presentationml/2006/main">
-  <p:cSld>
-    <p:spTree>
-      <p:nvGrpSpPr>
-        <p:cNvPr id="1" name=""/>
-        <p:cNvGrpSpPr/>
-        <p:nvPr/>
-      </p:nvGrpSpPr>
-      <p:grpSpPr>
-        <a:xfrm>
-          <a:off x="0" y="0"/>
-          <a:ext cx="0" cy="0"/>
-          <a:chOff x="0" y="0"/>
-          <a:chExt cx="0" cy="0"/>
-        </a:xfrm>
-      </p:grpSpPr>
-      <p:sp>
-        <p:nvSpPr>
-          <p:cNvPr id="6" name="标题 5">
-            <a:extLst>
-              <a:ext uri="{FF2B5EF4-FFF2-40B4-BE49-F238E27FC236}">
-                <a16:creationId xmlns:a16="http://schemas.microsoft.com/office/drawing/2014/main" id="{437C2CDC-A940-7CC2-F410-CECD2F662AE5}"/>
-              </a:ext>
-            </a:extLst>
-          </p:cNvPr>
-          <p:cNvSpPr>
-            <a:spLocks noGrp="1"/>
-          </p:cNvSpPr>
-          <p:nvPr>
-            <p:ph type="title"/>
-          </p:nvPr>
-        </p:nvSpPr>
-        <p:spPr/>
-        <p:txBody>
-          <a:bodyPr/>
-          <a:lstStyle/>
-          <a:p>
-            <a:pPr algn="ctr"/>
-            <a:r>
-              <a:rPr lang="zh-CN" altLang="en-US" dirty="0"/>
-              <a:t>方案创新</a:t>
-            </a:r>
-          </a:p>
-        </p:txBody>
-      </p:sp>
-      <p:sp>
-        <p:nvSpPr>
-          <p:cNvPr id="11" name="内容占位符 10">
-            <a:extLst>
-              <a:ext uri="{FF2B5EF4-FFF2-40B4-BE49-F238E27FC236}">
-                <a16:creationId xmlns:a16="http://schemas.microsoft.com/office/drawing/2014/main" id="{A13EE26B-CB8B-B743-C433-841589786484}"/>
-              </a:ext>
-            </a:extLst>
-          </p:cNvPr>
-          <p:cNvSpPr>
-            <a:spLocks noGrp="1"/>
-          </p:cNvSpPr>
-          <p:nvPr>
-            <p:ph idx="1"/>
-          </p:nvPr>
-        </p:nvSpPr>
-        <p:spPr/>
-        <p:txBody>
-          <a:bodyPr/>
-          <a:lstStyle/>
-          <a:p>
-            <a:r>
-              <a:rPr lang="zh-CN" altLang="en-US" dirty="0"/>
-              <a:t>搜索证明与文件审计一体化</a:t>
-            </a:r>
-            <a:endParaRPr lang="en-US" altLang="zh-CN" dirty="0"/>
-          </a:p>
-          <a:p>
-            <a:pPr lvl="1"/>
-            <a:r>
-              <a:rPr lang="zh-CN" altLang="en-US" dirty="0"/>
-              <a:t>加密搜索的证明</a:t>
-            </a:r>
-            <a:endParaRPr lang="en-US" altLang="zh-CN" dirty="0"/>
-          </a:p>
-          <a:p>
-            <a:pPr lvl="1"/>
-            <a:r>
-              <a:rPr lang="zh-CN" altLang="en-US" dirty="0"/>
-              <a:t>数据完整性审计证明</a:t>
-            </a:r>
-            <a:endParaRPr lang="en-US" altLang="zh-CN" dirty="0"/>
-          </a:p>
-          <a:p>
-            <a:pPr lvl="1"/>
-            <a:r>
-              <a:rPr lang="zh-CN" altLang="en-US" dirty="0"/>
-              <a:t>将两个证明同时得到，并同时上链，在验证时，可以同时验证。</a:t>
-            </a:r>
-            <a:endParaRPr lang="en-US" altLang="zh-CN" dirty="0"/>
-          </a:p>
-          <a:p>
-            <a:r>
-              <a:rPr lang="zh-CN" altLang="en-US" dirty="0"/>
-              <a:t>搜索证明与文件审计证明轻量化</a:t>
-            </a:r>
-            <a:endParaRPr lang="en-US" altLang="zh-CN" dirty="0"/>
-          </a:p>
-          <a:p>
-            <a:pPr lvl="1"/>
-            <a:r>
-              <a:rPr lang="zh-CN" altLang="en-US" dirty="0"/>
-              <a:t>生成轻量化证明：基本的模下的加运算与指数运算，证明结果有限。</a:t>
-            </a:r>
-            <a:endParaRPr lang="en-US" altLang="zh-CN" dirty="0"/>
-          </a:p>
-          <a:p>
-            <a:pPr lvl="1"/>
-            <a:r>
-              <a:rPr lang="zh-CN" altLang="en-US" dirty="0"/>
-              <a:t>验证证明轻量化：双线性配对的计算高效。</a:t>
-            </a:r>
-            <a:endParaRPr lang="en-US" altLang="zh-CN" dirty="0"/>
-          </a:p>
-          <a:p>
-            <a:endParaRPr lang="en-US" altLang="zh-CN" b="1" dirty="0"/>
-          </a:p>
-          <a:p>
-            <a:pPr lvl="1"/>
-            <a:endParaRPr lang="en-US" altLang="zh-CN" dirty="0"/>
-          </a:p>
-        </p:txBody>
-      </p:sp>
-      <p:sp>
-        <p:nvSpPr>
-          <p:cNvPr id="8" name="矩形 7">
-            <a:extLst>
-              <a:ext uri="{FF2B5EF4-FFF2-40B4-BE49-F238E27FC236}">
-                <a16:creationId xmlns:a16="http://schemas.microsoft.com/office/drawing/2014/main" id="{C4DD56A8-3B03-21D9-ABFC-E81760ADEDC1}"/>
-              </a:ext>
-            </a:extLst>
-          </p:cNvPr>
-          <p:cNvSpPr/>
-          <p:nvPr/>
-        </p:nvSpPr>
-        <p:spPr>
-          <a:xfrm>
-            <a:off x="628650" y="1291771"/>
-            <a:ext cx="7886700" cy="461665"/>
-          </a:xfrm>
-          <a:prstGeom prst="rect">
-            <a:avLst/>
-          </a:prstGeom>
-          <a:solidFill>
-            <a:schemeClr val="accent1"/>
-          </a:solidFill>
-        </p:spPr>
-        <p:txBody>
-          <a:bodyPr wrap="square">
-            <a:spAutoFit/>
-          </a:bodyPr>
-          <a:lstStyle/>
-          <a:p>
-            <a:pPr algn="ctr"/>
-            <a:r>
-              <a:rPr lang="zh-CN" altLang="en-US" sz="2400" dirty="0">
-                <a:solidFill>
-                  <a:schemeClr val="bg1"/>
-                </a:solidFill>
-              </a:rPr>
-              <a:t>技术创新</a:t>
-            </a:r>
-            <a:r>
-              <a:rPr lang="en-US" altLang="zh-CN" sz="2400" dirty="0">
-                <a:solidFill>
-                  <a:schemeClr val="bg1"/>
-                </a:solidFill>
-              </a:rPr>
-              <a:t>/</a:t>
-            </a:r>
-            <a:r>
-              <a:rPr lang="zh-CN" altLang="en-US" sz="2400" dirty="0">
-                <a:solidFill>
-                  <a:schemeClr val="bg1"/>
-                </a:solidFill>
-              </a:rPr>
-              <a:t>一体化</a:t>
-            </a:r>
-            <a:r>
-              <a:rPr lang="en-US" altLang="zh-CN" sz="2400" dirty="0">
-                <a:solidFill>
-                  <a:schemeClr val="bg1"/>
-                </a:solidFill>
-              </a:rPr>
-              <a:t>+</a:t>
-            </a:r>
-            <a:r>
-              <a:rPr lang="zh-CN" altLang="en-US" sz="2400" dirty="0">
-                <a:solidFill>
-                  <a:schemeClr val="bg1"/>
-                </a:solidFill>
-              </a:rPr>
-              <a:t>轻量化</a:t>
-            </a:r>
-            <a:endParaRPr lang="zh-CN" altLang="en-US" sz="2400" dirty="0"/>
-          </a:p>
-        </p:txBody>
-      </p:sp>
-      <p:sp>
-        <p:nvSpPr>
-          <p:cNvPr id="2" name="文本框 1">
-            <a:extLst>
-              <a:ext uri="{FF2B5EF4-FFF2-40B4-BE49-F238E27FC236}">
-                <a16:creationId xmlns:a16="http://schemas.microsoft.com/office/drawing/2014/main" id="{0E4CDA36-FADF-2B1D-E75E-6B10290F473A}"/>
-              </a:ext>
-            </a:extLst>
-          </p:cNvPr>
-          <p:cNvSpPr txBox="1"/>
-          <p:nvPr/>
-        </p:nvSpPr>
-        <p:spPr>
-          <a:xfrm>
-            <a:off x="8145453" y="6361532"/>
-            <a:ext cx="314149" cy="369332"/>
-          </a:xfrm>
-          <a:prstGeom prst="rect">
-            <a:avLst/>
-          </a:prstGeom>
-          <a:noFill/>
-        </p:spPr>
-        <p:txBody>
-          <a:bodyPr wrap="square" rtlCol="0">
-            <a:spAutoFit/>
-          </a:bodyPr>
-          <a:lstStyle/>
-          <a:p>
-            <a:r>
-              <a:rPr lang="en-US" altLang="zh-CN" dirty="0"/>
-              <a:t>5</a:t>
-            </a:r>
-            <a:endParaRPr lang="zh-CN" altLang="en-US" dirty="0"/>
-          </a:p>
-        </p:txBody>
-      </p:sp>
-    </p:spTree>
-    <p:extLst>
-      <p:ext uri="{BB962C8B-B14F-4D97-AF65-F5344CB8AC3E}">
-        <p14:creationId xmlns:p14="http://schemas.microsoft.com/office/powerpoint/2010/main" val="1562108293"/>
-      </p:ext>
-    </p:extLst>
-  </p:cSld>
-  <p:clrMapOvr>
-    <a:masterClrMapping/>
-  </p:clrMapOvr>
-</p:sld>
-</file>
-
 <file path=ppt/slides/slide8.xml><?xml version="1.0" encoding="utf-8"?>
 <p:sld xmlns:a="http://schemas.openxmlformats.org/drawingml/2006/main" xmlns:r="http://schemas.openxmlformats.org/officeDocument/2006/relationships" xmlns:p="http://schemas.openxmlformats.org/presentationml/2006/main">
   <p:cSld>
@@ -10705,7 +15455,7 @@
             <a:pPr algn="ctr"/>
             <a:r>
               <a:rPr lang="zh-CN" altLang="en-US" dirty="0"/>
-              <a:t>方案实现</a:t>
+              <a:t>方案创新</a:t>
             </a:r>
           </a:p>
         </p:txBody>
@@ -10728,14 +15478,12 @@
         </p:nvSpPr>
         <p:spPr/>
         <p:txBody>
-          <a:bodyPr>
-            <a:normAutofit lnSpcReduction="10000"/>
-          </a:bodyPr>
+          <a:bodyPr/>
           <a:lstStyle/>
           <a:p>
             <a:r>
               <a:rPr lang="zh-CN" altLang="en-US" dirty="0"/>
-              <a:t>结构设计</a:t>
+              <a:t>搜索证明与文件审计一体化</a:t>
             </a:r>
             <a:endParaRPr lang="en-US" altLang="zh-CN" dirty="0"/>
           </a:p>
@@ -10743,14 +15491,15 @@
             <a:pPr lvl="1"/>
             <a:r>
               <a:rPr lang="zh-CN" altLang="en-US" dirty="0"/>
-              <a:t>客户端：加密文件存储、</a:t>
-            </a:r>
-            <a:br>
-              <a:rPr lang="en-US" altLang="zh-CN" dirty="0"/>
-            </a:br>
+              <a:t>加密搜索的证明</a:t>
+            </a:r>
+            <a:endParaRPr lang="en-US" altLang="zh-CN" dirty="0"/>
+          </a:p>
+          <a:p>
+            <a:pPr lvl="1"/>
             <a:r>
               <a:rPr lang="zh-CN" altLang="en-US" dirty="0"/>
-              <a:t>删除、关键词搜索。</a:t>
+              <a:t>数据完整性审计证明</a:t>
             </a:r>
             <a:endParaRPr lang="en-US" altLang="zh-CN" dirty="0"/>
           </a:p>
@@ -10758,83 +15507,38 @@
             <a:pPr lvl="1"/>
             <a:r>
               <a:rPr lang="zh-CN" altLang="en-US" dirty="0"/>
-              <a:t>区块链：客户端的证明</a:t>
-            </a:r>
-            <a:br>
-              <a:rPr lang="en-US" altLang="zh-CN" dirty="0"/>
-            </a:br>
+              <a:t>将两个证明同时得到，并同时上链，在验证时，可以同时验证。</a:t>
+            </a:r>
+            <a:endParaRPr lang="en-US" altLang="zh-CN" dirty="0"/>
+          </a:p>
+          <a:p>
             <a:r>
               <a:rPr lang="zh-CN" altLang="en-US" dirty="0"/>
-              <a:t>生成请求、客户端的公</a:t>
-            </a:r>
-            <a:br>
-              <a:rPr lang="en-US" altLang="zh-CN" dirty="0"/>
-            </a:br>
+              <a:t>搜索证明与文件审计证明轻量化</a:t>
+            </a:r>
+            <a:endParaRPr lang="en-US" altLang="zh-CN" dirty="0"/>
+          </a:p>
+          <a:p>
+            <a:pPr lvl="1"/>
             <a:r>
               <a:rPr lang="zh-CN" altLang="en-US" dirty="0"/>
-              <a:t>钥、固定公共参数、生</a:t>
-            </a:r>
-            <a:br>
-              <a:rPr lang="en-US" altLang="zh-CN" dirty="0"/>
-            </a:br>
+              <a:t>生成轻量化证明：基本的模下的加运算与指数运算，证明结果有限。</a:t>
+            </a:r>
+            <a:endParaRPr lang="en-US" altLang="zh-CN" dirty="0"/>
+          </a:p>
+          <a:p>
+            <a:pPr lvl="1"/>
             <a:r>
               <a:rPr lang="zh-CN" altLang="en-US" dirty="0"/>
-              <a:t>成的证明、验证结果。</a:t>
+              <a:t>验证证明轻量化：双线性配对的计算高效。</a:t>
             </a:r>
             <a:endParaRPr lang="en-US" altLang="zh-CN" dirty="0"/>
           </a:p>
           <a:p>
+            <a:endParaRPr lang="en-US" altLang="zh-CN" b="1" dirty="0"/>
+          </a:p>
+          <a:p>
             <a:pPr lvl="1"/>
-            <a:r>
-              <a:rPr lang="zh-CN" altLang="en-US" dirty="0"/>
-              <a:t>存储端：加密文件进行</a:t>
-            </a:r>
-            <a:br>
-              <a:rPr lang="en-US" altLang="zh-CN" dirty="0"/>
-            </a:br>
-            <a:r>
-              <a:rPr lang="zh-CN" altLang="en-US" dirty="0"/>
-              <a:t>存储、检索，通过关键</a:t>
-            </a:r>
-            <a:br>
-              <a:rPr lang="en-US" altLang="zh-CN" dirty="0"/>
-            </a:br>
-            <a:r>
-              <a:rPr lang="zh-CN" altLang="en-US" dirty="0"/>
-              <a:t>词进行可验证搜索证明</a:t>
-            </a:r>
-            <a:br>
-              <a:rPr lang="en-US" altLang="zh-CN" dirty="0"/>
-            </a:br>
-            <a:r>
-              <a:rPr lang="zh-CN" altLang="en-US" dirty="0"/>
-              <a:t>的生成以及通过文件</a:t>
-            </a:r>
-            <a:r>
-              <a:rPr lang="en-US" altLang="zh-CN" dirty="0"/>
-              <a:t>ID</a:t>
-            </a:r>
-            <a:br>
-              <a:rPr lang="en-US" altLang="zh-CN" dirty="0"/>
-            </a:br>
-            <a:r>
-              <a:rPr lang="zh-CN" altLang="en-US" dirty="0"/>
-              <a:t>进行完整性证明生成与</a:t>
-            </a:r>
-            <a:br>
-              <a:rPr lang="en-US" altLang="zh-CN" dirty="0"/>
-            </a:br>
-            <a:r>
-              <a:rPr lang="zh-CN" altLang="en-US" dirty="0"/>
-              <a:t>信息上链，以及证明信</a:t>
-            </a:r>
-            <a:br>
-              <a:rPr lang="en-US" altLang="zh-CN" dirty="0"/>
-            </a:br>
-            <a:r>
-              <a:rPr lang="zh-CN" altLang="en-US" dirty="0"/>
-              <a:t>息正确性。</a:t>
-            </a:r>
             <a:endParaRPr lang="en-US" altLang="zh-CN" dirty="0"/>
           </a:p>
         </p:txBody>
@@ -10876,7 +15580,7 @@
                   <a:schemeClr val="bg1"/>
                 </a:solidFill>
               </a:rPr>
-              <a:t>方案概述</a:t>
+              <a:t>技术创新</a:t>
             </a:r>
             <a:r>
               <a:rPr lang="en-US" altLang="zh-CN" sz="2400" dirty="0">
@@ -10892,7 +15596,23 @@
                   <a:schemeClr val="bg1"/>
                 </a:solidFill>
               </a:rPr>
-              <a:t>结构设计</a:t>
+              <a:t>一体化</a:t>
+            </a:r>
+            <a:r>
+              <a:rPr lang="en-US" altLang="zh-CN" sz="2400" dirty="0">
+                <a:solidFill>
+                  <a:schemeClr val="bg1"/>
+                </a:solidFill>
+              </a:rPr>
+              <a:t>+</a:t>
+            </a:r>
+            <a:r>
+              <a:rPr lang="zh-CN" altLang="en-US" sz="2400" dirty="0">
+                <a:solidFill>
+                  <a:schemeClr val="bg1"/>
+                </a:solidFill>
+              </a:rPr>
+              <a:t>轻量化</a:t>
             </a:r>
             <a:endParaRPr lang="zh-CN" altLang="en-US" sz="2400" dirty="0"/>
           </a:p>
@@ -10928,46 +15648,16 @@
           <a:p>
             <a:r>
               <a:rPr lang="en-US" altLang="zh-CN" dirty="0"/>
-              <a:t>6</a:t>
+              <a:t>5</a:t>
             </a:r>
             <a:endParaRPr lang="zh-CN" altLang="en-US" dirty="0"/>
           </a:p>
         </p:txBody>
       </p:sp>
-      <p:pic>
-        <p:nvPicPr>
-          <p:cNvPr id="7" name="图片 6">
-            <a:extLst>
-              <a:ext uri="{FF2B5EF4-FFF2-40B4-BE49-F238E27FC236}">
-                <a16:creationId xmlns:a16="http://schemas.microsoft.com/office/drawing/2014/main" id="{38ECBE42-94D3-E1D6-0993-B25E1D3AE8B9}"/>
-              </a:ext>
-            </a:extLst>
-          </p:cNvPr>
-          <p:cNvPicPr>
-            <a:picLocks noChangeAspect="1"/>
-          </p:cNvPicPr>
-          <p:nvPr/>
-        </p:nvPicPr>
-        <p:blipFill>
-          <a:blip r:embed="rId2"/>
-          <a:stretch>
-            <a:fillRect/>
-          </a:stretch>
-        </p:blipFill>
-        <p:spPr>
-          <a:xfrm>
-            <a:off x="4182659" y="2230432"/>
-            <a:ext cx="4555336" cy="3335797"/>
-          </a:xfrm>
-          <a:prstGeom prst="rect">
-            <a:avLst/>
-          </a:prstGeom>
-        </p:spPr>
-      </p:pic>
     </p:spTree>
     <p:extLst>
       <p:ext uri="{BB962C8B-B14F-4D97-AF65-F5344CB8AC3E}">
-        <p14:creationId xmlns:p14="http://schemas.microsoft.com/office/powerpoint/2010/main" val="974983366"/>
+        <p14:creationId xmlns:p14="http://schemas.microsoft.com/office/powerpoint/2010/main" val="1562108293"/>
       </p:ext>
     </p:extLst>
   </p:cSld>
@@ -11023,1760 +15713,275 @@
           </a:p>
         </p:txBody>
       </p:sp>
-      <mc:AlternateContent xmlns:mc="http://schemas.openxmlformats.org/markup-compatibility/2006">
-        <mc:Choice xmlns:a14="http://schemas.microsoft.com/office/drawing/2010/main" Requires="a14">
-          <p:sp>
-            <p:nvSpPr>
-              <p:cNvPr id="11" name="内容占位符 10">
-                <a:extLst>
-                  <a:ext uri="{FF2B5EF4-FFF2-40B4-BE49-F238E27FC236}">
-                    <a16:creationId xmlns:a16="http://schemas.microsoft.com/office/drawing/2014/main" id="{A13EE26B-CB8B-B743-C433-841589786484}"/>
-                  </a:ext>
-                </a:extLst>
-              </p:cNvPr>
-              <p:cNvSpPr>
-                <a:spLocks noGrp="1"/>
-              </p:cNvSpPr>
-              <p:nvPr>
-                <p:ph idx="1"/>
-              </p:nvPr>
-            </p:nvSpPr>
-            <p:spPr>
-              <a:xfrm>
-                <a:off x="628650" y="1825623"/>
-                <a:ext cx="7886700" cy="5032377"/>
-              </a:xfrm>
-            </p:spPr>
-            <p:txBody>
-              <a:bodyPr>
-                <a:normAutofit lnSpcReduction="10000"/>
-              </a:bodyPr>
-              <a:lstStyle/>
-              <a:p>
-                <a:endParaRPr lang="en-US" altLang="zh-CN" dirty="0"/>
-              </a:p>
-              <a:p>
-                <a:pPr lvl="1"/>
-                <a:endParaRPr lang="en-US" altLang="zh-CN" dirty="0"/>
-              </a:p>
-              <a:p>
-                <a:pPr lvl="1"/>
-                <a:endParaRPr lang="en-US" altLang="zh-CN" dirty="0"/>
-              </a:p>
-              <a:p>
-                <a:pPr marL="457200" lvl="1" indent="0">
-                  <a:buNone/>
-                </a:pPr>
-                <a:endParaRPr lang="en-US" altLang="zh-CN" dirty="0"/>
-              </a:p>
-              <a:p>
-                <a:pPr lvl="1"/>
-                <a:r>
-                  <a:rPr lang="en-US" altLang="zh-CN" dirty="0"/>
-                  <a:t>1.</a:t>
-                </a:r>
-                <a:r>
-                  <a:rPr lang="zh-CN" altLang="en-US" dirty="0"/>
-                  <a:t>输入文件</a:t>
-                </a:r>
-                <a:r>
-                  <a:rPr lang="en-US" altLang="zh-CN" dirty="0"/>
-                  <a:t>(</a:t>
-                </a:r>
-                <a14:m>
-                  <m:oMath xmlns:m="http://schemas.openxmlformats.org/officeDocument/2006/math">
-                    <m:r>
-                      <a:rPr lang="en-US" altLang="zh-CN" b="0" i="1" smtClean="0">
-                        <a:latin typeface="Cambria Math" panose="02040503050406030204" pitchFamily="18" charset="0"/>
-                      </a:rPr>
-                      <m:t>𝐹</m:t>
-                    </m:r>
-                    <m:r>
-                      <a:rPr lang="en-US" altLang="zh-CN" b="0" i="1" smtClean="0">
-                        <a:latin typeface="Cambria Math" panose="02040503050406030204" pitchFamily="18" charset="0"/>
-                      </a:rPr>
-                      <m:t>=</m:t>
-                    </m:r>
-                    <m:sSubSup>
-                      <m:sSubSupPr>
-                        <m:ctrlPr>
-                          <a:rPr lang="en-US" altLang="zh-CN" b="0" i="1" smtClean="0">
-                            <a:latin typeface="Cambria Math" panose="02040503050406030204" pitchFamily="18" charset="0"/>
-                          </a:rPr>
-                        </m:ctrlPr>
-                      </m:sSubSupPr>
-                      <m:e>
-                        <m:d>
-                          <m:dPr>
-                            <m:begChr m:val="{"/>
-                            <m:endChr m:val="}"/>
-                            <m:ctrlPr>
-                              <a:rPr lang="en-US" altLang="zh-CN" b="0" i="1" smtClean="0">
-                                <a:latin typeface="Cambria Math" panose="02040503050406030204" pitchFamily="18" charset="0"/>
-                              </a:rPr>
-                            </m:ctrlPr>
-                          </m:dPr>
-                          <m:e>
-                            <m:sSub>
-                              <m:sSubPr>
-                                <m:ctrlPr>
-                                  <a:rPr lang="en-US" altLang="zh-CN" b="0" i="1" smtClean="0">
-                                    <a:latin typeface="Cambria Math" panose="02040503050406030204" pitchFamily="18" charset="0"/>
-                                  </a:rPr>
-                                </m:ctrlPr>
-                              </m:sSubPr>
-                              <m:e>
-                                <m:r>
-                                  <a:rPr lang="en-US" altLang="zh-CN" b="0" i="1" smtClean="0">
-                                    <a:latin typeface="Cambria Math" panose="02040503050406030204" pitchFamily="18" charset="0"/>
-                                  </a:rPr>
-                                  <m:t>𝑚</m:t>
-                                </m:r>
-                              </m:e>
-                              <m:sub>
-                                <m:r>
-                                  <a:rPr lang="en-US" altLang="zh-CN" b="0" i="1" smtClean="0">
-                                    <a:latin typeface="Cambria Math" panose="02040503050406030204" pitchFamily="18" charset="0"/>
-                                  </a:rPr>
-                                  <m:t>𝑖</m:t>
-                                </m:r>
-                              </m:sub>
-                            </m:sSub>
-                            <m:r>
-                              <a:rPr lang="en-US" altLang="zh-CN" b="0" i="1" smtClean="0">
-                                <a:latin typeface="Cambria Math" panose="02040503050406030204" pitchFamily="18" charset="0"/>
-                              </a:rPr>
-                              <m:t> </m:t>
-                            </m:r>
-                          </m:e>
-                        </m:d>
-                      </m:e>
-                      <m:sub>
-                        <m:r>
-                          <a:rPr lang="en-US" altLang="zh-CN" b="0" i="1" smtClean="0">
-                            <a:latin typeface="Cambria Math" panose="02040503050406030204" pitchFamily="18" charset="0"/>
-                          </a:rPr>
-                          <m:t>𝑖</m:t>
-                        </m:r>
-                        <m:r>
-                          <a:rPr lang="en-US" altLang="zh-CN" b="0" i="1" smtClean="0">
-                            <a:latin typeface="Cambria Math" panose="02040503050406030204" pitchFamily="18" charset="0"/>
-                          </a:rPr>
-                          <m:t>=1</m:t>
-                        </m:r>
-                      </m:sub>
-                      <m:sup>
-                        <m:r>
-                          <a:rPr lang="en-US" altLang="zh-CN" b="0" i="1" smtClean="0">
-                            <a:latin typeface="Cambria Math" panose="02040503050406030204" pitchFamily="18" charset="0"/>
-                          </a:rPr>
-                          <m:t>𝑛</m:t>
-                        </m:r>
-                      </m:sup>
-                    </m:sSubSup>
-                  </m:oMath>
-                </a14:m>
-                <a:r>
-                  <a:rPr lang="en-US" altLang="zh-CN" dirty="0"/>
-                  <a:t>)</a:t>
-                </a:r>
-                <a:r>
-                  <a:rPr lang="zh-CN" altLang="en-US" dirty="0"/>
-                  <a:t>、关键词</a:t>
-                </a:r>
-                <a:r>
-                  <a:rPr lang="en-US" altLang="zh-CN" dirty="0"/>
-                  <a:t>(</a:t>
-                </a:r>
-                <a14:m>
-                  <m:oMath xmlns:m="http://schemas.openxmlformats.org/officeDocument/2006/math">
-                    <m:sSub>
-                      <m:sSubPr>
-                        <m:ctrlPr>
-                          <a:rPr lang="en-US" altLang="zh-CN" b="0" i="1" dirty="0" smtClean="0">
-                            <a:latin typeface="Cambria Math" panose="02040503050406030204" pitchFamily="18" charset="0"/>
-                          </a:rPr>
-                        </m:ctrlPr>
-                      </m:sSubPr>
-                      <m:e>
-                        <m:r>
-                          <m:rPr>
-                            <m:sty m:val="p"/>
-                          </m:rPr>
-                          <a:rPr lang="en-US" altLang="zh-CN" i="1" dirty="0">
-                            <a:latin typeface="Cambria Math" panose="02040503050406030204" pitchFamily="18" charset="0"/>
-                          </a:rPr>
-                          <m:t>w</m:t>
-                        </m:r>
-                      </m:e>
-                      <m:sub>
-                        <m:r>
-                          <a:rPr lang="en-US" altLang="zh-CN" b="0" i="1" dirty="0" smtClean="0">
-                            <a:latin typeface="Cambria Math" panose="02040503050406030204" pitchFamily="18" charset="0"/>
-                          </a:rPr>
-                          <m:t>𝑖</m:t>
-                        </m:r>
-                      </m:sub>
-                    </m:sSub>
-                  </m:oMath>
-                </a14:m>
-                <a:r>
-                  <a:rPr lang="en-US" altLang="zh-CN" dirty="0"/>
-                  <a:t>)</a:t>
-                </a:r>
-                <a:r>
-                  <a:rPr lang="zh-CN" altLang="en-US" dirty="0"/>
-                  <a:t>、客户端私钥</a:t>
-                </a:r>
-                <a14:m>
-                  <m:oMath xmlns:m="http://schemas.openxmlformats.org/officeDocument/2006/math">
-                    <m:r>
-                      <a:rPr lang="en-US" altLang="zh-CN" b="0" i="1" smtClean="0">
-                        <a:latin typeface="Cambria Math" panose="02040503050406030204" pitchFamily="18" charset="0"/>
-                      </a:rPr>
-                      <m:t>𝑆𝐾</m:t>
-                    </m:r>
-                    <m:r>
-                      <a:rPr lang="en-US" altLang="zh-CN" b="0" i="1" smtClean="0">
-                        <a:latin typeface="Cambria Math" panose="02040503050406030204" pitchFamily="18" charset="0"/>
-                      </a:rPr>
-                      <m:t>=</m:t>
-                    </m:r>
-                    <m:d>
-                      <m:dPr>
-                        <m:begChr m:val="{"/>
-                        <m:endChr m:val="}"/>
-                        <m:ctrlPr>
-                          <a:rPr lang="en-US" altLang="zh-CN" b="0" i="1" smtClean="0">
-                            <a:latin typeface="Cambria Math" panose="02040503050406030204" pitchFamily="18" charset="0"/>
-                          </a:rPr>
-                        </m:ctrlPr>
-                      </m:dPr>
-                      <m:e>
-                        <m:r>
-                          <m:rPr>
-                            <m:sty m:val="p"/>
-                          </m:rPr>
-                          <a:rPr lang="en-US" altLang="zh-CN" i="1">
-                            <a:latin typeface="Cambria Math" panose="02040503050406030204" pitchFamily="18" charset="0"/>
-                          </a:rPr>
-                          <m:t>e</m:t>
-                        </m:r>
-                        <m:r>
-                          <a:rPr lang="en-US" altLang="zh-CN" b="0" i="1" smtClean="0">
-                            <a:latin typeface="Cambria Math" panose="02040503050406030204" pitchFamily="18" charset="0"/>
-                          </a:rPr>
-                          <m:t>𝑘</m:t>
-                        </m:r>
-                        <m:r>
-                          <a:rPr lang="en-US" altLang="zh-CN" b="0" i="1" smtClean="0">
-                            <a:latin typeface="Cambria Math" panose="02040503050406030204" pitchFamily="18" charset="0"/>
-                          </a:rPr>
-                          <m:t>,</m:t>
-                        </m:r>
-                        <m:r>
-                          <a:rPr lang="en-US" altLang="zh-CN" b="0" i="1" smtClean="0">
-                            <a:latin typeface="Cambria Math" panose="02040503050406030204" pitchFamily="18" charset="0"/>
-                          </a:rPr>
-                          <m:t>𝑠𝑘</m:t>
-                        </m:r>
-                        <m:r>
-                          <a:rPr lang="en-US" altLang="zh-CN" b="0" i="1" smtClean="0">
-                            <a:latin typeface="Cambria Math" panose="02040503050406030204" pitchFamily="18" charset="0"/>
-                          </a:rPr>
-                          <m:t>,</m:t>
-                        </m:r>
-                        <m:r>
-                          <a:rPr lang="en-US" altLang="zh-CN" b="0" i="1" smtClean="0">
-                            <a:latin typeface="Cambria Math" panose="02040503050406030204" pitchFamily="18" charset="0"/>
-                          </a:rPr>
-                          <m:t>𝑚𝑘</m:t>
-                        </m:r>
-                      </m:e>
-                    </m:d>
-                    <m:r>
-                      <a:rPr lang="en-US" altLang="zh-CN" b="0" i="1" smtClean="0">
-                        <a:latin typeface="Cambria Math" panose="02040503050406030204" pitchFamily="18" charset="0"/>
-                      </a:rPr>
-                      <m:t>.</m:t>
-                    </m:r>
-                  </m:oMath>
-                </a14:m>
-                <a:endParaRPr lang="en-US" altLang="zh-CN" b="0" dirty="0"/>
-              </a:p>
-              <a:p>
-                <a:pPr lvl="1"/>
-                <a:r>
-                  <a:rPr lang="en-US" altLang="zh-CN" dirty="0"/>
-                  <a:t> 2.</a:t>
-                </a:r>
-                <a:r>
-                  <a:rPr lang="zh-CN" altLang="en-US" dirty="0"/>
-                  <a:t>加密：密文</a:t>
-                </a:r>
-                <a14:m>
-                  <m:oMath xmlns:m="http://schemas.openxmlformats.org/officeDocument/2006/math">
-                    <m:r>
-                      <a:rPr lang="zh-CN" altLang="en-US" b="0" i="1">
-                        <a:latin typeface="Cambria Math" panose="02040503050406030204" pitchFamily="18" charset="0"/>
-                      </a:rPr>
-                      <m:t>：</m:t>
-                    </m:r>
-                    <m:sSub>
-                      <m:sSubPr>
-                        <m:ctrlPr>
-                          <a:rPr lang="en-US" altLang="zh-CN" b="0" i="1" smtClean="0">
-                            <a:latin typeface="Cambria Math" panose="02040503050406030204" pitchFamily="18" charset="0"/>
-                          </a:rPr>
-                        </m:ctrlPr>
-                      </m:sSubPr>
-                      <m:e>
-                        <m:r>
-                          <a:rPr lang="en-US" altLang="zh-CN" b="0" i="1" smtClean="0">
-                            <a:latin typeface="Cambria Math" panose="02040503050406030204" pitchFamily="18" charset="0"/>
-                          </a:rPr>
-                          <m:t>𝐶</m:t>
-                        </m:r>
-                      </m:e>
-                      <m:sub>
-                        <m:r>
-                          <a:rPr lang="en-US" altLang="zh-CN" b="0" i="1" smtClean="0">
-                            <a:latin typeface="Cambria Math" panose="02040503050406030204" pitchFamily="18" charset="0"/>
-                          </a:rPr>
-                          <m:t>𝐹</m:t>
-                        </m:r>
-                      </m:sub>
-                    </m:sSub>
-                    <m:r>
-                      <a:rPr lang="en-US" altLang="zh-CN" b="0" i="1" smtClean="0">
-                        <a:latin typeface="Cambria Math" panose="02040503050406030204" pitchFamily="18" charset="0"/>
-                      </a:rPr>
-                      <m:t>=</m:t>
-                    </m:r>
-                    <m:r>
-                      <a:rPr lang="en-US" altLang="zh-CN" b="0" i="1" smtClean="0">
-                        <a:latin typeface="Cambria Math" panose="02040503050406030204" pitchFamily="18" charset="0"/>
-                      </a:rPr>
-                      <m:t>𝑆𝐸</m:t>
-                    </m:r>
-                    <m:r>
-                      <a:rPr lang="en-US" altLang="zh-CN" b="0" i="1" smtClean="0">
-                        <a:latin typeface="Cambria Math" panose="02040503050406030204" pitchFamily="18" charset="0"/>
-                      </a:rPr>
-                      <m:t>.</m:t>
-                    </m:r>
-                    <m:r>
-                      <a:rPr lang="en-US" altLang="zh-CN" b="0" i="1" smtClean="0">
-                        <a:latin typeface="Cambria Math" panose="02040503050406030204" pitchFamily="18" charset="0"/>
-                      </a:rPr>
-                      <m:t>𝐸𝑛𝑐</m:t>
-                    </m:r>
-                    <m:r>
-                      <a:rPr lang="en-US" altLang="zh-CN" b="0" i="1" smtClean="0">
-                        <a:latin typeface="Cambria Math" panose="02040503050406030204" pitchFamily="18" charset="0"/>
-                      </a:rPr>
-                      <m:t>(</m:t>
-                    </m:r>
-                    <m:sSub>
-                      <m:sSubPr>
-                        <m:ctrlPr>
-                          <a:rPr lang="en-US" altLang="zh-CN" b="0" i="1" smtClean="0">
-                            <a:latin typeface="Cambria Math" panose="02040503050406030204" pitchFamily="18" charset="0"/>
-                          </a:rPr>
-                        </m:ctrlPr>
-                      </m:sSubPr>
-                      <m:e>
-                        <m:r>
-                          <a:rPr lang="en-US" altLang="zh-CN" b="0" i="1" smtClean="0">
-                            <a:latin typeface="Cambria Math" panose="02040503050406030204" pitchFamily="18" charset="0"/>
-                          </a:rPr>
-                          <m:t>𝑒</m:t>
-                        </m:r>
-                      </m:e>
-                      <m:sub>
-                        <m:r>
-                          <a:rPr lang="en-US" altLang="zh-CN" b="0" i="1" smtClean="0">
-                            <a:latin typeface="Cambria Math" panose="02040503050406030204" pitchFamily="18" charset="0"/>
-                          </a:rPr>
-                          <m:t>𝑘</m:t>
-                        </m:r>
-                      </m:sub>
-                    </m:sSub>
-                    <m:r>
-                      <a:rPr lang="en-US" altLang="zh-CN" b="0" i="1" smtClean="0">
-                        <a:latin typeface="Cambria Math" panose="02040503050406030204" pitchFamily="18" charset="0"/>
-                      </a:rPr>
-                      <m:t>,</m:t>
-                    </m:r>
-                    <m:sSub>
-                      <m:sSubPr>
-                        <m:ctrlPr>
-                          <a:rPr lang="en-US" altLang="zh-CN" b="0" i="1" smtClean="0">
-                            <a:latin typeface="Cambria Math" panose="02040503050406030204" pitchFamily="18" charset="0"/>
-                          </a:rPr>
-                        </m:ctrlPr>
-                      </m:sSubPr>
-                      <m:e>
-                        <m:r>
-                          <a:rPr lang="en-US" altLang="zh-CN" b="0" i="1" smtClean="0">
-                            <a:latin typeface="Cambria Math" panose="02040503050406030204" pitchFamily="18" charset="0"/>
-                          </a:rPr>
-                          <m:t>𝑚</m:t>
-                        </m:r>
-                      </m:e>
-                      <m:sub>
-                        <m:r>
-                          <a:rPr lang="en-US" altLang="zh-CN" b="0" i="1" smtClean="0">
-                            <a:latin typeface="Cambria Math" panose="02040503050406030204" pitchFamily="18" charset="0"/>
-                          </a:rPr>
-                          <m:t>𝑖</m:t>
-                        </m:r>
-                      </m:sub>
-                    </m:sSub>
-                    <m:r>
-                      <a:rPr lang="en-US" altLang="zh-CN" b="0" i="1" smtClean="0">
-                        <a:latin typeface="Cambria Math" panose="02040503050406030204" pitchFamily="18" charset="0"/>
-                      </a:rPr>
-                      <m:t>)</m:t>
-                    </m:r>
-                  </m:oMath>
-                </a14:m>
-                <a:endParaRPr lang="en-US" altLang="zh-CN" dirty="0"/>
-              </a:p>
-              <a:p>
-                <a:pPr lvl="2"/>
-                <a:r>
-                  <a:rPr lang="en-US" altLang="zh-CN" dirty="0"/>
-                  <a:t>Search Token</a:t>
-                </a:r>
-                <a:r>
-                  <a:rPr lang="zh-CN" altLang="en-US" dirty="0"/>
-                  <a:t>：</a:t>
-                </a:r>
-                <a14:m>
-                  <m:oMath xmlns:m="http://schemas.openxmlformats.org/officeDocument/2006/math">
-                    <m:sSub>
-                      <m:sSubPr>
-                        <m:ctrlPr>
-                          <a:rPr lang="en-US" altLang="zh-CN" b="0" i="1" dirty="0" smtClean="0">
-                            <a:latin typeface="Cambria Math" panose="02040503050406030204" pitchFamily="18" charset="0"/>
-                          </a:rPr>
-                        </m:ctrlPr>
-                      </m:sSubPr>
-                      <m:e>
-                        <m:r>
-                          <m:rPr>
-                            <m:sty m:val="p"/>
-                          </m:rPr>
-                          <a:rPr lang="en-US" altLang="zh-CN" i="1" dirty="0">
-                            <a:latin typeface="Cambria Math" panose="02040503050406030204" pitchFamily="18" charset="0"/>
-                          </a:rPr>
-                          <m:t>T</m:t>
-                        </m:r>
-                      </m:e>
-                      <m:sub>
-                        <m:r>
-                          <a:rPr lang="en-US" altLang="zh-CN" b="0" i="1" dirty="0" smtClean="0">
-                            <a:latin typeface="Cambria Math" panose="02040503050406030204" pitchFamily="18" charset="0"/>
-                          </a:rPr>
-                          <m:t>𝑖</m:t>
-                        </m:r>
-                      </m:sub>
-                    </m:sSub>
-                    <m:r>
-                      <a:rPr lang="en-US" altLang="zh-CN" b="0" i="1" dirty="0" smtClean="0">
-                        <a:latin typeface="Cambria Math" panose="02040503050406030204" pitchFamily="18" charset="0"/>
-                      </a:rPr>
-                      <m:t>=</m:t>
-                    </m:r>
-                    <m:r>
-                      <m:rPr>
-                        <m:sty m:val="p"/>
-                      </m:rPr>
-                      <a:rPr lang="en-US" altLang="zh-CN" i="1" dirty="0">
-                        <a:latin typeface="Cambria Math" panose="02040503050406030204" pitchFamily="18" charset="0"/>
-                      </a:rPr>
-                      <m:t>SE</m:t>
-                    </m:r>
-                    <m:r>
-                      <a:rPr lang="en-US" altLang="zh-CN" b="0" i="0" dirty="0" smtClean="0">
-                        <a:latin typeface="Cambria Math" panose="02040503050406030204" pitchFamily="18" charset="0"/>
-                      </a:rPr>
-                      <m:t>.</m:t>
-                    </m:r>
-                    <m:r>
-                      <m:rPr>
-                        <m:sty m:val="p"/>
-                      </m:rPr>
-                      <a:rPr lang="en-US" altLang="zh-CN" b="0" i="0" dirty="0" smtClean="0">
-                        <a:latin typeface="Cambria Math" panose="02040503050406030204" pitchFamily="18" charset="0"/>
-                      </a:rPr>
-                      <m:t>Enc</m:t>
-                    </m:r>
-                    <m:d>
-                      <m:dPr>
-                        <m:ctrlPr>
-                          <a:rPr lang="en-US" altLang="zh-CN" b="0" i="0" dirty="0" smtClean="0">
-                            <a:latin typeface="Cambria Math" panose="02040503050406030204" pitchFamily="18" charset="0"/>
-                          </a:rPr>
-                        </m:ctrlPr>
-                      </m:dPr>
-                      <m:e>
-                        <m:r>
-                          <m:rPr>
-                            <m:sty m:val="p"/>
-                          </m:rPr>
-                          <a:rPr lang="en-US" altLang="zh-CN" b="0" i="0" dirty="0" smtClean="0">
-                            <a:latin typeface="Cambria Math" panose="02040503050406030204" pitchFamily="18" charset="0"/>
-                          </a:rPr>
-                          <m:t>mk</m:t>
-                        </m:r>
-                        <m:r>
-                          <a:rPr lang="en-US" altLang="zh-CN" b="0" i="0" dirty="0" smtClean="0">
-                            <a:latin typeface="Cambria Math" panose="02040503050406030204" pitchFamily="18" charset="0"/>
-                          </a:rPr>
-                          <m:t>,</m:t>
-                        </m:r>
-                        <m:sSub>
-                          <m:sSubPr>
-                            <m:ctrlPr>
-                              <a:rPr lang="en-US" altLang="zh-CN" b="0" i="0" dirty="0" smtClean="0">
-                                <a:latin typeface="Cambria Math" panose="02040503050406030204" pitchFamily="18" charset="0"/>
-                              </a:rPr>
-                            </m:ctrlPr>
-                          </m:sSubPr>
-                          <m:e>
-                            <m:r>
-                              <m:rPr>
-                                <m:sty m:val="p"/>
-                              </m:rPr>
-                              <a:rPr lang="en-US" altLang="zh-CN" b="0" i="0" dirty="0" smtClean="0">
-                                <a:latin typeface="Cambria Math" panose="02040503050406030204" pitchFamily="18" charset="0"/>
-                              </a:rPr>
-                              <m:t>w</m:t>
-                            </m:r>
-                          </m:e>
-                          <m:sub>
-                            <m:r>
-                              <m:rPr>
-                                <m:sty m:val="p"/>
-                              </m:rPr>
-                              <a:rPr lang="en-US" altLang="zh-CN" b="0" i="0" dirty="0" smtClean="0">
-                                <a:latin typeface="Cambria Math" panose="02040503050406030204" pitchFamily="18" charset="0"/>
-                              </a:rPr>
-                              <m:t>i</m:t>
-                            </m:r>
-                          </m:sub>
-                        </m:sSub>
-                      </m:e>
-                    </m:d>
-                  </m:oMath>
-                </a14:m>
-                <a:endParaRPr lang="en-US" altLang="zh-CN" b="0" dirty="0"/>
-              </a:p>
-              <a:p>
-                <a:pPr lvl="2"/>
-                <a:r>
-                  <a:rPr lang="en-US" altLang="zh-CN" dirty="0"/>
-                  <a:t>State Associated Token:</a:t>
-                </a:r>
-                <a:r>
-                  <a:rPr lang="zh-CN" altLang="en-US" dirty="0"/>
-                  <a:t> </a:t>
-                </a:r>
-                <a14:m>
-                  <m:oMath xmlns:m="http://schemas.openxmlformats.org/officeDocument/2006/math">
-                    <m:acc>
-                      <m:accPr>
-                        <m:chr m:val="̅"/>
-                        <m:ctrlPr>
-                          <a:rPr lang="en-US" altLang="zh-CN" b="0" i="1" smtClean="0">
-                            <a:latin typeface="Cambria Math" panose="02040503050406030204" pitchFamily="18" charset="0"/>
-                          </a:rPr>
-                        </m:ctrlPr>
-                      </m:accPr>
-                      <m:e>
-                        <m:sSub>
-                          <m:sSubPr>
-                            <m:ctrlPr>
-                              <a:rPr lang="en-US" altLang="zh-CN" b="0" i="1" smtClean="0">
-                                <a:latin typeface="Cambria Math" panose="02040503050406030204" pitchFamily="18" charset="0"/>
-                              </a:rPr>
-                            </m:ctrlPr>
-                          </m:sSubPr>
-                          <m:e>
-                            <m:r>
-                              <a:rPr lang="en-US" altLang="zh-CN" b="0" i="1" smtClean="0">
-                                <a:latin typeface="Cambria Math" panose="02040503050406030204" pitchFamily="18" charset="0"/>
-                              </a:rPr>
-                              <m:t>𝑇</m:t>
-                            </m:r>
-                          </m:e>
-                          <m:sub>
-                            <m:r>
-                              <a:rPr lang="en-US" altLang="zh-CN" b="0" i="1" smtClean="0">
-                                <a:latin typeface="Cambria Math" panose="02040503050406030204" pitchFamily="18" charset="0"/>
-                              </a:rPr>
-                              <m:t>𝑖</m:t>
-                            </m:r>
-                          </m:sub>
-                        </m:sSub>
-                      </m:e>
-                    </m:acc>
-                    <m:r>
-                      <a:rPr lang="en-US" altLang="zh-CN" b="0" i="1" smtClean="0">
-                        <a:latin typeface="Cambria Math" panose="02040503050406030204" pitchFamily="18" charset="0"/>
-                      </a:rPr>
-                      <m:t>=</m:t>
-                    </m:r>
-                    <m:sSub>
-                      <m:sSubPr>
-                        <m:ctrlPr>
-                          <a:rPr lang="en-US" altLang="zh-CN" b="0" i="1" smtClean="0">
-                            <a:latin typeface="Cambria Math" panose="02040503050406030204" pitchFamily="18" charset="0"/>
-                          </a:rPr>
-                        </m:ctrlPr>
-                      </m:sSubPr>
-                      <m:e>
-                        <m:r>
-                          <a:rPr lang="en-US" altLang="zh-CN" b="0" i="1" smtClean="0">
-                            <a:latin typeface="Cambria Math" panose="02040503050406030204" pitchFamily="18" charset="0"/>
-                          </a:rPr>
-                          <m:t>𝐻</m:t>
-                        </m:r>
-                      </m:e>
-                      <m:sub>
-                        <m:r>
-                          <a:rPr lang="en-US" altLang="zh-CN" b="0" i="1" smtClean="0">
-                            <a:latin typeface="Cambria Math" panose="02040503050406030204" pitchFamily="18" charset="0"/>
-                          </a:rPr>
-                          <m:t>2</m:t>
-                        </m:r>
-                      </m:sub>
-                    </m:sSub>
-                    <m:d>
-                      <m:dPr>
-                        <m:ctrlPr>
-                          <a:rPr lang="en-US" altLang="zh-CN" b="0" i="1" smtClean="0">
-                            <a:latin typeface="Cambria Math" panose="02040503050406030204" pitchFamily="18" charset="0"/>
-                          </a:rPr>
-                        </m:ctrlPr>
-                      </m:dPr>
-                      <m:e>
-                        <m:sSub>
-                          <m:sSubPr>
-                            <m:ctrlPr>
-                              <a:rPr lang="en-US" altLang="zh-CN" b="0" i="1" smtClean="0">
-                                <a:latin typeface="Cambria Math" panose="02040503050406030204" pitchFamily="18" charset="0"/>
-                              </a:rPr>
-                            </m:ctrlPr>
-                          </m:sSubPr>
-                          <m:e>
-                            <m:r>
-                              <a:rPr lang="en-US" altLang="zh-CN" b="0" i="1" smtClean="0">
-                                <a:latin typeface="Cambria Math" panose="02040503050406030204" pitchFamily="18" charset="0"/>
-                              </a:rPr>
-                              <m:t>𝑇</m:t>
-                            </m:r>
-                          </m:e>
-                          <m:sub>
-                            <m:r>
-                              <a:rPr lang="en-US" altLang="zh-CN" b="0" i="1" smtClean="0">
-                                <a:latin typeface="Cambria Math" panose="02040503050406030204" pitchFamily="18" charset="0"/>
-                              </a:rPr>
-                              <m:t>𝑖</m:t>
-                            </m:r>
-                          </m:sub>
-                        </m:sSub>
-                        <m:r>
-                          <a:rPr lang="en-US" altLang="zh-CN" b="0" i="1" smtClean="0">
-                            <a:latin typeface="Cambria Math" panose="02040503050406030204" pitchFamily="18" charset="0"/>
-                          </a:rPr>
-                          <m:t>+</m:t>
-                        </m:r>
-                        <m:r>
-                          <a:rPr lang="en-US" altLang="zh-CN" b="0" i="1" smtClean="0">
-                            <a:latin typeface="Cambria Math" panose="02040503050406030204" pitchFamily="18" charset="0"/>
-                          </a:rPr>
-                          <m:t>𝑠</m:t>
-                        </m:r>
-                        <m:sSub>
-                          <m:sSubPr>
-                            <m:ctrlPr>
-                              <a:rPr lang="en-US" altLang="zh-CN" b="0" i="1" smtClean="0">
-                                <a:latin typeface="Cambria Math" panose="02040503050406030204" pitchFamily="18" charset="0"/>
-                              </a:rPr>
-                            </m:ctrlPr>
-                          </m:sSubPr>
-                          <m:e>
-                            <m:r>
-                              <a:rPr lang="en-US" altLang="zh-CN" b="0" i="1" smtClean="0">
-                                <a:latin typeface="Cambria Math" panose="02040503050406030204" pitchFamily="18" charset="0"/>
-                              </a:rPr>
-                              <m:t>𝑡</m:t>
-                            </m:r>
-                          </m:e>
-                          <m:sub>
-                            <m:r>
-                              <a:rPr lang="en-US" altLang="zh-CN" b="0" i="1" smtClean="0">
-                                <a:latin typeface="Cambria Math" panose="02040503050406030204" pitchFamily="18" charset="0"/>
-                              </a:rPr>
-                              <m:t>𝑖</m:t>
-                            </m:r>
-                          </m:sub>
-                        </m:sSub>
-                      </m:e>
-                    </m:d>
-                  </m:oMath>
-                </a14:m>
-                <a:endParaRPr lang="en-US" altLang="zh-CN" b="0" dirty="0"/>
-              </a:p>
-              <a:p>
-                <a:pPr lvl="2"/>
-                <a:r>
-                  <a:rPr lang="zh-CN" altLang="en-US" dirty="0"/>
-                  <a:t>认证标签集合</a:t>
-                </a:r>
-                <a:r>
-                  <a:rPr lang="en-US" altLang="zh-CN" dirty="0"/>
-                  <a:t>: </a:t>
-                </a:r>
-                <a14:m>
-                  <m:oMath xmlns:m="http://schemas.openxmlformats.org/officeDocument/2006/math">
-                    <m:r>
-                      <m:rPr>
-                        <m:sty m:val="p"/>
-                      </m:rPr>
-                      <a:rPr lang="en-US" altLang="zh-CN" i="1" dirty="0">
-                        <a:latin typeface="Cambria Math" panose="02040503050406030204" pitchFamily="18" charset="0"/>
-                      </a:rPr>
-                      <m:t>T</m:t>
-                    </m:r>
-                    <m:sSub>
-                      <m:sSubPr>
-                        <m:ctrlPr>
-                          <a:rPr lang="en-US" altLang="zh-CN" b="0" i="1" dirty="0" smtClean="0">
-                            <a:latin typeface="Cambria Math" panose="02040503050406030204" pitchFamily="18" charset="0"/>
-                          </a:rPr>
-                        </m:ctrlPr>
-                      </m:sSubPr>
-                      <m:e>
-                        <m:r>
-                          <a:rPr lang="en-US" altLang="zh-CN" b="0" i="1" dirty="0" smtClean="0">
-                            <a:latin typeface="Cambria Math" panose="02040503050406030204" pitchFamily="18" charset="0"/>
-                          </a:rPr>
-                          <m:t>𝑆</m:t>
-                        </m:r>
-                      </m:e>
-                      <m:sub>
-                        <m:r>
-                          <a:rPr lang="en-US" altLang="zh-CN" b="0" i="1" dirty="0" smtClean="0">
-                            <a:latin typeface="Cambria Math" panose="02040503050406030204" pitchFamily="18" charset="0"/>
-                          </a:rPr>
-                          <m:t>𝐹</m:t>
-                        </m:r>
-                      </m:sub>
-                    </m:sSub>
-                    <m:r>
-                      <a:rPr lang="en-US" altLang="zh-CN" b="0" i="1" dirty="0" smtClean="0">
-                        <a:latin typeface="Cambria Math" panose="02040503050406030204" pitchFamily="18" charset="0"/>
-                      </a:rPr>
-                      <m:t>=</m:t>
-                    </m:r>
-                    <m:sSubSup>
-                      <m:sSubSupPr>
-                        <m:ctrlPr>
-                          <a:rPr lang="en-US" altLang="zh-CN" b="0" i="1" dirty="0" smtClean="0">
-                            <a:latin typeface="Cambria Math" panose="02040503050406030204" pitchFamily="18" charset="0"/>
-                          </a:rPr>
-                        </m:ctrlPr>
-                      </m:sSubSupPr>
-                      <m:e>
-                        <m:d>
-                          <m:dPr>
-                            <m:begChr m:val="{"/>
-                            <m:endChr m:val="}"/>
-                            <m:ctrlPr>
-                              <a:rPr lang="en-US" altLang="zh-CN" b="0" i="1" dirty="0" smtClean="0">
-                                <a:latin typeface="Cambria Math" panose="02040503050406030204" pitchFamily="18" charset="0"/>
-                              </a:rPr>
-                            </m:ctrlPr>
-                          </m:dPr>
-                          <m:e>
-                            <m:sSup>
-                              <m:sSupPr>
-                                <m:ctrlPr>
-                                  <a:rPr lang="en-US" altLang="zh-CN" b="0" i="1" dirty="0" smtClean="0">
-                                    <a:latin typeface="Cambria Math" panose="02040503050406030204" pitchFamily="18" charset="0"/>
-                                  </a:rPr>
-                                </m:ctrlPr>
-                              </m:sSupPr>
-                              <m:e>
-                                <m:r>
-                                  <a:rPr lang="en-US" altLang="zh-CN" b="0" i="1" dirty="0" smtClean="0">
-                                    <a:latin typeface="Cambria Math" panose="02040503050406030204" pitchFamily="18" charset="0"/>
-                                  </a:rPr>
-                                  <m:t>{</m:t>
-                                </m:r>
-                                <m:sSub>
-                                  <m:sSubPr>
-                                    <m:ctrlPr>
-                                      <a:rPr lang="en-US" altLang="zh-CN" b="0" i="1" dirty="0" smtClean="0">
-                                        <a:latin typeface="Cambria Math" panose="02040503050406030204" pitchFamily="18" charset="0"/>
-                                      </a:rPr>
-                                    </m:ctrlPr>
-                                  </m:sSubPr>
-                                  <m:e>
-                                    <m:r>
-                                      <a:rPr lang="en-US" altLang="zh-CN" b="0" i="1" dirty="0" smtClean="0">
-                                        <a:latin typeface="Cambria Math" panose="02040503050406030204" pitchFamily="18" charset="0"/>
-                                      </a:rPr>
-                                      <m:t>𝐻</m:t>
-                                    </m:r>
-                                  </m:e>
-                                  <m:sub>
-                                    <m:r>
-                                      <a:rPr lang="en-US" altLang="zh-CN" b="0" i="1" dirty="0" smtClean="0">
-                                        <a:latin typeface="Cambria Math" panose="02040503050406030204" pitchFamily="18" charset="0"/>
-                                      </a:rPr>
-                                      <m:t>2</m:t>
-                                    </m:r>
-                                  </m:sub>
-                                </m:sSub>
-                                <m:d>
-                                  <m:dPr>
-                                    <m:ctrlPr>
-                                      <a:rPr lang="en-US" altLang="zh-CN" b="0" i="1" dirty="0" smtClean="0">
-                                        <a:latin typeface="Cambria Math" panose="02040503050406030204" pitchFamily="18" charset="0"/>
-                                      </a:rPr>
-                                    </m:ctrlPr>
-                                  </m:dPr>
-                                  <m:e>
-                                    <m:r>
-                                      <a:rPr lang="en-US" altLang="zh-CN" b="0" i="1" dirty="0" smtClean="0">
-                                        <a:latin typeface="Cambria Math" panose="02040503050406030204" pitchFamily="18" charset="0"/>
-                                      </a:rPr>
-                                      <m:t>𝐼</m:t>
-                                    </m:r>
-                                    <m:sSub>
-                                      <m:sSubPr>
-                                        <m:ctrlPr>
-                                          <a:rPr lang="en-US" altLang="zh-CN" b="0" i="1" dirty="0" smtClean="0">
-                                            <a:latin typeface="Cambria Math" panose="02040503050406030204" pitchFamily="18" charset="0"/>
-                                          </a:rPr>
-                                        </m:ctrlPr>
-                                      </m:sSubPr>
-                                      <m:e>
-                                        <m:r>
-                                          <a:rPr lang="en-US" altLang="zh-CN" b="0" i="1" dirty="0" smtClean="0">
-                                            <a:latin typeface="Cambria Math" panose="02040503050406030204" pitchFamily="18" charset="0"/>
-                                          </a:rPr>
-                                          <m:t>𝐷</m:t>
-                                        </m:r>
-                                      </m:e>
-                                      <m:sub>
-                                        <m:r>
-                                          <a:rPr lang="en-US" altLang="zh-CN" b="0" i="1" dirty="0" smtClean="0">
-                                            <a:latin typeface="Cambria Math" panose="02040503050406030204" pitchFamily="18" charset="0"/>
-                                          </a:rPr>
-                                          <m:t>𝐹</m:t>
-                                        </m:r>
-                                      </m:sub>
-                                    </m:sSub>
-                                    <m:r>
-                                      <a:rPr lang="en-US" altLang="zh-CN" b="0" i="1" dirty="0" smtClean="0">
-                                        <a:latin typeface="Cambria Math" panose="02040503050406030204" pitchFamily="18" charset="0"/>
-                                      </a:rPr>
-                                      <m:t>+</m:t>
-                                    </m:r>
-                                    <m:r>
-                                      <a:rPr lang="en-US" altLang="zh-CN" b="0" i="1" dirty="0" smtClean="0">
-                                        <a:latin typeface="Cambria Math" panose="02040503050406030204" pitchFamily="18" charset="0"/>
-                                      </a:rPr>
-                                      <m:t>𝑖</m:t>
-                                    </m:r>
-                                  </m:e>
-                                </m:d>
-                                <m:r>
-                                  <a:rPr lang="en-US" altLang="zh-CN" b="0" i="1" dirty="0" smtClean="0">
-                                    <a:latin typeface="Cambria Math" panose="02040503050406030204" pitchFamily="18" charset="0"/>
-                                  </a:rPr>
-                                  <m:t>∗</m:t>
-                                </m:r>
-                                <m:nary>
-                                  <m:naryPr>
-                                    <m:chr m:val="∏"/>
-                                    <m:ctrlPr>
-                                      <a:rPr lang="en-US" altLang="zh-CN" b="0" i="1" dirty="0" smtClean="0">
-                                        <a:latin typeface="Cambria Math" panose="02040503050406030204" pitchFamily="18" charset="0"/>
-                                      </a:rPr>
-                                    </m:ctrlPr>
-                                  </m:naryPr>
-                                  <m:sub>
-                                    <m:r>
-                                      <a:rPr lang="en-US" altLang="zh-CN" b="0" i="1" dirty="0" smtClean="0">
-                                        <a:latin typeface="Cambria Math" panose="02040503050406030204" pitchFamily="18" charset="0"/>
-                                      </a:rPr>
-                                      <m:t>𝑗</m:t>
-                                    </m:r>
-                                    <m:r>
-                                      <a:rPr lang="en-US" altLang="zh-CN" b="0" i="1" dirty="0" smtClean="0">
-                                        <a:latin typeface="Cambria Math" panose="02040503050406030204" pitchFamily="18" charset="0"/>
-                                      </a:rPr>
-                                      <m:t>=1</m:t>
-                                    </m:r>
-                                  </m:sub>
-                                  <m:sup>
-                                    <m:r>
-                                      <a:rPr lang="en-US" altLang="zh-CN" b="0" i="1" dirty="0" smtClean="0">
-                                        <a:latin typeface="Cambria Math" panose="02040503050406030204" pitchFamily="18" charset="0"/>
-                                      </a:rPr>
-                                      <m:t>𝑠</m:t>
-                                    </m:r>
-                                  </m:sup>
-                                  <m:e>
-                                    <m:sSup>
-                                      <m:sSupPr>
-                                        <m:ctrlPr>
-                                          <a:rPr lang="en-US" altLang="zh-CN" b="0" i="1" dirty="0" smtClean="0">
-                                            <a:latin typeface="Cambria Math" panose="02040503050406030204" pitchFamily="18" charset="0"/>
-                                          </a:rPr>
-                                        </m:ctrlPr>
-                                      </m:sSupPr>
-                                      <m:e>
-                                        <m:r>
-                                          <a:rPr lang="en-US" altLang="zh-CN" b="0" i="1" dirty="0" smtClean="0">
-                                            <a:latin typeface="Cambria Math" panose="02040503050406030204" pitchFamily="18" charset="0"/>
-                                          </a:rPr>
-                                          <m:t>𝜇</m:t>
-                                        </m:r>
-                                      </m:e>
-                                      <m:sup>
-                                        <m:sSub>
-                                          <m:sSubPr>
-                                            <m:ctrlPr>
-                                              <a:rPr lang="en-US" altLang="zh-CN" b="0" i="1" dirty="0" smtClean="0">
-                                                <a:latin typeface="Cambria Math" panose="02040503050406030204" pitchFamily="18" charset="0"/>
-                                              </a:rPr>
-                                            </m:ctrlPr>
-                                          </m:sSubPr>
-                                          <m:e>
-                                            <m:r>
-                                              <a:rPr lang="en-US" altLang="zh-CN" b="0" i="1" dirty="0" smtClean="0">
-                                                <a:latin typeface="Cambria Math" panose="02040503050406030204" pitchFamily="18" charset="0"/>
-                                              </a:rPr>
-                                              <m:t>𝑐</m:t>
-                                            </m:r>
-                                          </m:e>
-                                          <m:sub>
-                                            <m:r>
-                                              <a:rPr lang="en-US" altLang="zh-CN" b="0" i="1" dirty="0" smtClean="0">
-                                                <a:latin typeface="Cambria Math" panose="02040503050406030204" pitchFamily="18" charset="0"/>
-                                              </a:rPr>
-                                              <m:t>𝑖</m:t>
-                                            </m:r>
-                                            <m:r>
-                                              <a:rPr lang="en-US" altLang="zh-CN" b="0" i="1" dirty="0" smtClean="0">
-                                                <a:latin typeface="Cambria Math" panose="02040503050406030204" pitchFamily="18" charset="0"/>
-                                              </a:rPr>
-                                              <m:t>,</m:t>
-                                            </m:r>
-                                            <m:r>
-                                              <a:rPr lang="en-US" altLang="zh-CN" b="0" i="1" dirty="0" smtClean="0">
-                                                <a:latin typeface="Cambria Math" panose="02040503050406030204" pitchFamily="18" charset="0"/>
-                                              </a:rPr>
-                                              <m:t>𝑗</m:t>
-                                            </m:r>
-                                          </m:sub>
-                                        </m:sSub>
-                                      </m:sup>
-                                    </m:sSup>
-                                  </m:e>
-                                </m:nary>
-                                <m:r>
-                                  <a:rPr lang="en-US" altLang="zh-CN" b="0" i="1" dirty="0" smtClean="0">
-                                    <a:latin typeface="Cambria Math" panose="02040503050406030204" pitchFamily="18" charset="0"/>
-                                  </a:rPr>
-                                  <m:t>}</m:t>
-                                </m:r>
-                              </m:e>
-                              <m:sup>
-                                <m:r>
-                                  <a:rPr lang="en-US" altLang="zh-CN" b="0" i="1" dirty="0" smtClean="0">
-                                    <a:latin typeface="Cambria Math" panose="02040503050406030204" pitchFamily="18" charset="0"/>
-                                  </a:rPr>
-                                  <m:t>𝑠𝑘</m:t>
-                                </m:r>
-                              </m:sup>
-                            </m:sSup>
-                          </m:e>
-                        </m:d>
-                      </m:e>
-                      <m:sub>
-                        <m:r>
-                          <a:rPr lang="en-US" altLang="zh-CN" b="0" i="1" dirty="0" smtClean="0">
-                            <a:latin typeface="Cambria Math" panose="02040503050406030204" pitchFamily="18" charset="0"/>
-                          </a:rPr>
-                          <m:t>𝑖</m:t>
-                        </m:r>
-                      </m:sub>
-                      <m:sup>
-                        <m:r>
-                          <a:rPr lang="en-US" altLang="zh-CN" b="0" i="1" dirty="0" smtClean="0">
-                            <a:latin typeface="Cambria Math" panose="02040503050406030204" pitchFamily="18" charset="0"/>
-                          </a:rPr>
-                          <m:t>𝑛</m:t>
-                        </m:r>
-                      </m:sup>
-                    </m:sSubSup>
-                    <m:r>
-                      <a:rPr lang="en-US" altLang="zh-CN" b="0" i="1" dirty="0" smtClean="0">
-                        <a:latin typeface="Cambria Math" panose="02040503050406030204" pitchFamily="18" charset="0"/>
-                      </a:rPr>
-                      <m:t> </m:t>
-                    </m:r>
-                  </m:oMath>
-                </a14:m>
-                <a:endParaRPr lang="en-US" altLang="zh-CN" dirty="0"/>
-              </a:p>
-              <a:p>
-                <a:pPr lvl="2"/>
-                <a:r>
-                  <a:rPr lang="en-US" altLang="zh-CN" dirty="0"/>
-                  <a:t>Keyword associated tag:</a:t>
-                </a:r>
-              </a:p>
-              <a:p>
-                <a:pPr lvl="3"/>
-                <a:r>
-                  <a:rPr lang="zh-CN" altLang="en-US" dirty="0"/>
-                  <a:t>关键词无前一个状态：</a:t>
-                </a:r>
-                <a14:m>
-                  <m:oMath xmlns:m="http://schemas.openxmlformats.org/officeDocument/2006/math">
-                    <m:r>
-                      <a:rPr lang="en-US" altLang="zh-CN" b="0" i="1" smtClean="0">
-                        <a:latin typeface="Cambria Math" panose="02040503050406030204" pitchFamily="18" charset="0"/>
-                      </a:rPr>
-                      <m:t>𝑘</m:t>
-                    </m:r>
-                    <m:sSup>
-                      <m:sSupPr>
-                        <m:ctrlPr>
-                          <a:rPr lang="en-US" altLang="zh-CN" b="0" i="1" smtClean="0">
-                            <a:latin typeface="Cambria Math" panose="02040503050406030204" pitchFamily="18" charset="0"/>
-                          </a:rPr>
-                        </m:ctrlPr>
-                      </m:sSupPr>
-                      <m:e>
-                        <m:r>
-                          <a:rPr lang="en-US" altLang="zh-CN" b="0" i="1" smtClean="0">
-                            <a:latin typeface="Cambria Math" panose="02040503050406030204" pitchFamily="18" charset="0"/>
-                          </a:rPr>
-                          <m:t>𝑡</m:t>
-                        </m:r>
-                      </m:e>
-                      <m:sup>
-                        <m:d>
-                          <m:dPr>
-                            <m:ctrlPr>
-                              <a:rPr lang="en-US" altLang="zh-CN" b="0" i="1" smtClean="0">
-                                <a:latin typeface="Cambria Math" panose="02040503050406030204" pitchFamily="18" charset="0"/>
-                              </a:rPr>
-                            </m:ctrlPr>
-                          </m:dPr>
-                          <m:e>
-                            <m:r>
-                              <a:rPr lang="en-US" altLang="zh-CN" b="0" i="1" smtClean="0">
-                                <a:latin typeface="Cambria Math" panose="02040503050406030204" pitchFamily="18" charset="0"/>
-                              </a:rPr>
-                              <m:t>𝑤𝑖</m:t>
-                            </m:r>
-                          </m:e>
-                        </m:d>
-                      </m:sup>
-                    </m:sSup>
-                    <m:r>
-                      <a:rPr lang="en-US" altLang="zh-CN" b="0" i="1" smtClean="0">
-                        <a:latin typeface="Cambria Math" panose="02040503050406030204" pitchFamily="18" charset="0"/>
-                      </a:rPr>
-                      <m:t>=</m:t>
-                    </m:r>
-                    <m:sSup>
-                      <m:sSupPr>
-                        <m:ctrlPr>
-                          <a:rPr lang="en-US" altLang="zh-CN" b="0" i="1" smtClean="0">
-                            <a:latin typeface="Cambria Math" panose="02040503050406030204" pitchFamily="18" charset="0"/>
-                          </a:rPr>
-                        </m:ctrlPr>
-                      </m:sSupPr>
-                      <m:e>
-                        <m:d>
-                          <m:dPr>
-                            <m:begChr m:val="["/>
-                            <m:endChr m:val="]"/>
-                            <m:ctrlPr>
-                              <a:rPr lang="en-US" altLang="zh-CN" b="0" i="1" smtClean="0">
-                                <a:latin typeface="Cambria Math" panose="02040503050406030204" pitchFamily="18" charset="0"/>
-                              </a:rPr>
-                            </m:ctrlPr>
-                          </m:dPr>
-                          <m:e>
-                            <m:sSub>
-                              <m:sSubPr>
-                                <m:ctrlPr>
-                                  <a:rPr lang="en-US" altLang="zh-CN" b="0" i="1" smtClean="0">
-                                    <a:latin typeface="Cambria Math" panose="02040503050406030204" pitchFamily="18" charset="0"/>
-                                  </a:rPr>
-                                </m:ctrlPr>
-                              </m:sSubPr>
-                              <m:e>
-                                <m:r>
-                                  <a:rPr lang="en-US" altLang="zh-CN" b="0" i="1" smtClean="0">
-                                    <a:latin typeface="Cambria Math" panose="02040503050406030204" pitchFamily="18" charset="0"/>
-                                  </a:rPr>
-                                  <m:t>𝐻</m:t>
-                                </m:r>
-                              </m:e>
-                              <m:sub>
-                                <m:r>
-                                  <a:rPr lang="en-US" altLang="zh-CN" b="0" i="1" smtClean="0">
-                                    <a:latin typeface="Cambria Math" panose="02040503050406030204" pitchFamily="18" charset="0"/>
-                                  </a:rPr>
-                                  <m:t>2</m:t>
-                                </m:r>
-                              </m:sub>
-                            </m:sSub>
-                            <m:d>
-                              <m:dPr>
-                                <m:ctrlPr>
-                                  <a:rPr lang="en-US" altLang="zh-CN" b="0" i="1" smtClean="0">
-                                    <a:latin typeface="Cambria Math" panose="02040503050406030204" pitchFamily="18" charset="0"/>
-                                  </a:rPr>
-                                </m:ctrlPr>
-                              </m:dPr>
-                              <m:e>
-                                <m:r>
-                                  <a:rPr lang="en-US" altLang="zh-CN" b="0" i="1" smtClean="0">
-                                    <a:latin typeface="Cambria Math" panose="02040503050406030204" pitchFamily="18" charset="0"/>
-                                  </a:rPr>
-                                  <m:t>𝐼</m:t>
-                                </m:r>
-                                <m:sSub>
-                                  <m:sSubPr>
-                                    <m:ctrlPr>
-                                      <a:rPr lang="en-US" altLang="zh-CN" b="0" i="1" smtClean="0">
-                                        <a:latin typeface="Cambria Math" panose="02040503050406030204" pitchFamily="18" charset="0"/>
-                                      </a:rPr>
-                                    </m:ctrlPr>
-                                  </m:sSubPr>
-                                  <m:e>
-                                    <m:r>
-                                      <a:rPr lang="en-US" altLang="zh-CN" b="0" i="1" smtClean="0">
-                                        <a:latin typeface="Cambria Math" panose="02040503050406030204" pitchFamily="18" charset="0"/>
-                                      </a:rPr>
-                                      <m:t>𝐷</m:t>
-                                    </m:r>
-                                  </m:e>
-                                  <m:sub>
-                                    <m:r>
-                                      <a:rPr lang="en-US" altLang="zh-CN" b="0" i="1" smtClean="0">
-                                        <a:latin typeface="Cambria Math" panose="02040503050406030204" pitchFamily="18" charset="0"/>
-                                      </a:rPr>
-                                      <m:t>𝐹</m:t>
-                                    </m:r>
-                                  </m:sub>
-                                </m:sSub>
-                              </m:e>
-                            </m:d>
-                            <m:r>
-                              <a:rPr lang="en-US" altLang="zh-CN" b="0" i="1" smtClean="0">
-                                <a:latin typeface="Cambria Math" panose="02040503050406030204" pitchFamily="18" charset="0"/>
-                              </a:rPr>
-                              <m:t>∗</m:t>
-                            </m:r>
-                            <m:sSub>
-                              <m:sSubPr>
-                                <m:ctrlPr>
-                                  <a:rPr lang="en-US" altLang="zh-CN" b="0" i="1" smtClean="0">
-                                    <a:latin typeface="Cambria Math" panose="02040503050406030204" pitchFamily="18" charset="0"/>
-                                  </a:rPr>
-                                </m:ctrlPr>
-                              </m:sSubPr>
-                              <m:e>
-                                <m:r>
-                                  <a:rPr lang="en-US" altLang="zh-CN" b="0" i="1" smtClean="0">
-                                    <a:latin typeface="Cambria Math" panose="02040503050406030204" pitchFamily="18" charset="0"/>
-                                  </a:rPr>
-                                  <m:t>𝐻</m:t>
-                                </m:r>
-                              </m:e>
-                              <m:sub>
-                                <m:r>
-                                  <a:rPr lang="en-US" altLang="zh-CN" b="0" i="1" smtClean="0">
-                                    <a:latin typeface="Cambria Math" panose="02040503050406030204" pitchFamily="18" charset="0"/>
-                                  </a:rPr>
-                                  <m:t>2</m:t>
-                                </m:r>
-                              </m:sub>
-                            </m:sSub>
-                            <m:d>
-                              <m:dPr>
-                                <m:ctrlPr>
-                                  <a:rPr lang="en-US" altLang="zh-CN" b="0" i="1" smtClean="0">
-                                    <a:latin typeface="Cambria Math" panose="02040503050406030204" pitchFamily="18" charset="0"/>
-                                  </a:rPr>
-                                </m:ctrlPr>
-                              </m:dPr>
-                              <m:e>
-                                <m:sSub>
-                                  <m:sSubPr>
-                                    <m:ctrlPr>
-                                      <a:rPr lang="en-US" altLang="zh-CN" b="0" i="1" smtClean="0">
-                                        <a:latin typeface="Cambria Math" panose="02040503050406030204" pitchFamily="18" charset="0"/>
-                                      </a:rPr>
-                                    </m:ctrlPr>
-                                  </m:sSubPr>
-                                  <m:e>
-                                    <m:r>
-                                      <m:rPr>
-                                        <m:sty m:val="p"/>
-                                      </m:rPr>
-                                      <a:rPr lang="en-US" altLang="zh-CN" i="0">
-                                        <a:latin typeface="Cambria Math" panose="02040503050406030204" pitchFamily="18" charset="0"/>
-                                      </a:rPr>
-                                      <m:t>st</m:t>
-                                    </m:r>
-                                  </m:e>
-                                  <m:sub>
-                                    <m:r>
-                                      <a:rPr lang="en-US" altLang="zh-CN" b="0" i="1" smtClean="0">
-                                        <a:latin typeface="Cambria Math" panose="02040503050406030204" pitchFamily="18" charset="0"/>
-                                      </a:rPr>
-                                      <m:t>𝑑</m:t>
-                                    </m:r>
-                                  </m:sub>
-                                </m:sSub>
-                                <m:r>
-                                  <a:rPr lang="en-US" altLang="zh-CN" b="0" i="1" smtClean="0">
-                                    <a:latin typeface="Cambria Math" panose="02040503050406030204" pitchFamily="18" charset="0"/>
-                                  </a:rPr>
-                                  <m:t>+</m:t>
-                                </m:r>
-                                <m:sSub>
-                                  <m:sSubPr>
-                                    <m:ctrlPr>
-                                      <a:rPr lang="en-US" altLang="zh-CN" b="0" i="1" smtClean="0">
-                                        <a:latin typeface="Cambria Math" panose="02040503050406030204" pitchFamily="18" charset="0"/>
-                                      </a:rPr>
-                                    </m:ctrlPr>
-                                  </m:sSubPr>
-                                  <m:e>
-                                    <m:r>
-                                      <a:rPr lang="en-US" altLang="zh-CN" b="0" i="1" smtClean="0">
-                                        <a:latin typeface="Cambria Math" panose="02040503050406030204" pitchFamily="18" charset="0"/>
-                                      </a:rPr>
-                                      <m:t>𝑇</m:t>
-                                    </m:r>
-                                  </m:e>
-                                  <m:sub>
-                                    <m:r>
-                                      <a:rPr lang="en-US" altLang="zh-CN" b="0" i="1" smtClean="0">
-                                        <a:latin typeface="Cambria Math" panose="02040503050406030204" pitchFamily="18" charset="0"/>
-                                      </a:rPr>
-                                      <m:t>𝑖</m:t>
-                                    </m:r>
-                                  </m:sub>
-                                </m:sSub>
-                              </m:e>
-                            </m:d>
-                          </m:e>
-                        </m:d>
-                      </m:e>
-                      <m:sup>
-                        <m:r>
-                          <a:rPr lang="en-US" altLang="zh-CN" b="0" i="1" smtClean="0">
-                            <a:latin typeface="Cambria Math" panose="02040503050406030204" pitchFamily="18" charset="0"/>
-                          </a:rPr>
-                          <m:t>𝑠𝑘</m:t>
-                        </m:r>
-                      </m:sup>
-                    </m:sSup>
-                  </m:oMath>
-                </a14:m>
-                <a:endParaRPr lang="en-US" altLang="zh-CN" b="0" dirty="0"/>
-              </a:p>
-              <a:p>
-                <a:pPr lvl="3"/>
-                <a:r>
-                  <a:rPr lang="zh-CN" altLang="en-US" dirty="0"/>
-                  <a:t>关键词有前一个状态：</a:t>
-                </a:r>
-                <a14:m>
-                  <m:oMath xmlns:m="http://schemas.openxmlformats.org/officeDocument/2006/math">
-                    <m:r>
-                      <m:rPr>
-                        <m:sty m:val="p"/>
-                      </m:rPr>
-                      <a:rPr lang="en-US" altLang="zh-CN" i="1" dirty="0">
-                        <a:latin typeface="Cambria Math" panose="02040503050406030204" pitchFamily="18" charset="0"/>
-                      </a:rPr>
-                      <m:t>k</m:t>
-                    </m:r>
-                    <m:sSup>
-                      <m:sSupPr>
-                        <m:ctrlPr>
-                          <a:rPr lang="en-US" altLang="zh-CN" b="0" i="1" dirty="0" smtClean="0">
-                            <a:latin typeface="Cambria Math" panose="02040503050406030204" pitchFamily="18" charset="0"/>
-                          </a:rPr>
-                        </m:ctrlPr>
-                      </m:sSupPr>
-                      <m:e>
-                        <m:r>
-                          <a:rPr lang="en-US" altLang="zh-CN" b="0" i="1" dirty="0" smtClean="0">
-                            <a:latin typeface="Cambria Math" panose="02040503050406030204" pitchFamily="18" charset="0"/>
-                          </a:rPr>
-                          <m:t>𝑡</m:t>
-                        </m:r>
-                      </m:e>
-                      <m:sup>
-                        <m:d>
-                          <m:dPr>
-                            <m:ctrlPr>
-                              <a:rPr lang="en-US" altLang="zh-CN" b="0" i="1" dirty="0" smtClean="0">
-                                <a:latin typeface="Cambria Math" panose="02040503050406030204" pitchFamily="18" charset="0"/>
-                              </a:rPr>
-                            </m:ctrlPr>
-                          </m:dPr>
-                          <m:e>
-                            <m:sSub>
-                              <m:sSubPr>
-                                <m:ctrlPr>
-                                  <a:rPr lang="en-US" altLang="zh-CN" b="0" i="1" dirty="0" smtClean="0">
-                                    <a:latin typeface="Cambria Math" panose="02040503050406030204" pitchFamily="18" charset="0"/>
-                                  </a:rPr>
-                                </m:ctrlPr>
-                              </m:sSubPr>
-                              <m:e>
-                                <m:r>
-                                  <a:rPr lang="en-US" altLang="zh-CN" b="0" i="1" dirty="0" smtClean="0">
-                                    <a:latin typeface="Cambria Math" panose="02040503050406030204" pitchFamily="18" charset="0"/>
-                                  </a:rPr>
-                                  <m:t>𝑤</m:t>
-                                </m:r>
-                              </m:e>
-                              <m:sub>
-                                <m:r>
-                                  <a:rPr lang="en-US" altLang="zh-CN" b="0" i="1" dirty="0" smtClean="0">
-                                    <a:latin typeface="Cambria Math" panose="02040503050406030204" pitchFamily="18" charset="0"/>
-                                  </a:rPr>
-                                  <m:t>𝑖</m:t>
-                                </m:r>
-                              </m:sub>
-                            </m:sSub>
-                          </m:e>
-                        </m:d>
-                      </m:sup>
-                    </m:sSup>
-                    <m:r>
-                      <a:rPr lang="en-US" altLang="zh-CN" b="0" i="1" dirty="0" smtClean="0">
-                        <a:latin typeface="Cambria Math" panose="02040503050406030204" pitchFamily="18" charset="0"/>
-                      </a:rPr>
-                      <m:t>=</m:t>
-                    </m:r>
-                    <m:sSup>
-                      <m:sSupPr>
-                        <m:ctrlPr>
-                          <a:rPr lang="en-US" altLang="zh-CN" b="0" i="1" dirty="0" smtClean="0">
-                            <a:latin typeface="Cambria Math" panose="02040503050406030204" pitchFamily="18" charset="0"/>
-                          </a:rPr>
-                        </m:ctrlPr>
-                      </m:sSupPr>
-                      <m:e>
-                        <m:d>
-                          <m:dPr>
-                            <m:begChr m:val="["/>
-                            <m:endChr m:val="]"/>
-                            <m:ctrlPr>
-                              <a:rPr lang="en-US" altLang="zh-CN" b="0" i="1" dirty="0" smtClean="0">
-                                <a:latin typeface="Cambria Math" panose="02040503050406030204" pitchFamily="18" charset="0"/>
-                              </a:rPr>
-                            </m:ctrlPr>
-                          </m:dPr>
-                          <m:e>
-                            <m:sSub>
-                              <m:sSubPr>
-                                <m:ctrlPr>
-                                  <a:rPr lang="en-US" altLang="zh-CN" b="0" i="1" dirty="0" smtClean="0">
-                                    <a:latin typeface="Cambria Math" panose="02040503050406030204" pitchFamily="18" charset="0"/>
-                                  </a:rPr>
-                                </m:ctrlPr>
-                              </m:sSubPr>
-                              <m:e>
-                                <m:r>
-                                  <a:rPr lang="en-US" altLang="zh-CN" b="0" i="1" dirty="0" smtClean="0">
-                                    <a:latin typeface="Cambria Math" panose="02040503050406030204" pitchFamily="18" charset="0"/>
-                                  </a:rPr>
-                                  <m:t>𝐻</m:t>
-                                </m:r>
-                              </m:e>
-                              <m:sub>
-                                <m:r>
-                                  <a:rPr lang="en-US" altLang="zh-CN" b="0" i="1" dirty="0" smtClean="0">
-                                    <a:latin typeface="Cambria Math" panose="02040503050406030204" pitchFamily="18" charset="0"/>
-                                  </a:rPr>
-                                  <m:t>2</m:t>
-                                </m:r>
-                              </m:sub>
-                            </m:sSub>
-                            <m:d>
-                              <m:dPr>
-                                <m:ctrlPr>
-                                  <a:rPr lang="en-US" altLang="zh-CN" b="0" i="1" dirty="0" smtClean="0">
-                                    <a:latin typeface="Cambria Math" panose="02040503050406030204" pitchFamily="18" charset="0"/>
-                                  </a:rPr>
-                                </m:ctrlPr>
-                              </m:dPr>
-                              <m:e>
-                                <m:r>
-                                  <a:rPr lang="en-US" altLang="zh-CN" b="0" i="1" dirty="0" smtClean="0">
-                                    <a:latin typeface="Cambria Math" panose="02040503050406030204" pitchFamily="18" charset="0"/>
-                                  </a:rPr>
-                                  <m:t>𝐼</m:t>
-                                </m:r>
-                                <m:sSub>
-                                  <m:sSubPr>
-                                    <m:ctrlPr>
-                                      <a:rPr lang="en-US" altLang="zh-CN" b="0" i="1" dirty="0" smtClean="0">
-                                        <a:latin typeface="Cambria Math" panose="02040503050406030204" pitchFamily="18" charset="0"/>
-                                      </a:rPr>
-                                    </m:ctrlPr>
-                                  </m:sSubPr>
-                                  <m:e>
-                                    <m:r>
-                                      <a:rPr lang="en-US" altLang="zh-CN" b="0" i="1" dirty="0" smtClean="0">
-                                        <a:latin typeface="Cambria Math" panose="02040503050406030204" pitchFamily="18" charset="0"/>
-                                      </a:rPr>
-                                      <m:t>𝐷</m:t>
-                                    </m:r>
-                                  </m:e>
-                                  <m:sub>
-                                    <m:r>
-                                      <a:rPr lang="en-US" altLang="zh-CN" b="0" i="1" dirty="0" smtClean="0">
-                                        <a:latin typeface="Cambria Math" panose="02040503050406030204" pitchFamily="18" charset="0"/>
-                                      </a:rPr>
-                                      <m:t>𝐹</m:t>
-                                    </m:r>
-                                  </m:sub>
-                                </m:sSub>
-                              </m:e>
-                            </m:d>
-                            <m:r>
-                              <a:rPr lang="en-US" altLang="zh-CN" b="0" i="1" dirty="0" smtClean="0">
-                                <a:latin typeface="Cambria Math" panose="02040503050406030204" pitchFamily="18" charset="0"/>
-                              </a:rPr>
-                              <m:t>∗</m:t>
-                            </m:r>
-                            <m:f>
-                              <m:fPr>
-                                <m:ctrlPr>
-                                  <a:rPr lang="en-US" altLang="zh-CN" b="0" i="1" dirty="0" smtClean="0">
-                                    <a:latin typeface="Cambria Math" panose="02040503050406030204" pitchFamily="18" charset="0"/>
-                                  </a:rPr>
-                                </m:ctrlPr>
-                              </m:fPr>
-                              <m:num>
-                                <m:sSub>
-                                  <m:sSubPr>
-                                    <m:ctrlPr>
-                                      <a:rPr lang="en-US" altLang="zh-CN" b="0" i="1" dirty="0" smtClean="0">
-                                        <a:latin typeface="Cambria Math" panose="02040503050406030204" pitchFamily="18" charset="0"/>
-                                      </a:rPr>
-                                    </m:ctrlPr>
-                                  </m:sSubPr>
-                                  <m:e>
-                                    <m:r>
-                                      <a:rPr lang="en-US" altLang="zh-CN" b="0" i="1" dirty="0" smtClean="0">
-                                        <a:latin typeface="Cambria Math" panose="02040503050406030204" pitchFamily="18" charset="0"/>
-                                      </a:rPr>
-                                      <m:t>𝐻</m:t>
-                                    </m:r>
-                                  </m:e>
-                                  <m:sub>
-                                    <m:r>
-                                      <a:rPr lang="en-US" altLang="zh-CN" b="0" i="1" dirty="0" smtClean="0">
-                                        <a:latin typeface="Cambria Math" panose="02040503050406030204" pitchFamily="18" charset="0"/>
-                                      </a:rPr>
-                                      <m:t>2</m:t>
-                                    </m:r>
-                                  </m:sub>
-                                </m:sSub>
-                                <m:d>
-                                  <m:dPr>
-                                    <m:ctrlPr>
-                                      <a:rPr lang="en-US" altLang="zh-CN" b="0" i="1" dirty="0" smtClean="0">
-                                        <a:latin typeface="Cambria Math" panose="02040503050406030204" pitchFamily="18" charset="0"/>
-                                      </a:rPr>
-                                    </m:ctrlPr>
-                                  </m:dPr>
-                                  <m:e>
-                                    <m:r>
-                                      <a:rPr lang="en-US" altLang="zh-CN" b="0" i="1" dirty="0" smtClean="0">
-                                        <a:latin typeface="Cambria Math" panose="02040503050406030204" pitchFamily="18" charset="0"/>
-                                      </a:rPr>
-                                      <m:t>𝑠</m:t>
-                                    </m:r>
-                                    <m:sSub>
-                                      <m:sSubPr>
-                                        <m:ctrlPr>
-                                          <a:rPr lang="en-US" altLang="zh-CN" b="0" i="1" dirty="0" smtClean="0">
-                                            <a:latin typeface="Cambria Math" panose="02040503050406030204" pitchFamily="18" charset="0"/>
-                                          </a:rPr>
-                                        </m:ctrlPr>
-                                      </m:sSubPr>
-                                      <m:e>
-                                        <m:r>
-                                          <a:rPr lang="en-US" altLang="zh-CN" b="0" i="1" dirty="0" smtClean="0">
-                                            <a:latin typeface="Cambria Math" panose="02040503050406030204" pitchFamily="18" charset="0"/>
-                                          </a:rPr>
-                                          <m:t>𝑡</m:t>
-                                        </m:r>
-                                      </m:e>
-                                      <m:sub>
-                                        <m:r>
-                                          <a:rPr lang="en-US" altLang="zh-CN" b="0" i="1" dirty="0" smtClean="0">
-                                            <a:latin typeface="Cambria Math" panose="02040503050406030204" pitchFamily="18" charset="0"/>
-                                          </a:rPr>
-                                          <m:t>𝑑</m:t>
-                                        </m:r>
-                                      </m:sub>
-                                    </m:sSub>
-                                    <m:r>
-                                      <a:rPr lang="en-US" altLang="zh-CN" b="0" i="1" dirty="0" smtClean="0">
-                                        <a:latin typeface="Cambria Math" panose="02040503050406030204" pitchFamily="18" charset="0"/>
-                                      </a:rPr>
-                                      <m:t>+</m:t>
-                                    </m:r>
-                                    <m:sSub>
-                                      <m:sSubPr>
-                                        <m:ctrlPr>
-                                          <a:rPr lang="en-US" altLang="zh-CN" b="0" i="1" dirty="0" smtClean="0">
-                                            <a:latin typeface="Cambria Math" panose="02040503050406030204" pitchFamily="18" charset="0"/>
-                                          </a:rPr>
-                                        </m:ctrlPr>
-                                      </m:sSubPr>
-                                      <m:e>
-                                        <m:r>
-                                          <a:rPr lang="en-US" altLang="zh-CN" b="0" i="1" dirty="0" smtClean="0">
-                                            <a:latin typeface="Cambria Math" panose="02040503050406030204" pitchFamily="18" charset="0"/>
-                                          </a:rPr>
-                                          <m:t>𝑇</m:t>
-                                        </m:r>
-                                      </m:e>
-                                      <m:sub>
-                                        <m:r>
-                                          <a:rPr lang="en-US" altLang="zh-CN" b="0" i="1" dirty="0" smtClean="0">
-                                            <a:latin typeface="Cambria Math" panose="02040503050406030204" pitchFamily="18" charset="0"/>
-                                          </a:rPr>
-                                          <m:t>𝐼</m:t>
-                                        </m:r>
-                                      </m:sub>
-                                    </m:sSub>
-                                  </m:e>
-                                </m:d>
-                              </m:num>
-                              <m:den>
-                                <m:sSub>
-                                  <m:sSubPr>
-                                    <m:ctrlPr>
-                                      <a:rPr lang="en-US" altLang="zh-CN" b="0" i="1" dirty="0" smtClean="0">
-                                        <a:latin typeface="Cambria Math" panose="02040503050406030204" pitchFamily="18" charset="0"/>
-                                      </a:rPr>
-                                    </m:ctrlPr>
-                                  </m:sSubPr>
-                                  <m:e>
-                                    <m:r>
-                                      <a:rPr lang="en-US" altLang="zh-CN" b="0" i="1" dirty="0" smtClean="0">
-                                        <a:latin typeface="Cambria Math" panose="02040503050406030204" pitchFamily="18" charset="0"/>
-                                      </a:rPr>
-                                      <m:t>𝐻</m:t>
-                                    </m:r>
-                                  </m:e>
-                                  <m:sub>
-                                    <m:r>
-                                      <a:rPr lang="en-US" altLang="zh-CN" b="0" i="1" dirty="0" smtClean="0">
-                                        <a:latin typeface="Cambria Math" panose="02040503050406030204" pitchFamily="18" charset="0"/>
-                                      </a:rPr>
-                                      <m:t>2</m:t>
-                                    </m:r>
-                                  </m:sub>
-                                </m:sSub>
-                                <m:d>
-                                  <m:dPr>
-                                    <m:ctrlPr>
-                                      <a:rPr lang="en-US" altLang="zh-CN" b="0" i="1" dirty="0" smtClean="0">
-                                        <a:latin typeface="Cambria Math" panose="02040503050406030204" pitchFamily="18" charset="0"/>
-                                      </a:rPr>
-                                    </m:ctrlPr>
-                                  </m:dPr>
-                                  <m:e>
-                                    <m:r>
-                                      <a:rPr lang="en-US" altLang="zh-CN" b="0" i="1" dirty="0" smtClean="0">
-                                        <a:latin typeface="Cambria Math" panose="02040503050406030204" pitchFamily="18" charset="0"/>
-                                      </a:rPr>
-                                      <m:t>𝑠</m:t>
-                                    </m:r>
-                                    <m:sSub>
-                                      <m:sSubPr>
-                                        <m:ctrlPr>
-                                          <a:rPr lang="en-US" altLang="zh-CN" b="0" i="1" dirty="0" smtClean="0">
-                                            <a:latin typeface="Cambria Math" panose="02040503050406030204" pitchFamily="18" charset="0"/>
-                                          </a:rPr>
-                                        </m:ctrlPr>
-                                      </m:sSubPr>
-                                      <m:e>
-                                        <m:r>
-                                          <a:rPr lang="en-US" altLang="zh-CN" b="0" i="1" dirty="0" smtClean="0">
-                                            <a:latin typeface="Cambria Math" panose="02040503050406030204" pitchFamily="18" charset="0"/>
-                                          </a:rPr>
-                                          <m:t>𝑡</m:t>
-                                        </m:r>
-                                      </m:e>
-                                      <m:sub>
-                                        <m:r>
-                                          <a:rPr lang="en-US" altLang="zh-CN" b="0" i="1" dirty="0" smtClean="0">
-                                            <a:latin typeface="Cambria Math" panose="02040503050406030204" pitchFamily="18" charset="0"/>
-                                          </a:rPr>
-                                          <m:t>𝑑</m:t>
-                                        </m:r>
-                                        <m:r>
-                                          <a:rPr lang="en-US" altLang="zh-CN" b="0" i="1" dirty="0" smtClean="0">
-                                            <a:latin typeface="Cambria Math" panose="02040503050406030204" pitchFamily="18" charset="0"/>
-                                          </a:rPr>
-                                          <m:t>−1</m:t>
-                                        </m:r>
-                                      </m:sub>
-                                    </m:sSub>
-                                    <m:r>
-                                      <a:rPr lang="en-US" altLang="zh-CN" b="0" i="1" dirty="0" smtClean="0">
-                                        <a:latin typeface="Cambria Math" panose="02040503050406030204" pitchFamily="18" charset="0"/>
-                                      </a:rPr>
-                                      <m:t>+</m:t>
-                                    </m:r>
-                                    <m:sSub>
-                                      <m:sSubPr>
-                                        <m:ctrlPr>
-                                          <a:rPr lang="en-US" altLang="zh-CN" b="0" i="1" dirty="0" smtClean="0">
-                                            <a:latin typeface="Cambria Math" panose="02040503050406030204" pitchFamily="18" charset="0"/>
-                                          </a:rPr>
-                                        </m:ctrlPr>
-                                      </m:sSubPr>
-                                      <m:e>
-                                        <m:r>
-                                          <a:rPr lang="en-US" altLang="zh-CN" b="0" i="1" dirty="0" smtClean="0">
-                                            <a:latin typeface="Cambria Math" panose="02040503050406030204" pitchFamily="18" charset="0"/>
-                                          </a:rPr>
-                                          <m:t>𝑇</m:t>
-                                        </m:r>
-                                      </m:e>
-                                      <m:sub>
-                                        <m:r>
-                                          <a:rPr lang="en-US" altLang="zh-CN" b="0" i="1" dirty="0" smtClean="0">
-                                            <a:latin typeface="Cambria Math" panose="02040503050406030204" pitchFamily="18" charset="0"/>
-                                          </a:rPr>
-                                          <m:t>𝑖</m:t>
-                                        </m:r>
-                                      </m:sub>
-                                    </m:sSub>
-                                  </m:e>
-                                </m:d>
-                              </m:den>
-                            </m:f>
-                          </m:e>
-                        </m:d>
-                      </m:e>
-                      <m:sup>
-                        <m:r>
-                          <a:rPr lang="en-US" altLang="zh-CN" b="0" i="1" dirty="0" smtClean="0">
-                            <a:latin typeface="Cambria Math" panose="02040503050406030204" pitchFamily="18" charset="0"/>
-                          </a:rPr>
-                          <m:t>𝑠𝑘</m:t>
-                        </m:r>
-                      </m:sup>
-                    </m:sSup>
-                  </m:oMath>
-                </a14:m>
-                <a:endParaRPr lang="en-US" altLang="zh-CN" dirty="0"/>
-              </a:p>
-              <a:p>
-                <a:pPr lvl="1"/>
-                <a:r>
-                  <a:rPr lang="en-US" altLang="zh-CN" dirty="0"/>
-                  <a:t>3.</a:t>
-                </a:r>
-                <a:r>
-                  <a:rPr lang="zh-CN" altLang="en-US" dirty="0"/>
-                  <a:t>发送这些数据到服务端。</a:t>
-                </a:r>
-                <a:endParaRPr lang="en-US" altLang="zh-CN" dirty="0"/>
-              </a:p>
-              <a:p>
-                <a:pPr marL="457200" lvl="1" indent="0">
-                  <a:buNone/>
-                </a:pPr>
-                <a:endParaRPr lang="en-US" altLang="zh-CN" dirty="0"/>
-              </a:p>
-              <a:p>
-                <a:pPr lvl="1"/>
-                <a:endParaRPr lang="en-US" altLang="zh-CN" dirty="0"/>
-              </a:p>
-            </p:txBody>
-          </p:sp>
-        </mc:Choice>
-        <mc:Fallback>
-          <p:sp>
-            <p:nvSpPr>
-              <p:cNvPr id="11" name="内容占位符 10">
-                <a:extLst>
-                  <a:ext uri="{FF2B5EF4-FFF2-40B4-BE49-F238E27FC236}">
-                    <a16:creationId xmlns:a16="http://schemas.microsoft.com/office/drawing/2014/main" id="{A13EE26B-CB8B-B743-C433-841589786484}"/>
-                  </a:ext>
-                </a:extLst>
-              </p:cNvPr>
-              <p:cNvSpPr>
-                <a:spLocks noGrp="1" noRot="1" noChangeAspect="1" noMove="1" noResize="1" noEditPoints="1" noAdjustHandles="1" noChangeArrowheads="1" noChangeShapeType="1" noTextEdit="1"/>
-              </p:cNvSpPr>
-              <p:nvPr>
-                <p:ph idx="1"/>
-              </p:nvPr>
-            </p:nvSpPr>
-            <p:spPr>
-              <a:xfrm>
-                <a:off x="628650" y="1825623"/>
-                <a:ext cx="7886700" cy="5032377"/>
-              </a:xfrm>
-              <a:blipFill>
-                <a:blip r:embed="rId2"/>
-                <a:stretch>
-                  <a:fillRect/>
-                </a:stretch>
-              </a:blipFill>
-            </p:spPr>
-            <p:txBody>
-              <a:bodyPr/>
-              <a:lstStyle/>
-              <a:p>
-                <a:r>
-                  <a:rPr lang="zh-CN" altLang="en-US">
-                    <a:noFill/>
-                  </a:rPr>
-                  <a:t> </a:t>
-                </a:r>
-              </a:p>
-            </p:txBody>
-          </p:sp>
-        </mc:Fallback>
-      </mc:AlternateContent>
+      <p:sp>
+        <p:nvSpPr>
+          <p:cNvPr id="11" name="内容占位符 10">
+            <a:extLst>
+              <a:ext uri="{FF2B5EF4-FFF2-40B4-BE49-F238E27FC236}">
+                <a16:creationId xmlns:a16="http://schemas.microsoft.com/office/drawing/2014/main" id="{A13EE26B-CB8B-B743-C433-841589786484}"/>
+              </a:ext>
+            </a:extLst>
+          </p:cNvPr>
+          <p:cNvSpPr>
+            <a:spLocks noGrp="1"/>
+          </p:cNvSpPr>
+          <p:nvPr>
+            <p:ph idx="1"/>
+          </p:nvPr>
+        </p:nvSpPr>
+        <p:spPr/>
+        <p:txBody>
+          <a:bodyPr>
+            <a:normAutofit lnSpcReduction="10000"/>
+          </a:bodyPr>
+          <a:lstStyle/>
+          <a:p>
+            <a:r>
+              <a:rPr lang="zh-CN" altLang="en-US" dirty="0"/>
+              <a:t>结构设计</a:t>
+            </a:r>
+            <a:endParaRPr lang="en-US" altLang="zh-CN" dirty="0"/>
+          </a:p>
+          <a:p>
+            <a:pPr lvl="1"/>
+            <a:r>
+              <a:rPr lang="zh-CN" altLang="en-US" dirty="0">
+                <a:solidFill>
+                  <a:srgbClr val="FF0000"/>
+                </a:solidFill>
+              </a:rPr>
+              <a:t>客户端</a:t>
+            </a:r>
+            <a:r>
+              <a:rPr lang="zh-CN" altLang="en-US" dirty="0"/>
+              <a:t>：</a:t>
+            </a:r>
+            <a:r>
+              <a:rPr lang="zh-CN" altLang="en-US" dirty="0">
+                <a:solidFill>
+                  <a:schemeClr val="accent1"/>
+                </a:solidFill>
+              </a:rPr>
+              <a:t>加密</a:t>
+            </a:r>
+            <a:r>
+              <a:rPr lang="zh-CN" altLang="en-US" dirty="0"/>
+              <a:t>文件存储、</a:t>
+            </a:r>
+            <a:br>
+              <a:rPr lang="en-US" altLang="zh-CN" dirty="0"/>
+            </a:br>
+            <a:r>
+              <a:rPr lang="zh-CN" altLang="en-US" dirty="0"/>
+              <a:t>删除、</a:t>
+            </a:r>
+            <a:r>
+              <a:rPr lang="zh-CN" altLang="en-US" dirty="0">
+                <a:solidFill>
+                  <a:schemeClr val="accent1"/>
+                </a:solidFill>
+              </a:rPr>
+              <a:t>请求</a:t>
+            </a:r>
+            <a:r>
+              <a:rPr lang="zh-CN" altLang="en-US" dirty="0"/>
+              <a:t>关键词搜索。</a:t>
+            </a:r>
+            <a:endParaRPr lang="en-US" altLang="zh-CN" dirty="0"/>
+          </a:p>
+          <a:p>
+            <a:pPr lvl="1"/>
+            <a:r>
+              <a:rPr lang="zh-CN" altLang="en-US" dirty="0">
+                <a:solidFill>
+                  <a:srgbClr val="FF0000"/>
+                </a:solidFill>
+              </a:rPr>
+              <a:t>区块链</a:t>
+            </a:r>
+            <a:r>
+              <a:rPr lang="zh-CN" altLang="en-US" dirty="0"/>
+              <a:t>：</a:t>
+            </a:r>
+            <a:r>
+              <a:rPr lang="zh-CN" altLang="en-US" dirty="0">
+                <a:solidFill>
+                  <a:schemeClr val="accent1"/>
+                </a:solidFill>
+              </a:rPr>
+              <a:t>存储</a:t>
+            </a:r>
+            <a:r>
+              <a:rPr lang="zh-CN" altLang="en-US" dirty="0"/>
+              <a:t>客户端的</a:t>
+            </a:r>
+            <a:br>
+              <a:rPr lang="en-US" altLang="zh-CN" dirty="0"/>
+            </a:br>
+            <a:r>
+              <a:rPr lang="zh-CN" altLang="en-US" dirty="0"/>
+              <a:t>证明生成请求、客户端</a:t>
+            </a:r>
+            <a:br>
+              <a:rPr lang="en-US" altLang="zh-CN" dirty="0"/>
+            </a:br>
+            <a:r>
+              <a:rPr lang="zh-CN" altLang="en-US" dirty="0"/>
+              <a:t>的公钥、固定公共参数</a:t>
+            </a:r>
+            <a:br>
+              <a:rPr lang="en-US" altLang="zh-CN" dirty="0"/>
+            </a:br>
+            <a:r>
+              <a:rPr lang="zh-CN" altLang="en-US" dirty="0"/>
+              <a:t>、生成的证明、验证结</a:t>
+            </a:r>
+            <a:br>
+              <a:rPr lang="en-US" altLang="zh-CN" dirty="0"/>
+            </a:br>
+            <a:r>
+              <a:rPr lang="zh-CN" altLang="en-US" dirty="0"/>
+              <a:t>果。</a:t>
+            </a:r>
+            <a:endParaRPr lang="en-US" altLang="zh-CN" dirty="0"/>
+          </a:p>
+          <a:p>
+            <a:pPr lvl="1"/>
+            <a:r>
+              <a:rPr lang="zh-CN" altLang="en-US" dirty="0">
+                <a:solidFill>
+                  <a:srgbClr val="FF0000"/>
+                </a:solidFill>
+              </a:rPr>
+              <a:t>存储端</a:t>
+            </a:r>
+            <a:r>
+              <a:rPr lang="zh-CN" altLang="en-US" dirty="0"/>
+              <a:t>：加密文件进行</a:t>
+            </a:r>
+            <a:br>
+              <a:rPr lang="en-US" altLang="zh-CN" dirty="0"/>
+            </a:br>
+            <a:r>
+              <a:rPr lang="zh-CN" altLang="en-US" dirty="0">
+                <a:solidFill>
+                  <a:schemeClr val="accent1"/>
+                </a:solidFill>
+              </a:rPr>
+              <a:t>存储</a:t>
+            </a:r>
+            <a:r>
+              <a:rPr lang="zh-CN" altLang="en-US" dirty="0"/>
+              <a:t>、</a:t>
+            </a:r>
+            <a:r>
+              <a:rPr lang="zh-CN" altLang="en-US" dirty="0">
+                <a:solidFill>
+                  <a:schemeClr val="accent1"/>
+                </a:solidFill>
+              </a:rPr>
+              <a:t>检索</a:t>
+            </a:r>
+            <a:r>
+              <a:rPr lang="zh-CN" altLang="en-US" dirty="0"/>
+              <a:t>，通过关键</a:t>
+            </a:r>
+            <a:br>
+              <a:rPr lang="en-US" altLang="zh-CN" dirty="0"/>
+            </a:br>
+            <a:r>
+              <a:rPr lang="zh-CN" altLang="en-US" dirty="0"/>
+              <a:t>词进行可</a:t>
+            </a:r>
+            <a:r>
+              <a:rPr lang="zh-CN" altLang="en-US" dirty="0">
+                <a:solidFill>
+                  <a:srgbClr val="FF0000"/>
+                </a:solidFill>
+              </a:rPr>
+              <a:t>验证</a:t>
+            </a:r>
+            <a:r>
+              <a:rPr lang="zh-CN" altLang="en-US" dirty="0">
+                <a:solidFill>
+                  <a:schemeClr val="accent1"/>
+                </a:solidFill>
+              </a:rPr>
+              <a:t>搜索证明</a:t>
+            </a:r>
+            <a:br>
+              <a:rPr lang="en-US" altLang="zh-CN" dirty="0"/>
+            </a:br>
+            <a:r>
+              <a:rPr lang="zh-CN" altLang="en-US" dirty="0"/>
+              <a:t>的</a:t>
+            </a:r>
+            <a:r>
+              <a:rPr lang="zh-CN" altLang="en-US" dirty="0">
+                <a:solidFill>
+                  <a:schemeClr val="accent1"/>
+                </a:solidFill>
+              </a:rPr>
+              <a:t>生成</a:t>
+            </a:r>
+            <a:r>
+              <a:rPr lang="zh-CN" altLang="en-US" dirty="0"/>
+              <a:t>以及通过</a:t>
+            </a:r>
+            <a:r>
+              <a:rPr lang="zh-CN" altLang="en-US" dirty="0">
+                <a:solidFill>
+                  <a:schemeClr val="accent1"/>
+                </a:solidFill>
+              </a:rPr>
+              <a:t>文件</a:t>
+            </a:r>
+            <a:r>
+              <a:rPr lang="en-US" altLang="zh-CN" dirty="0"/>
+              <a:t>ID</a:t>
+            </a:r>
+            <a:br>
+              <a:rPr lang="en-US" altLang="zh-CN" dirty="0"/>
+            </a:br>
+            <a:r>
+              <a:rPr lang="zh-CN" altLang="en-US" dirty="0"/>
+              <a:t>进行</a:t>
+            </a:r>
+            <a:r>
+              <a:rPr lang="zh-CN" altLang="en-US" dirty="0">
+                <a:solidFill>
+                  <a:schemeClr val="accent1"/>
+                </a:solidFill>
+              </a:rPr>
+              <a:t>完整性审计</a:t>
+            </a:r>
+            <a:r>
+              <a:rPr lang="zh-CN" altLang="en-US" dirty="0"/>
+              <a:t>证明生</a:t>
+            </a:r>
+            <a:br>
+              <a:rPr lang="en-US" altLang="zh-CN" dirty="0"/>
+            </a:br>
+            <a:r>
+              <a:rPr lang="zh-CN" altLang="en-US" dirty="0"/>
+              <a:t>成与</a:t>
+            </a:r>
+            <a:r>
+              <a:rPr lang="zh-CN" altLang="en-US" dirty="0">
+                <a:solidFill>
+                  <a:srgbClr val="FF0000"/>
+                </a:solidFill>
+              </a:rPr>
+              <a:t>验证</a:t>
+            </a:r>
+            <a:r>
+              <a:rPr lang="zh-CN" altLang="en-US" dirty="0"/>
+              <a:t>上链。</a:t>
+            </a:r>
+            <a:endParaRPr lang="en-US" altLang="zh-CN" dirty="0"/>
+          </a:p>
+        </p:txBody>
+      </p:sp>
       <p:sp>
         <p:nvSpPr>
           <p:cNvPr id="8" name="矩形 7">
@@ -12791,7 +15996,7 @@
         </p:nvSpPr>
         <p:spPr>
           <a:xfrm>
-            <a:off x="628650" y="1321308"/>
+            <a:off x="628650" y="1291771"/>
             <a:ext cx="7886700" cy="461665"/>
           </a:xfrm>
           <a:prstGeom prst="rect">
@@ -12814,7 +16019,7 @@
                   <a:schemeClr val="bg1"/>
                 </a:solidFill>
               </a:rPr>
-              <a:t>插入操作实现</a:t>
+              <a:t>方案概述</a:t>
             </a:r>
             <a:r>
               <a:rPr lang="en-US" altLang="zh-CN" sz="2400" dirty="0">
@@ -12830,7 +16035,7 @@
                   <a:schemeClr val="bg1"/>
                 </a:solidFill>
               </a:rPr>
-              <a:t>客户端</a:t>
+              <a:t>结构设计</a:t>
             </a:r>
             <a:endParaRPr lang="zh-CN" altLang="en-US" sz="2400" dirty="0"/>
           </a:p>
@@ -12866,7 +16071,7 @@
           <a:p>
             <a:r>
               <a:rPr lang="en-US" altLang="zh-CN" dirty="0"/>
-              <a:t>1</a:t>
+              <a:t>6</a:t>
             </a:r>
             <a:endParaRPr lang="zh-CN" altLang="en-US" dirty="0"/>
           </a:p>
@@ -12874,10 +16079,10 @@
       </p:sp>
       <p:pic>
         <p:nvPicPr>
-          <p:cNvPr id="5" name="图片 4">
+          <p:cNvPr id="7" name="图片 6">
             <a:extLst>
               <a:ext uri="{FF2B5EF4-FFF2-40B4-BE49-F238E27FC236}">
-                <a16:creationId xmlns:a16="http://schemas.microsoft.com/office/drawing/2014/main" id="{BF7008FC-FF6A-9DD8-DE06-8C0377023766}"/>
+                <a16:creationId xmlns:a16="http://schemas.microsoft.com/office/drawing/2014/main" id="{38ECBE42-94D3-E1D6-0993-B25E1D3AE8B9}"/>
               </a:ext>
             </a:extLst>
           </p:cNvPr>
@@ -12887,15 +16092,15 @@
           <p:nvPr/>
         </p:nvPicPr>
         <p:blipFill>
-          <a:blip r:embed="rId3"/>
+          <a:blip r:embed="rId2"/>
           <a:stretch>
             <a:fillRect/>
           </a:stretch>
         </p:blipFill>
         <p:spPr>
           <a:xfrm>
-            <a:off x="1472339" y="1825623"/>
-            <a:ext cx="6044357" cy="1378913"/>
+            <a:off x="4270948" y="2230432"/>
+            <a:ext cx="4555336" cy="3335797"/>
           </a:xfrm>
           <a:prstGeom prst="rect">
             <a:avLst/>
@@ -12905,7 +16110,7 @@
     </p:spTree>
     <p:extLst>
       <p:ext uri="{BB962C8B-B14F-4D97-AF65-F5344CB8AC3E}">
-        <p14:creationId xmlns:p14="http://schemas.microsoft.com/office/powerpoint/2010/main" val="3310981527"/>
+        <p14:creationId xmlns:p14="http://schemas.microsoft.com/office/powerpoint/2010/main" val="974983366"/>
       </p:ext>
     </p:extLst>
   </p:cSld>

--- a/02_Projects/Enabling Verifiable Search and Integrity Auditing  in Encrypted Decentralized Storage Using  One Proof/PPT/汇报ppt.pptx
+++ b/02_Projects/Enabling Verifiable Search and Integrity Auditing  in Encrypted Decentralized Storage Using  One Proof/PPT/汇报ppt.pptx
@@ -5,7 +5,7 @@
     <p:sldMasterId id="2147483661" r:id="rId1"/>
   </p:sldMasterIdLst>
   <p:notesMasterIdLst>
-    <p:notesMasterId r:id="rId23"/>
+    <p:notesMasterId r:id="rId24"/>
   </p:notesMasterIdLst>
   <p:sldIdLst>
     <p:sldId id="256" r:id="rId2"/>
@@ -27,8 +27,9 @@
     <p:sldId id="284" r:id="rId18"/>
     <p:sldId id="289" r:id="rId19"/>
     <p:sldId id="287" r:id="rId20"/>
-    <p:sldId id="275" r:id="rId21"/>
-    <p:sldId id="273" r:id="rId22"/>
+    <p:sldId id="292" r:id="rId21"/>
+    <p:sldId id="293" r:id="rId22"/>
+    <p:sldId id="273" r:id="rId23"/>
   </p:sldIdLst>
   <p:sldSz cx="9144000" cy="6858000" type="screen4x3"/>
   <p:notesSz cx="6858000" cy="9144000"/>
@@ -217,7 +218,7 @@
           <a:p>
             <a:fld id="{86D9CFD8-CAB8-48EB-8F6E-38F2E3A6F7FF}" type="datetimeFigureOut">
               <a:rPr lang="zh-CN" altLang="en-US" smtClean="0"/>
-              <a:t>2025/11/29</a:t>
+              <a:t>2025/11/30</a:t>
             </a:fld>
             <a:endParaRPr lang="zh-CN" altLang="en-US"/>
           </a:p>
@@ -615,7 +616,7 @@
           <a:p>
             <a:fld id="{F5C4B063-6D8F-4781-B5C5-AE4C2C0FD4A4}" type="datetimeFigureOut">
               <a:rPr lang="zh-CN" altLang="en-US" smtClean="0"/>
-              <a:t>2025/11/29</a:t>
+              <a:t>2025/11/30</a:t>
             </a:fld>
             <a:endParaRPr lang="zh-CN" altLang="en-US"/>
           </a:p>
@@ -877,7 +878,7 @@
           <a:p>
             <a:fld id="{F5C4B063-6D8F-4781-B5C5-AE4C2C0FD4A4}" type="datetimeFigureOut">
               <a:rPr lang="zh-CN" altLang="en-US" smtClean="0"/>
-              <a:t>2025/11/29</a:t>
+              <a:t>2025/11/30</a:t>
             </a:fld>
             <a:endParaRPr lang="zh-CN" altLang="en-US"/>
           </a:p>
@@ -1047,7 +1048,7 @@
           <a:p>
             <a:fld id="{F5C4B063-6D8F-4781-B5C5-AE4C2C0FD4A4}" type="datetimeFigureOut">
               <a:rPr lang="zh-CN" altLang="en-US" smtClean="0"/>
-              <a:t>2025/11/29</a:t>
+              <a:t>2025/11/30</a:t>
             </a:fld>
             <a:endParaRPr lang="zh-CN" altLang="en-US"/>
           </a:p>
@@ -1227,7 +1228,7 @@
           <a:p>
             <a:fld id="{F5C4B063-6D8F-4781-B5C5-AE4C2C0FD4A4}" type="datetimeFigureOut">
               <a:rPr lang="zh-CN" altLang="en-US" smtClean="0"/>
-              <a:t>2025/11/29</a:t>
+              <a:t>2025/11/30</a:t>
             </a:fld>
             <a:endParaRPr lang="zh-CN" altLang="en-US"/>
           </a:p>
@@ -1328,7 +1329,7 @@
           <a:p>
             <a:fld id="{F5C4B063-6D8F-4781-B5C5-AE4C2C0FD4A4}" type="datetimeFigureOut">
               <a:rPr lang="zh-CN" altLang="en-US" smtClean="0"/>
-              <a:t>2025/11/29</a:t>
+              <a:t>2025/11/30</a:t>
             </a:fld>
             <a:endParaRPr lang="zh-CN" altLang="en-US"/>
           </a:p>
@@ -2390,7 +2391,7 @@
           <a:p>
             <a:fld id="{413C4906-7EA5-408D-A778-BE10735DF782}" type="datetime1">
               <a:rPr lang="zh-CN" altLang="en-US" smtClean="0"/>
-              <a:t>2025/11/29</a:t>
+              <a:t>2025/11/30</a:t>
             </a:fld>
             <a:endParaRPr lang="zh-CN" altLang="en-US"/>
           </a:p>
@@ -2841,7 +2842,7 @@
           <a:p>
             <a:fld id="{413C4906-7EA5-408D-A778-BE10735DF782}" type="datetime1">
               <a:rPr lang="zh-CN" altLang="en-US" smtClean="0"/>
-              <a:t>2025/11/29</a:t>
+              <a:t>2025/11/30</a:t>
             </a:fld>
             <a:endParaRPr lang="zh-CN" altLang="en-US"/>
           </a:p>
@@ -3032,7 +3033,7 @@
           <a:p>
             <a:fld id="{F5C4B063-6D8F-4781-B5C5-AE4C2C0FD4A4}" type="datetimeFigureOut">
               <a:rPr lang="zh-CN" altLang="en-US" smtClean="0"/>
-              <a:t>2025/11/29</a:t>
+              <a:t>2025/11/30</a:t>
             </a:fld>
             <a:endParaRPr lang="zh-CN" altLang="en-US"/>
           </a:p>
@@ -3322,7 +3323,7 @@
           <a:p>
             <a:fld id="{F5C4B063-6D8F-4781-B5C5-AE4C2C0FD4A4}" type="datetimeFigureOut">
               <a:rPr lang="zh-CN" altLang="en-US" smtClean="0"/>
-              <a:t>2025/11/29</a:t>
+              <a:t>2025/11/30</a:t>
             </a:fld>
             <a:endParaRPr lang="zh-CN" altLang="en-US"/>
           </a:p>
@@ -3554,7 +3555,7 @@
           <a:p>
             <a:fld id="{F5C4B063-6D8F-4781-B5C5-AE4C2C0FD4A4}" type="datetimeFigureOut">
               <a:rPr lang="zh-CN" altLang="en-US" smtClean="0"/>
-              <a:t>2025/11/29</a:t>
+              <a:t>2025/11/30</a:t>
             </a:fld>
             <a:endParaRPr lang="zh-CN" altLang="en-US"/>
           </a:p>
@@ -3967,7 +3968,7 @@
           <a:p>
             <a:fld id="{F5C4B063-6D8F-4781-B5C5-AE4C2C0FD4A4}" type="datetimeFigureOut">
               <a:rPr lang="zh-CN" altLang="en-US" smtClean="0"/>
-              <a:t>2025/11/29</a:t>
+              <a:t>2025/11/30</a:t>
             </a:fld>
             <a:endParaRPr lang="zh-CN" altLang="en-US"/>
           </a:p>
@@ -4131,7 +4132,7 @@
           <a:p>
             <a:fld id="{F5C4B063-6D8F-4781-B5C5-AE4C2C0FD4A4}" type="datetimeFigureOut">
               <a:rPr lang="zh-CN" altLang="en-US" smtClean="0"/>
-              <a:t>2025/11/29</a:t>
+              <a:t>2025/11/30</a:t>
             </a:fld>
             <a:endParaRPr lang="zh-CN" altLang="en-US"/>
           </a:p>
@@ -4272,7 +4273,7 @@
           <a:p>
             <a:fld id="{F5C4B063-6D8F-4781-B5C5-AE4C2C0FD4A4}" type="datetimeFigureOut">
               <a:rPr lang="zh-CN" altLang="en-US" smtClean="0"/>
-              <a:t>2025/11/29</a:t>
+              <a:t>2025/11/30</a:t>
             </a:fld>
             <a:endParaRPr lang="zh-CN" altLang="en-US"/>
           </a:p>
@@ -4413,7 +4414,7 @@
           <a:p>
             <a:fld id="{F5C4B063-6D8F-4781-B5C5-AE4C2C0FD4A4}" type="datetimeFigureOut">
               <a:rPr lang="zh-CN" altLang="en-US" smtClean="0"/>
-              <a:t>2025/11/29</a:t>
+              <a:t>2025/11/30</a:t>
             </a:fld>
             <a:endParaRPr lang="zh-CN" altLang="en-US"/>
           </a:p>
@@ -4690,7 +4691,7 @@
           <a:p>
             <a:fld id="{F5C4B063-6D8F-4781-B5C5-AE4C2C0FD4A4}" type="datetimeFigureOut">
               <a:rPr lang="zh-CN" altLang="en-US" smtClean="0"/>
-              <a:t>2025/11/29</a:t>
+              <a:t>2025/11/30</a:t>
             </a:fld>
             <a:endParaRPr lang="zh-CN" altLang="en-US"/>
           </a:p>
@@ -4903,7 +4904,7 @@
           <a:p>
             <a:fld id="{F5C4B063-6D8F-4781-B5C5-AE4C2C0FD4A4}" type="datetimeFigureOut">
               <a:rPr lang="zh-CN" altLang="en-US" smtClean="0"/>
-              <a:t>2025/11/29</a:t>
+              <a:t>2025/11/30</a:t>
             </a:fld>
             <a:endParaRPr lang="zh-CN" altLang="en-US"/>
           </a:p>
@@ -5546,7 +5547,7 @@
         </p:nvSpPr>
         <p:spPr>
           <a:xfrm>
-            <a:off x="2933951" y="5126930"/>
+            <a:off x="2933949" y="5773260"/>
             <a:ext cx="2774993" cy="461665"/>
           </a:xfrm>
           <a:prstGeom prst="rect">
@@ -5678,46 +5679,203 @@
           </a:p>
         </p:txBody>
       </p:sp>
-      <p:sp>
-        <p:nvSpPr>
-          <p:cNvPr id="11" name="内容占位符 10">
-            <a:extLst>
-              <a:ext uri="{FF2B5EF4-FFF2-40B4-BE49-F238E27FC236}">
-                <a16:creationId xmlns:a16="http://schemas.microsoft.com/office/drawing/2014/main" id="{A13EE26B-CB8B-B743-C433-841589786484}"/>
-              </a:ext>
-            </a:extLst>
-          </p:cNvPr>
-          <p:cNvSpPr>
-            <a:spLocks noGrp="1"/>
-          </p:cNvSpPr>
-          <p:nvPr>
-            <p:ph idx="1"/>
-          </p:nvPr>
-        </p:nvSpPr>
-        <p:spPr/>
-        <p:txBody>
-          <a:bodyPr/>
-          <a:lstStyle/>
-          <a:p>
-            <a:r>
-              <a:rPr lang="zh-CN" altLang="en-US" dirty="0"/>
-              <a:t>参数选择</a:t>
-            </a:r>
-            <a:endParaRPr lang="en-US" altLang="zh-CN" dirty="0"/>
-          </a:p>
-          <a:p>
-            <a:r>
-              <a:rPr lang="zh-CN" altLang="en-US" b="1" dirty="0"/>
-              <a:t>函数</a:t>
-            </a:r>
-            <a:endParaRPr lang="en-US" altLang="zh-CN" b="1" dirty="0"/>
-          </a:p>
-          <a:p>
-            <a:pPr lvl="1"/>
-            <a:endParaRPr lang="en-US" altLang="zh-CN" dirty="0"/>
-          </a:p>
-        </p:txBody>
-      </p:sp>
+      <mc:AlternateContent xmlns:mc="http://schemas.openxmlformats.org/markup-compatibility/2006" xmlns:a14="http://schemas.microsoft.com/office/drawing/2010/main">
+        <mc:Choice Requires="a14">
+          <p:sp>
+            <p:nvSpPr>
+              <p:cNvPr id="11" name="内容占位符 10">
+                <a:extLst>
+                  <a:ext uri="{FF2B5EF4-FFF2-40B4-BE49-F238E27FC236}">
+                    <a16:creationId xmlns:a16="http://schemas.microsoft.com/office/drawing/2014/main" id="{A13EE26B-CB8B-B743-C433-841589786484}"/>
+                  </a:ext>
+                </a:extLst>
+              </p:cNvPr>
+              <p:cNvSpPr>
+                <a:spLocks noGrp="1"/>
+              </p:cNvSpPr>
+              <p:nvPr>
+                <p:ph idx="1"/>
+              </p:nvPr>
+            </p:nvSpPr>
+            <p:spPr/>
+            <p:txBody>
+              <a:bodyPr>
+                <a:normAutofit/>
+              </a:bodyPr>
+              <a:lstStyle/>
+              <a:p>
+                <a:endParaRPr lang="en-US" altLang="zh-CN" dirty="0"/>
+              </a:p>
+              <a:p>
+                <a:endParaRPr lang="en-US" altLang="zh-CN" dirty="0"/>
+              </a:p>
+              <a:p>
+                <a:endParaRPr lang="en-US" altLang="zh-CN" dirty="0"/>
+              </a:p>
+              <a:p>
+                <a:endParaRPr lang="en-US" altLang="zh-CN" dirty="0"/>
+              </a:p>
+              <a:p>
+                <a:endParaRPr lang="en-US" altLang="zh-CN" dirty="0"/>
+              </a:p>
+              <a:p>
+                <a:endParaRPr lang="en-US" altLang="zh-CN" dirty="0"/>
+              </a:p>
+              <a:p>
+                <a:r>
+                  <a:rPr lang="zh-CN" altLang="en-US" dirty="0"/>
+                  <a:t>通过安全参数生成双线性参数</a:t>
+                </a:r>
+                <a:r>
+                  <a:rPr lang="en-US" altLang="zh-CN" dirty="0"/>
+                  <a:t>MP</a:t>
+                </a:r>
+                <a:r>
+                  <a:rPr lang="zh-CN" altLang="en-US" dirty="0"/>
+                  <a:t>，并选择公共参数</a:t>
+                </a:r>
+                <a:r>
+                  <a:rPr lang="en-US" altLang="zh-CN" dirty="0"/>
+                  <a:t>PF</a:t>
+                </a:r>
+                <a:r>
+                  <a:rPr lang="zh-CN" altLang="en-US" dirty="0"/>
+                  <a:t>。</a:t>
+                </a:r>
+                <a:endParaRPr lang="en-US" altLang="zh-CN" dirty="0"/>
+              </a:p>
+              <a:p>
+                <a:r>
+                  <a:rPr lang="zh-CN" altLang="en-US" dirty="0"/>
+                  <a:t>并生成</a:t>
+                </a:r>
+                <a:r>
+                  <a:rPr lang="en-US" altLang="zh-CN" dirty="0"/>
+                  <a:t>PP</a:t>
+                </a:r>
+                <a:r>
+                  <a:rPr lang="zh-CN" altLang="en-US" dirty="0"/>
+                  <a:t>作为公共参数</a:t>
+                </a:r>
+                <a:r>
+                  <a:rPr lang="en-US" altLang="zh-CN" dirty="0"/>
+                  <a:t>.g</a:t>
+                </a:r>
+                <a:r>
+                  <a:rPr lang="zh-CN" altLang="en-US" dirty="0"/>
+                  <a:t>是</a:t>
+                </a:r>
+                <a:r>
+                  <a:rPr lang="en-US" altLang="zh-CN" dirty="0"/>
+                  <a:t>G1</a:t>
+                </a:r>
+                <a:r>
+                  <a:rPr lang="zh-CN" altLang="en-US" dirty="0"/>
+                  <a:t>的生成元</a:t>
+                </a:r>
+                <a:r>
+                  <a:rPr lang="en-US" altLang="zh-CN" dirty="0"/>
+                  <a:t>,</a:t>
+                </a:r>
+                <a14:m>
+                  <m:oMath xmlns:m="http://schemas.openxmlformats.org/officeDocument/2006/math">
+                    <m:r>
+                      <a:rPr lang="en-US" altLang="zh-CN" b="0" i="1" smtClean="0">
+                        <a:latin typeface="Cambria Math" panose="02040503050406030204" pitchFamily="18" charset="0"/>
+                      </a:rPr>
+                      <m:t>𝜇</m:t>
+                    </m:r>
+                    <m:r>
+                      <a:rPr lang="zh-CN" altLang="en-US" i="1">
+                        <a:latin typeface="Cambria Math" panose="02040503050406030204" pitchFamily="18" charset="0"/>
+                      </a:rPr>
+                      <m:t>是</m:t>
+                    </m:r>
+                  </m:oMath>
+                </a14:m>
+                <a:r>
+                  <a:rPr lang="en-US" altLang="zh-CN" dirty="0"/>
+                  <a:t>G1</a:t>
+                </a:r>
+                <a:r>
+                  <a:rPr lang="zh-CN" altLang="en-US" dirty="0"/>
+                  <a:t>中随即元</a:t>
+                </a:r>
+                <a:r>
+                  <a:rPr lang="en-US" altLang="zh-CN" dirty="0"/>
+                  <a:t>.</a:t>
+                </a:r>
+              </a:p>
+              <a:p>
+                <a:r>
+                  <a:rPr lang="zh-CN" altLang="en-US" b="1" dirty="0"/>
+                  <a:t>客户端通过</a:t>
+                </a:r>
+                <a:r>
+                  <a:rPr lang="en-US" altLang="zh-CN" b="1" dirty="0"/>
+                  <a:t>PP</a:t>
+                </a:r>
+                <a:r>
+                  <a:rPr lang="zh-CN" altLang="en-US" b="1" dirty="0"/>
+                  <a:t>生成自己的公钥与私钥，公钥</a:t>
+                </a:r>
+                <a:r>
+                  <a:rPr lang="en-US" altLang="zh-CN" b="1" dirty="0"/>
+                  <a:t>pk</a:t>
+                </a:r>
+                <a:r>
+                  <a:rPr lang="zh-CN" altLang="en-US" b="1" dirty="0"/>
+                  <a:t>上链。</a:t>
+                </a:r>
+                <a:endParaRPr lang="en-US" altLang="zh-CN" b="1" dirty="0"/>
+              </a:p>
+              <a:p>
+                <a:pPr lvl="1"/>
+                <a:endParaRPr lang="en-US" altLang="zh-CN" dirty="0"/>
+              </a:p>
+            </p:txBody>
+          </p:sp>
+        </mc:Choice>
+        <mc:Fallback xmlns="">
+          <p:sp>
+            <p:nvSpPr>
+              <p:cNvPr id="11" name="内容占位符 10">
+                <a:extLst>
+                  <a:ext uri="{FF2B5EF4-FFF2-40B4-BE49-F238E27FC236}">
+                    <a16:creationId xmlns:a16="http://schemas.microsoft.com/office/drawing/2014/main" id="{A13EE26B-CB8B-B743-C433-841589786484}"/>
+                  </a:ext>
+                </a:extLst>
+              </p:cNvPr>
+              <p:cNvSpPr>
+                <a:spLocks noGrp="1" noRot="1" noChangeAspect="1" noMove="1" noResize="1" noEditPoints="1" noAdjustHandles="1" noChangeArrowheads="1" noChangeShapeType="1" noTextEdit="1"/>
+              </p:cNvSpPr>
+              <p:nvPr>
+                <p:ph idx="1"/>
+              </p:nvPr>
+            </p:nvSpPr>
+            <p:spPr>
+              <a:blipFill>
+                <a:blip r:embed="rId2"/>
+                <a:stretch>
+                  <a:fillRect l="-1005" r="-1236"/>
+                </a:stretch>
+              </a:blipFill>
+            </p:spPr>
+            <p:txBody>
+              <a:bodyPr/>
+              <a:lstStyle/>
+              <a:p>
+                <a:r>
+                  <a:rPr lang="zh-CN" altLang="en-US">
+                    <a:noFill/>
+                  </a:rPr>
+                  <a:t> </a:t>
+                </a:r>
+              </a:p>
+            </p:txBody>
+          </p:sp>
+        </mc:Fallback>
+      </mc:AlternateContent>
       <p:sp>
         <p:nvSpPr>
           <p:cNvPr id="8" name="矩形 7">
@@ -5791,12 +5949,42 @@
           <a:p>
             <a:r>
               <a:rPr lang="en-US" altLang="zh-CN" dirty="0"/>
-              <a:t>5</a:t>
+              <a:t>7</a:t>
             </a:r>
             <a:endParaRPr lang="zh-CN" altLang="en-US" dirty="0"/>
           </a:p>
         </p:txBody>
       </p:sp>
+      <p:pic>
+        <p:nvPicPr>
+          <p:cNvPr id="5" name="图片 4">
+            <a:extLst>
+              <a:ext uri="{FF2B5EF4-FFF2-40B4-BE49-F238E27FC236}">
+                <a16:creationId xmlns:a16="http://schemas.microsoft.com/office/drawing/2014/main" id="{0C2C050F-24B2-4C30-1B4E-610D9241C5AE}"/>
+              </a:ext>
+            </a:extLst>
+          </p:cNvPr>
+          <p:cNvPicPr>
+            <a:picLocks noChangeAspect="1"/>
+          </p:cNvPicPr>
+          <p:nvPr/>
+        </p:nvPicPr>
+        <p:blipFill>
+          <a:blip r:embed="rId3"/>
+          <a:stretch>
+            <a:fillRect/>
+          </a:stretch>
+        </p:blipFill>
+        <p:spPr>
+          <a:xfrm>
+            <a:off x="1845564" y="1753436"/>
+            <a:ext cx="4604017" cy="2702618"/>
+          </a:xfrm>
+          <a:prstGeom prst="rect">
+            <a:avLst/>
+          </a:prstGeom>
+        </p:spPr>
+      </p:pic>
     </p:spTree>
     <p:extLst>
       <p:ext uri="{BB962C8B-B14F-4D97-AF65-F5344CB8AC3E}">
@@ -5856,8 +6044,8 @@
           </a:p>
         </p:txBody>
       </p:sp>
-      <mc:AlternateContent xmlns:mc="http://schemas.openxmlformats.org/markup-compatibility/2006">
-        <mc:Choice xmlns:a14="http://schemas.microsoft.com/office/drawing/2010/main" Requires="a14">
+      <mc:AlternateContent xmlns:mc="http://schemas.openxmlformats.org/markup-compatibility/2006" xmlns:a14="http://schemas.microsoft.com/office/drawing/2010/main">
+        <mc:Choice Requires="a14">
           <p:sp>
             <p:nvSpPr>
               <p:cNvPr id="11" name="内容占位符 10">
@@ -7614,7 +7802,7 @@
             </p:txBody>
           </p:sp>
         </mc:Choice>
-        <mc:Fallback>
+        <mc:Fallback xmlns="">
           <p:sp>
             <p:nvSpPr>
               <p:cNvPr id="11" name="内容占位符 10">
@@ -7747,7 +7935,7 @@
           <a:p>
             <a:r>
               <a:rPr lang="en-US" altLang="zh-CN" dirty="0"/>
-              <a:t>1</a:t>
+              <a:t>8</a:t>
             </a:r>
             <a:endParaRPr lang="zh-CN" altLang="en-US" dirty="0"/>
           </a:p>
@@ -8026,7 +8214,7 @@
           <a:p>
             <a:r>
               <a:rPr lang="en-US" altLang="zh-CN" dirty="0"/>
-              <a:t>1</a:t>
+              <a:t>9</a:t>
             </a:r>
             <a:endParaRPr lang="zh-CN" altLang="en-US" dirty="0"/>
           </a:p>
@@ -8121,8 +8309,8 @@
           </a:p>
         </p:txBody>
       </p:sp>
-      <mc:AlternateContent xmlns:mc="http://schemas.openxmlformats.org/markup-compatibility/2006">
-        <mc:Choice xmlns:a14="http://schemas.microsoft.com/office/drawing/2010/main" Requires="a14">
+      <mc:AlternateContent xmlns:mc="http://schemas.openxmlformats.org/markup-compatibility/2006" xmlns:a14="http://schemas.microsoft.com/office/drawing/2010/main">
+        <mc:Choice Requires="a14">
           <p:sp>
             <p:nvSpPr>
               <p:cNvPr id="11" name="内容占位符 10">
@@ -8650,7 +8838,7 @@
             </p:txBody>
           </p:sp>
         </mc:Choice>
-        <mc:Fallback>
+        <mc:Fallback xmlns="">
           <p:sp>
             <p:nvSpPr>
               <p:cNvPr id="11" name="内容占位符 10">
@@ -8747,8 +8935,8 @@
         </p:nvSpPr>
         <p:spPr>
           <a:xfrm>
-            <a:off x="8145453" y="6361532"/>
-            <a:ext cx="314149" cy="369332"/>
+            <a:off x="8090240" y="6369281"/>
+            <a:ext cx="425110" cy="369332"/>
           </a:xfrm>
           <a:prstGeom prst="rect">
             <a:avLst/>
@@ -8763,7 +8951,7 @@
           <a:p>
             <a:r>
               <a:rPr lang="en-US" altLang="zh-CN" dirty="0"/>
-              <a:t>1</a:t>
+              <a:t>10</a:t>
             </a:r>
             <a:endParaRPr lang="zh-CN" altLang="en-US" dirty="0"/>
           </a:p>
@@ -8858,8 +9046,8 @@
           </a:p>
         </p:txBody>
       </p:sp>
-      <mc:AlternateContent xmlns:mc="http://schemas.openxmlformats.org/markup-compatibility/2006">
-        <mc:Choice xmlns:a14="http://schemas.microsoft.com/office/drawing/2010/main" Requires="a14">
+      <mc:AlternateContent xmlns:mc="http://schemas.openxmlformats.org/markup-compatibility/2006" xmlns:a14="http://schemas.microsoft.com/office/drawing/2010/main">
+        <mc:Choice Requires="a14">
           <p:sp>
             <p:nvSpPr>
               <p:cNvPr id="11" name="内容占位符 10">
@@ -9526,7 +9714,7 @@
             </p:txBody>
           </p:sp>
         </mc:Choice>
-        <mc:Fallback>
+        <mc:Fallback xmlns="">
           <p:sp>
             <p:nvSpPr>
               <p:cNvPr id="11" name="内容占位符 10">
@@ -9624,7 +9812,7 @@
         <p:spPr>
           <a:xfrm>
             <a:off x="8145453" y="6361532"/>
-            <a:ext cx="314149" cy="369332"/>
+            <a:ext cx="440608" cy="369332"/>
           </a:xfrm>
           <a:prstGeom prst="rect">
             <a:avLst/>
@@ -9639,7 +9827,7 @@
           <a:p>
             <a:r>
               <a:rPr lang="en-US" altLang="zh-CN" dirty="0"/>
-              <a:t>1</a:t>
+              <a:t>11</a:t>
             </a:r>
             <a:endParaRPr lang="zh-CN" altLang="en-US" dirty="0"/>
           </a:p>
@@ -10142,8 +10330,8 @@
           </a:p>
         </p:txBody>
       </p:sp>
-      <mc:AlternateContent xmlns:mc="http://schemas.openxmlformats.org/markup-compatibility/2006">
-        <mc:Choice xmlns:a14="http://schemas.microsoft.com/office/drawing/2010/main" Requires="a14">
+      <mc:AlternateContent xmlns:mc="http://schemas.openxmlformats.org/markup-compatibility/2006" xmlns:a14="http://schemas.microsoft.com/office/drawing/2010/main">
+        <mc:Choice Requires="a14">
           <p:sp>
             <p:nvSpPr>
               <p:cNvPr id="11" name="内容占位符 10">
@@ -10321,7 +10509,7 @@
             </p:txBody>
           </p:sp>
         </mc:Choice>
-        <mc:Fallback>
+        <mc:Fallback xmlns="">
           <p:sp>
             <p:nvSpPr>
               <p:cNvPr id="11" name="内容占位符 10">
@@ -10435,7 +10623,7 @@
         <p:spPr>
           <a:xfrm>
             <a:off x="8145453" y="6361532"/>
-            <a:ext cx="314149" cy="369332"/>
+            <a:ext cx="425110" cy="369332"/>
           </a:xfrm>
           <a:prstGeom prst="rect">
             <a:avLst/>
@@ -10450,7 +10638,7 @@
           <a:p>
             <a:r>
               <a:rPr lang="en-US" altLang="zh-CN" dirty="0"/>
-              <a:t>1</a:t>
+              <a:t>13</a:t>
             </a:r>
             <a:endParaRPr lang="zh-CN" altLang="en-US" dirty="0"/>
           </a:p>
@@ -10561,7 +10749,12 @@
             <p:ph idx="1"/>
           </p:nvPr>
         </p:nvSpPr>
-        <p:spPr/>
+        <p:spPr>
+          <a:xfrm>
+            <a:off x="628650" y="1795902"/>
+            <a:ext cx="7886700" cy="4351338"/>
+          </a:xfrm>
+        </p:spPr>
         <p:txBody>
           <a:bodyPr/>
           <a:lstStyle/>
@@ -10646,8 +10839,8 @@
         </p:nvSpPr>
         <p:spPr>
           <a:xfrm>
-            <a:off x="8145453" y="6361532"/>
-            <a:ext cx="314149" cy="369332"/>
+            <a:off x="8066993" y="6384780"/>
+            <a:ext cx="448357" cy="369332"/>
           </a:xfrm>
           <a:prstGeom prst="rect">
             <a:avLst/>
@@ -10662,7 +10855,7 @@
           <a:p>
             <a:r>
               <a:rPr lang="en-US" altLang="zh-CN" dirty="0"/>
-              <a:t>1</a:t>
+              <a:t>14</a:t>
             </a:r>
             <a:endParaRPr lang="zh-CN" altLang="en-US" dirty="0"/>
           </a:p>
@@ -10862,8 +11055,8 @@
         </p:nvSpPr>
         <p:spPr>
           <a:xfrm>
-            <a:off x="8145453" y="6361532"/>
-            <a:ext cx="314149" cy="369332"/>
+            <a:off x="8090240" y="6369281"/>
+            <a:ext cx="425110" cy="369332"/>
           </a:xfrm>
           <a:prstGeom prst="rect">
             <a:avLst/>
@@ -10878,7 +11071,7 @@
           <a:p>
             <a:r>
               <a:rPr lang="en-US" altLang="zh-CN" dirty="0"/>
-              <a:t>1</a:t>
+              <a:t>15</a:t>
             </a:r>
             <a:endParaRPr lang="zh-CN" altLang="en-US" dirty="0"/>
           </a:p>
@@ -11088,21 +11281,60 @@
             <p:ph idx="1"/>
           </p:nvPr>
         </p:nvSpPr>
-        <p:spPr/>
+        <p:spPr>
+          <a:xfrm>
+            <a:off x="628650" y="1825624"/>
+            <a:ext cx="7886700" cy="5086619"/>
+          </a:xfrm>
+        </p:spPr>
         <p:txBody>
           <a:bodyPr/>
           <a:lstStyle/>
           <a:p>
+            <a:endParaRPr lang="en-US" altLang="zh-CN" dirty="0"/>
+          </a:p>
+          <a:p>
+            <a:endParaRPr lang="en-US" altLang="zh-CN" dirty="0"/>
+          </a:p>
+          <a:p>
+            <a:endParaRPr lang="en-US" altLang="zh-CN" dirty="0"/>
+          </a:p>
+          <a:p>
+            <a:endParaRPr lang="en-US" altLang="zh-CN" dirty="0"/>
+          </a:p>
+          <a:p>
+            <a:endParaRPr lang="en-US" altLang="zh-CN" dirty="0"/>
+          </a:p>
+          <a:p>
+            <a:endParaRPr lang="en-US" altLang="zh-CN" dirty="0"/>
+          </a:p>
+          <a:p>
             <a:r>
               <a:rPr lang="zh-CN" altLang="en-US" dirty="0"/>
-              <a:t>密码学知识</a:t>
+              <a:t>图</a:t>
+            </a:r>
+            <a:r>
+              <a:rPr lang="en-US" altLang="zh-CN" dirty="0"/>
+              <a:t>(a)</a:t>
+            </a:r>
+            <a:r>
+              <a:rPr lang="zh-CN" altLang="en-US" dirty="0"/>
+              <a:t>表示计算公共参数与节点的参数的时间，本方案的计算时间比对比方案都好，节点越多越好。</a:t>
             </a:r>
             <a:endParaRPr lang="en-US" altLang="zh-CN" dirty="0"/>
           </a:p>
           <a:p>
             <a:r>
               <a:rPr lang="zh-CN" altLang="en-US" dirty="0"/>
-              <a:t>双线性配对</a:t>
+              <a:t>图</a:t>
+            </a:r>
+            <a:r>
+              <a:rPr lang="en-US" altLang="zh-CN" dirty="0"/>
+              <a:t>(b)</a:t>
+            </a:r>
+            <a:r>
+              <a:rPr lang="zh-CN" altLang="en-US" dirty="0"/>
+              <a:t>生成的参数上链的消耗量，表示上链信息的大小，初始参数不变，随着节点增加而增加上链公钥的信息。</a:t>
             </a:r>
             <a:endParaRPr lang="en-US" altLang="zh-CN" dirty="0"/>
           </a:p>
@@ -11149,7 +11381,7 @@
                   <a:schemeClr val="bg1"/>
                 </a:solidFill>
               </a:rPr>
-              <a:t>文件审计证明验证</a:t>
+              <a:t>系统初始化</a:t>
             </a:r>
             <a:endParaRPr lang="zh-CN" altLang="en-US" sz="2400" dirty="0"/>
           </a:p>
@@ -11169,8 +11401,8 @@
         </p:nvSpPr>
         <p:spPr>
           <a:xfrm>
-            <a:off x="8145453" y="6361532"/>
-            <a:ext cx="314149" cy="369332"/>
+            <a:off x="8090240" y="6358246"/>
+            <a:ext cx="425110" cy="369332"/>
           </a:xfrm>
           <a:prstGeom prst="rect">
             <a:avLst/>
@@ -11185,12 +11417,42 @@
           <a:p>
             <a:r>
               <a:rPr lang="en-US" altLang="zh-CN" dirty="0"/>
-              <a:t>1</a:t>
+              <a:t>16</a:t>
             </a:r>
             <a:endParaRPr lang="zh-CN" altLang="en-US" dirty="0"/>
           </a:p>
         </p:txBody>
       </p:sp>
+      <p:pic>
+        <p:nvPicPr>
+          <p:cNvPr id="4" name="图片 3">
+            <a:extLst>
+              <a:ext uri="{FF2B5EF4-FFF2-40B4-BE49-F238E27FC236}">
+                <a16:creationId xmlns:a16="http://schemas.microsoft.com/office/drawing/2014/main" id="{86F296B1-B435-D102-F719-3F239CBBE399}"/>
+              </a:ext>
+            </a:extLst>
+          </p:cNvPr>
+          <p:cNvPicPr>
+            <a:picLocks noChangeAspect="1"/>
+          </p:cNvPicPr>
+          <p:nvPr/>
+        </p:nvPicPr>
+        <p:blipFill>
+          <a:blip r:embed="rId2"/>
+          <a:stretch>
+            <a:fillRect/>
+          </a:stretch>
+        </p:blipFill>
+        <p:spPr>
+          <a:xfrm>
+            <a:off x="628650" y="1825625"/>
+            <a:ext cx="5767089" cy="2759157"/>
+          </a:xfrm>
+          <a:prstGeom prst="rect">
+            <a:avLst/>
+          </a:prstGeom>
+        </p:spPr>
+      </p:pic>
     </p:spTree>
     <p:extLst>
       <p:ext uri="{BB962C8B-B14F-4D97-AF65-F5344CB8AC3E}">
@@ -13279,13 +13541,7 @@
   <p:cSld>
     <p:spTree>
       <p:nvGrpSpPr>
-        <p:cNvPr id="1" name="">
-          <a:extLst>
-            <a:ext uri="{FF2B5EF4-FFF2-40B4-BE49-F238E27FC236}">
-              <a16:creationId xmlns:a16="http://schemas.microsoft.com/office/drawing/2014/main" id="{2D681ABA-FB76-315A-E5A9-263578AEB251}"/>
-            </a:ext>
-          </a:extLst>
-        </p:cNvPr>
+        <p:cNvPr id="1" name=""/>
         <p:cNvGrpSpPr/>
         <p:nvPr/>
       </p:nvGrpSpPr>
@@ -13302,7 +13558,7 @@
           <p:cNvPr id="6" name="标题 5">
             <a:extLst>
               <a:ext uri="{FF2B5EF4-FFF2-40B4-BE49-F238E27FC236}">
-                <a16:creationId xmlns:a16="http://schemas.microsoft.com/office/drawing/2014/main" id="{A461A439-6360-A722-11C6-0AE0FA81C304}"/>
+                <a16:creationId xmlns:a16="http://schemas.microsoft.com/office/drawing/2014/main" id="{437C2CDC-A940-7CC2-F410-CECD2F662AE5}"/>
               </a:ext>
             </a:extLst>
           </p:cNvPr>
@@ -13313,29 +13569,25 @@
             <p:ph type="title"/>
           </p:nvPr>
         </p:nvSpPr>
-        <p:spPr>
-          <a:xfrm>
-            <a:off x="628650" y="566057"/>
-            <a:ext cx="7886700" cy="725714"/>
-          </a:xfrm>
-        </p:spPr>
+        <p:spPr/>
         <p:txBody>
           <a:bodyPr/>
           <a:lstStyle/>
           <a:p>
+            <a:pPr algn="ctr"/>
             <a:r>
               <a:rPr lang="zh-CN" altLang="en-US" dirty="0"/>
-              <a:t>研究背景</a:t>
+              <a:t>实验</a:t>
             </a:r>
           </a:p>
         </p:txBody>
       </p:sp>
       <p:sp>
         <p:nvSpPr>
-          <p:cNvPr id="7" name="内容占位符 6">
+          <p:cNvPr id="11" name="内容占位符 10">
             <a:extLst>
               <a:ext uri="{FF2B5EF4-FFF2-40B4-BE49-F238E27FC236}">
-                <a16:creationId xmlns:a16="http://schemas.microsoft.com/office/drawing/2014/main" id="{3C227B6D-D82B-0616-E78D-2CDB8B74DFBA}"/>
+                <a16:creationId xmlns:a16="http://schemas.microsoft.com/office/drawing/2014/main" id="{A13EE26B-CB8B-B743-C433-841589786484}"/>
               </a:ext>
             </a:extLst>
           </p:cNvPr>
@@ -13348,18 +13600,72 @@
         </p:nvSpPr>
         <p:spPr>
           <a:xfrm>
-            <a:off x="628650" y="1902279"/>
-            <a:ext cx="7886700" cy="1377950"/>
+            <a:off x="628650" y="1825624"/>
+            <a:ext cx="7886700" cy="5086619"/>
           </a:xfrm>
         </p:spPr>
         <p:txBody>
           <a:bodyPr/>
           <a:lstStyle/>
           <a:p>
+            <a:endParaRPr lang="en-US" altLang="zh-CN" dirty="0"/>
+          </a:p>
+          <a:p>
+            <a:endParaRPr lang="en-US" altLang="zh-CN" dirty="0"/>
+          </a:p>
+          <a:p>
+            <a:endParaRPr lang="en-US" altLang="zh-CN" dirty="0"/>
+          </a:p>
+          <a:p>
+            <a:r>
+              <a:rPr lang="en-US" altLang="zh-CN" dirty="0"/>
+              <a:t>(a)</a:t>
+            </a:r>
             <a:r>
               <a:rPr lang="zh-CN" altLang="en-US" dirty="0"/>
-              <a:t>内容</a:t>
-            </a:r>
+              <a:t>表示搜索时的，客户端计算参数的时间，本方案的性能更加好。</a:t>
+            </a:r>
+            <a:endParaRPr lang="en-US" altLang="zh-CN" dirty="0"/>
+          </a:p>
+          <a:p>
+            <a:r>
+              <a:rPr lang="en-US" altLang="zh-CN" dirty="0"/>
+              <a:t>(b)</a:t>
+            </a:r>
+            <a:r>
+              <a:rPr lang="zh-CN" altLang="en-US" dirty="0"/>
+              <a:t>表示存储节点进行搜索证明与文件证明生成的时间。本方案的时间比对比方案都要好。</a:t>
+            </a:r>
+            <a:endParaRPr lang="en-US" altLang="zh-CN" dirty="0"/>
+          </a:p>
+          <a:p>
+            <a:r>
+              <a:rPr lang="en-US" altLang="zh-CN" dirty="0"/>
+              <a:t>(c)</a:t>
+            </a:r>
+            <a:r>
+              <a:rPr lang="zh-CN" altLang="en-US" dirty="0"/>
+              <a:t>表示其他的存储节点的验证时间，性能优势比较明显，双线性配对的计算性能比较好。</a:t>
+            </a:r>
+            <a:endParaRPr lang="en-US" altLang="zh-CN" dirty="0"/>
+          </a:p>
+          <a:p>
+            <a:r>
+              <a:rPr lang="en-US" altLang="zh-CN" dirty="0"/>
+              <a:t>(d)</a:t>
+            </a:r>
+            <a:r>
+              <a:rPr lang="zh-CN" altLang="en-US" dirty="0"/>
+              <a:t>上链信息的大小，本方案存储的信息也是最少的，同时保证搜索与文件认证的证明同时生成。</a:t>
+            </a:r>
+            <a:endParaRPr lang="en-US" altLang="zh-CN" dirty="0"/>
+          </a:p>
+          <a:p>
+            <a:endParaRPr lang="en-US" altLang="zh-CN" dirty="0"/>
+          </a:p>
+          <a:p>
+            <a:pPr lvl="1"/>
+            <a:endParaRPr lang="en-US" altLang="zh-CN" dirty="0"/>
           </a:p>
         </p:txBody>
       </p:sp>
@@ -13368,7 +13674,7 @@
           <p:cNvPr id="8" name="矩形 7">
             <a:extLst>
               <a:ext uri="{FF2B5EF4-FFF2-40B4-BE49-F238E27FC236}">
-                <a16:creationId xmlns:a16="http://schemas.microsoft.com/office/drawing/2014/main" id="{4B373E26-97B3-D6FE-3033-28F1707775C8}"/>
+                <a16:creationId xmlns:a16="http://schemas.microsoft.com/office/drawing/2014/main" id="{C4DD56A8-3B03-21D9-ABFC-E81760ADEDC1}"/>
               </a:ext>
             </a:extLst>
           </p:cNvPr>
@@ -13377,8 +13683,8 @@
         </p:nvSpPr>
         <p:spPr>
           <a:xfrm>
-            <a:off x="628650" y="1291771"/>
-            <a:ext cx="3943350" cy="461665"/>
+            <a:off x="628650" y="1321308"/>
+            <a:ext cx="7886700" cy="461665"/>
           </a:xfrm>
           <a:prstGeom prst="rect">
             <a:avLst/>
@@ -13393,29 +13699,14 @@
           </a:bodyPr>
           <a:lstStyle/>
           <a:p>
+            <a:pPr algn="ctr"/>
             <a:r>
               <a:rPr lang="zh-CN" altLang="en-US" sz="2400" dirty="0">
                 <a:solidFill>
                   <a:schemeClr val="bg1"/>
                 </a:solidFill>
               </a:rPr>
-              <a:t>本单小节</a:t>
-            </a:r>
-            <a:r>
-              <a:rPr lang="en-US" altLang="zh-CN" sz="2400" dirty="0">
-                <a:solidFill>
-                  <a:schemeClr val="bg1"/>
-                </a:solidFill>
-              </a:rPr>
-              <a:t>/</a:t>
-            </a:r>
-            <a:r>
-              <a:rPr lang="zh-CN" altLang="en-US" sz="2400" dirty="0">
-                <a:solidFill>
-                  <a:schemeClr val="bg1"/>
-                </a:solidFill>
-              </a:rPr>
-              <a:t>本页题目</a:t>
+              <a:t>系统初始化</a:t>
             </a:r>
             <a:endParaRPr lang="zh-CN" altLang="en-US" sz="2400" dirty="0"/>
           </a:p>
@@ -13423,10 +13714,284 @@
       </p:sp>
       <p:sp>
         <p:nvSpPr>
-          <p:cNvPr id="2" name="矩形 1">
+          <p:cNvPr id="2" name="文本框 1">
             <a:extLst>
               <a:ext uri="{FF2B5EF4-FFF2-40B4-BE49-F238E27FC236}">
-                <a16:creationId xmlns:a16="http://schemas.microsoft.com/office/drawing/2014/main" id="{CA40F8DE-C116-8900-E6C5-C56176905BCE}"/>
+                <a16:creationId xmlns:a16="http://schemas.microsoft.com/office/drawing/2014/main" id="{0E4CDA36-FADF-2B1D-E75E-6B10290F473A}"/>
+              </a:ext>
+            </a:extLst>
+          </p:cNvPr>
+          <p:cNvSpPr txBox="1"/>
+          <p:nvPr/>
+        </p:nvSpPr>
+        <p:spPr>
+          <a:xfrm>
+            <a:off x="8145453" y="6361532"/>
+            <a:ext cx="432859" cy="369332"/>
+          </a:xfrm>
+          <a:prstGeom prst="rect">
+            <a:avLst/>
+          </a:prstGeom>
+          <a:noFill/>
+        </p:spPr>
+        <p:txBody>
+          <a:bodyPr wrap="square" rtlCol="0">
+            <a:spAutoFit/>
+          </a:bodyPr>
+          <a:lstStyle/>
+          <a:p>
+            <a:r>
+              <a:rPr lang="en-US" altLang="zh-CN" dirty="0"/>
+              <a:t>17</a:t>
+            </a:r>
+            <a:endParaRPr lang="zh-CN" altLang="en-US" dirty="0"/>
+          </a:p>
+        </p:txBody>
+      </p:sp>
+      <p:pic>
+        <p:nvPicPr>
+          <p:cNvPr id="3" name="图片 2">
+            <a:extLst>
+              <a:ext uri="{FF2B5EF4-FFF2-40B4-BE49-F238E27FC236}">
+                <a16:creationId xmlns:a16="http://schemas.microsoft.com/office/drawing/2014/main" id="{6694B56D-FC59-AED6-36C8-A1ED09754C37}"/>
+              </a:ext>
+            </a:extLst>
+          </p:cNvPr>
+          <p:cNvPicPr>
+            <a:picLocks noChangeAspect="1"/>
+          </p:cNvPicPr>
+          <p:nvPr/>
+        </p:nvPicPr>
+        <p:blipFill>
+          <a:blip r:embed="rId2"/>
+          <a:stretch>
+            <a:fillRect/>
+          </a:stretch>
+        </p:blipFill>
+        <p:spPr>
+          <a:xfrm>
+            <a:off x="151107" y="1825624"/>
+            <a:ext cx="8643773" cy="1325563"/>
+          </a:xfrm>
+          <a:prstGeom prst="rect">
+            <a:avLst/>
+          </a:prstGeom>
+        </p:spPr>
+      </p:pic>
+    </p:spTree>
+    <p:extLst>
+      <p:ext uri="{BB962C8B-B14F-4D97-AF65-F5344CB8AC3E}">
+        <p14:creationId xmlns:p14="http://schemas.microsoft.com/office/powerpoint/2010/main" val="1251759228"/>
+      </p:ext>
+    </p:extLst>
+  </p:cSld>
+  <p:clrMapOvr>
+    <a:masterClrMapping/>
+  </p:clrMapOvr>
+</p:sld>
+</file>
+
+<file path=ppt/slides/slide21.xml><?xml version="1.0" encoding="utf-8"?>
+<p:sld xmlns:a="http://schemas.openxmlformats.org/drawingml/2006/main" xmlns:r="http://schemas.openxmlformats.org/officeDocument/2006/relationships" xmlns:p="http://schemas.openxmlformats.org/presentationml/2006/main">
+  <p:cSld>
+    <p:spTree>
+      <p:nvGrpSpPr>
+        <p:cNvPr id="1" name=""/>
+        <p:cNvGrpSpPr/>
+        <p:nvPr/>
+      </p:nvGrpSpPr>
+      <p:grpSpPr>
+        <a:xfrm>
+          <a:off x="0" y="0"/>
+          <a:ext cx="0" cy="0"/>
+          <a:chOff x="0" y="0"/>
+          <a:chExt cx="0" cy="0"/>
+        </a:xfrm>
+      </p:grpSpPr>
+      <p:sp>
+        <p:nvSpPr>
+          <p:cNvPr id="6" name="标题 5">
+            <a:extLst>
+              <a:ext uri="{FF2B5EF4-FFF2-40B4-BE49-F238E27FC236}">
+                <a16:creationId xmlns:a16="http://schemas.microsoft.com/office/drawing/2014/main" id="{437C2CDC-A940-7CC2-F410-CECD2F662AE5}"/>
+              </a:ext>
+            </a:extLst>
+          </p:cNvPr>
+          <p:cNvSpPr>
+            <a:spLocks noGrp="1"/>
+          </p:cNvSpPr>
+          <p:nvPr>
+            <p:ph type="title"/>
+          </p:nvPr>
+        </p:nvSpPr>
+        <p:spPr/>
+        <p:txBody>
+          <a:bodyPr/>
+          <a:lstStyle/>
+          <a:p>
+            <a:pPr algn="ctr"/>
+            <a:r>
+              <a:rPr lang="zh-CN" altLang="en-US" dirty="0"/>
+              <a:t>方案缺陷</a:t>
+            </a:r>
+          </a:p>
+        </p:txBody>
+      </p:sp>
+      <p:sp>
+        <p:nvSpPr>
+          <p:cNvPr id="11" name="内容占位符 10">
+            <a:extLst>
+              <a:ext uri="{FF2B5EF4-FFF2-40B4-BE49-F238E27FC236}">
+                <a16:creationId xmlns:a16="http://schemas.microsoft.com/office/drawing/2014/main" id="{A13EE26B-CB8B-B743-C433-841589786484}"/>
+              </a:ext>
+            </a:extLst>
+          </p:cNvPr>
+          <p:cNvSpPr>
+            <a:spLocks noGrp="1"/>
+          </p:cNvSpPr>
+          <p:nvPr>
+            <p:ph idx="1"/>
+          </p:nvPr>
+        </p:nvSpPr>
+        <p:spPr>
+          <a:xfrm>
+            <a:off x="628650" y="1825624"/>
+            <a:ext cx="7886700" cy="5086619"/>
+          </a:xfrm>
+        </p:spPr>
+        <p:txBody>
+          <a:bodyPr/>
+          <a:lstStyle/>
+          <a:p>
+            <a:r>
+              <a:rPr lang="en-US" altLang="zh-CN" dirty="0"/>
+              <a:t>1.</a:t>
+            </a:r>
+            <a:r>
+              <a:rPr lang="zh-CN" altLang="en-US" dirty="0"/>
+              <a:t>只支持单关键字搜索，无法原生支持多关键字查询</a:t>
+            </a:r>
+            <a:endParaRPr lang="en-US" altLang="zh-CN" dirty="0"/>
+          </a:p>
+          <a:p>
+            <a:pPr lvl="1"/>
+            <a:r>
+              <a:rPr lang="zh-CN" altLang="en-US" dirty="0"/>
+              <a:t>多关键字 </a:t>
+            </a:r>
+            <a:r>
+              <a:rPr lang="en-US" altLang="zh-CN" dirty="0"/>
+              <a:t>AND/OR </a:t>
+            </a:r>
+            <a:r>
+              <a:rPr lang="zh-CN" altLang="en-US" dirty="0"/>
+              <a:t>查询需要拆成多个单关键字查询。</a:t>
+            </a:r>
+            <a:endParaRPr lang="en-US" altLang="zh-CN" dirty="0"/>
+          </a:p>
+          <a:p>
+            <a:pPr lvl="1"/>
+            <a:r>
+              <a:rPr lang="zh-CN" altLang="en-US" dirty="0"/>
+              <a:t>多关键字会导致多个证明，链上提交的条目线性增加。</a:t>
+            </a:r>
+            <a:endParaRPr lang="en-US" altLang="zh-CN" dirty="0"/>
+          </a:p>
+          <a:p>
+            <a:pPr lvl="1"/>
+            <a:r>
+              <a:rPr lang="zh-CN" altLang="en-US" dirty="0"/>
+              <a:t>无法做联合证明。</a:t>
+            </a:r>
+            <a:endParaRPr lang="en-US" altLang="zh-CN" dirty="0"/>
+          </a:p>
+          <a:p>
+            <a:r>
+              <a:rPr lang="en-US" altLang="zh-CN" dirty="0"/>
+              <a:t>2.</a:t>
+            </a:r>
+            <a:r>
+              <a:rPr lang="zh-CN" altLang="en-US" dirty="0"/>
+              <a:t>低资源节点</a:t>
+            </a:r>
+            <a:r>
+              <a:rPr lang="en-US" altLang="zh-CN" dirty="0"/>
+              <a:t>(</a:t>
+            </a:r>
+            <a:r>
+              <a:rPr lang="zh-CN" altLang="en-US" dirty="0"/>
+              <a:t>轻节点</a:t>
+            </a:r>
+            <a:r>
+              <a:rPr lang="en-US" altLang="zh-CN" dirty="0"/>
+              <a:t>)</a:t>
+            </a:r>
+            <a:r>
+              <a:rPr lang="zh-CN" altLang="en-US" dirty="0"/>
+              <a:t>无法承担搜索与证明生成工作。</a:t>
+            </a:r>
+            <a:endParaRPr lang="en-US" altLang="zh-CN" dirty="0"/>
+          </a:p>
+          <a:p>
+            <a:r>
+              <a:rPr lang="en-US" altLang="zh-CN" dirty="0"/>
+              <a:t>3.</a:t>
+            </a:r>
+            <a:r>
+              <a:rPr lang="zh-CN" altLang="en-US" dirty="0"/>
+              <a:t>缺乏针对可验证搜索与验证行为的激励机制</a:t>
+            </a:r>
+            <a:endParaRPr lang="en-US" altLang="zh-CN" dirty="0"/>
+          </a:p>
+          <a:p>
+            <a:pPr lvl="1"/>
+            <a:r>
+              <a:rPr lang="zh-CN" altLang="en-US" dirty="0"/>
+              <a:t>导致生成证明的存储节点的积极性不高，从而影响用户。</a:t>
+            </a:r>
+            <a:endParaRPr lang="en-US" altLang="zh-CN" dirty="0"/>
+          </a:p>
+          <a:p>
+            <a:r>
+              <a:rPr lang="en-US" altLang="zh-CN" dirty="0"/>
+              <a:t>4.</a:t>
+            </a:r>
+            <a:r>
+              <a:rPr lang="zh-CN" altLang="en-US" dirty="0"/>
+              <a:t>动态可搜索加密结构未隐藏文档数量变化</a:t>
+            </a:r>
+            <a:endParaRPr lang="en-US" altLang="zh-CN" dirty="0"/>
+          </a:p>
+          <a:p>
+            <a:pPr lvl="1"/>
+            <a:r>
+              <a:rPr lang="zh-CN" altLang="en-US" dirty="0"/>
+              <a:t>公开了用户的关键信息，关键词对应的文件数量信息。</a:t>
+            </a:r>
+            <a:endParaRPr lang="en-US" altLang="zh-CN" dirty="0"/>
+          </a:p>
+          <a:p>
+            <a:pPr lvl="1"/>
+            <a:endParaRPr lang="en-US" altLang="zh-CN" dirty="0"/>
+          </a:p>
+          <a:p>
+            <a:endParaRPr lang="en-US" altLang="zh-CN" dirty="0"/>
+          </a:p>
+          <a:p>
+            <a:endParaRPr lang="en-US" altLang="zh-CN" dirty="0"/>
+          </a:p>
+          <a:p>
+            <a:pPr lvl="1"/>
+            <a:endParaRPr lang="en-US" altLang="zh-CN" dirty="0"/>
+          </a:p>
+        </p:txBody>
+      </p:sp>
+      <p:sp>
+        <p:nvSpPr>
+          <p:cNvPr id="8" name="矩形 7">
+            <a:extLst>
+              <a:ext uri="{FF2B5EF4-FFF2-40B4-BE49-F238E27FC236}">
+                <a16:creationId xmlns:a16="http://schemas.microsoft.com/office/drawing/2014/main" id="{C4DD56A8-3B03-21D9-ABFC-E81760ADEDC1}"/>
               </a:ext>
             </a:extLst>
           </p:cNvPr>
@@ -13435,8 +14000,8 @@
         </p:nvSpPr>
         <p:spPr>
           <a:xfrm>
-            <a:off x="628650" y="3512457"/>
-            <a:ext cx="3943350" cy="461665"/>
+            <a:off x="628650" y="1321308"/>
+            <a:ext cx="7886700" cy="461665"/>
           </a:xfrm>
           <a:prstGeom prst="rect">
             <a:avLst/>
@@ -13451,29 +14016,14 @@
           </a:bodyPr>
           <a:lstStyle/>
           <a:p>
+            <a:pPr algn="ctr"/>
             <a:r>
               <a:rPr lang="zh-CN" altLang="en-US" sz="2400" dirty="0">
                 <a:solidFill>
                   <a:schemeClr val="bg1"/>
                 </a:solidFill>
               </a:rPr>
-              <a:t>本单小节</a:t>
-            </a:r>
-            <a:r>
-              <a:rPr lang="en-US" altLang="zh-CN" sz="2400" dirty="0">
-                <a:solidFill>
-                  <a:schemeClr val="bg1"/>
-                </a:solidFill>
-              </a:rPr>
-              <a:t>/</a:t>
-            </a:r>
-            <a:r>
-              <a:rPr lang="zh-CN" altLang="en-US" sz="2400" dirty="0">
-                <a:solidFill>
-                  <a:schemeClr val="bg1"/>
-                </a:solidFill>
-              </a:rPr>
-              <a:t>本页题目</a:t>
+              <a:t>缺陷</a:t>
             </a:r>
             <a:endParaRPr lang="zh-CN" altLang="en-US" sz="2400" dirty="0"/>
           </a:p>
@@ -13481,61 +14031,10 @@
       </p:sp>
       <p:sp>
         <p:nvSpPr>
-          <p:cNvPr id="4" name="矩形 3">
+          <p:cNvPr id="2" name="文本框 1">
             <a:extLst>
               <a:ext uri="{FF2B5EF4-FFF2-40B4-BE49-F238E27FC236}">
-                <a16:creationId xmlns:a16="http://schemas.microsoft.com/office/drawing/2014/main" id="{65964D27-E81B-7E19-D0EE-852788655C2F}"/>
-              </a:ext>
-            </a:extLst>
-          </p:cNvPr>
-          <p:cNvSpPr/>
-          <p:nvPr/>
-        </p:nvSpPr>
-        <p:spPr>
-          <a:xfrm>
-            <a:off x="628650" y="4039436"/>
-            <a:ext cx="8113593" cy="524311"/>
-          </a:xfrm>
-          <a:prstGeom prst="rect">
-            <a:avLst/>
-          </a:prstGeom>
-        </p:spPr>
-        <p:txBody>
-          <a:bodyPr wrap="square">
-            <a:spAutoFit/>
-          </a:bodyPr>
-          <a:lstStyle/>
-          <a:p>
-            <a:pPr marL="342900" indent="-342900">
-              <a:lnSpc>
-                <a:spcPct val="125000"/>
-              </a:lnSpc>
-              <a:buFont typeface="Arial" panose="020B0604020202020204" pitchFamily="34" charset="0"/>
-              <a:buChar char="•"/>
-            </a:pPr>
-            <a:r>
-              <a:rPr lang="zh-CN" altLang="en-US" sz="2400" dirty="0">
-                <a:latin typeface="华文宋体" panose="02010600040101010101" pitchFamily="2" charset="-122"/>
-                <a:ea typeface="华文宋体" panose="02010600040101010101" pitchFamily="2" charset="-122"/>
-              </a:rPr>
-              <a:t>内容</a:t>
-            </a:r>
-            <a:r>
-              <a:rPr lang="en-US" altLang="zh-CN" sz="2200" dirty="0">
-                <a:latin typeface="华文宋体" panose="02010600040101010101" pitchFamily="2" charset="-122"/>
-                <a:ea typeface="华文宋体" panose="02010600040101010101" pitchFamily="2" charset="-122"/>
-              </a:rPr>
-              <a:t> </a:t>
-            </a:r>
-          </a:p>
-        </p:txBody>
-      </p:sp>
-      <p:sp>
-        <p:nvSpPr>
-          <p:cNvPr id="3" name="文本框 2">
-            <a:extLst>
-              <a:ext uri="{FF2B5EF4-FFF2-40B4-BE49-F238E27FC236}">
-                <a16:creationId xmlns:a16="http://schemas.microsoft.com/office/drawing/2014/main" id="{B54D28C0-13FF-26C2-9DAB-6CF3B3BC29BC}"/>
+                <a16:creationId xmlns:a16="http://schemas.microsoft.com/office/drawing/2014/main" id="{0E4CDA36-FADF-2B1D-E75E-6B10290F473A}"/>
               </a:ext>
             </a:extLst>
           </p:cNvPr>
@@ -13544,8 +14043,8 @@
         </p:nvSpPr>
         <p:spPr>
           <a:xfrm>
-            <a:off x="8173503" y="6367141"/>
-            <a:ext cx="397946" cy="369332"/>
+            <a:off x="8145453" y="6361532"/>
+            <a:ext cx="432859" cy="369332"/>
           </a:xfrm>
           <a:prstGeom prst="rect">
             <a:avLst/>
@@ -13560,7 +14059,7 @@
           <a:p>
             <a:r>
               <a:rPr lang="en-US" altLang="zh-CN" dirty="0"/>
-              <a:t>2</a:t>
+              <a:t>18</a:t>
             </a:r>
             <a:endParaRPr lang="zh-CN" altLang="en-US" dirty="0"/>
           </a:p>
@@ -13569,7 +14068,7 @@
     </p:spTree>
     <p:extLst>
       <p:ext uri="{BB962C8B-B14F-4D97-AF65-F5344CB8AC3E}">
-        <p14:creationId xmlns:p14="http://schemas.microsoft.com/office/powerpoint/2010/main" val="1466982382"/>
+        <p14:creationId xmlns:p14="http://schemas.microsoft.com/office/powerpoint/2010/main" val="3941473591"/>
       </p:ext>
     </p:extLst>
   </p:cSld>
@@ -13579,7 +14078,7 @@
 </p:sld>
 </file>
 
-<file path=ppt/slides/slide21.xml><?xml version="1.0" encoding="utf-8"?>
+<file path=ppt/slides/slide22.xml><?xml version="1.0" encoding="utf-8"?>
 <p:sld xmlns:a="http://schemas.openxmlformats.org/drawingml/2006/main" xmlns:r="http://schemas.openxmlformats.org/officeDocument/2006/relationships" xmlns:p="http://schemas.openxmlformats.org/presentationml/2006/main">
   <p:cSld>
     <p:spTree>
@@ -14940,54 +15439,752 @@
           </a:p>
         </p:txBody>
       </p:sp>
-      <p:sp>
-        <p:nvSpPr>
-          <p:cNvPr id="11" name="内容占位符 10">
-            <a:extLst>
-              <a:ext uri="{FF2B5EF4-FFF2-40B4-BE49-F238E27FC236}">
-                <a16:creationId xmlns:a16="http://schemas.microsoft.com/office/drawing/2014/main" id="{A13EE26B-CB8B-B743-C433-841589786484}"/>
-              </a:ext>
-            </a:extLst>
-          </p:cNvPr>
-          <p:cNvSpPr>
-            <a:spLocks noGrp="1"/>
-          </p:cNvSpPr>
-          <p:nvPr>
-            <p:ph idx="1"/>
-          </p:nvPr>
-        </p:nvSpPr>
-        <p:spPr/>
-        <p:txBody>
-          <a:bodyPr/>
-          <a:lstStyle/>
-          <a:p>
-            <a:r>
-              <a:rPr lang="zh-CN" altLang="en-US" dirty="0"/>
-              <a:t>在 </a:t>
-            </a:r>
-            <a:r>
-              <a:rPr lang="en-US" altLang="zh-CN" dirty="0"/>
-              <a:t>DSN </a:t>
-            </a:r>
-            <a:r>
-              <a:rPr lang="zh-CN" altLang="en-US" dirty="0"/>
-              <a:t>中同时实现“可验证搜索 </a:t>
-            </a:r>
-            <a:r>
-              <a:rPr lang="en-US" altLang="zh-CN" dirty="0"/>
-              <a:t>+ </a:t>
-            </a:r>
-            <a:r>
-              <a:rPr lang="zh-CN" altLang="en-US" dirty="0"/>
-              <a:t>完整性审计”的困难：</a:t>
-            </a:r>
-            <a:endParaRPr lang="en-US" altLang="zh-CN" dirty="0"/>
-          </a:p>
-          <a:p>
-            <a:endParaRPr lang="en-US" altLang="zh-CN" dirty="0"/>
-          </a:p>
-        </p:txBody>
-      </p:sp>
+      <mc:AlternateContent xmlns:mc="http://schemas.openxmlformats.org/markup-compatibility/2006" xmlns:a14="http://schemas.microsoft.com/office/drawing/2010/main">
+        <mc:Choice Requires="a14">
+          <p:sp>
+            <p:nvSpPr>
+              <p:cNvPr id="11" name="内容占位符 10">
+                <a:extLst>
+                  <a:ext uri="{FF2B5EF4-FFF2-40B4-BE49-F238E27FC236}">
+                    <a16:creationId xmlns:a16="http://schemas.microsoft.com/office/drawing/2014/main" id="{A13EE26B-CB8B-B743-C433-841589786484}"/>
+                  </a:ext>
+                </a:extLst>
+              </p:cNvPr>
+              <p:cNvSpPr>
+                <a:spLocks noGrp="1"/>
+              </p:cNvSpPr>
+              <p:nvPr>
+                <p:ph idx="1"/>
+              </p:nvPr>
+            </p:nvSpPr>
+            <p:spPr/>
+            <p:txBody>
+              <a:bodyPr/>
+              <a:lstStyle/>
+              <a:p>
+                <a:r>
+                  <a:rPr lang="zh-CN" altLang="en-US" dirty="0"/>
+                  <a:t>把群</a:t>
+                </a:r>
+                <a14:m>
+                  <m:oMath xmlns:m="http://schemas.openxmlformats.org/officeDocument/2006/math">
+                    <m:sSub>
+                      <m:sSubPr>
+                        <m:ctrlPr>
+                          <a:rPr lang="en-US" altLang="zh-CN" b="0" i="1" dirty="0" smtClean="0">
+                            <a:latin typeface="Cambria Math" panose="02040503050406030204" pitchFamily="18" charset="0"/>
+                          </a:rPr>
+                        </m:ctrlPr>
+                      </m:sSubPr>
+                      <m:e>
+                        <m:r>
+                          <m:rPr>
+                            <m:sty m:val="p"/>
+                          </m:rPr>
+                          <a:rPr lang="en-US" altLang="zh-CN" i="1" dirty="0">
+                            <a:latin typeface="Cambria Math" panose="02040503050406030204" pitchFamily="18" charset="0"/>
+                          </a:rPr>
+                          <m:t>G</m:t>
+                        </m:r>
+                      </m:e>
+                      <m:sub>
+                        <m:r>
+                          <a:rPr lang="en-US" altLang="zh-CN" b="0" i="1" dirty="0" smtClean="0">
+                            <a:latin typeface="Cambria Math" panose="02040503050406030204" pitchFamily="18" charset="0"/>
+                          </a:rPr>
+                          <m:t>1</m:t>
+                        </m:r>
+                      </m:sub>
+                    </m:sSub>
+                    <m:r>
+                      <a:rPr lang="en-US" altLang="zh-CN" b="0" i="1" dirty="0" smtClean="0">
+                        <a:latin typeface="Cambria Math" panose="02040503050406030204" pitchFamily="18" charset="0"/>
+                      </a:rPr>
+                      <m:t>,</m:t>
+                    </m:r>
+                    <m:sSub>
+                      <m:sSubPr>
+                        <m:ctrlPr>
+                          <a:rPr lang="en-US" altLang="zh-CN" b="0" i="1" dirty="0" smtClean="0">
+                            <a:latin typeface="Cambria Math" panose="02040503050406030204" pitchFamily="18" charset="0"/>
+                          </a:rPr>
+                        </m:ctrlPr>
+                      </m:sSubPr>
+                      <m:e>
+                        <m:r>
+                          <a:rPr lang="en-US" altLang="zh-CN" b="0" i="1" dirty="0" smtClean="0">
+                            <a:latin typeface="Cambria Math" panose="02040503050406030204" pitchFamily="18" charset="0"/>
+                          </a:rPr>
+                          <m:t>𝐺</m:t>
+                        </m:r>
+                      </m:e>
+                      <m:sub>
+                        <m:r>
+                          <a:rPr lang="en-US" altLang="zh-CN" b="0" i="1" dirty="0" smtClean="0">
+                            <a:latin typeface="Cambria Math" panose="02040503050406030204" pitchFamily="18" charset="0"/>
+                          </a:rPr>
+                          <m:t>2</m:t>
+                        </m:r>
+                      </m:sub>
+                    </m:sSub>
+                  </m:oMath>
+                </a14:m>
+                <a:r>
+                  <a:rPr lang="zh-CN" altLang="en-US" dirty="0"/>
+                  <a:t>的两个元素</a:t>
+                </a:r>
+                <a:r>
+                  <a:rPr lang="en-US" altLang="zh-CN" dirty="0" err="1"/>
+                  <a:t>a,b</a:t>
+                </a:r>
+                <a:r>
+                  <a:rPr lang="zh-CN" altLang="en-US" dirty="0"/>
+                  <a:t>映射到</a:t>
+                </a:r>
+                <a14:m>
+                  <m:oMath xmlns:m="http://schemas.openxmlformats.org/officeDocument/2006/math">
+                    <m:sSub>
+                      <m:sSubPr>
+                        <m:ctrlPr>
+                          <a:rPr lang="en-US" altLang="zh-CN" b="0" i="1" dirty="0" smtClean="0">
+                            <a:latin typeface="Cambria Math" panose="02040503050406030204" pitchFamily="18" charset="0"/>
+                          </a:rPr>
+                        </m:ctrlPr>
+                      </m:sSubPr>
+                      <m:e>
+                        <m:r>
+                          <m:rPr>
+                            <m:sty m:val="p"/>
+                          </m:rPr>
+                          <a:rPr lang="en-US" altLang="zh-CN" i="1" dirty="0">
+                            <a:latin typeface="Cambria Math" panose="02040503050406030204" pitchFamily="18" charset="0"/>
+                          </a:rPr>
+                          <m:t>G</m:t>
+                        </m:r>
+                      </m:e>
+                      <m:sub>
+                        <m:r>
+                          <a:rPr lang="en-US" altLang="zh-CN" b="0" i="1" dirty="0" smtClean="0">
+                            <a:latin typeface="Cambria Math" panose="02040503050406030204" pitchFamily="18" charset="0"/>
+                          </a:rPr>
+                          <m:t>𝑇</m:t>
+                        </m:r>
+                      </m:sub>
+                    </m:sSub>
+                    <m:r>
+                      <a:rPr lang="zh-CN" altLang="en-US" i="1" dirty="0">
+                        <a:latin typeface="Cambria Math" panose="02040503050406030204" pitchFamily="18" charset="0"/>
+                      </a:rPr>
+                      <m:t>中</m:t>
+                    </m:r>
+                  </m:oMath>
+                </a14:m>
+                <a:r>
+                  <a:rPr lang="zh-CN" altLang="en-US" dirty="0"/>
+                  <a:t>。</a:t>
+                </a:r>
+                <a:endParaRPr lang="en-US" altLang="zh-CN" dirty="0"/>
+              </a:p>
+              <a:p>
+                <a:pPr lvl="1"/>
+                <a:r>
+                  <a:rPr lang="zh-CN" altLang="en-US" dirty="0"/>
+                  <a:t>即</a:t>
+                </a:r>
+                <a14:m>
+                  <m:oMath xmlns:m="http://schemas.openxmlformats.org/officeDocument/2006/math">
+                    <m:r>
+                      <a:rPr lang="en-US" altLang="zh-CN" b="0" i="1" smtClean="0">
+                        <a:latin typeface="Cambria Math" panose="02040503050406030204" pitchFamily="18" charset="0"/>
+                      </a:rPr>
+                      <m:t>𝑒</m:t>
+                    </m:r>
+                    <m:d>
+                      <m:dPr>
+                        <m:ctrlPr>
+                          <a:rPr lang="en-US" altLang="zh-CN" b="0" i="1" smtClean="0">
+                            <a:latin typeface="Cambria Math" panose="02040503050406030204" pitchFamily="18" charset="0"/>
+                          </a:rPr>
+                        </m:ctrlPr>
+                      </m:dPr>
+                      <m:e>
+                        <m:r>
+                          <a:rPr lang="en-US" altLang="zh-CN" b="0" i="1" smtClean="0">
+                            <a:latin typeface="Cambria Math" panose="02040503050406030204" pitchFamily="18" charset="0"/>
+                          </a:rPr>
+                          <m:t>𝑎</m:t>
+                        </m:r>
+                        <m:r>
+                          <a:rPr lang="en-US" altLang="zh-CN" b="0" i="1" smtClean="0">
+                            <a:latin typeface="Cambria Math" panose="02040503050406030204" pitchFamily="18" charset="0"/>
+                          </a:rPr>
+                          <m:t>,</m:t>
+                        </m:r>
+                        <m:r>
+                          <a:rPr lang="en-US" altLang="zh-CN" b="0" i="1" smtClean="0">
+                            <a:latin typeface="Cambria Math" panose="02040503050406030204" pitchFamily="18" charset="0"/>
+                          </a:rPr>
+                          <m:t>𝑏</m:t>
+                        </m:r>
+                      </m:e>
+                    </m:d>
+                    <m:r>
+                      <a:rPr lang="en-US" altLang="zh-CN" b="0" i="1" smtClean="0">
+                        <a:latin typeface="Cambria Math" panose="02040503050406030204" pitchFamily="18" charset="0"/>
+                      </a:rPr>
+                      <m:t>=</m:t>
+                    </m:r>
+                    <m:sSub>
+                      <m:sSubPr>
+                        <m:ctrlPr>
+                          <a:rPr lang="en-US" altLang="zh-CN" b="0" i="1" smtClean="0">
+                            <a:latin typeface="Cambria Math" panose="02040503050406030204" pitchFamily="18" charset="0"/>
+                          </a:rPr>
+                        </m:ctrlPr>
+                      </m:sSubPr>
+                      <m:e>
+                        <m:r>
+                          <a:rPr lang="en-US" altLang="zh-CN" b="0" i="1" smtClean="0">
+                            <a:latin typeface="Cambria Math" panose="02040503050406030204" pitchFamily="18" charset="0"/>
+                          </a:rPr>
+                          <m:t>𝑔</m:t>
+                        </m:r>
+                      </m:e>
+                      <m:sub>
+                        <m:r>
+                          <a:rPr lang="en-US" altLang="zh-CN" b="0" i="1" smtClean="0">
+                            <a:latin typeface="Cambria Math" panose="02040503050406030204" pitchFamily="18" charset="0"/>
+                          </a:rPr>
+                          <m:t>𝑡</m:t>
+                        </m:r>
+                      </m:sub>
+                    </m:sSub>
+                    <m:r>
+                      <a:rPr lang="en-US" altLang="zh-CN" b="0" i="1" smtClean="0">
+                        <a:latin typeface="Cambria Math" panose="02040503050406030204" pitchFamily="18" charset="0"/>
+                      </a:rPr>
+                      <m:t>∈</m:t>
+                    </m:r>
+                    <m:sSub>
+                      <m:sSubPr>
+                        <m:ctrlPr>
+                          <a:rPr lang="en-US" altLang="zh-CN" b="0" i="1" smtClean="0">
+                            <a:latin typeface="Cambria Math" panose="02040503050406030204" pitchFamily="18" charset="0"/>
+                          </a:rPr>
+                        </m:ctrlPr>
+                      </m:sSubPr>
+                      <m:e>
+                        <m:r>
+                          <a:rPr lang="en-US" altLang="zh-CN" b="0" i="1" smtClean="0">
+                            <a:latin typeface="Cambria Math" panose="02040503050406030204" pitchFamily="18" charset="0"/>
+                          </a:rPr>
+                          <m:t>𝐺</m:t>
+                        </m:r>
+                      </m:e>
+                      <m:sub>
+                        <m:r>
+                          <a:rPr lang="en-US" altLang="zh-CN" b="0" i="1" smtClean="0">
+                            <a:latin typeface="Cambria Math" panose="02040503050406030204" pitchFamily="18" charset="0"/>
+                          </a:rPr>
+                          <m:t>𝑇</m:t>
+                        </m:r>
+                      </m:sub>
+                    </m:sSub>
+                  </m:oMath>
+                </a14:m>
+                <a:endParaRPr lang="en-US" altLang="zh-CN" dirty="0"/>
+              </a:p>
+              <a:p>
+                <a:r>
+                  <a:rPr lang="zh-CN" altLang="en-US" dirty="0"/>
+                  <a:t>性质</a:t>
+                </a:r>
+                <a:endParaRPr lang="en-US" altLang="zh-CN" dirty="0"/>
+              </a:p>
+              <a:p>
+                <a:pPr lvl="1"/>
+                <a:r>
+                  <a:rPr lang="zh-CN" altLang="en-US" dirty="0"/>
+                  <a:t>双线性性：</a:t>
+                </a:r>
+                <a14:m>
+                  <m:oMath xmlns:m="http://schemas.openxmlformats.org/officeDocument/2006/math">
+                    <m:r>
+                      <m:rPr>
+                        <m:sty m:val="p"/>
+                      </m:rPr>
+                      <a:rPr lang="en-US" altLang="zh-CN" i="1" dirty="0">
+                        <a:latin typeface="Cambria Math" panose="02040503050406030204" pitchFamily="18" charset="0"/>
+                      </a:rPr>
+                      <m:t>a</m:t>
+                    </m:r>
+                    <m:r>
+                      <a:rPr lang="en-US" altLang="zh-CN" b="0" i="1" dirty="0" smtClean="0">
+                        <a:latin typeface="Cambria Math" panose="02040503050406030204" pitchFamily="18" charset="0"/>
+                      </a:rPr>
+                      <m:t>,</m:t>
+                    </m:r>
+                    <m:r>
+                      <a:rPr lang="en-US" altLang="zh-CN" b="0" i="1" dirty="0" smtClean="0">
+                        <a:latin typeface="Cambria Math" panose="02040503050406030204" pitchFamily="18" charset="0"/>
+                      </a:rPr>
+                      <m:t>𝑏</m:t>
+                    </m:r>
+                    <m:r>
+                      <a:rPr lang="en-US" altLang="zh-CN" b="0" i="1" dirty="0" smtClean="0">
+                        <a:latin typeface="Cambria Math" panose="02040503050406030204" pitchFamily="18" charset="0"/>
+                      </a:rPr>
+                      <m:t>∈</m:t>
+                    </m:r>
+                    <m:sSub>
+                      <m:sSubPr>
+                        <m:ctrlPr>
+                          <a:rPr lang="en-US" altLang="zh-CN" b="0" i="1" dirty="0" smtClean="0">
+                            <a:latin typeface="Cambria Math" panose="02040503050406030204" pitchFamily="18" charset="0"/>
+                          </a:rPr>
+                        </m:ctrlPr>
+                      </m:sSubPr>
+                      <m:e>
+                        <m:r>
+                          <a:rPr lang="en-US" altLang="zh-CN" b="0" i="1" dirty="0" smtClean="0">
+                            <a:latin typeface="Cambria Math" panose="02040503050406030204" pitchFamily="18" charset="0"/>
+                          </a:rPr>
+                          <m:t>𝑍</m:t>
+                        </m:r>
+                      </m:e>
+                      <m:sub>
+                        <m:r>
+                          <a:rPr lang="en-US" altLang="zh-CN" b="0" i="1" dirty="0" smtClean="0">
+                            <a:latin typeface="Cambria Math" panose="02040503050406030204" pitchFamily="18" charset="0"/>
+                          </a:rPr>
+                          <m:t>𝑃</m:t>
+                        </m:r>
+                      </m:sub>
+                    </m:sSub>
+                    <m:r>
+                      <a:rPr lang="en-US" altLang="zh-CN" b="0" i="1" dirty="0" smtClean="0">
+                        <a:latin typeface="Cambria Math" panose="02040503050406030204" pitchFamily="18" charset="0"/>
+                      </a:rPr>
+                      <m:t>, </m:t>
+                    </m:r>
+                    <m:r>
+                      <a:rPr lang="en-US" altLang="zh-CN" b="0" i="1" dirty="0" smtClean="0">
+                        <a:latin typeface="Cambria Math" panose="02040503050406030204" pitchFamily="18" charset="0"/>
+                      </a:rPr>
+                      <m:t>𝑢</m:t>
+                    </m:r>
+                    <m:r>
+                      <a:rPr lang="en-US" altLang="zh-CN" b="0" i="1" dirty="0" smtClean="0">
+                        <a:latin typeface="Cambria Math" panose="02040503050406030204" pitchFamily="18" charset="0"/>
+                      </a:rPr>
+                      <m:t>∈</m:t>
+                    </m:r>
+                    <m:sSub>
+                      <m:sSubPr>
+                        <m:ctrlPr>
+                          <a:rPr lang="en-US" altLang="zh-CN" b="0" i="1" dirty="0" smtClean="0">
+                            <a:latin typeface="Cambria Math" panose="02040503050406030204" pitchFamily="18" charset="0"/>
+                          </a:rPr>
+                        </m:ctrlPr>
+                      </m:sSubPr>
+                      <m:e>
+                        <m:r>
+                          <a:rPr lang="en-US" altLang="zh-CN" b="0" i="1" dirty="0" smtClean="0">
+                            <a:latin typeface="Cambria Math" panose="02040503050406030204" pitchFamily="18" charset="0"/>
+                          </a:rPr>
+                          <m:t>𝐺</m:t>
+                        </m:r>
+                      </m:e>
+                      <m:sub>
+                        <m:r>
+                          <a:rPr lang="en-US" altLang="zh-CN" b="0" i="1" dirty="0" smtClean="0">
+                            <a:latin typeface="Cambria Math" panose="02040503050406030204" pitchFamily="18" charset="0"/>
+                          </a:rPr>
+                          <m:t>1</m:t>
+                        </m:r>
+                      </m:sub>
+                    </m:sSub>
+                    <m:r>
+                      <a:rPr lang="en-US" altLang="zh-CN" b="0" i="1" dirty="0" smtClean="0">
+                        <a:latin typeface="Cambria Math" panose="02040503050406030204" pitchFamily="18" charset="0"/>
+                      </a:rPr>
+                      <m:t>, </m:t>
+                    </m:r>
+                    <m:r>
+                      <a:rPr lang="en-US" altLang="zh-CN" b="0" i="1" dirty="0" smtClean="0">
+                        <a:latin typeface="Cambria Math" panose="02040503050406030204" pitchFamily="18" charset="0"/>
+                      </a:rPr>
+                      <m:t>𝑣</m:t>
+                    </m:r>
+                    <m:r>
+                      <a:rPr lang="en-US" altLang="zh-CN" b="0" i="1" dirty="0" smtClean="0">
+                        <a:latin typeface="Cambria Math" panose="02040503050406030204" pitchFamily="18" charset="0"/>
+                      </a:rPr>
+                      <m:t>∈</m:t>
+                    </m:r>
+                    <m:sSub>
+                      <m:sSubPr>
+                        <m:ctrlPr>
+                          <a:rPr lang="en-US" altLang="zh-CN" b="0" i="1" dirty="0" smtClean="0">
+                            <a:latin typeface="Cambria Math" panose="02040503050406030204" pitchFamily="18" charset="0"/>
+                          </a:rPr>
+                        </m:ctrlPr>
+                      </m:sSubPr>
+                      <m:e>
+                        <m:r>
+                          <a:rPr lang="en-US" altLang="zh-CN" b="0" i="1" dirty="0" smtClean="0">
+                            <a:latin typeface="Cambria Math" panose="02040503050406030204" pitchFamily="18" charset="0"/>
+                          </a:rPr>
+                          <m:t>𝐺</m:t>
+                        </m:r>
+                      </m:e>
+                      <m:sub>
+                        <m:r>
+                          <a:rPr lang="en-US" altLang="zh-CN" b="0" i="1" dirty="0" smtClean="0">
+                            <a:latin typeface="Cambria Math" panose="02040503050406030204" pitchFamily="18" charset="0"/>
+                          </a:rPr>
+                          <m:t>2</m:t>
+                        </m:r>
+                      </m:sub>
+                    </m:sSub>
+                  </m:oMath>
+                </a14:m>
+                <a:endParaRPr lang="en-US" altLang="zh-CN" b="0" dirty="0"/>
+              </a:p>
+              <a:p>
+                <a:pPr lvl="2"/>
+                <a14:m>
+                  <m:oMath xmlns:m="http://schemas.openxmlformats.org/officeDocument/2006/math">
+                    <m:r>
+                      <a:rPr lang="en-US" altLang="zh-CN" b="0" i="1" smtClean="0">
+                        <a:latin typeface="Cambria Math" panose="02040503050406030204" pitchFamily="18" charset="0"/>
+                      </a:rPr>
+                      <m:t>𝑒</m:t>
+                    </m:r>
+                    <m:d>
+                      <m:dPr>
+                        <m:ctrlPr>
+                          <a:rPr lang="en-US" altLang="zh-CN" b="0" i="1" smtClean="0">
+                            <a:latin typeface="Cambria Math" panose="02040503050406030204" pitchFamily="18" charset="0"/>
+                          </a:rPr>
+                        </m:ctrlPr>
+                      </m:dPr>
+                      <m:e>
+                        <m:sSup>
+                          <m:sSupPr>
+                            <m:ctrlPr>
+                              <a:rPr lang="en-US" altLang="zh-CN" b="0" i="1" smtClean="0">
+                                <a:latin typeface="Cambria Math" panose="02040503050406030204" pitchFamily="18" charset="0"/>
+                              </a:rPr>
+                            </m:ctrlPr>
+                          </m:sSupPr>
+                          <m:e>
+                            <m:r>
+                              <a:rPr lang="en-US" altLang="zh-CN" b="0" i="1" smtClean="0">
+                                <a:latin typeface="Cambria Math" panose="02040503050406030204" pitchFamily="18" charset="0"/>
+                              </a:rPr>
+                              <m:t>𝑢</m:t>
+                            </m:r>
+                          </m:e>
+                          <m:sup>
+                            <m:r>
+                              <m:rPr>
+                                <m:sty m:val="p"/>
+                              </m:rPr>
+                              <a:rPr lang="en-US" altLang="zh-CN" i="1">
+                                <a:latin typeface="Cambria Math" panose="02040503050406030204" pitchFamily="18" charset="0"/>
+                              </a:rPr>
+                              <m:t>a</m:t>
+                            </m:r>
+                          </m:sup>
+                        </m:sSup>
+                        <m:r>
+                          <a:rPr lang="en-US" altLang="zh-CN" b="0" i="1" smtClean="0">
+                            <a:latin typeface="Cambria Math" panose="02040503050406030204" pitchFamily="18" charset="0"/>
+                          </a:rPr>
+                          <m:t>,</m:t>
+                        </m:r>
+                        <m:sSup>
+                          <m:sSupPr>
+                            <m:ctrlPr>
+                              <a:rPr lang="en-US" altLang="zh-CN" b="0" i="1" smtClean="0">
+                                <a:latin typeface="Cambria Math" panose="02040503050406030204" pitchFamily="18" charset="0"/>
+                              </a:rPr>
+                            </m:ctrlPr>
+                          </m:sSupPr>
+                          <m:e>
+                            <m:r>
+                              <a:rPr lang="en-US" altLang="zh-CN" b="0" i="1" smtClean="0">
+                                <a:latin typeface="Cambria Math" panose="02040503050406030204" pitchFamily="18" charset="0"/>
+                              </a:rPr>
+                              <m:t>𝑣</m:t>
+                            </m:r>
+                          </m:e>
+                          <m:sup>
+                            <m:r>
+                              <a:rPr lang="en-US" altLang="zh-CN" b="0" i="1" smtClean="0">
+                                <a:latin typeface="Cambria Math" panose="02040503050406030204" pitchFamily="18" charset="0"/>
+                              </a:rPr>
+                              <m:t>𝑏</m:t>
+                            </m:r>
+                          </m:sup>
+                        </m:sSup>
+                      </m:e>
+                    </m:d>
+                    <m:r>
+                      <a:rPr lang="en-US" altLang="zh-CN" b="0" i="1" smtClean="0">
+                        <a:latin typeface="Cambria Math" panose="02040503050406030204" pitchFamily="18" charset="0"/>
+                      </a:rPr>
+                      <m:t>=</m:t>
+                    </m:r>
+                    <m:r>
+                      <a:rPr lang="en-US" altLang="zh-CN" b="0" i="1" smtClean="0">
+                        <a:latin typeface="Cambria Math" panose="02040503050406030204" pitchFamily="18" charset="0"/>
+                      </a:rPr>
+                      <m:t>𝑒</m:t>
+                    </m:r>
+                    <m:sSup>
+                      <m:sSupPr>
+                        <m:ctrlPr>
+                          <a:rPr lang="en-US" altLang="zh-CN" b="0" i="1" smtClean="0">
+                            <a:latin typeface="Cambria Math" panose="02040503050406030204" pitchFamily="18" charset="0"/>
+                          </a:rPr>
+                        </m:ctrlPr>
+                      </m:sSupPr>
+                      <m:e>
+                        <m:d>
+                          <m:dPr>
+                            <m:ctrlPr>
+                              <a:rPr lang="en-US" altLang="zh-CN" b="0" i="1" smtClean="0">
+                                <a:latin typeface="Cambria Math" panose="02040503050406030204" pitchFamily="18" charset="0"/>
+                              </a:rPr>
+                            </m:ctrlPr>
+                          </m:dPr>
+                          <m:e>
+                            <m:r>
+                              <a:rPr lang="en-US" altLang="zh-CN" b="0" i="1" smtClean="0">
+                                <a:latin typeface="Cambria Math" panose="02040503050406030204" pitchFamily="18" charset="0"/>
+                              </a:rPr>
+                              <m:t>𝑢</m:t>
+                            </m:r>
+                            <m:r>
+                              <a:rPr lang="en-US" altLang="zh-CN" b="0" i="1" smtClean="0">
+                                <a:latin typeface="Cambria Math" panose="02040503050406030204" pitchFamily="18" charset="0"/>
+                              </a:rPr>
+                              <m:t>,</m:t>
+                            </m:r>
+                            <m:r>
+                              <a:rPr lang="en-US" altLang="zh-CN" b="0" i="1" smtClean="0">
+                                <a:latin typeface="Cambria Math" panose="02040503050406030204" pitchFamily="18" charset="0"/>
+                              </a:rPr>
+                              <m:t>𝑣</m:t>
+                            </m:r>
+                          </m:e>
+                        </m:d>
+                      </m:e>
+                      <m:sup>
+                        <m:r>
+                          <a:rPr lang="en-US" altLang="zh-CN" b="0" i="1" smtClean="0">
+                            <a:latin typeface="Cambria Math" panose="02040503050406030204" pitchFamily="18" charset="0"/>
+                          </a:rPr>
+                          <m:t>𝑎𝑏</m:t>
+                        </m:r>
+                      </m:sup>
+                    </m:sSup>
+                  </m:oMath>
+                </a14:m>
+                <a:endParaRPr lang="en-US" altLang="zh-CN" dirty="0"/>
+              </a:p>
+              <a:p>
+                <a:pPr lvl="1"/>
+                <a:r>
+                  <a:rPr lang="zh-CN" altLang="en-US" dirty="0"/>
+                  <a:t>非退化性：</a:t>
+                </a:r>
+                <a14:m>
+                  <m:oMath xmlns:m="http://schemas.openxmlformats.org/officeDocument/2006/math">
+                    <m:r>
+                      <a:rPr lang="en-US" altLang="zh-CN" b="0" i="1" smtClean="0">
+                        <a:latin typeface="Cambria Math" panose="02040503050406030204" pitchFamily="18" charset="0"/>
+                      </a:rPr>
+                      <m:t>𝑒</m:t>
+                    </m:r>
+                    <m:d>
+                      <m:dPr>
+                        <m:ctrlPr>
+                          <a:rPr lang="en-US" altLang="zh-CN" b="0" i="1" smtClean="0">
+                            <a:latin typeface="Cambria Math" panose="02040503050406030204" pitchFamily="18" charset="0"/>
+                          </a:rPr>
+                        </m:ctrlPr>
+                      </m:dPr>
+                      <m:e>
+                        <m:sSub>
+                          <m:sSubPr>
+                            <m:ctrlPr>
+                              <a:rPr lang="en-US" altLang="zh-CN" b="0" i="1" smtClean="0">
+                                <a:latin typeface="Cambria Math" panose="02040503050406030204" pitchFamily="18" charset="0"/>
+                              </a:rPr>
+                            </m:ctrlPr>
+                          </m:sSubPr>
+                          <m:e>
+                            <m:r>
+                              <a:rPr lang="en-US" altLang="zh-CN" b="0" i="1" smtClean="0">
+                                <a:latin typeface="Cambria Math" panose="02040503050406030204" pitchFamily="18" charset="0"/>
+                              </a:rPr>
+                              <m:t>𝑔</m:t>
+                            </m:r>
+                          </m:e>
+                          <m:sub>
+                            <m:r>
+                              <a:rPr lang="en-US" altLang="zh-CN" b="0" i="1" smtClean="0">
+                                <a:latin typeface="Cambria Math" panose="02040503050406030204" pitchFamily="18" charset="0"/>
+                              </a:rPr>
+                              <m:t>1</m:t>
+                            </m:r>
+                          </m:sub>
+                        </m:sSub>
+                        <m:r>
+                          <a:rPr lang="en-US" altLang="zh-CN" b="0" i="1" smtClean="0">
+                            <a:latin typeface="Cambria Math" panose="02040503050406030204" pitchFamily="18" charset="0"/>
+                          </a:rPr>
+                          <m:t>,</m:t>
+                        </m:r>
+                        <m:sSub>
+                          <m:sSubPr>
+                            <m:ctrlPr>
+                              <a:rPr lang="en-US" altLang="zh-CN" b="0" i="1" smtClean="0">
+                                <a:latin typeface="Cambria Math" panose="02040503050406030204" pitchFamily="18" charset="0"/>
+                              </a:rPr>
+                            </m:ctrlPr>
+                          </m:sSubPr>
+                          <m:e>
+                            <m:r>
+                              <a:rPr lang="en-US" altLang="zh-CN" b="0" i="1" smtClean="0">
+                                <a:latin typeface="Cambria Math" panose="02040503050406030204" pitchFamily="18" charset="0"/>
+                              </a:rPr>
+                              <m:t>𝑔</m:t>
+                            </m:r>
+                          </m:e>
+                          <m:sub>
+                            <m:r>
+                              <a:rPr lang="en-US" altLang="zh-CN" b="0" i="1" smtClean="0">
+                                <a:latin typeface="Cambria Math" panose="02040503050406030204" pitchFamily="18" charset="0"/>
+                              </a:rPr>
+                              <m:t>2</m:t>
+                            </m:r>
+                          </m:sub>
+                        </m:sSub>
+                      </m:e>
+                    </m:d>
+                    <m:r>
+                      <a:rPr lang="en-US" altLang="zh-CN" b="0" i="1" smtClean="0">
+                        <a:latin typeface="Cambria Math" panose="02040503050406030204" pitchFamily="18" charset="0"/>
+                      </a:rPr>
+                      <m:t>!=</m:t>
+                    </m:r>
+                    <m:sSub>
+                      <m:sSubPr>
+                        <m:ctrlPr>
+                          <a:rPr lang="en-US" altLang="zh-CN" b="0" i="1" smtClean="0">
+                            <a:latin typeface="Cambria Math" panose="02040503050406030204" pitchFamily="18" charset="0"/>
+                          </a:rPr>
+                        </m:ctrlPr>
+                      </m:sSubPr>
+                      <m:e>
+                        <m:r>
+                          <a:rPr lang="en-US" altLang="zh-CN" b="0" i="1" smtClean="0">
+                            <a:latin typeface="Cambria Math" panose="02040503050406030204" pitchFamily="18" charset="0"/>
+                          </a:rPr>
+                          <m:t>1</m:t>
+                        </m:r>
+                      </m:e>
+                      <m:sub>
+                        <m:sSub>
+                          <m:sSubPr>
+                            <m:ctrlPr>
+                              <a:rPr lang="en-US" altLang="zh-CN" b="0" i="1" smtClean="0">
+                                <a:latin typeface="Cambria Math" panose="02040503050406030204" pitchFamily="18" charset="0"/>
+                              </a:rPr>
+                            </m:ctrlPr>
+                          </m:sSubPr>
+                          <m:e>
+                            <m:r>
+                              <a:rPr lang="en-US" altLang="zh-CN" b="0" i="1" smtClean="0">
+                                <a:latin typeface="Cambria Math" panose="02040503050406030204" pitchFamily="18" charset="0"/>
+                              </a:rPr>
+                              <m:t>𝐺</m:t>
+                            </m:r>
+                          </m:e>
+                          <m:sub>
+                            <m:r>
+                              <a:rPr lang="en-US" altLang="zh-CN" b="0" i="1" smtClean="0">
+                                <a:latin typeface="Cambria Math" panose="02040503050406030204" pitchFamily="18" charset="0"/>
+                              </a:rPr>
+                              <m:t>𝑇</m:t>
+                            </m:r>
+                          </m:sub>
+                        </m:sSub>
+                      </m:sub>
+                    </m:sSub>
+                  </m:oMath>
+                </a14:m>
+                <a:endParaRPr lang="en-US" altLang="zh-CN" dirty="0"/>
+              </a:p>
+              <a:p>
+                <a:pPr lvl="1"/>
+                <a:r>
+                  <a:rPr lang="zh-CN" altLang="en-US" dirty="0"/>
+                  <a:t>可计算性：配对值能在有限时间内计算。</a:t>
+                </a:r>
+                <a:endParaRPr lang="en-US" altLang="zh-CN" dirty="0"/>
+              </a:p>
+              <a:p>
+                <a:pPr lvl="1"/>
+                <a:endParaRPr lang="en-US" altLang="zh-CN" dirty="0"/>
+              </a:p>
+            </p:txBody>
+          </p:sp>
+        </mc:Choice>
+        <mc:Fallback xmlns="">
+          <p:sp>
+            <p:nvSpPr>
+              <p:cNvPr id="11" name="内容占位符 10">
+                <a:extLst>
+                  <a:ext uri="{FF2B5EF4-FFF2-40B4-BE49-F238E27FC236}">
+                    <a16:creationId xmlns:a16="http://schemas.microsoft.com/office/drawing/2014/main" id="{A13EE26B-CB8B-B743-C433-841589786484}"/>
+                  </a:ext>
+                </a:extLst>
+              </p:cNvPr>
+              <p:cNvSpPr>
+                <a:spLocks noGrp="1" noRot="1" noChangeAspect="1" noMove="1" noResize="1" noEditPoints="1" noAdjustHandles="1" noChangeArrowheads="1" noChangeShapeType="1" noTextEdit="1"/>
+              </p:cNvSpPr>
+              <p:nvPr>
+                <p:ph idx="1"/>
+              </p:nvPr>
+            </p:nvSpPr>
+            <p:spPr>
+              <a:blipFill>
+                <a:blip r:embed="rId2"/>
+                <a:stretch>
+                  <a:fillRect l="-1005" t="-1821"/>
+                </a:stretch>
+              </a:blipFill>
+            </p:spPr>
+            <p:txBody>
+              <a:bodyPr/>
+              <a:lstStyle/>
+              <a:p>
+                <a:r>
+                  <a:rPr lang="zh-CN" altLang="en-US">
+                    <a:noFill/>
+                  </a:rPr>
+                  <a:t> </a:t>
+                </a:r>
+              </a:p>
+            </p:txBody>
+          </p:sp>
+        </mc:Fallback>
+      </mc:AlternateContent>
       <p:sp>
         <p:nvSpPr>
           <p:cNvPr id="8" name="矩形 7">
